--- a/doc/外部設計書_画面設計_図.pptx
+++ b/doc/外部設計書_画面設計_図.pptx
@@ -16,13 +16,14 @@
     <p:sldId id="268" r:id="rId10"/>
     <p:sldId id="260" r:id="rId11"/>
     <p:sldId id="269" r:id="rId12"/>
-    <p:sldId id="270" r:id="rId13"/>
-    <p:sldId id="271" r:id="rId14"/>
-    <p:sldId id="272" r:id="rId15"/>
-    <p:sldId id="273" r:id="rId16"/>
-    <p:sldId id="274" r:id="rId17"/>
-    <p:sldId id="275" r:id="rId18"/>
-    <p:sldId id="276" r:id="rId19"/>
+    <p:sldId id="277" r:id="rId13"/>
+    <p:sldId id="270" r:id="rId14"/>
+    <p:sldId id="271" r:id="rId15"/>
+    <p:sldId id="272" r:id="rId16"/>
+    <p:sldId id="273" r:id="rId17"/>
+    <p:sldId id="274" r:id="rId18"/>
+    <p:sldId id="275" r:id="rId19"/>
+    <p:sldId id="276" r:id="rId20"/>
   </p:sldIdLst>
   <p:sldSz cx="12192000" cy="6858000"/>
   <p:notesSz cx="6858000" cy="9144000"/>
@@ -121,6 +122,11 @@
       </a:defRPr>
     </a:lvl9pPr>
   </p:defaultTextStyle>
+  <p:extLst>
+    <p:ext uri="{EFAFB233-063F-42B5-8137-9DF3F51BA10A}">
+      <p15:sldGuideLst xmlns:p15="http://schemas.microsoft.com/office/powerpoint/2012/main"/>
+    </p:ext>
+  </p:extLst>
 </p:presentation>
 </file>
 
@@ -7368,6 +7374,2471 @@
           </p:txBody>
         </p:sp>
       </p:grpSp>
+      <p:sp>
+        <p:nvSpPr>
+          <p:cNvPr id="2" name="四角形: 角を丸くする 1">
+            <a:extLst>
+              <a:ext uri="{FF2B5EF4-FFF2-40B4-BE49-F238E27FC236}">
+                <a16:creationId xmlns:a16="http://schemas.microsoft.com/office/drawing/2014/main" id="{9C93DC4E-48F4-A754-BBE2-EF46C5AD08A3}"/>
+              </a:ext>
+            </a:extLst>
+          </p:cNvPr>
+          <p:cNvSpPr/>
+          <p:nvPr/>
+        </p:nvSpPr>
+        <p:spPr>
+          <a:xfrm>
+            <a:off x="3290887" y="3571874"/>
+            <a:ext cx="5010150" cy="1028703"/>
+          </a:xfrm>
+          <a:prstGeom prst="roundRect">
+            <a:avLst/>
+          </a:prstGeom>
+          <a:noFill/>
+          <a:ln w="38100">
+            <a:solidFill>
+              <a:schemeClr val="tx1"/>
+            </a:solidFill>
+          </a:ln>
+        </p:spPr>
+        <p:style>
+          <a:lnRef idx="2">
+            <a:schemeClr val="accent1">
+              <a:shade val="15000"/>
+            </a:schemeClr>
+          </a:lnRef>
+          <a:fillRef idx="1">
+            <a:schemeClr val="accent1"/>
+          </a:fillRef>
+          <a:effectRef idx="0">
+            <a:schemeClr val="accent1"/>
+          </a:effectRef>
+          <a:fontRef idx="minor">
+            <a:schemeClr val="lt1"/>
+          </a:fontRef>
+        </p:style>
+        <p:txBody>
+          <a:bodyPr rtlCol="0" anchor="ctr"/>
+          <a:lstStyle/>
+          <a:p>
+            <a:pPr algn="ctr"/>
+            <a:endParaRPr kumimoji="1" lang="ja-JP" altLang="en-US"/>
+          </a:p>
+        </p:txBody>
+      </p:sp>
+      <p:sp>
+        <p:nvSpPr>
+          <p:cNvPr id="6" name="四角形: 角を丸くする 5">
+            <a:extLst>
+              <a:ext uri="{FF2B5EF4-FFF2-40B4-BE49-F238E27FC236}">
+                <a16:creationId xmlns:a16="http://schemas.microsoft.com/office/drawing/2014/main" id="{E4D48B8B-E058-C80A-FB94-2375106481C3}"/>
+              </a:ext>
+            </a:extLst>
+          </p:cNvPr>
+          <p:cNvSpPr/>
+          <p:nvPr/>
+        </p:nvSpPr>
+        <p:spPr>
+          <a:xfrm>
+            <a:off x="6722862" y="4768754"/>
+            <a:ext cx="1578175" cy="482790"/>
+          </a:xfrm>
+          <a:prstGeom prst="roundRect">
+            <a:avLst/>
+          </a:prstGeom>
+          <a:noFill/>
+          <a:ln w="38100">
+            <a:solidFill>
+              <a:schemeClr val="tx1"/>
+            </a:solidFill>
+          </a:ln>
+        </p:spPr>
+        <p:style>
+          <a:lnRef idx="2">
+            <a:schemeClr val="accent1">
+              <a:shade val="15000"/>
+            </a:schemeClr>
+          </a:lnRef>
+          <a:fillRef idx="1">
+            <a:schemeClr val="accent1"/>
+          </a:fillRef>
+          <a:effectRef idx="0">
+            <a:schemeClr val="accent1"/>
+          </a:effectRef>
+          <a:fontRef idx="minor">
+            <a:schemeClr val="lt1"/>
+          </a:fontRef>
+        </p:style>
+        <p:txBody>
+          <a:bodyPr rtlCol="0" anchor="ctr"/>
+          <a:lstStyle/>
+          <a:p>
+            <a:pPr algn="ctr"/>
+            <a:r>
+              <a:rPr lang="ja-JP" altLang="en-US" sz="2000" b="1" dirty="0">
+                <a:solidFill>
+                  <a:schemeClr val="tx1"/>
+                </a:solidFill>
+                <a:latin typeface="メイリオ" panose="020B0604030504040204" pitchFamily="50" charset="-128"/>
+                <a:ea typeface="メイリオ" panose="020B0604030504040204" pitchFamily="50" charset="-128"/>
+              </a:rPr>
+              <a:t>登録</a:t>
+            </a:r>
+            <a:endParaRPr kumimoji="1" lang="ja-JP" altLang="en-US" sz="2000" b="1" dirty="0">
+              <a:solidFill>
+                <a:schemeClr val="tx1"/>
+              </a:solidFill>
+              <a:latin typeface="メイリオ" panose="020B0604030504040204" pitchFamily="50" charset="-128"/>
+              <a:ea typeface="メイリオ" panose="020B0604030504040204" pitchFamily="50" charset="-128"/>
+            </a:endParaRPr>
+          </a:p>
+        </p:txBody>
+      </p:sp>
+      <p:sp>
+        <p:nvSpPr>
+          <p:cNvPr id="12" name="テキスト ボックス 11">
+            <a:extLst>
+              <a:ext uri="{FF2B5EF4-FFF2-40B4-BE49-F238E27FC236}">
+                <a16:creationId xmlns:a16="http://schemas.microsoft.com/office/drawing/2014/main" id="{2E8D9A3E-E55C-4A77-55E3-E2109B9AEF39}"/>
+              </a:ext>
+            </a:extLst>
+          </p:cNvPr>
+          <p:cNvSpPr txBox="1"/>
+          <p:nvPr/>
+        </p:nvSpPr>
+        <p:spPr>
+          <a:xfrm>
+            <a:off x="3224212" y="3110209"/>
+            <a:ext cx="4752975" cy="461665"/>
+          </a:xfrm>
+          <a:prstGeom prst="rect">
+            <a:avLst/>
+          </a:prstGeom>
+          <a:noFill/>
+        </p:spPr>
+        <p:txBody>
+          <a:bodyPr wrap="square" rtlCol="0">
+            <a:spAutoFit/>
+          </a:bodyPr>
+          <a:lstStyle/>
+          <a:p>
+            <a:r>
+              <a:rPr kumimoji="1" lang="ja-JP" altLang="en-US" sz="2400" b="1" dirty="0">
+                <a:latin typeface="メイリオ" panose="020B0604030504040204" pitchFamily="50" charset="-128"/>
+                <a:ea typeface="メイリオ" panose="020B0604030504040204" pitchFamily="50" charset="-128"/>
+              </a:rPr>
+              <a:t>本日の予定を入力してください</a:t>
+            </a:r>
+            <a:endParaRPr kumimoji="1" lang="en-US" altLang="ja-JP" sz="2400" b="1" dirty="0">
+              <a:latin typeface="メイリオ" panose="020B0604030504040204" pitchFamily="50" charset="-128"/>
+              <a:ea typeface="メイリオ" panose="020B0604030504040204" pitchFamily="50" charset="-128"/>
+            </a:endParaRPr>
+          </a:p>
+        </p:txBody>
+      </p:sp>
+      <p:sp>
+        <p:nvSpPr>
+          <p:cNvPr id="3" name="四角形: 角を丸くする 2">
+            <a:extLst>
+              <a:ext uri="{FF2B5EF4-FFF2-40B4-BE49-F238E27FC236}">
+                <a16:creationId xmlns:a16="http://schemas.microsoft.com/office/drawing/2014/main" id="{BB5029DC-2177-2853-F48B-A6DC5A1BD54C}"/>
+              </a:ext>
+            </a:extLst>
+          </p:cNvPr>
+          <p:cNvSpPr>
+            <a:spLocks noGrp="1" noRot="1" noMove="1" noResize="1" noEditPoints="1" noAdjustHandles="1" noChangeArrowheads="1" noChangeShapeType="1"/>
+          </p:cNvSpPr>
+          <p:nvPr/>
+        </p:nvSpPr>
+        <p:spPr>
+          <a:xfrm>
+            <a:off x="1981197" y="1806249"/>
+            <a:ext cx="8229603" cy="4038598"/>
+          </a:xfrm>
+          <a:prstGeom prst="roundRect">
+            <a:avLst/>
+          </a:prstGeom>
+          <a:solidFill>
+            <a:schemeClr val="bg1"/>
+          </a:solidFill>
+          <a:ln w="38100">
+            <a:solidFill>
+              <a:schemeClr val="tx1"/>
+            </a:solidFill>
+          </a:ln>
+        </p:spPr>
+        <p:style>
+          <a:lnRef idx="2">
+            <a:schemeClr val="accent1">
+              <a:shade val="15000"/>
+            </a:schemeClr>
+          </a:lnRef>
+          <a:fillRef idx="1">
+            <a:schemeClr val="accent1"/>
+          </a:fillRef>
+          <a:effectRef idx="0">
+            <a:schemeClr val="accent1"/>
+          </a:effectRef>
+          <a:fontRef idx="minor">
+            <a:schemeClr val="lt1"/>
+          </a:fontRef>
+        </p:style>
+        <p:txBody>
+          <a:bodyPr rtlCol="0" anchor="ctr"/>
+          <a:lstStyle/>
+          <a:p>
+            <a:pPr algn="ctr"/>
+            <a:endParaRPr kumimoji="1" lang="ja-JP" altLang="en-US"/>
+          </a:p>
+        </p:txBody>
+      </p:sp>
+      <p:sp>
+        <p:nvSpPr>
+          <p:cNvPr id="10" name="テキスト ボックス 9">
+            <a:extLst>
+              <a:ext uri="{FF2B5EF4-FFF2-40B4-BE49-F238E27FC236}">
+                <a16:creationId xmlns:a16="http://schemas.microsoft.com/office/drawing/2014/main" id="{7AFEB0EF-25E1-FD33-A8FA-CAA0D94ED439}"/>
+              </a:ext>
+            </a:extLst>
+          </p:cNvPr>
+          <p:cNvSpPr txBox="1">
+            <a:spLocks noGrp="1" noRot="1" noMove="1" noResize="1" noEditPoints="1" noAdjustHandles="1" noChangeArrowheads="1" noChangeShapeType="1"/>
+          </p:cNvSpPr>
+          <p:nvPr/>
+        </p:nvSpPr>
+        <p:spPr>
+          <a:xfrm>
+            <a:off x="5079206" y="2014834"/>
+            <a:ext cx="2033587" cy="461665"/>
+          </a:xfrm>
+          <a:prstGeom prst="rect">
+            <a:avLst/>
+          </a:prstGeom>
+          <a:noFill/>
+        </p:spPr>
+        <p:txBody>
+          <a:bodyPr wrap="square" rtlCol="0">
+            <a:spAutoFit/>
+          </a:bodyPr>
+          <a:lstStyle/>
+          <a:p>
+            <a:r>
+              <a:rPr kumimoji="1" lang="ja-JP" altLang="en-US" sz="2400" b="1" dirty="0">
+                <a:latin typeface="メイリオ" panose="020B0604030504040204" pitchFamily="50" charset="-128"/>
+                <a:ea typeface="メイリオ" panose="020B0604030504040204" pitchFamily="50" charset="-128"/>
+              </a:rPr>
+              <a:t>今日のクイズ</a:t>
+            </a:r>
+            <a:endParaRPr kumimoji="1" lang="en-US" altLang="ja-JP" sz="2400" b="1" dirty="0">
+              <a:latin typeface="メイリオ" panose="020B0604030504040204" pitchFamily="50" charset="-128"/>
+              <a:ea typeface="メイリオ" panose="020B0604030504040204" pitchFamily="50" charset="-128"/>
+            </a:endParaRPr>
+          </a:p>
+        </p:txBody>
+      </p:sp>
+      <p:sp>
+        <p:nvSpPr>
+          <p:cNvPr id="5" name="テキスト ボックス 4">
+            <a:extLst>
+              <a:ext uri="{FF2B5EF4-FFF2-40B4-BE49-F238E27FC236}">
+                <a16:creationId xmlns:a16="http://schemas.microsoft.com/office/drawing/2014/main" id="{8D59F717-516B-4E4C-3A07-212F2C264ABC}"/>
+              </a:ext>
+            </a:extLst>
+          </p:cNvPr>
+          <p:cNvSpPr txBox="1"/>
+          <p:nvPr/>
+        </p:nvSpPr>
+        <p:spPr>
+          <a:xfrm>
+            <a:off x="2522934" y="2681866"/>
+            <a:ext cx="7546181" cy="707886"/>
+          </a:xfrm>
+          <a:prstGeom prst="rect">
+            <a:avLst/>
+          </a:prstGeom>
+          <a:noFill/>
+        </p:spPr>
+        <p:txBody>
+          <a:bodyPr wrap="square" rtlCol="0">
+            <a:spAutoFit/>
+          </a:bodyPr>
+          <a:lstStyle/>
+          <a:p>
+            <a:r>
+              <a:rPr kumimoji="1" lang="ja-JP" altLang="en-US" sz="2000" b="1" dirty="0">
+                <a:latin typeface="メイリオ" panose="020B0604030504040204" pitchFamily="50" charset="-128"/>
+                <a:ea typeface="メイリオ" panose="020B0604030504040204" pitchFamily="50" charset="-128"/>
+              </a:rPr>
+              <a:t>スマートフォンやタブレットなどの携帯端末に用いられている，</a:t>
+            </a:r>
+            <a:r>
+              <a:rPr kumimoji="1" lang="en-US" altLang="ja-JP" sz="2000" b="1" dirty="0">
+                <a:latin typeface="メイリオ" panose="020B0604030504040204" pitchFamily="50" charset="-128"/>
+                <a:ea typeface="メイリオ" panose="020B0604030504040204" pitchFamily="50" charset="-128"/>
+              </a:rPr>
+              <a:t>OSS(Open Source Software)</a:t>
+            </a:r>
+            <a:r>
+              <a:rPr kumimoji="1" lang="ja-JP" altLang="en-US" sz="2000" b="1" dirty="0">
+                <a:latin typeface="メイリオ" panose="020B0604030504040204" pitchFamily="50" charset="-128"/>
+                <a:ea typeface="メイリオ" panose="020B0604030504040204" pitchFamily="50" charset="-128"/>
+              </a:rPr>
+              <a:t>である</a:t>
+            </a:r>
+            <a:r>
+              <a:rPr kumimoji="1" lang="en-US" altLang="ja-JP" sz="2000" b="1" dirty="0">
+                <a:latin typeface="メイリオ" panose="020B0604030504040204" pitchFamily="50" charset="-128"/>
+                <a:ea typeface="メイリオ" panose="020B0604030504040204" pitchFamily="50" charset="-128"/>
+              </a:rPr>
+              <a:t>OS</a:t>
+            </a:r>
+            <a:r>
+              <a:rPr kumimoji="1" lang="ja-JP" altLang="en-US" sz="2000" b="1" dirty="0">
+                <a:latin typeface="メイリオ" panose="020B0604030504040204" pitchFamily="50" charset="-128"/>
+                <a:ea typeface="メイリオ" panose="020B0604030504040204" pitchFamily="50" charset="-128"/>
+              </a:rPr>
+              <a:t>はどれか。</a:t>
+            </a:r>
+            <a:endParaRPr kumimoji="1" lang="en-US" altLang="ja-JP" sz="2000" b="1" dirty="0">
+              <a:latin typeface="メイリオ" panose="020B0604030504040204" pitchFamily="50" charset="-128"/>
+              <a:ea typeface="メイリオ" panose="020B0604030504040204" pitchFamily="50" charset="-128"/>
+            </a:endParaRPr>
+          </a:p>
+        </p:txBody>
+      </p:sp>
+      <p:sp>
+        <p:nvSpPr>
+          <p:cNvPr id="13" name="テキスト ボックス 12">
+            <a:extLst>
+              <a:ext uri="{FF2B5EF4-FFF2-40B4-BE49-F238E27FC236}">
+                <a16:creationId xmlns:a16="http://schemas.microsoft.com/office/drawing/2014/main" id="{0C3711E0-18BD-0A7A-C911-AACC414DF6B1}"/>
+              </a:ext>
+            </a:extLst>
+          </p:cNvPr>
+          <p:cNvSpPr txBox="1"/>
+          <p:nvPr/>
+        </p:nvSpPr>
+        <p:spPr>
+          <a:xfrm>
+            <a:off x="2925367" y="3853478"/>
+            <a:ext cx="2033587" cy="461665"/>
+          </a:xfrm>
+          <a:prstGeom prst="rect">
+            <a:avLst/>
+          </a:prstGeom>
+          <a:noFill/>
+        </p:spPr>
+        <p:txBody>
+          <a:bodyPr wrap="square" rtlCol="0">
+            <a:spAutoFit/>
+          </a:bodyPr>
+          <a:lstStyle/>
+          <a:p>
+            <a:r>
+              <a:rPr kumimoji="1" lang="en-US" altLang="ja-JP" sz="2400" b="1" dirty="0">
+                <a:latin typeface="メイリオ" panose="020B0604030504040204" pitchFamily="50" charset="-128"/>
+                <a:ea typeface="メイリオ" panose="020B0604030504040204" pitchFamily="50" charset="-128"/>
+              </a:rPr>
+              <a:t>1.Android</a:t>
+            </a:r>
+          </a:p>
+        </p:txBody>
+      </p:sp>
+      <p:sp>
+        <p:nvSpPr>
+          <p:cNvPr id="18" name="テキスト ボックス 17">
+            <a:extLst>
+              <a:ext uri="{FF2B5EF4-FFF2-40B4-BE49-F238E27FC236}">
+                <a16:creationId xmlns:a16="http://schemas.microsoft.com/office/drawing/2014/main" id="{60DCC557-BB35-EBD4-EB06-86458D918E4A}"/>
+              </a:ext>
+            </a:extLst>
+          </p:cNvPr>
+          <p:cNvSpPr txBox="1"/>
+          <p:nvPr/>
+        </p:nvSpPr>
+        <p:spPr>
+          <a:xfrm>
+            <a:off x="6962776" y="3891578"/>
+            <a:ext cx="1214436" cy="461665"/>
+          </a:xfrm>
+          <a:prstGeom prst="rect">
+            <a:avLst/>
+          </a:prstGeom>
+          <a:noFill/>
+        </p:spPr>
+        <p:txBody>
+          <a:bodyPr wrap="square" rtlCol="0">
+            <a:spAutoFit/>
+          </a:bodyPr>
+          <a:lstStyle/>
+          <a:p>
+            <a:r>
+              <a:rPr lang="en-US" altLang="ja-JP" sz="2400" b="1" dirty="0">
+                <a:latin typeface="メイリオ" panose="020B0604030504040204" pitchFamily="50" charset="-128"/>
+                <a:ea typeface="メイリオ" panose="020B0604030504040204" pitchFamily="50" charset="-128"/>
+              </a:rPr>
+              <a:t>2</a:t>
+            </a:r>
+            <a:r>
+              <a:rPr kumimoji="1" lang="en-US" altLang="ja-JP" sz="2400" b="1" dirty="0">
+                <a:latin typeface="メイリオ" panose="020B0604030504040204" pitchFamily="50" charset="-128"/>
+                <a:ea typeface="メイリオ" panose="020B0604030504040204" pitchFamily="50" charset="-128"/>
+              </a:rPr>
+              <a:t>.iOS</a:t>
+            </a:r>
+          </a:p>
+        </p:txBody>
+      </p:sp>
+      <p:sp>
+        <p:nvSpPr>
+          <p:cNvPr id="19" name="テキスト ボックス 18">
+            <a:extLst>
+              <a:ext uri="{FF2B5EF4-FFF2-40B4-BE49-F238E27FC236}">
+                <a16:creationId xmlns:a16="http://schemas.microsoft.com/office/drawing/2014/main" id="{E45B6150-FC50-D0CD-F2FA-BEA4ECFB6CFD}"/>
+              </a:ext>
+            </a:extLst>
+          </p:cNvPr>
+          <p:cNvSpPr txBox="1"/>
+          <p:nvPr/>
+        </p:nvSpPr>
+        <p:spPr>
+          <a:xfrm>
+            <a:off x="2925366" y="4740229"/>
+            <a:ext cx="2033587" cy="461665"/>
+          </a:xfrm>
+          <a:prstGeom prst="rect">
+            <a:avLst/>
+          </a:prstGeom>
+          <a:noFill/>
+        </p:spPr>
+        <p:txBody>
+          <a:bodyPr wrap="square" rtlCol="0">
+            <a:spAutoFit/>
+          </a:bodyPr>
+          <a:lstStyle/>
+          <a:p>
+            <a:r>
+              <a:rPr lang="en-US" altLang="ja-JP" sz="2400" b="1" dirty="0">
+                <a:latin typeface="メイリオ" panose="020B0604030504040204" pitchFamily="50" charset="-128"/>
+                <a:ea typeface="メイリオ" panose="020B0604030504040204" pitchFamily="50" charset="-128"/>
+              </a:rPr>
+              <a:t>3</a:t>
+            </a:r>
+            <a:r>
+              <a:rPr kumimoji="1" lang="en-US" altLang="ja-JP" sz="2400" b="1" dirty="0">
+                <a:latin typeface="メイリオ" panose="020B0604030504040204" pitchFamily="50" charset="-128"/>
+                <a:ea typeface="メイリオ" panose="020B0604030504040204" pitchFamily="50" charset="-128"/>
+              </a:rPr>
+              <a:t>.Safari</a:t>
+            </a:r>
+          </a:p>
+        </p:txBody>
+      </p:sp>
+      <p:sp>
+        <p:nvSpPr>
+          <p:cNvPr id="20" name="テキスト ボックス 19">
+            <a:extLst>
+              <a:ext uri="{FF2B5EF4-FFF2-40B4-BE49-F238E27FC236}">
+                <a16:creationId xmlns:a16="http://schemas.microsoft.com/office/drawing/2014/main" id="{82EF7104-CE9F-1B51-6518-C7D57D6BABED}"/>
+              </a:ext>
+            </a:extLst>
+          </p:cNvPr>
+          <p:cNvSpPr txBox="1"/>
+          <p:nvPr/>
+        </p:nvSpPr>
+        <p:spPr>
+          <a:xfrm>
+            <a:off x="6962776" y="4690255"/>
+            <a:ext cx="2033587" cy="461665"/>
+          </a:xfrm>
+          <a:prstGeom prst="rect">
+            <a:avLst/>
+          </a:prstGeom>
+          <a:noFill/>
+        </p:spPr>
+        <p:txBody>
+          <a:bodyPr wrap="square" rtlCol="0">
+            <a:spAutoFit/>
+          </a:bodyPr>
+          <a:lstStyle/>
+          <a:p>
+            <a:r>
+              <a:rPr lang="en-US" altLang="ja-JP" sz="2400" b="1" dirty="0">
+                <a:latin typeface="メイリオ" panose="020B0604030504040204" pitchFamily="50" charset="-128"/>
+                <a:ea typeface="メイリオ" panose="020B0604030504040204" pitchFamily="50" charset="-128"/>
+              </a:rPr>
+              <a:t>4</a:t>
+            </a:r>
+            <a:r>
+              <a:rPr kumimoji="1" lang="en-US" altLang="ja-JP" sz="2400" b="1" dirty="0">
+                <a:latin typeface="メイリオ" panose="020B0604030504040204" pitchFamily="50" charset="-128"/>
+                <a:ea typeface="メイリオ" panose="020B0604030504040204" pitchFamily="50" charset="-128"/>
+              </a:rPr>
+              <a:t>.Windows</a:t>
+            </a:r>
+          </a:p>
+        </p:txBody>
+      </p:sp>
+      <p:sp>
+        <p:nvSpPr>
+          <p:cNvPr id="21" name="四角形: 角を丸くする 20">
+            <a:extLst>
+              <a:ext uri="{FF2B5EF4-FFF2-40B4-BE49-F238E27FC236}">
+                <a16:creationId xmlns:a16="http://schemas.microsoft.com/office/drawing/2014/main" id="{B600C39D-7ABB-2BBF-F58F-0315C9AEA821}"/>
+              </a:ext>
+            </a:extLst>
+          </p:cNvPr>
+          <p:cNvSpPr/>
+          <p:nvPr/>
+        </p:nvSpPr>
+        <p:spPr>
+          <a:xfrm>
+            <a:off x="5384601" y="5306800"/>
+            <a:ext cx="1578175" cy="482790"/>
+          </a:xfrm>
+          <a:prstGeom prst="roundRect">
+            <a:avLst/>
+          </a:prstGeom>
+          <a:noFill/>
+          <a:ln w="38100">
+            <a:solidFill>
+              <a:schemeClr val="tx1"/>
+            </a:solidFill>
+          </a:ln>
+        </p:spPr>
+        <p:style>
+          <a:lnRef idx="2">
+            <a:schemeClr val="accent1">
+              <a:shade val="15000"/>
+            </a:schemeClr>
+          </a:lnRef>
+          <a:fillRef idx="1">
+            <a:schemeClr val="accent1"/>
+          </a:fillRef>
+          <a:effectRef idx="0">
+            <a:schemeClr val="accent1"/>
+          </a:effectRef>
+          <a:fontRef idx="minor">
+            <a:schemeClr val="lt1"/>
+          </a:fontRef>
+        </p:style>
+        <p:txBody>
+          <a:bodyPr rtlCol="0" anchor="ctr"/>
+          <a:lstStyle/>
+          <a:p>
+            <a:pPr algn="ctr"/>
+            <a:r>
+              <a:rPr lang="ja-JP" altLang="en-US" sz="2000" b="1" dirty="0">
+                <a:solidFill>
+                  <a:schemeClr val="tx1"/>
+                </a:solidFill>
+                <a:latin typeface="メイリオ" panose="020B0604030504040204" pitchFamily="50" charset="-128"/>
+                <a:ea typeface="メイリオ" panose="020B0604030504040204" pitchFamily="50" charset="-128"/>
+              </a:rPr>
+              <a:t>回答</a:t>
+            </a:r>
+            <a:endParaRPr kumimoji="1" lang="ja-JP" altLang="en-US" sz="2000" b="1" dirty="0">
+              <a:solidFill>
+                <a:schemeClr val="tx1"/>
+              </a:solidFill>
+              <a:latin typeface="メイリオ" panose="020B0604030504040204" pitchFamily="50" charset="-128"/>
+              <a:ea typeface="メイリオ" panose="020B0604030504040204" pitchFamily="50" charset="-128"/>
+            </a:endParaRPr>
+          </a:p>
+        </p:txBody>
+      </p:sp>
+      <p:sp>
+        <p:nvSpPr>
+          <p:cNvPr id="22" name="楕円 21">
+            <a:extLst>
+              <a:ext uri="{FF2B5EF4-FFF2-40B4-BE49-F238E27FC236}">
+                <a16:creationId xmlns:a16="http://schemas.microsoft.com/office/drawing/2014/main" id="{F22483C9-37A3-3070-E359-9274400507C7}"/>
+              </a:ext>
+            </a:extLst>
+          </p:cNvPr>
+          <p:cNvSpPr/>
+          <p:nvPr/>
+        </p:nvSpPr>
+        <p:spPr>
+          <a:xfrm>
+            <a:off x="5057774" y="3901428"/>
+            <a:ext cx="266700" cy="266700"/>
+          </a:xfrm>
+          <a:prstGeom prst="ellipse">
+            <a:avLst/>
+          </a:prstGeom>
+          <a:noFill/>
+          <a:ln w="38100">
+            <a:solidFill>
+              <a:schemeClr val="tx1"/>
+            </a:solidFill>
+          </a:ln>
+        </p:spPr>
+        <p:style>
+          <a:lnRef idx="2">
+            <a:schemeClr val="accent1">
+              <a:shade val="15000"/>
+            </a:schemeClr>
+          </a:lnRef>
+          <a:fillRef idx="1">
+            <a:schemeClr val="accent1"/>
+          </a:fillRef>
+          <a:effectRef idx="0">
+            <a:schemeClr val="accent1"/>
+          </a:effectRef>
+          <a:fontRef idx="minor">
+            <a:schemeClr val="lt1"/>
+          </a:fontRef>
+        </p:style>
+        <p:txBody>
+          <a:bodyPr rtlCol="0" anchor="ctr"/>
+          <a:lstStyle/>
+          <a:p>
+            <a:pPr algn="ctr"/>
+            <a:endParaRPr kumimoji="1" lang="ja-JP" altLang="en-US"/>
+          </a:p>
+        </p:txBody>
+      </p:sp>
+      <p:sp>
+        <p:nvSpPr>
+          <p:cNvPr id="23" name="楕円 22">
+            <a:extLst>
+              <a:ext uri="{FF2B5EF4-FFF2-40B4-BE49-F238E27FC236}">
+                <a16:creationId xmlns:a16="http://schemas.microsoft.com/office/drawing/2014/main" id="{E942DD4D-8A05-F34F-CDE1-4CD977D5EA3C}"/>
+              </a:ext>
+            </a:extLst>
+          </p:cNvPr>
+          <p:cNvSpPr/>
+          <p:nvPr/>
+        </p:nvSpPr>
+        <p:spPr>
+          <a:xfrm>
+            <a:off x="5079206" y="4765571"/>
+            <a:ext cx="266700" cy="266700"/>
+          </a:xfrm>
+          <a:prstGeom prst="ellipse">
+            <a:avLst/>
+          </a:prstGeom>
+          <a:solidFill>
+            <a:srgbClr val="FF0000"/>
+          </a:solidFill>
+          <a:ln w="38100">
+            <a:solidFill>
+              <a:schemeClr val="tx1"/>
+            </a:solidFill>
+          </a:ln>
+        </p:spPr>
+        <p:style>
+          <a:lnRef idx="2">
+            <a:schemeClr val="accent1">
+              <a:shade val="15000"/>
+            </a:schemeClr>
+          </a:lnRef>
+          <a:fillRef idx="1">
+            <a:schemeClr val="accent1"/>
+          </a:fillRef>
+          <a:effectRef idx="0">
+            <a:schemeClr val="accent1"/>
+          </a:effectRef>
+          <a:fontRef idx="minor">
+            <a:schemeClr val="lt1"/>
+          </a:fontRef>
+        </p:style>
+        <p:txBody>
+          <a:bodyPr rtlCol="0" anchor="ctr"/>
+          <a:lstStyle/>
+          <a:p>
+            <a:pPr algn="ctr"/>
+            <a:endParaRPr kumimoji="1" lang="ja-JP" altLang="en-US"/>
+          </a:p>
+        </p:txBody>
+      </p:sp>
+      <p:sp>
+        <p:nvSpPr>
+          <p:cNvPr id="26" name="楕円 25">
+            <a:extLst>
+              <a:ext uri="{FF2B5EF4-FFF2-40B4-BE49-F238E27FC236}">
+                <a16:creationId xmlns:a16="http://schemas.microsoft.com/office/drawing/2014/main" id="{7F48D87F-B5BB-7E4B-1548-6AF10307B868}"/>
+              </a:ext>
+            </a:extLst>
+          </p:cNvPr>
+          <p:cNvSpPr/>
+          <p:nvPr/>
+        </p:nvSpPr>
+        <p:spPr>
+          <a:xfrm>
+            <a:off x="9121377" y="4736664"/>
+            <a:ext cx="266700" cy="266700"/>
+          </a:xfrm>
+          <a:prstGeom prst="ellipse">
+            <a:avLst/>
+          </a:prstGeom>
+          <a:noFill/>
+          <a:ln w="38100">
+            <a:solidFill>
+              <a:schemeClr val="tx1"/>
+            </a:solidFill>
+          </a:ln>
+        </p:spPr>
+        <p:style>
+          <a:lnRef idx="2">
+            <a:schemeClr val="accent1">
+              <a:shade val="15000"/>
+            </a:schemeClr>
+          </a:lnRef>
+          <a:fillRef idx="1">
+            <a:schemeClr val="accent1"/>
+          </a:fillRef>
+          <a:effectRef idx="0">
+            <a:schemeClr val="accent1"/>
+          </a:effectRef>
+          <a:fontRef idx="minor">
+            <a:schemeClr val="lt1"/>
+          </a:fontRef>
+        </p:style>
+        <p:txBody>
+          <a:bodyPr rtlCol="0" anchor="ctr"/>
+          <a:lstStyle/>
+          <a:p>
+            <a:pPr algn="ctr"/>
+            <a:endParaRPr kumimoji="1" lang="ja-JP" altLang="en-US"/>
+          </a:p>
+        </p:txBody>
+      </p:sp>
+      <p:sp>
+        <p:nvSpPr>
+          <p:cNvPr id="27" name="楕円 26">
+            <a:extLst>
+              <a:ext uri="{FF2B5EF4-FFF2-40B4-BE49-F238E27FC236}">
+                <a16:creationId xmlns:a16="http://schemas.microsoft.com/office/drawing/2014/main" id="{1CD03702-6857-0369-1E26-75749B52B0E6}"/>
+              </a:ext>
+            </a:extLst>
+          </p:cNvPr>
+          <p:cNvSpPr/>
+          <p:nvPr/>
+        </p:nvSpPr>
+        <p:spPr>
+          <a:xfrm>
+            <a:off x="9121377" y="3907357"/>
+            <a:ext cx="266700" cy="266700"/>
+          </a:xfrm>
+          <a:prstGeom prst="ellipse">
+            <a:avLst/>
+          </a:prstGeom>
+          <a:noFill/>
+          <a:ln w="38100">
+            <a:solidFill>
+              <a:schemeClr val="tx1"/>
+            </a:solidFill>
+          </a:ln>
+        </p:spPr>
+        <p:style>
+          <a:lnRef idx="2">
+            <a:schemeClr val="accent1">
+              <a:shade val="15000"/>
+            </a:schemeClr>
+          </a:lnRef>
+          <a:fillRef idx="1">
+            <a:schemeClr val="accent1"/>
+          </a:fillRef>
+          <a:effectRef idx="0">
+            <a:schemeClr val="accent1"/>
+          </a:effectRef>
+          <a:fontRef idx="minor">
+            <a:schemeClr val="lt1"/>
+          </a:fontRef>
+        </p:style>
+        <p:txBody>
+          <a:bodyPr rtlCol="0" anchor="ctr"/>
+          <a:lstStyle/>
+          <a:p>
+            <a:pPr algn="ctr"/>
+            <a:endParaRPr kumimoji="1" lang="ja-JP" altLang="en-US"/>
+          </a:p>
+        </p:txBody>
+      </p:sp>
+      <p:sp>
+        <p:nvSpPr>
+          <p:cNvPr id="8" name="四角形: 角を丸くする 7">
+            <a:extLst>
+              <a:ext uri="{FF2B5EF4-FFF2-40B4-BE49-F238E27FC236}">
+                <a16:creationId xmlns:a16="http://schemas.microsoft.com/office/drawing/2014/main" id="{8B625537-A4FB-D243-DCF6-CD8DB7CE72C9}"/>
+              </a:ext>
+            </a:extLst>
+          </p:cNvPr>
+          <p:cNvSpPr>
+            <a:spLocks noGrp="1" noRot="1" noMove="1" noResize="1" noEditPoints="1" noAdjustHandles="1" noChangeArrowheads="1" noChangeShapeType="1"/>
+          </p:cNvSpPr>
+          <p:nvPr/>
+        </p:nvSpPr>
+        <p:spPr>
+          <a:xfrm>
+            <a:off x="2381249" y="2093138"/>
+            <a:ext cx="7546181" cy="3443144"/>
+          </a:xfrm>
+          <a:prstGeom prst="roundRect">
+            <a:avLst/>
+          </a:prstGeom>
+          <a:solidFill>
+            <a:schemeClr val="bg1"/>
+          </a:solidFill>
+          <a:ln w="38100">
+            <a:solidFill>
+              <a:schemeClr val="tx1"/>
+            </a:solidFill>
+          </a:ln>
+        </p:spPr>
+        <p:style>
+          <a:lnRef idx="2">
+            <a:schemeClr val="accent1">
+              <a:shade val="15000"/>
+            </a:schemeClr>
+          </a:lnRef>
+          <a:fillRef idx="1">
+            <a:schemeClr val="accent1"/>
+          </a:fillRef>
+          <a:effectRef idx="0">
+            <a:schemeClr val="accent1"/>
+          </a:effectRef>
+          <a:fontRef idx="minor">
+            <a:schemeClr val="lt1"/>
+          </a:fontRef>
+        </p:style>
+        <p:txBody>
+          <a:bodyPr rtlCol="0" anchor="ctr"/>
+          <a:lstStyle/>
+          <a:p>
+            <a:pPr algn="ctr"/>
+            <a:endParaRPr kumimoji="1" lang="ja-JP" altLang="en-US"/>
+          </a:p>
+        </p:txBody>
+      </p:sp>
+      <p:sp>
+        <p:nvSpPr>
+          <p:cNvPr id="24" name="テキスト ボックス 23">
+            <a:extLst>
+              <a:ext uri="{FF2B5EF4-FFF2-40B4-BE49-F238E27FC236}">
+                <a16:creationId xmlns:a16="http://schemas.microsoft.com/office/drawing/2014/main" id="{25E960FD-1DF2-71FD-0681-E344082648A0}"/>
+              </a:ext>
+            </a:extLst>
+          </p:cNvPr>
+          <p:cNvSpPr txBox="1">
+            <a:spLocks noGrp="1" noRot="1" noMove="1" noResize="1" noEditPoints="1" noAdjustHandles="1" noChangeArrowheads="1" noChangeShapeType="1"/>
+          </p:cNvSpPr>
+          <p:nvPr/>
+        </p:nvSpPr>
+        <p:spPr>
+          <a:xfrm>
+            <a:off x="5537894" y="2432823"/>
+            <a:ext cx="1271588" cy="646331"/>
+          </a:xfrm>
+          <a:prstGeom prst="rect">
+            <a:avLst/>
+          </a:prstGeom>
+          <a:noFill/>
+        </p:spPr>
+        <p:txBody>
+          <a:bodyPr wrap="square" rtlCol="0">
+            <a:spAutoFit/>
+          </a:bodyPr>
+          <a:lstStyle/>
+          <a:p>
+            <a:r>
+              <a:rPr kumimoji="1" lang="ja-JP" altLang="en-US" sz="3600" b="1" dirty="0">
+                <a:latin typeface="メイリオ" panose="020B0604030504040204" pitchFamily="50" charset="-128"/>
+                <a:ea typeface="メイリオ" panose="020B0604030504040204" pitchFamily="50" charset="-128"/>
+              </a:rPr>
+              <a:t>正解</a:t>
+            </a:r>
+            <a:endParaRPr kumimoji="1" lang="en-US" altLang="ja-JP" sz="3600" b="1" dirty="0">
+              <a:latin typeface="メイリオ" panose="020B0604030504040204" pitchFamily="50" charset="-128"/>
+              <a:ea typeface="メイリオ" panose="020B0604030504040204" pitchFamily="50" charset="-128"/>
+            </a:endParaRPr>
+          </a:p>
+        </p:txBody>
+      </p:sp>
+      <p:sp>
+        <p:nvSpPr>
+          <p:cNvPr id="25" name="テキスト ボックス 24">
+            <a:extLst>
+              <a:ext uri="{FF2B5EF4-FFF2-40B4-BE49-F238E27FC236}">
+                <a16:creationId xmlns:a16="http://schemas.microsoft.com/office/drawing/2014/main" id="{ADF8C76B-8DC4-1B19-5483-109C7EE4E6D0}"/>
+              </a:ext>
+            </a:extLst>
+          </p:cNvPr>
+          <p:cNvSpPr txBox="1">
+            <a:spLocks noGrp="1" noRot="1" noMove="1" noResize="1" noEditPoints="1" noAdjustHandles="1" noChangeArrowheads="1" noChangeShapeType="1"/>
+          </p:cNvSpPr>
+          <p:nvPr/>
+        </p:nvSpPr>
+        <p:spPr>
+          <a:xfrm>
+            <a:off x="3191171" y="3384887"/>
+            <a:ext cx="6381155" cy="1015663"/>
+          </a:xfrm>
+          <a:prstGeom prst="rect">
+            <a:avLst/>
+          </a:prstGeom>
+          <a:noFill/>
+        </p:spPr>
+        <p:txBody>
+          <a:bodyPr wrap="square" rtlCol="0">
+            <a:spAutoFit/>
+          </a:bodyPr>
+          <a:lstStyle/>
+          <a:p>
+            <a:r>
+              <a:rPr lang="ja-JP" altLang="en-US" sz="2000" b="1" dirty="0">
+                <a:latin typeface="メイリオ" panose="020B0604030504040204" pitchFamily="50" charset="-128"/>
+                <a:ea typeface="メイリオ" panose="020B0604030504040204" pitchFamily="50" charset="-128"/>
+              </a:rPr>
+              <a:t>スマートフォンやタブレットなどの携帯端末に用いられている，</a:t>
+            </a:r>
+            <a:r>
+              <a:rPr lang="en-US" altLang="ja-JP" sz="2000" b="1" dirty="0">
+                <a:latin typeface="メイリオ" panose="020B0604030504040204" pitchFamily="50" charset="-128"/>
+                <a:ea typeface="メイリオ" panose="020B0604030504040204" pitchFamily="50" charset="-128"/>
+              </a:rPr>
+              <a:t>OSS(Open Source Software)</a:t>
+            </a:r>
+            <a:r>
+              <a:rPr lang="ja-JP" altLang="en-US" sz="2000" b="1" dirty="0">
+                <a:latin typeface="メイリオ" panose="020B0604030504040204" pitchFamily="50" charset="-128"/>
+                <a:ea typeface="メイリオ" panose="020B0604030504040204" pitchFamily="50" charset="-128"/>
+              </a:rPr>
+              <a:t>である</a:t>
+            </a:r>
+            <a:r>
+              <a:rPr lang="en-US" altLang="ja-JP" sz="2000" b="1" dirty="0">
+                <a:latin typeface="メイリオ" panose="020B0604030504040204" pitchFamily="50" charset="-128"/>
+                <a:ea typeface="メイリオ" panose="020B0604030504040204" pitchFamily="50" charset="-128"/>
+              </a:rPr>
+              <a:t>OS</a:t>
+            </a:r>
+            <a:r>
+              <a:rPr lang="ja-JP" altLang="en-US" sz="2000" b="1" dirty="0">
+                <a:latin typeface="メイリオ" panose="020B0604030504040204" pitchFamily="50" charset="-128"/>
+                <a:ea typeface="メイリオ" panose="020B0604030504040204" pitchFamily="50" charset="-128"/>
+              </a:rPr>
+              <a:t>は「</a:t>
+            </a:r>
+            <a:r>
+              <a:rPr lang="en-US" altLang="ja-JP" sz="2000" b="1" dirty="0">
+                <a:latin typeface="メイリオ" panose="020B0604030504040204" pitchFamily="50" charset="-128"/>
+                <a:ea typeface="メイリオ" panose="020B0604030504040204" pitchFamily="50" charset="-128"/>
+              </a:rPr>
+              <a:t>Android</a:t>
+            </a:r>
+            <a:r>
+              <a:rPr lang="ja-JP" altLang="en-US" sz="2000" b="1" dirty="0">
+                <a:latin typeface="メイリオ" panose="020B0604030504040204" pitchFamily="50" charset="-128"/>
+                <a:ea typeface="メイリオ" panose="020B0604030504040204" pitchFamily="50" charset="-128"/>
+              </a:rPr>
+              <a:t>」である</a:t>
+            </a:r>
+            <a:endParaRPr kumimoji="1" lang="en-US" altLang="ja-JP" sz="2000" b="1" dirty="0">
+              <a:latin typeface="メイリオ" panose="020B0604030504040204" pitchFamily="50" charset="-128"/>
+              <a:ea typeface="メイリオ" panose="020B0604030504040204" pitchFamily="50" charset="-128"/>
+            </a:endParaRPr>
+          </a:p>
+        </p:txBody>
+      </p:sp>
+      <p:sp>
+        <p:nvSpPr>
+          <p:cNvPr id="28" name="テキスト ボックス 27">
+            <a:extLst>
+              <a:ext uri="{FF2B5EF4-FFF2-40B4-BE49-F238E27FC236}">
+                <a16:creationId xmlns:a16="http://schemas.microsoft.com/office/drawing/2014/main" id="{91C7B559-61D4-6A80-3B64-6319E379BA2B}"/>
+              </a:ext>
+            </a:extLst>
+          </p:cNvPr>
+          <p:cNvSpPr txBox="1">
+            <a:spLocks noGrp="1" noRot="1" noMove="1" noResize="1" noEditPoints="1" noAdjustHandles="1" noChangeArrowheads="1" noChangeShapeType="1"/>
+          </p:cNvSpPr>
+          <p:nvPr/>
+        </p:nvSpPr>
+        <p:spPr>
+          <a:xfrm>
+            <a:off x="7397949" y="4899898"/>
+            <a:ext cx="2089547" cy="400110"/>
+          </a:xfrm>
+          <a:prstGeom prst="rect">
+            <a:avLst/>
+          </a:prstGeom>
+          <a:noFill/>
+        </p:spPr>
+        <p:txBody>
+          <a:bodyPr wrap="square" rtlCol="0">
+            <a:spAutoFit/>
+          </a:bodyPr>
+          <a:lstStyle/>
+          <a:p>
+            <a:r>
+              <a:rPr lang="ja-JP" altLang="en-US" sz="2000" b="1" dirty="0">
+                <a:latin typeface="メイリオ" panose="020B0604030504040204" pitchFamily="50" charset="-128"/>
+                <a:ea typeface="メイリオ" panose="020B0604030504040204" pitchFamily="50" charset="-128"/>
+              </a:rPr>
+              <a:t>用語を確認する</a:t>
+            </a:r>
+            <a:endParaRPr kumimoji="1" lang="en-US" altLang="ja-JP" sz="2000" b="1" dirty="0">
+              <a:latin typeface="メイリオ" panose="020B0604030504040204" pitchFamily="50" charset="-128"/>
+              <a:ea typeface="メイリオ" panose="020B0604030504040204" pitchFamily="50" charset="-128"/>
+            </a:endParaRPr>
+          </a:p>
+        </p:txBody>
+      </p:sp>
+      <p:sp>
+        <p:nvSpPr>
+          <p:cNvPr id="29" name="正方形/長方形 28">
+            <a:extLst>
+              <a:ext uri="{FF2B5EF4-FFF2-40B4-BE49-F238E27FC236}">
+                <a16:creationId xmlns:a16="http://schemas.microsoft.com/office/drawing/2014/main" id="{8BE66FB2-74EE-AE26-F6C4-816BBA3D94DC}"/>
+              </a:ext>
+            </a:extLst>
+          </p:cNvPr>
+          <p:cNvSpPr/>
+          <p:nvPr/>
+        </p:nvSpPr>
+        <p:spPr>
+          <a:xfrm>
+            <a:off x="2262483" y="2326615"/>
+            <a:ext cx="805756" cy="923330"/>
+          </a:xfrm>
+          <a:prstGeom prst="rect">
+            <a:avLst/>
+          </a:prstGeom>
+          <a:noFill/>
+        </p:spPr>
+        <p:txBody>
+          <a:bodyPr wrap="square" lIns="91440" tIns="45720" rIns="91440" bIns="45720">
+            <a:spAutoFit/>
+          </a:bodyPr>
+          <a:lstStyle/>
+          <a:p>
+            <a:pPr algn="ctr"/>
+            <a:r>
+              <a:rPr lang="en-US" altLang="ja-JP" sz="5400" b="1" cap="none" spc="0" dirty="0">
+                <a:ln w="0"/>
+                <a:solidFill>
+                  <a:srgbClr val="FF0000"/>
+                </a:solidFill>
+                <a:effectLst>
+                  <a:outerShdw blurRad="38100" dist="19050" dir="2700000" algn="tl" rotWithShape="0">
+                    <a:schemeClr val="dk1">
+                      <a:alpha val="40000"/>
+                    </a:schemeClr>
+                  </a:outerShdw>
+                </a:effectLst>
+              </a:rPr>
+              <a:t>7</a:t>
+            </a:r>
+            <a:endParaRPr lang="ja-JP" altLang="en-US" sz="5400" b="1" cap="none" spc="0" dirty="0">
+              <a:ln w="0"/>
+              <a:solidFill>
+                <a:srgbClr val="FF0000"/>
+              </a:solidFill>
+              <a:effectLst>
+                <a:outerShdw blurRad="38100" dist="19050" dir="2700000" algn="tl" rotWithShape="0">
+                  <a:schemeClr val="dk1">
+                    <a:alpha val="40000"/>
+                  </a:schemeClr>
+                </a:outerShdw>
+              </a:effectLst>
+            </a:endParaRPr>
+          </a:p>
+        </p:txBody>
+      </p:sp>
+      <p:sp>
+        <p:nvSpPr>
+          <p:cNvPr id="30" name="正方形/長方形 29">
+            <a:extLst>
+              <a:ext uri="{FF2B5EF4-FFF2-40B4-BE49-F238E27FC236}">
+                <a16:creationId xmlns:a16="http://schemas.microsoft.com/office/drawing/2014/main" id="{6FA6C463-A2C7-6102-46DA-36AB04D6D09C}"/>
+              </a:ext>
+            </a:extLst>
+          </p:cNvPr>
+          <p:cNvSpPr/>
+          <p:nvPr/>
+        </p:nvSpPr>
+        <p:spPr>
+          <a:xfrm>
+            <a:off x="6458549" y="4644007"/>
+            <a:ext cx="1163240" cy="923330"/>
+          </a:xfrm>
+          <a:prstGeom prst="rect">
+            <a:avLst/>
+          </a:prstGeom>
+          <a:noFill/>
+        </p:spPr>
+        <p:txBody>
+          <a:bodyPr wrap="square" lIns="91440" tIns="45720" rIns="91440" bIns="45720">
+            <a:spAutoFit/>
+          </a:bodyPr>
+          <a:lstStyle/>
+          <a:p>
+            <a:pPr algn="ctr"/>
+            <a:r>
+              <a:rPr lang="en-US" altLang="ja-JP" sz="5400" b="1" cap="none" spc="0" dirty="0">
+                <a:ln w="0"/>
+                <a:solidFill>
+                  <a:srgbClr val="FF0000"/>
+                </a:solidFill>
+                <a:effectLst>
+                  <a:outerShdw blurRad="38100" dist="19050" dir="2700000" algn="tl" rotWithShape="0">
+                    <a:schemeClr val="dk1">
+                      <a:alpha val="40000"/>
+                    </a:schemeClr>
+                  </a:outerShdw>
+                </a:effectLst>
+              </a:rPr>
+              <a:t>8</a:t>
+            </a:r>
+            <a:endParaRPr lang="ja-JP" altLang="en-US" sz="5400" b="1" cap="none" spc="0" dirty="0">
+              <a:ln w="0"/>
+              <a:solidFill>
+                <a:srgbClr val="FF0000"/>
+              </a:solidFill>
+              <a:effectLst>
+                <a:outerShdw blurRad="38100" dist="19050" dir="2700000" algn="tl" rotWithShape="0">
+                  <a:schemeClr val="dk1">
+                    <a:alpha val="40000"/>
+                  </a:schemeClr>
+                </a:outerShdw>
+              </a:effectLst>
+            </a:endParaRPr>
+          </a:p>
+        </p:txBody>
+      </p:sp>
+    </p:spTree>
+    <p:extLst>
+      <p:ext uri="{BB962C8B-B14F-4D97-AF65-F5344CB8AC3E}">
+        <p14:creationId xmlns:p14="http://schemas.microsoft.com/office/powerpoint/2010/main" val="28292416"/>
+      </p:ext>
+    </p:extLst>
+  </p:cSld>
+  <p:clrMapOvr>
+    <a:masterClrMapping/>
+  </p:clrMapOvr>
+</p:sld>
+</file>
+
+<file path=ppt/slides/slide13.xml><?xml version="1.0" encoding="utf-8"?>
+<p:sld xmlns:a="http://schemas.openxmlformats.org/drawingml/2006/main" xmlns:r="http://schemas.openxmlformats.org/officeDocument/2006/relationships" xmlns:p="http://schemas.openxmlformats.org/presentationml/2006/main">
+  <p:cSld>
+    <p:spTree>
+      <p:nvGrpSpPr>
+        <p:cNvPr id="1" name=""/>
+        <p:cNvGrpSpPr/>
+        <p:nvPr/>
+      </p:nvGrpSpPr>
+      <p:grpSpPr>
+        <a:xfrm>
+          <a:off x="0" y="0"/>
+          <a:ext cx="0" cy="0"/>
+          <a:chOff x="0" y="0"/>
+          <a:chExt cx="0" cy="0"/>
+        </a:xfrm>
+      </p:grpSpPr>
+      <p:sp>
+        <p:nvSpPr>
+          <p:cNvPr id="4" name="正方形/長方形 3">
+            <a:extLst>
+              <a:ext uri="{FF2B5EF4-FFF2-40B4-BE49-F238E27FC236}">
+                <a16:creationId xmlns:a16="http://schemas.microsoft.com/office/drawing/2014/main" id="{CE12CB8E-4860-01BD-294C-EBC30E6659DE}"/>
+              </a:ext>
+            </a:extLst>
+          </p:cNvPr>
+          <p:cNvSpPr>
+            <a:spLocks noGrp="1" noRot="1" noMove="1" noResize="1" noEditPoints="1" noAdjustHandles="1" noChangeArrowheads="1" noChangeShapeType="1"/>
+          </p:cNvSpPr>
+          <p:nvPr/>
+        </p:nvSpPr>
+        <p:spPr>
+          <a:xfrm>
+            <a:off x="704850" y="409575"/>
+            <a:ext cx="10782300" cy="6038850"/>
+          </a:xfrm>
+          <a:prstGeom prst="rect">
+            <a:avLst/>
+          </a:prstGeom>
+          <a:noFill/>
+          <a:ln w="28575">
+            <a:solidFill>
+              <a:schemeClr val="tx1"/>
+            </a:solidFill>
+          </a:ln>
+        </p:spPr>
+        <p:style>
+          <a:lnRef idx="2">
+            <a:schemeClr val="accent1">
+              <a:shade val="15000"/>
+            </a:schemeClr>
+          </a:lnRef>
+          <a:fillRef idx="1">
+            <a:schemeClr val="accent1"/>
+          </a:fillRef>
+          <a:effectRef idx="0">
+            <a:schemeClr val="accent1"/>
+          </a:effectRef>
+          <a:fontRef idx="minor">
+            <a:schemeClr val="lt1"/>
+          </a:fontRef>
+        </p:style>
+        <p:txBody>
+          <a:bodyPr rtlCol="0" anchor="ctr"/>
+          <a:lstStyle/>
+          <a:p>
+            <a:pPr algn="ctr"/>
+            <a:endParaRPr kumimoji="1" lang="ja-JP" altLang="en-US"/>
+          </a:p>
+        </p:txBody>
+      </p:sp>
+      <p:pic>
+        <p:nvPicPr>
+          <p:cNvPr id="7" name="グラフィックス 6" descr="ハンガーガー形のメニュー アイコン 単色塗りつぶし">
+            <a:extLst>
+              <a:ext uri="{FF2B5EF4-FFF2-40B4-BE49-F238E27FC236}">
+                <a16:creationId xmlns:a16="http://schemas.microsoft.com/office/drawing/2014/main" id="{818B76B6-A794-D5F5-4766-5F2777B96659}"/>
+              </a:ext>
+            </a:extLst>
+          </p:cNvPr>
+          <p:cNvPicPr>
+            <a:picLocks noChangeAspect="1"/>
+          </p:cNvPicPr>
+          <p:nvPr/>
+        </p:nvPicPr>
+        <p:blipFill>
+          <a:blip r:embed="rId2">
+            <a:extLst>
+              <a:ext uri="{28A0092B-C50C-407E-A947-70E740481C1C}">
+                <a14:useLocalDpi xmlns:a14="http://schemas.microsoft.com/office/drawing/2010/main" val="0"/>
+              </a:ext>
+              <a:ext uri="{96DAC541-7B7A-43D3-8B79-37D633B846F1}">
+                <asvg:svgBlip xmlns:asvg="http://schemas.microsoft.com/office/drawing/2016/SVG/main" r:embed="rId3"/>
+              </a:ext>
+            </a:extLst>
+          </a:blip>
+          <a:stretch>
+            <a:fillRect/>
+          </a:stretch>
+        </p:blipFill>
+        <p:spPr>
+          <a:xfrm>
+            <a:off x="919163" y="419098"/>
+            <a:ext cx="914400" cy="914400"/>
+          </a:xfrm>
+          <a:prstGeom prst="rect">
+            <a:avLst/>
+          </a:prstGeom>
+        </p:spPr>
+      </p:pic>
+      <p:cxnSp>
+        <p:nvCxnSpPr>
+          <p:cNvPr id="9" name="直線コネクタ 8">
+            <a:extLst>
+              <a:ext uri="{FF2B5EF4-FFF2-40B4-BE49-F238E27FC236}">
+                <a16:creationId xmlns:a16="http://schemas.microsoft.com/office/drawing/2014/main" id="{DCE315C0-27D4-07AB-6952-144CD069DE9C}"/>
+              </a:ext>
+            </a:extLst>
+          </p:cNvPr>
+          <p:cNvCxnSpPr>
+            <a:cxnSpLocks/>
+          </p:cNvCxnSpPr>
+          <p:nvPr/>
+        </p:nvCxnSpPr>
+        <p:spPr>
+          <a:xfrm>
+            <a:off x="704850" y="1333499"/>
+            <a:ext cx="10782300" cy="0"/>
+          </a:xfrm>
+          <a:prstGeom prst="line">
+            <a:avLst/>
+          </a:prstGeom>
+          <a:ln w="28575">
+            <a:solidFill>
+              <a:schemeClr val="tx1"/>
+            </a:solidFill>
+          </a:ln>
+        </p:spPr>
+        <p:style>
+          <a:lnRef idx="1">
+            <a:schemeClr val="accent1"/>
+          </a:lnRef>
+          <a:fillRef idx="0">
+            <a:schemeClr val="accent1"/>
+          </a:fillRef>
+          <a:effectRef idx="0">
+            <a:schemeClr val="accent1"/>
+          </a:effectRef>
+          <a:fontRef idx="minor">
+            <a:schemeClr val="tx1"/>
+          </a:fontRef>
+        </p:style>
+      </p:cxnSp>
+      <p:sp>
+        <p:nvSpPr>
+          <p:cNvPr id="11" name="正方形/長方形 10">
+            <a:extLst>
+              <a:ext uri="{FF2B5EF4-FFF2-40B4-BE49-F238E27FC236}">
+                <a16:creationId xmlns:a16="http://schemas.microsoft.com/office/drawing/2014/main" id="{650D9D88-7635-0987-A25D-9209773AB10C}"/>
+              </a:ext>
+            </a:extLst>
+          </p:cNvPr>
+          <p:cNvSpPr/>
+          <p:nvPr/>
+        </p:nvSpPr>
+        <p:spPr>
+          <a:xfrm>
+            <a:off x="2047875" y="469105"/>
+            <a:ext cx="2486024" cy="814385"/>
+          </a:xfrm>
+          <a:prstGeom prst="rect">
+            <a:avLst/>
+          </a:prstGeom>
+          <a:noFill/>
+          <a:ln w="28575">
+            <a:solidFill>
+              <a:schemeClr val="tx1"/>
+            </a:solidFill>
+          </a:ln>
+        </p:spPr>
+        <p:style>
+          <a:lnRef idx="2">
+            <a:schemeClr val="accent1">
+              <a:shade val="15000"/>
+            </a:schemeClr>
+          </a:lnRef>
+          <a:fillRef idx="1">
+            <a:schemeClr val="accent1"/>
+          </a:fillRef>
+          <a:effectRef idx="0">
+            <a:schemeClr val="accent1"/>
+          </a:effectRef>
+          <a:fontRef idx="minor">
+            <a:schemeClr val="lt1"/>
+          </a:fontRef>
+        </p:style>
+        <p:txBody>
+          <a:bodyPr rtlCol="0" anchor="ctr"/>
+          <a:lstStyle/>
+          <a:p>
+            <a:pPr algn="ctr"/>
+            <a:r>
+              <a:rPr kumimoji="1" lang="ja-JP" altLang="en-US" sz="2400" b="1" dirty="0">
+                <a:solidFill>
+                  <a:schemeClr val="tx1"/>
+                </a:solidFill>
+                <a:latin typeface="メイリオ" panose="020B0604030504040204" pitchFamily="50" charset="-128"/>
+                <a:ea typeface="メイリオ" panose="020B0604030504040204" pitchFamily="50" charset="-128"/>
+              </a:rPr>
+              <a:t>アプリアイコン</a:t>
+            </a:r>
+          </a:p>
+        </p:txBody>
+      </p:sp>
+      <p:grpSp>
+        <p:nvGrpSpPr>
+          <p:cNvPr id="14" name="グループ化 13">
+            <a:extLst>
+              <a:ext uri="{FF2B5EF4-FFF2-40B4-BE49-F238E27FC236}">
+                <a16:creationId xmlns:a16="http://schemas.microsoft.com/office/drawing/2014/main" id="{0546CB03-1703-C113-2F19-3DBE913BD124}"/>
+              </a:ext>
+            </a:extLst>
+          </p:cNvPr>
+          <p:cNvGrpSpPr/>
+          <p:nvPr/>
+        </p:nvGrpSpPr>
+        <p:grpSpPr>
+          <a:xfrm>
+            <a:off x="6296025" y="469106"/>
+            <a:ext cx="5076826" cy="814382"/>
+            <a:chOff x="4762500" y="2764630"/>
+            <a:chExt cx="5076826" cy="814382"/>
+          </a:xfrm>
+        </p:grpSpPr>
+        <p:sp>
+          <p:nvSpPr>
+            <p:cNvPr id="15" name="正方形/長方形 14">
+              <a:extLst>
+                <a:ext uri="{FF2B5EF4-FFF2-40B4-BE49-F238E27FC236}">
+                  <a16:creationId xmlns:a16="http://schemas.microsoft.com/office/drawing/2014/main" id="{0A9FEF09-1B19-6568-6B3E-8E51E14AE9ED}"/>
+                </a:ext>
+              </a:extLst>
+            </p:cNvPr>
+            <p:cNvSpPr/>
+            <p:nvPr/>
+          </p:nvSpPr>
+          <p:spPr>
+            <a:xfrm>
+              <a:off x="4762500" y="2764630"/>
+              <a:ext cx="5076826" cy="814382"/>
+            </a:xfrm>
+            <a:prstGeom prst="rect">
+              <a:avLst/>
+            </a:prstGeom>
+            <a:noFill/>
+            <a:ln w="28575">
+              <a:solidFill>
+                <a:schemeClr val="tx1"/>
+              </a:solidFill>
+            </a:ln>
+          </p:spPr>
+          <p:style>
+            <a:lnRef idx="2">
+              <a:schemeClr val="accent1">
+                <a:shade val="15000"/>
+              </a:schemeClr>
+            </a:lnRef>
+            <a:fillRef idx="1">
+              <a:schemeClr val="accent1"/>
+            </a:fillRef>
+            <a:effectRef idx="0">
+              <a:schemeClr val="accent1"/>
+            </a:effectRef>
+            <a:fontRef idx="minor">
+              <a:schemeClr val="lt1"/>
+            </a:fontRef>
+          </p:style>
+          <p:txBody>
+            <a:bodyPr rtlCol="0" anchor="ctr"/>
+            <a:lstStyle/>
+            <a:p>
+              <a:pPr algn="ctr"/>
+              <a:endParaRPr kumimoji="1" lang="ja-JP" altLang="en-US"/>
+            </a:p>
+          </p:txBody>
+        </p:sp>
+        <p:sp>
+          <p:nvSpPr>
+            <p:cNvPr id="16" name="テキスト ボックス 15">
+              <a:extLst>
+                <a:ext uri="{FF2B5EF4-FFF2-40B4-BE49-F238E27FC236}">
+                  <a16:creationId xmlns:a16="http://schemas.microsoft.com/office/drawing/2014/main" id="{B2163E24-986C-5BE9-A7C7-DA2A4D4E9439}"/>
+                </a:ext>
+              </a:extLst>
+            </p:cNvPr>
+            <p:cNvSpPr txBox="1"/>
+            <p:nvPr/>
+          </p:nvSpPr>
+          <p:spPr>
+            <a:xfrm>
+              <a:off x="4848224" y="3012035"/>
+              <a:ext cx="4191000" cy="369332"/>
+            </a:xfrm>
+            <a:prstGeom prst="rect">
+              <a:avLst/>
+            </a:prstGeom>
+            <a:noFill/>
+          </p:spPr>
+          <p:txBody>
+            <a:bodyPr wrap="square" rtlCol="0">
+              <a:spAutoFit/>
+            </a:bodyPr>
+            <a:lstStyle/>
+            <a:p>
+              <a:r>
+                <a:rPr lang="ja-JP" altLang="en-US" b="1" i="0" dirty="0">
+                  <a:effectLst/>
+                  <a:latin typeface="メイリオ" panose="020B0604030504040204" pitchFamily="50" charset="-128"/>
+                  <a:ea typeface="メイリオ" panose="020B0604030504040204" pitchFamily="50" charset="-128"/>
+                </a:rPr>
+                <a:t>今日の用語：</a:t>
+              </a:r>
+              <a:r>
+                <a:rPr lang="en-US" altLang="ja-JP" b="1" i="0" dirty="0">
+                  <a:effectLst/>
+                  <a:latin typeface="メイリオ" panose="020B0604030504040204" pitchFamily="50" charset="-128"/>
+                  <a:ea typeface="メイリオ" panose="020B0604030504040204" pitchFamily="50" charset="-128"/>
+                </a:rPr>
+                <a:t>SQL</a:t>
+              </a:r>
+              <a:r>
+                <a:rPr lang="ja-JP" altLang="en-US" b="1" i="0" dirty="0">
+                  <a:effectLst/>
+                  <a:latin typeface="メイリオ" panose="020B0604030504040204" pitchFamily="50" charset="-128"/>
+                  <a:ea typeface="メイリオ" panose="020B0604030504040204" pitchFamily="50" charset="-128"/>
+                </a:rPr>
+                <a:t>インジェクション</a:t>
+              </a:r>
+              <a:endParaRPr kumimoji="1" lang="ja-JP" altLang="en-US" dirty="0">
+                <a:latin typeface="メイリオ" panose="020B0604030504040204" pitchFamily="50" charset="-128"/>
+                <a:ea typeface="メイリオ" panose="020B0604030504040204" pitchFamily="50" charset="-128"/>
+              </a:endParaRPr>
+            </a:p>
+          </p:txBody>
+        </p:sp>
+        <p:sp>
+          <p:nvSpPr>
+            <p:cNvPr id="17" name="四角形: 角を丸くする 16">
+              <a:extLst>
+                <a:ext uri="{FF2B5EF4-FFF2-40B4-BE49-F238E27FC236}">
+                  <a16:creationId xmlns:a16="http://schemas.microsoft.com/office/drawing/2014/main" id="{763716C8-81F5-923B-4947-A12DF63FE9C9}"/>
+                </a:ext>
+              </a:extLst>
+            </p:cNvPr>
+            <p:cNvSpPr/>
+            <p:nvPr/>
+          </p:nvSpPr>
+          <p:spPr>
+            <a:xfrm>
+              <a:off x="8724902" y="2952746"/>
+              <a:ext cx="1009650" cy="438150"/>
+            </a:xfrm>
+            <a:prstGeom prst="roundRect">
+              <a:avLst/>
+            </a:prstGeom>
+            <a:noFill/>
+            <a:ln w="28575">
+              <a:solidFill>
+                <a:schemeClr val="tx1"/>
+              </a:solidFill>
+            </a:ln>
+          </p:spPr>
+          <p:style>
+            <a:lnRef idx="2">
+              <a:schemeClr val="accent1">
+                <a:shade val="15000"/>
+              </a:schemeClr>
+            </a:lnRef>
+            <a:fillRef idx="1">
+              <a:schemeClr val="accent1"/>
+            </a:fillRef>
+            <a:effectRef idx="0">
+              <a:schemeClr val="accent1"/>
+            </a:effectRef>
+            <a:fontRef idx="minor">
+              <a:schemeClr val="lt1"/>
+            </a:fontRef>
+          </p:style>
+          <p:txBody>
+            <a:bodyPr rtlCol="0" anchor="ctr"/>
+            <a:lstStyle/>
+            <a:p>
+              <a:pPr algn="ctr"/>
+              <a:r>
+                <a:rPr lang="ja-JP" altLang="en-US" b="1" dirty="0">
+                  <a:solidFill>
+                    <a:schemeClr val="tx1"/>
+                  </a:solidFill>
+                  <a:latin typeface="メイリオ" panose="020B0604030504040204" pitchFamily="50" charset="-128"/>
+                  <a:ea typeface="メイリオ" panose="020B0604030504040204" pitchFamily="50" charset="-128"/>
+                </a:rPr>
+                <a:t>解説</a:t>
+              </a:r>
+              <a:endParaRPr kumimoji="1" lang="ja-JP" altLang="en-US" b="1" dirty="0">
+                <a:solidFill>
+                  <a:schemeClr val="tx1"/>
+                </a:solidFill>
+                <a:latin typeface="メイリオ" panose="020B0604030504040204" pitchFamily="50" charset="-128"/>
+                <a:ea typeface="メイリオ" panose="020B0604030504040204" pitchFamily="50" charset="-128"/>
+              </a:endParaRPr>
+            </a:p>
+          </p:txBody>
+        </p:sp>
+      </p:grpSp>
+      <p:sp>
+        <p:nvSpPr>
+          <p:cNvPr id="5" name="四角形: 角を丸くする 4">
+            <a:extLst>
+              <a:ext uri="{FF2B5EF4-FFF2-40B4-BE49-F238E27FC236}">
+                <a16:creationId xmlns:a16="http://schemas.microsoft.com/office/drawing/2014/main" id="{9D5B3442-9EEF-5EB2-220C-65FEBA373F71}"/>
+              </a:ext>
+            </a:extLst>
+          </p:cNvPr>
+          <p:cNvSpPr/>
+          <p:nvPr/>
+        </p:nvSpPr>
+        <p:spPr>
+          <a:xfrm>
+            <a:off x="2047875" y="1845987"/>
+            <a:ext cx="4486275" cy="1430610"/>
+          </a:xfrm>
+          <a:prstGeom prst="roundRect">
+            <a:avLst/>
+          </a:prstGeom>
+          <a:noFill/>
+          <a:ln w="38100">
+            <a:solidFill>
+              <a:schemeClr val="tx1"/>
+            </a:solidFill>
+          </a:ln>
+        </p:spPr>
+        <p:style>
+          <a:lnRef idx="2">
+            <a:schemeClr val="accent1">
+              <a:shade val="15000"/>
+            </a:schemeClr>
+          </a:lnRef>
+          <a:fillRef idx="1">
+            <a:schemeClr val="accent1"/>
+          </a:fillRef>
+          <a:effectRef idx="0">
+            <a:schemeClr val="accent1"/>
+          </a:effectRef>
+          <a:fontRef idx="minor">
+            <a:schemeClr val="lt1"/>
+          </a:fontRef>
+        </p:style>
+        <p:txBody>
+          <a:bodyPr rtlCol="0" anchor="ctr"/>
+          <a:lstStyle/>
+          <a:p>
+            <a:pPr algn="ctr"/>
+            <a:endParaRPr kumimoji="1" lang="ja-JP" altLang="en-US" sz="2000" b="1" dirty="0">
+              <a:solidFill>
+                <a:schemeClr val="tx1"/>
+              </a:solidFill>
+              <a:latin typeface="メイリオ" panose="020B0604030504040204" pitchFamily="50" charset="-128"/>
+              <a:ea typeface="メイリオ" panose="020B0604030504040204" pitchFamily="50" charset="-128"/>
+            </a:endParaRPr>
+          </a:p>
+        </p:txBody>
+      </p:sp>
+      <p:sp>
+        <p:nvSpPr>
+          <p:cNvPr id="6" name="テキスト ボックス 5">
+            <a:extLst>
+              <a:ext uri="{FF2B5EF4-FFF2-40B4-BE49-F238E27FC236}">
+                <a16:creationId xmlns:a16="http://schemas.microsoft.com/office/drawing/2014/main" id="{97736D3F-9B8B-39A1-0524-9E2DA6DABB89}"/>
+              </a:ext>
+            </a:extLst>
+          </p:cNvPr>
+          <p:cNvSpPr txBox="1"/>
+          <p:nvPr/>
+        </p:nvSpPr>
+        <p:spPr>
+          <a:xfrm>
+            <a:off x="3032204" y="2000160"/>
+            <a:ext cx="1454958" cy="1200329"/>
+          </a:xfrm>
+          <a:prstGeom prst="rect">
+            <a:avLst/>
+          </a:prstGeom>
+          <a:noFill/>
+        </p:spPr>
+        <p:txBody>
+          <a:bodyPr wrap="square" rtlCol="0">
+            <a:spAutoFit/>
+          </a:bodyPr>
+          <a:lstStyle/>
+          <a:p>
+            <a:r>
+              <a:rPr kumimoji="1" lang="ja-JP" altLang="en-US" sz="1600" b="1" dirty="0">
+                <a:latin typeface="メイリオ" panose="020B0604030504040204" pitchFamily="50" charset="-128"/>
+                <a:ea typeface="メイリオ" panose="020B0604030504040204" pitchFamily="50" charset="-128"/>
+              </a:rPr>
+              <a:t>社員</a:t>
+            </a:r>
+            <a:r>
+              <a:rPr kumimoji="1" lang="en-US" altLang="ja-JP" sz="1600" b="1" dirty="0">
+                <a:latin typeface="メイリオ" panose="020B0604030504040204" pitchFamily="50" charset="-128"/>
+                <a:ea typeface="メイリオ" panose="020B0604030504040204" pitchFamily="50" charset="-128"/>
+              </a:rPr>
+              <a:t>ID</a:t>
+            </a:r>
+          </a:p>
+          <a:p>
+            <a:r>
+              <a:rPr kumimoji="1" lang="en-US" altLang="ja-JP" sz="2000" b="1" dirty="0">
+                <a:latin typeface="メイリオ" panose="020B0604030504040204" pitchFamily="50" charset="-128"/>
+                <a:ea typeface="メイリオ" panose="020B0604030504040204" pitchFamily="50" charset="-128"/>
+              </a:rPr>
+              <a:t>0001</a:t>
+            </a:r>
+          </a:p>
+          <a:p>
+            <a:r>
+              <a:rPr kumimoji="1" lang="ja-JP" altLang="en-US" sz="1600" b="1" dirty="0">
+                <a:latin typeface="メイリオ" panose="020B0604030504040204" pitchFamily="50" charset="-128"/>
+                <a:ea typeface="メイリオ" panose="020B0604030504040204" pitchFamily="50" charset="-128"/>
+              </a:rPr>
+              <a:t>ユーザネーム</a:t>
+            </a:r>
+            <a:endParaRPr kumimoji="1" lang="en-US" altLang="ja-JP" sz="1600" b="1" dirty="0">
+              <a:latin typeface="メイリオ" panose="020B0604030504040204" pitchFamily="50" charset="-128"/>
+              <a:ea typeface="メイリオ" panose="020B0604030504040204" pitchFamily="50" charset="-128"/>
+            </a:endParaRPr>
+          </a:p>
+          <a:p>
+            <a:r>
+              <a:rPr kumimoji="1" lang="ja-JP" altLang="en-US" sz="2000" b="1" dirty="0">
+                <a:latin typeface="メイリオ" panose="020B0604030504040204" pitchFamily="50" charset="-128"/>
+                <a:ea typeface="メイリオ" panose="020B0604030504040204" pitchFamily="50" charset="-128"/>
+              </a:rPr>
+              <a:t>山田太郎</a:t>
+            </a:r>
+            <a:endParaRPr kumimoji="1" lang="en-US" altLang="ja-JP" sz="2000" b="1" dirty="0">
+              <a:latin typeface="メイリオ" panose="020B0604030504040204" pitchFamily="50" charset="-128"/>
+              <a:ea typeface="メイリオ" panose="020B0604030504040204" pitchFamily="50" charset="-128"/>
+            </a:endParaRPr>
+          </a:p>
+        </p:txBody>
+      </p:sp>
+      <p:pic>
+        <p:nvPicPr>
+          <p:cNvPr id="10" name="グラフィックス 9" descr="ドングリ 単色塗りつぶし">
+            <a:extLst>
+              <a:ext uri="{FF2B5EF4-FFF2-40B4-BE49-F238E27FC236}">
+                <a16:creationId xmlns:a16="http://schemas.microsoft.com/office/drawing/2014/main" id="{535CA75E-D885-9AAA-4553-9A4916714229}"/>
+              </a:ext>
+            </a:extLst>
+          </p:cNvPr>
+          <p:cNvPicPr>
+            <a:picLocks noChangeAspect="1"/>
+          </p:cNvPicPr>
+          <p:nvPr/>
+        </p:nvPicPr>
+        <p:blipFill>
+          <a:blip r:embed="rId4">
+            <a:extLst>
+              <a:ext uri="{28A0092B-C50C-407E-A947-70E740481C1C}">
+                <a14:useLocalDpi xmlns:a14="http://schemas.microsoft.com/office/drawing/2010/main" val="0"/>
+              </a:ext>
+              <a:ext uri="{96DAC541-7B7A-43D3-8B79-37D633B846F1}">
+                <asvg:svgBlip xmlns:asvg="http://schemas.microsoft.com/office/drawing/2016/SVG/main" r:embed="rId5"/>
+              </a:ext>
+            </a:extLst>
+          </a:blip>
+          <a:stretch>
+            <a:fillRect/>
+          </a:stretch>
+        </p:blipFill>
+        <p:spPr>
+          <a:xfrm>
+            <a:off x="2185954" y="2108892"/>
+            <a:ext cx="795897" cy="795897"/>
+          </a:xfrm>
+          <a:prstGeom prst="rect">
+            <a:avLst/>
+          </a:prstGeom>
+        </p:spPr>
+      </p:pic>
+      <p:sp>
+        <p:nvSpPr>
+          <p:cNvPr id="12" name="テキスト ボックス 11">
+            <a:extLst>
+              <a:ext uri="{FF2B5EF4-FFF2-40B4-BE49-F238E27FC236}">
+                <a16:creationId xmlns:a16="http://schemas.microsoft.com/office/drawing/2014/main" id="{526B94C1-E3D1-F8E2-87E4-4262434B10A5}"/>
+              </a:ext>
+            </a:extLst>
+          </p:cNvPr>
+          <p:cNvSpPr txBox="1"/>
+          <p:nvPr/>
+        </p:nvSpPr>
+        <p:spPr>
+          <a:xfrm>
+            <a:off x="4533899" y="2000160"/>
+            <a:ext cx="1664508" cy="1200329"/>
+          </a:xfrm>
+          <a:prstGeom prst="rect">
+            <a:avLst/>
+          </a:prstGeom>
+          <a:noFill/>
+        </p:spPr>
+        <p:txBody>
+          <a:bodyPr wrap="square" rtlCol="0">
+            <a:spAutoFit/>
+          </a:bodyPr>
+          <a:lstStyle/>
+          <a:p>
+            <a:r>
+              <a:rPr kumimoji="1" lang="ja-JP" altLang="en-US" sz="1600" b="1" dirty="0">
+                <a:latin typeface="メイリオ" panose="020B0604030504040204" pitchFamily="50" charset="-128"/>
+                <a:ea typeface="メイリオ" panose="020B0604030504040204" pitchFamily="50" charset="-128"/>
+              </a:rPr>
+              <a:t>現在のランク</a:t>
+            </a:r>
+            <a:endParaRPr kumimoji="1" lang="en-US" altLang="ja-JP" sz="1600" b="1" dirty="0">
+              <a:latin typeface="メイリオ" panose="020B0604030504040204" pitchFamily="50" charset="-128"/>
+              <a:ea typeface="メイリオ" panose="020B0604030504040204" pitchFamily="50" charset="-128"/>
+            </a:endParaRPr>
+          </a:p>
+          <a:p>
+            <a:r>
+              <a:rPr lang="ja-JP" altLang="en-US" sz="2000" b="1" dirty="0">
+                <a:latin typeface="メイリオ" panose="020B0604030504040204" pitchFamily="50" charset="-128"/>
+                <a:ea typeface="メイリオ" panose="020B0604030504040204" pitchFamily="50" charset="-128"/>
+              </a:rPr>
+              <a:t>足軽</a:t>
+            </a:r>
+            <a:endParaRPr lang="en-US" altLang="ja-JP" sz="1600" b="1" dirty="0">
+              <a:latin typeface="メイリオ" panose="020B0604030504040204" pitchFamily="50" charset="-128"/>
+              <a:ea typeface="メイリオ" panose="020B0604030504040204" pitchFamily="50" charset="-128"/>
+            </a:endParaRPr>
+          </a:p>
+          <a:p>
+            <a:r>
+              <a:rPr lang="ja-JP" altLang="en-US" sz="1600" b="1" dirty="0">
+                <a:latin typeface="メイリオ" panose="020B0604030504040204" pitchFamily="50" charset="-128"/>
+                <a:ea typeface="メイリオ" panose="020B0604030504040204" pitchFamily="50" charset="-128"/>
+              </a:rPr>
+              <a:t>クイズポイント</a:t>
+            </a:r>
+            <a:endParaRPr kumimoji="1" lang="en-US" altLang="ja-JP" sz="1600" b="1" dirty="0">
+              <a:latin typeface="メイリオ" panose="020B0604030504040204" pitchFamily="50" charset="-128"/>
+              <a:ea typeface="メイリオ" panose="020B0604030504040204" pitchFamily="50" charset="-128"/>
+            </a:endParaRPr>
+          </a:p>
+          <a:p>
+            <a:r>
+              <a:rPr kumimoji="1" lang="en-US" altLang="ja-JP" sz="2000" b="1" dirty="0">
+                <a:latin typeface="メイリオ" panose="020B0604030504040204" pitchFamily="50" charset="-128"/>
+                <a:ea typeface="メイリオ" panose="020B0604030504040204" pitchFamily="50" charset="-128"/>
+              </a:rPr>
+              <a:t>10</a:t>
+            </a:r>
+            <a:r>
+              <a:rPr kumimoji="1" lang="ja-JP" altLang="en-US" sz="2000" b="1" dirty="0">
+                <a:latin typeface="メイリオ" panose="020B0604030504040204" pitchFamily="50" charset="-128"/>
+                <a:ea typeface="メイリオ" panose="020B0604030504040204" pitchFamily="50" charset="-128"/>
+              </a:rPr>
+              <a:t>ポイント</a:t>
+            </a:r>
+            <a:endParaRPr kumimoji="1" lang="en-US" altLang="ja-JP" sz="2000" b="1" dirty="0">
+              <a:latin typeface="メイリオ" panose="020B0604030504040204" pitchFamily="50" charset="-128"/>
+              <a:ea typeface="メイリオ" panose="020B0604030504040204" pitchFamily="50" charset="-128"/>
+            </a:endParaRPr>
+          </a:p>
+        </p:txBody>
+      </p:sp>
+      <p:grpSp>
+        <p:nvGrpSpPr>
+          <p:cNvPr id="27" name="グループ化 26">
+            <a:extLst>
+              <a:ext uri="{FF2B5EF4-FFF2-40B4-BE49-F238E27FC236}">
+                <a16:creationId xmlns:a16="http://schemas.microsoft.com/office/drawing/2014/main" id="{79E7AB60-46B4-79D2-38BD-7EAD8D1BA008}"/>
+              </a:ext>
+            </a:extLst>
+          </p:cNvPr>
+          <p:cNvGrpSpPr/>
+          <p:nvPr/>
+        </p:nvGrpSpPr>
+        <p:grpSpPr>
+          <a:xfrm>
+            <a:off x="10305727" y="1365403"/>
+            <a:ext cx="1114720" cy="498234"/>
+            <a:chOff x="12039600" y="2704734"/>
+            <a:chExt cx="1114720" cy="498234"/>
+          </a:xfrm>
+        </p:grpSpPr>
+        <p:sp>
+          <p:nvSpPr>
+            <p:cNvPr id="13" name="四角形: 角を丸くする 12">
+              <a:extLst>
+                <a:ext uri="{FF2B5EF4-FFF2-40B4-BE49-F238E27FC236}">
+                  <a16:creationId xmlns:a16="http://schemas.microsoft.com/office/drawing/2014/main" id="{00448C81-A0BA-C8B3-F797-619E0D8D100D}"/>
+                </a:ext>
+              </a:extLst>
+            </p:cNvPr>
+            <p:cNvSpPr/>
+            <p:nvPr/>
+          </p:nvSpPr>
+          <p:spPr>
+            <a:xfrm>
+              <a:off x="12039600" y="2704734"/>
+              <a:ext cx="1114720" cy="498234"/>
+            </a:xfrm>
+            <a:prstGeom prst="roundRect">
+              <a:avLst/>
+            </a:prstGeom>
+            <a:noFill/>
+            <a:ln w="38100">
+              <a:solidFill>
+                <a:schemeClr val="tx1"/>
+              </a:solidFill>
+            </a:ln>
+          </p:spPr>
+          <p:style>
+            <a:lnRef idx="2">
+              <a:schemeClr val="accent1">
+                <a:shade val="15000"/>
+              </a:schemeClr>
+            </a:lnRef>
+            <a:fillRef idx="1">
+              <a:schemeClr val="accent1"/>
+            </a:fillRef>
+            <a:effectRef idx="0">
+              <a:schemeClr val="accent1"/>
+            </a:effectRef>
+            <a:fontRef idx="minor">
+              <a:schemeClr val="lt1"/>
+            </a:fontRef>
+          </p:style>
+          <p:txBody>
+            <a:bodyPr rtlCol="0" anchor="ctr"/>
+            <a:lstStyle/>
+            <a:p>
+              <a:pPr algn="ctr"/>
+              <a:endParaRPr kumimoji="1" lang="ja-JP" altLang="en-US" sz="2000" b="1" dirty="0">
+                <a:solidFill>
+                  <a:schemeClr val="tx1"/>
+                </a:solidFill>
+                <a:latin typeface="メイリオ" panose="020B0604030504040204" pitchFamily="50" charset="-128"/>
+                <a:ea typeface="メイリオ" panose="020B0604030504040204" pitchFamily="50" charset="-128"/>
+              </a:endParaRPr>
+            </a:p>
+          </p:txBody>
+        </p:sp>
+        <p:sp>
+          <p:nvSpPr>
+            <p:cNvPr id="18" name="テキスト ボックス 17">
+              <a:extLst>
+                <a:ext uri="{FF2B5EF4-FFF2-40B4-BE49-F238E27FC236}">
+                  <a16:creationId xmlns:a16="http://schemas.microsoft.com/office/drawing/2014/main" id="{7FBC44E5-D771-8676-3A9D-F90DBE980484}"/>
+                </a:ext>
+              </a:extLst>
+            </p:cNvPr>
+            <p:cNvSpPr txBox="1"/>
+            <p:nvPr/>
+          </p:nvSpPr>
+          <p:spPr>
+            <a:xfrm>
+              <a:off x="12098835" y="2753796"/>
+              <a:ext cx="1041804" cy="400110"/>
+            </a:xfrm>
+            <a:prstGeom prst="rect">
+              <a:avLst/>
+            </a:prstGeom>
+            <a:noFill/>
+          </p:spPr>
+          <p:txBody>
+            <a:bodyPr wrap="square" rtlCol="0">
+              <a:spAutoFit/>
+            </a:bodyPr>
+            <a:lstStyle/>
+            <a:p>
+              <a:r>
+                <a:rPr lang="ja-JP" altLang="en-US" sz="2000" b="1" dirty="0">
+                  <a:latin typeface="メイリオ" panose="020B0604030504040204" pitchFamily="50" charset="-128"/>
+                  <a:ea typeface="メイリオ" panose="020B0604030504040204" pitchFamily="50" charset="-128"/>
+                </a:rPr>
+                <a:t>ガチャ</a:t>
+              </a:r>
+              <a:endParaRPr kumimoji="1" lang="en-US" altLang="ja-JP" sz="2000" b="1" dirty="0">
+                <a:latin typeface="メイリオ" panose="020B0604030504040204" pitchFamily="50" charset="-128"/>
+                <a:ea typeface="メイリオ" panose="020B0604030504040204" pitchFamily="50" charset="-128"/>
+              </a:endParaRPr>
+            </a:p>
+          </p:txBody>
+        </p:sp>
+      </p:grpSp>
+      <p:sp>
+        <p:nvSpPr>
+          <p:cNvPr id="19" name="四角形: 角を丸くする 18">
+            <a:extLst>
+              <a:ext uri="{FF2B5EF4-FFF2-40B4-BE49-F238E27FC236}">
+                <a16:creationId xmlns:a16="http://schemas.microsoft.com/office/drawing/2014/main" id="{FE0A00FF-D51F-4FAB-BF36-7B3BC8450106}"/>
+              </a:ext>
+            </a:extLst>
+          </p:cNvPr>
+          <p:cNvSpPr/>
+          <p:nvPr/>
+        </p:nvSpPr>
+        <p:spPr>
+          <a:xfrm>
+            <a:off x="2047874" y="3867150"/>
+            <a:ext cx="4486275" cy="2364588"/>
+          </a:xfrm>
+          <a:prstGeom prst="roundRect">
+            <a:avLst/>
+          </a:prstGeom>
+          <a:noFill/>
+          <a:ln w="38100">
+            <a:solidFill>
+              <a:schemeClr val="tx1"/>
+            </a:solidFill>
+          </a:ln>
+        </p:spPr>
+        <p:style>
+          <a:lnRef idx="2">
+            <a:schemeClr val="accent1">
+              <a:shade val="15000"/>
+            </a:schemeClr>
+          </a:lnRef>
+          <a:fillRef idx="1">
+            <a:schemeClr val="accent1"/>
+          </a:fillRef>
+          <a:effectRef idx="0">
+            <a:schemeClr val="accent1"/>
+          </a:effectRef>
+          <a:fontRef idx="minor">
+            <a:schemeClr val="lt1"/>
+          </a:fontRef>
+        </p:style>
+        <p:txBody>
+          <a:bodyPr rtlCol="0" anchor="ctr"/>
+          <a:lstStyle/>
+          <a:p>
+            <a:pPr algn="ctr"/>
+            <a:endParaRPr kumimoji="1" lang="ja-JP" altLang="en-US" sz="2000" b="1" dirty="0">
+              <a:solidFill>
+                <a:schemeClr val="tx1"/>
+              </a:solidFill>
+              <a:latin typeface="メイリオ" panose="020B0604030504040204" pitchFamily="50" charset="-128"/>
+              <a:ea typeface="メイリオ" panose="020B0604030504040204" pitchFamily="50" charset="-128"/>
+            </a:endParaRPr>
+          </a:p>
+        </p:txBody>
+      </p:sp>
+      <p:sp>
+        <p:nvSpPr>
+          <p:cNvPr id="20" name="テキスト ボックス 19">
+            <a:extLst>
+              <a:ext uri="{FF2B5EF4-FFF2-40B4-BE49-F238E27FC236}">
+                <a16:creationId xmlns:a16="http://schemas.microsoft.com/office/drawing/2014/main" id="{3F22ABA3-F18A-20F9-3F6E-32864C227FEB}"/>
+              </a:ext>
+            </a:extLst>
+          </p:cNvPr>
+          <p:cNvSpPr txBox="1"/>
+          <p:nvPr/>
+        </p:nvSpPr>
+        <p:spPr>
+          <a:xfrm>
+            <a:off x="2185954" y="4064195"/>
+            <a:ext cx="2581275" cy="830997"/>
+          </a:xfrm>
+          <a:prstGeom prst="rect">
+            <a:avLst/>
+          </a:prstGeom>
+          <a:noFill/>
+        </p:spPr>
+        <p:txBody>
+          <a:bodyPr wrap="square" rtlCol="0">
+            <a:spAutoFit/>
+          </a:bodyPr>
+          <a:lstStyle/>
+          <a:p>
+            <a:r>
+              <a:rPr lang="en-US" altLang="ja-JP" sz="2400" b="1" dirty="0">
+                <a:latin typeface="メイリオ" panose="020B0604030504040204" pitchFamily="50" charset="-128"/>
+                <a:ea typeface="メイリオ" panose="020B0604030504040204" pitchFamily="50" charset="-128"/>
+              </a:rPr>
+              <a:t>11:00</a:t>
+            </a:r>
+            <a:r>
+              <a:rPr lang="ja-JP" altLang="en-US" sz="2400" b="1" dirty="0">
+                <a:latin typeface="メイリオ" panose="020B0604030504040204" pitchFamily="50" charset="-128"/>
+                <a:ea typeface="メイリオ" panose="020B0604030504040204" pitchFamily="50" charset="-128"/>
+              </a:rPr>
+              <a:t>　会議</a:t>
+            </a:r>
+            <a:endParaRPr lang="en-US" altLang="ja-JP" sz="2400" b="1" dirty="0">
+              <a:latin typeface="メイリオ" panose="020B0604030504040204" pitchFamily="50" charset="-128"/>
+              <a:ea typeface="メイリオ" panose="020B0604030504040204" pitchFamily="50" charset="-128"/>
+            </a:endParaRPr>
+          </a:p>
+          <a:p>
+            <a:r>
+              <a:rPr kumimoji="1" lang="en-US" altLang="ja-JP" sz="2400" b="1" dirty="0">
+                <a:latin typeface="メイリオ" panose="020B0604030504040204" pitchFamily="50" charset="-128"/>
+                <a:ea typeface="メイリオ" panose="020B0604030504040204" pitchFamily="50" charset="-128"/>
+              </a:rPr>
+              <a:t>14:00</a:t>
+            </a:r>
+            <a:r>
+              <a:rPr kumimoji="1" lang="ja-JP" altLang="en-US" sz="2400" b="1" dirty="0">
+                <a:latin typeface="メイリオ" panose="020B0604030504040204" pitchFamily="50" charset="-128"/>
+                <a:ea typeface="メイリオ" panose="020B0604030504040204" pitchFamily="50" charset="-128"/>
+              </a:rPr>
+              <a:t>　会議</a:t>
+            </a:r>
+            <a:endParaRPr kumimoji="1" lang="en-US" altLang="ja-JP" sz="2400" b="1" dirty="0">
+              <a:latin typeface="メイリオ" panose="020B0604030504040204" pitchFamily="50" charset="-128"/>
+              <a:ea typeface="メイリオ" panose="020B0604030504040204" pitchFamily="50" charset="-128"/>
+            </a:endParaRPr>
+          </a:p>
+        </p:txBody>
+      </p:sp>
+      <p:sp>
+        <p:nvSpPr>
+          <p:cNvPr id="21" name="テキスト ボックス 20">
+            <a:extLst>
+              <a:ext uri="{FF2B5EF4-FFF2-40B4-BE49-F238E27FC236}">
+                <a16:creationId xmlns:a16="http://schemas.microsoft.com/office/drawing/2014/main" id="{2B016BBE-33F8-4CE4-E313-D71620880AD4}"/>
+              </a:ext>
+            </a:extLst>
+          </p:cNvPr>
+          <p:cNvSpPr txBox="1"/>
+          <p:nvPr/>
+        </p:nvSpPr>
+        <p:spPr>
+          <a:xfrm>
+            <a:off x="2199950" y="1452539"/>
+            <a:ext cx="1857700" cy="400110"/>
+          </a:xfrm>
+          <a:prstGeom prst="rect">
+            <a:avLst/>
+          </a:prstGeom>
+          <a:noFill/>
+        </p:spPr>
+        <p:txBody>
+          <a:bodyPr wrap="square" rtlCol="0">
+            <a:spAutoFit/>
+          </a:bodyPr>
+          <a:lstStyle/>
+          <a:p>
+            <a:r>
+              <a:rPr kumimoji="1" lang="ja-JP" altLang="en-US" sz="2000" b="1" dirty="0">
+                <a:latin typeface="メイリオ" panose="020B0604030504040204" pitchFamily="50" charset="-128"/>
+                <a:ea typeface="メイリオ" panose="020B0604030504040204" pitchFamily="50" charset="-128"/>
+              </a:rPr>
+              <a:t>プロフィール</a:t>
+            </a:r>
+            <a:endParaRPr kumimoji="1" lang="en-US" altLang="ja-JP" sz="2000" b="1" dirty="0">
+              <a:latin typeface="メイリオ" panose="020B0604030504040204" pitchFamily="50" charset="-128"/>
+              <a:ea typeface="メイリオ" panose="020B0604030504040204" pitchFamily="50" charset="-128"/>
+            </a:endParaRPr>
+          </a:p>
+        </p:txBody>
+      </p:sp>
+      <p:sp>
+        <p:nvSpPr>
+          <p:cNvPr id="22" name="テキスト ボックス 21">
+            <a:extLst>
+              <a:ext uri="{FF2B5EF4-FFF2-40B4-BE49-F238E27FC236}">
+                <a16:creationId xmlns:a16="http://schemas.microsoft.com/office/drawing/2014/main" id="{5C20FF5E-C794-87BD-FC53-6D58EC7BC3F6}"/>
+              </a:ext>
+            </a:extLst>
+          </p:cNvPr>
+          <p:cNvSpPr txBox="1"/>
+          <p:nvPr/>
+        </p:nvSpPr>
+        <p:spPr>
+          <a:xfrm>
+            <a:off x="2199950" y="3470341"/>
+            <a:ext cx="1181425" cy="400110"/>
+          </a:xfrm>
+          <a:prstGeom prst="rect">
+            <a:avLst/>
+          </a:prstGeom>
+          <a:noFill/>
+        </p:spPr>
+        <p:txBody>
+          <a:bodyPr wrap="square" rtlCol="0">
+            <a:spAutoFit/>
+          </a:bodyPr>
+          <a:lstStyle/>
+          <a:p>
+            <a:r>
+              <a:rPr kumimoji="1" lang="ja-JP" altLang="en-US" sz="2000" b="1" dirty="0">
+                <a:latin typeface="メイリオ" panose="020B0604030504040204" pitchFamily="50" charset="-128"/>
+                <a:ea typeface="メイリオ" panose="020B0604030504040204" pitchFamily="50" charset="-128"/>
+              </a:rPr>
+              <a:t>タスク</a:t>
+            </a:r>
+            <a:endParaRPr kumimoji="1" lang="en-US" altLang="ja-JP" sz="2000" b="1" dirty="0">
+              <a:latin typeface="メイリオ" panose="020B0604030504040204" pitchFamily="50" charset="-128"/>
+              <a:ea typeface="メイリオ" panose="020B0604030504040204" pitchFamily="50" charset="-128"/>
+            </a:endParaRPr>
+          </a:p>
+        </p:txBody>
+      </p:sp>
+      <p:sp>
+        <p:nvSpPr>
+          <p:cNvPr id="23" name="四角形: 角を丸くする 22">
+            <a:extLst>
+              <a:ext uri="{FF2B5EF4-FFF2-40B4-BE49-F238E27FC236}">
+                <a16:creationId xmlns:a16="http://schemas.microsoft.com/office/drawing/2014/main" id="{5690129F-6289-66D5-605B-05A4D92ACB0A}"/>
+              </a:ext>
+            </a:extLst>
+          </p:cNvPr>
+          <p:cNvSpPr/>
+          <p:nvPr/>
+        </p:nvSpPr>
+        <p:spPr>
+          <a:xfrm>
+            <a:off x="6790437" y="1852648"/>
+            <a:ext cx="4325238" cy="4348127"/>
+          </a:xfrm>
+          <a:prstGeom prst="roundRect">
+            <a:avLst>
+              <a:gd name="adj" fmla="val 7858"/>
+            </a:avLst>
+          </a:prstGeom>
+          <a:noFill/>
+          <a:ln w="38100">
+            <a:solidFill>
+              <a:schemeClr val="tx1"/>
+            </a:solidFill>
+          </a:ln>
+        </p:spPr>
+        <p:style>
+          <a:lnRef idx="2">
+            <a:schemeClr val="accent1">
+              <a:shade val="15000"/>
+            </a:schemeClr>
+          </a:lnRef>
+          <a:fillRef idx="1">
+            <a:schemeClr val="accent1"/>
+          </a:fillRef>
+          <a:effectRef idx="0">
+            <a:schemeClr val="accent1"/>
+          </a:effectRef>
+          <a:fontRef idx="minor">
+            <a:schemeClr val="lt1"/>
+          </a:fontRef>
+        </p:style>
+        <p:txBody>
+          <a:bodyPr rtlCol="0" anchor="ctr"/>
+          <a:lstStyle/>
+          <a:p>
+            <a:pPr algn="ctr"/>
+            <a:endParaRPr kumimoji="1" lang="ja-JP" altLang="en-US" sz="2000" b="1" dirty="0">
+              <a:solidFill>
+                <a:schemeClr val="tx1"/>
+              </a:solidFill>
+              <a:latin typeface="メイリオ" panose="020B0604030504040204" pitchFamily="50" charset="-128"/>
+              <a:ea typeface="メイリオ" panose="020B0604030504040204" pitchFamily="50" charset="-128"/>
+            </a:endParaRPr>
+          </a:p>
+        </p:txBody>
+      </p:sp>
+      <p:sp>
+        <p:nvSpPr>
+          <p:cNvPr id="24" name="テキスト ボックス 23">
+            <a:extLst>
+              <a:ext uri="{FF2B5EF4-FFF2-40B4-BE49-F238E27FC236}">
+                <a16:creationId xmlns:a16="http://schemas.microsoft.com/office/drawing/2014/main" id="{43AA1ABB-6EBA-5EB2-191D-E3730FA2086E}"/>
+              </a:ext>
+            </a:extLst>
+          </p:cNvPr>
+          <p:cNvSpPr txBox="1"/>
+          <p:nvPr/>
+        </p:nvSpPr>
+        <p:spPr>
+          <a:xfrm>
+            <a:off x="6952927" y="1452538"/>
+            <a:ext cx="1857700" cy="400110"/>
+          </a:xfrm>
+          <a:prstGeom prst="rect">
+            <a:avLst/>
+          </a:prstGeom>
+          <a:noFill/>
+        </p:spPr>
+        <p:txBody>
+          <a:bodyPr wrap="square" rtlCol="0">
+            <a:spAutoFit/>
+          </a:bodyPr>
+          <a:lstStyle/>
+          <a:p>
+            <a:r>
+              <a:rPr lang="ja-JP" altLang="en-US" sz="2000" b="1" dirty="0">
+                <a:latin typeface="メイリオ" panose="020B0604030504040204" pitchFamily="50" charset="-128"/>
+                <a:ea typeface="メイリオ" panose="020B0604030504040204" pitchFamily="50" charset="-128"/>
+              </a:rPr>
+              <a:t>オプション</a:t>
+            </a:r>
+            <a:endParaRPr kumimoji="1" lang="en-US" altLang="ja-JP" sz="2000" b="1" dirty="0">
+              <a:latin typeface="メイリオ" panose="020B0604030504040204" pitchFamily="50" charset="-128"/>
+              <a:ea typeface="メイリオ" panose="020B0604030504040204" pitchFamily="50" charset="-128"/>
+            </a:endParaRPr>
+          </a:p>
+        </p:txBody>
+      </p:sp>
+      <p:sp>
+        <p:nvSpPr>
+          <p:cNvPr id="25" name="テキスト ボックス 24">
+            <a:extLst>
+              <a:ext uri="{FF2B5EF4-FFF2-40B4-BE49-F238E27FC236}">
+                <a16:creationId xmlns:a16="http://schemas.microsoft.com/office/drawing/2014/main" id="{A9AD5628-0F3F-FA4A-EA2E-1BECB767C4A8}"/>
+              </a:ext>
+            </a:extLst>
+          </p:cNvPr>
+          <p:cNvSpPr txBox="1"/>
+          <p:nvPr/>
+        </p:nvSpPr>
+        <p:spPr>
+          <a:xfrm>
+            <a:off x="6952927" y="2009767"/>
+            <a:ext cx="702480" cy="400110"/>
+          </a:xfrm>
+          <a:prstGeom prst="rect">
+            <a:avLst/>
+          </a:prstGeom>
+          <a:noFill/>
+        </p:spPr>
+        <p:txBody>
+          <a:bodyPr wrap="square" rtlCol="0">
+            <a:spAutoFit/>
+          </a:bodyPr>
+          <a:lstStyle/>
+          <a:p>
+            <a:r>
+              <a:rPr kumimoji="1" lang="ja-JP" altLang="en-US" sz="2000" b="1" dirty="0">
+                <a:latin typeface="メイリオ" panose="020B0604030504040204" pitchFamily="50" charset="-128"/>
+                <a:ea typeface="メイリオ" panose="020B0604030504040204" pitchFamily="50" charset="-128"/>
+              </a:rPr>
+              <a:t>背景</a:t>
+            </a:r>
+            <a:endParaRPr kumimoji="1" lang="en-US" altLang="ja-JP" sz="2000" b="1" dirty="0">
+              <a:latin typeface="メイリオ" panose="020B0604030504040204" pitchFamily="50" charset="-128"/>
+              <a:ea typeface="メイリオ" panose="020B0604030504040204" pitchFamily="50" charset="-128"/>
+            </a:endParaRPr>
+          </a:p>
+        </p:txBody>
+      </p:sp>
+      <p:sp>
+        <p:nvSpPr>
+          <p:cNvPr id="26" name="テキスト ボックス 25">
+            <a:extLst>
+              <a:ext uri="{FF2B5EF4-FFF2-40B4-BE49-F238E27FC236}">
+                <a16:creationId xmlns:a16="http://schemas.microsoft.com/office/drawing/2014/main" id="{72D50E9D-C591-A9E9-3A05-3EC6985D6FE9}"/>
+              </a:ext>
+            </a:extLst>
+          </p:cNvPr>
+          <p:cNvSpPr txBox="1"/>
+          <p:nvPr/>
+        </p:nvSpPr>
+        <p:spPr>
+          <a:xfrm>
+            <a:off x="6952927" y="4076638"/>
+            <a:ext cx="1468031" cy="400110"/>
+          </a:xfrm>
+          <a:prstGeom prst="rect">
+            <a:avLst/>
+          </a:prstGeom>
+          <a:noFill/>
+        </p:spPr>
+        <p:txBody>
+          <a:bodyPr wrap="square" rtlCol="0">
+            <a:spAutoFit/>
+          </a:bodyPr>
+          <a:lstStyle/>
+          <a:p>
+            <a:r>
+              <a:rPr lang="ja-JP" altLang="en-US" sz="2000" b="1" dirty="0">
+                <a:latin typeface="メイリオ" panose="020B0604030504040204" pitchFamily="50" charset="-128"/>
+                <a:ea typeface="メイリオ" panose="020B0604030504040204" pitchFamily="50" charset="-128"/>
+              </a:rPr>
+              <a:t>アイコン</a:t>
+            </a:r>
+            <a:endParaRPr kumimoji="1" lang="en-US" altLang="ja-JP" sz="2000" b="1" dirty="0">
+              <a:latin typeface="メイリオ" panose="020B0604030504040204" pitchFamily="50" charset="-128"/>
+              <a:ea typeface="メイリオ" panose="020B0604030504040204" pitchFamily="50" charset="-128"/>
+            </a:endParaRPr>
+          </a:p>
+        </p:txBody>
+      </p:sp>
+      <p:sp>
+        <p:nvSpPr>
+          <p:cNvPr id="28" name="四角形: 角を丸くする 27">
+            <a:extLst>
+              <a:ext uri="{FF2B5EF4-FFF2-40B4-BE49-F238E27FC236}">
+                <a16:creationId xmlns:a16="http://schemas.microsoft.com/office/drawing/2014/main" id="{31B532A6-88B3-856C-01CF-D36644329576}"/>
+              </a:ext>
+            </a:extLst>
+          </p:cNvPr>
+          <p:cNvSpPr/>
+          <p:nvPr/>
+        </p:nvSpPr>
+        <p:spPr>
+          <a:xfrm>
+            <a:off x="6991278" y="2409733"/>
+            <a:ext cx="3861538" cy="1431100"/>
+          </a:xfrm>
+          <a:prstGeom prst="roundRect">
+            <a:avLst>
+              <a:gd name="adj" fmla="val 7402"/>
+            </a:avLst>
+          </a:prstGeom>
+          <a:noFill/>
+          <a:ln w="38100">
+            <a:solidFill>
+              <a:schemeClr val="tx1"/>
+            </a:solidFill>
+          </a:ln>
+        </p:spPr>
+        <p:style>
+          <a:lnRef idx="2">
+            <a:schemeClr val="accent1">
+              <a:shade val="15000"/>
+            </a:schemeClr>
+          </a:lnRef>
+          <a:fillRef idx="1">
+            <a:schemeClr val="accent1"/>
+          </a:fillRef>
+          <a:effectRef idx="0">
+            <a:schemeClr val="accent1"/>
+          </a:effectRef>
+          <a:fontRef idx="minor">
+            <a:schemeClr val="lt1"/>
+          </a:fontRef>
+        </p:style>
+        <p:txBody>
+          <a:bodyPr rtlCol="0" anchor="ctr"/>
+          <a:lstStyle/>
+          <a:p>
+            <a:pPr algn="ctr"/>
+            <a:endParaRPr kumimoji="1" lang="ja-JP" altLang="en-US" sz="2000" b="1" dirty="0">
+              <a:solidFill>
+                <a:schemeClr val="tx1"/>
+              </a:solidFill>
+              <a:latin typeface="メイリオ" panose="020B0604030504040204" pitchFamily="50" charset="-128"/>
+              <a:ea typeface="メイリオ" panose="020B0604030504040204" pitchFamily="50" charset="-128"/>
+            </a:endParaRPr>
+          </a:p>
+        </p:txBody>
+      </p:sp>
+      <p:sp>
+        <p:nvSpPr>
+          <p:cNvPr id="29" name="四角形: 角を丸くする 28">
+            <a:extLst>
+              <a:ext uri="{FF2B5EF4-FFF2-40B4-BE49-F238E27FC236}">
+                <a16:creationId xmlns:a16="http://schemas.microsoft.com/office/drawing/2014/main" id="{856924FE-5943-6040-55C2-3087CDE9D591}"/>
+              </a:ext>
+            </a:extLst>
+          </p:cNvPr>
+          <p:cNvSpPr/>
+          <p:nvPr/>
+        </p:nvSpPr>
+        <p:spPr>
+          <a:xfrm>
+            <a:off x="7024326" y="4487015"/>
+            <a:ext cx="3861538" cy="1431100"/>
+          </a:xfrm>
+          <a:prstGeom prst="roundRect">
+            <a:avLst>
+              <a:gd name="adj" fmla="val 7402"/>
+            </a:avLst>
+          </a:prstGeom>
+          <a:noFill/>
+          <a:ln w="38100">
+            <a:solidFill>
+              <a:schemeClr val="tx1"/>
+            </a:solidFill>
+          </a:ln>
+        </p:spPr>
+        <p:style>
+          <a:lnRef idx="2">
+            <a:schemeClr val="accent1">
+              <a:shade val="15000"/>
+            </a:schemeClr>
+          </a:lnRef>
+          <a:fillRef idx="1">
+            <a:schemeClr val="accent1"/>
+          </a:fillRef>
+          <a:effectRef idx="0">
+            <a:schemeClr val="accent1"/>
+          </a:effectRef>
+          <a:fontRef idx="minor">
+            <a:schemeClr val="lt1"/>
+          </a:fontRef>
+        </p:style>
+        <p:txBody>
+          <a:bodyPr rtlCol="0" anchor="ctr"/>
+          <a:lstStyle/>
+          <a:p>
+            <a:pPr algn="ctr"/>
+            <a:endParaRPr kumimoji="1" lang="ja-JP" altLang="en-US" sz="2000" b="1" dirty="0">
+              <a:solidFill>
+                <a:schemeClr val="tx1"/>
+              </a:solidFill>
+              <a:latin typeface="メイリオ" panose="020B0604030504040204" pitchFamily="50" charset="-128"/>
+              <a:ea typeface="メイリオ" panose="020B0604030504040204" pitchFamily="50" charset="-128"/>
+            </a:endParaRPr>
+          </a:p>
+        </p:txBody>
+      </p:sp>
     </p:spTree>
     <p:extLst>
       <p:ext uri="{BB962C8B-B14F-4D97-AF65-F5344CB8AC3E}">
@@ -7381,7 +9852,7 @@
 </p:sld>
 </file>
 
-<file path=ppt/slides/slide13.xml><?xml version="1.0" encoding="utf-8"?>
+<file path=ppt/slides/slide14.xml><?xml version="1.0" encoding="utf-8"?>
 <p:sld xmlns:a="http://schemas.openxmlformats.org/drawingml/2006/main" xmlns:r="http://schemas.openxmlformats.org/officeDocument/2006/relationships" xmlns:p="http://schemas.openxmlformats.org/presentationml/2006/main">
   <p:cSld>
     <p:spTree>
@@ -7808,7 +10279,7 @@
 </p:sld>
 </file>
 
-<file path=ppt/slides/slide14.xml><?xml version="1.0" encoding="utf-8"?>
+<file path=ppt/slides/slide15.xml><?xml version="1.0" encoding="utf-8"?>
 <p:sld xmlns:a="http://schemas.openxmlformats.org/drawingml/2006/main" xmlns:r="http://schemas.openxmlformats.org/officeDocument/2006/relationships" xmlns:p="http://schemas.openxmlformats.org/presentationml/2006/main">
   <p:cSld>
     <p:spTree>
@@ -8235,7 +10706,7 @@
 </p:sld>
 </file>
 
-<file path=ppt/slides/slide15.xml><?xml version="1.0" encoding="utf-8"?>
+<file path=ppt/slides/slide16.xml><?xml version="1.0" encoding="utf-8"?>
 <p:sld xmlns:a="http://schemas.openxmlformats.org/drawingml/2006/main" xmlns:r="http://schemas.openxmlformats.org/officeDocument/2006/relationships" xmlns:p="http://schemas.openxmlformats.org/presentationml/2006/main">
   <p:cSld>
     <p:spTree>
@@ -8662,7 +11133,7 @@
 </p:sld>
 </file>
 
-<file path=ppt/slides/slide16.xml><?xml version="1.0" encoding="utf-8"?>
+<file path=ppt/slides/slide17.xml><?xml version="1.0" encoding="utf-8"?>
 <p:sld xmlns:a="http://schemas.openxmlformats.org/drawingml/2006/main" xmlns:r="http://schemas.openxmlformats.org/officeDocument/2006/relationships" xmlns:p="http://schemas.openxmlformats.org/presentationml/2006/main">
   <p:cSld>
     <p:spTree>
@@ -9089,7 +11560,7 @@
 </p:sld>
 </file>
 
-<file path=ppt/slides/slide17.xml><?xml version="1.0" encoding="utf-8"?>
+<file path=ppt/slides/slide18.xml><?xml version="1.0" encoding="utf-8"?>
 <p:sld xmlns:a="http://schemas.openxmlformats.org/drawingml/2006/main" xmlns:r="http://schemas.openxmlformats.org/officeDocument/2006/relationships" xmlns:p="http://schemas.openxmlformats.org/presentationml/2006/main">
   <p:cSld>
     <p:spTree>
@@ -9516,7 +11987,7 @@
 </p:sld>
 </file>
 
-<file path=ppt/slides/slide18.xml><?xml version="1.0" encoding="utf-8"?>
+<file path=ppt/slides/slide19.xml><?xml version="1.0" encoding="utf-8"?>
 <p:sld xmlns:a="http://schemas.openxmlformats.org/drawingml/2006/main" xmlns:r="http://schemas.openxmlformats.org/officeDocument/2006/relationships" xmlns:p="http://schemas.openxmlformats.org/presentationml/2006/main">
   <p:cSld>
     <p:spTree>
@@ -12432,8 +14903,8 @@
         </p:nvSpPr>
         <p:spPr>
           <a:xfrm>
-            <a:off x="3224212" y="3110209"/>
-            <a:ext cx="4752975" cy="461665"/>
+            <a:off x="3224213" y="3110209"/>
+            <a:ext cx="4891088" cy="461665"/>
           </a:xfrm>
           <a:prstGeom prst="rect">
             <a:avLst/>
@@ -12451,7 +14922,7 @@
                 <a:latin typeface="メイリオ" panose="020B0604030504040204" pitchFamily="50" charset="-128"/>
                 <a:ea typeface="メイリオ" panose="020B0604030504040204" pitchFamily="50" charset="-128"/>
               </a:rPr>
-              <a:t>本日の予定を入力してください</a:t>
+              <a:t>本日のタスクを入力してください</a:t>
             </a:r>
             <a:endParaRPr kumimoji="1" lang="en-US" altLang="ja-JP" sz="2400" b="1" dirty="0">
               <a:latin typeface="メイリオ" panose="020B0604030504040204" pitchFamily="50" charset="-128"/>

--- a/doc/外部設計書_画面設計_図.pptx
+++ b/doc/外部設計書_画面設計_図.pptx
@@ -19,11 +19,13 @@
     <p:sldId id="277" r:id="rId13"/>
     <p:sldId id="270" r:id="rId14"/>
     <p:sldId id="271" r:id="rId15"/>
-    <p:sldId id="272" r:id="rId16"/>
-    <p:sldId id="273" r:id="rId17"/>
-    <p:sldId id="274" r:id="rId18"/>
-    <p:sldId id="275" r:id="rId19"/>
-    <p:sldId id="276" r:id="rId20"/>
+    <p:sldId id="278" r:id="rId16"/>
+    <p:sldId id="279" r:id="rId17"/>
+    <p:sldId id="272" r:id="rId18"/>
+    <p:sldId id="273" r:id="rId19"/>
+    <p:sldId id="274" r:id="rId20"/>
+    <p:sldId id="275" r:id="rId21"/>
+    <p:sldId id="276" r:id="rId22"/>
   </p:sldIdLst>
   <p:sldSz cx="12192000" cy="6858000"/>
   <p:notesSz cx="6858000" cy="9144000"/>
@@ -277,7 +279,7 @@
           <a:p>
             <a:fld id="{37162813-C2B5-4E1D-9AEA-2609EB32A968}" type="datetimeFigureOut">
               <a:rPr kumimoji="1" lang="ja-JP" altLang="en-US" smtClean="0"/>
-              <a:t>2023/6/9</a:t>
+              <a:t>2023/6/13</a:t>
             </a:fld>
             <a:endParaRPr kumimoji="1" lang="ja-JP" altLang="en-US"/>
           </a:p>
@@ -507,7 +509,7 @@
           <a:p>
             <a:fld id="{37162813-C2B5-4E1D-9AEA-2609EB32A968}" type="datetimeFigureOut">
               <a:rPr kumimoji="1" lang="ja-JP" altLang="en-US" smtClean="0"/>
-              <a:t>2023/6/9</a:t>
+              <a:t>2023/6/13</a:t>
             </a:fld>
             <a:endParaRPr kumimoji="1" lang="ja-JP" altLang="en-US"/>
           </a:p>
@@ -747,7 +749,7 @@
           <a:p>
             <a:fld id="{37162813-C2B5-4E1D-9AEA-2609EB32A968}" type="datetimeFigureOut">
               <a:rPr kumimoji="1" lang="ja-JP" altLang="en-US" smtClean="0"/>
-              <a:t>2023/6/9</a:t>
+              <a:t>2023/6/13</a:t>
             </a:fld>
             <a:endParaRPr kumimoji="1" lang="ja-JP" altLang="en-US"/>
           </a:p>
@@ -977,7 +979,7 @@
           <a:p>
             <a:fld id="{37162813-C2B5-4E1D-9AEA-2609EB32A968}" type="datetimeFigureOut">
               <a:rPr kumimoji="1" lang="ja-JP" altLang="en-US" smtClean="0"/>
-              <a:t>2023/6/9</a:t>
+              <a:t>2023/6/13</a:t>
             </a:fld>
             <a:endParaRPr kumimoji="1" lang="ja-JP" altLang="en-US"/>
           </a:p>
@@ -1252,7 +1254,7 @@
           <a:p>
             <a:fld id="{37162813-C2B5-4E1D-9AEA-2609EB32A968}" type="datetimeFigureOut">
               <a:rPr kumimoji="1" lang="ja-JP" altLang="en-US" smtClean="0"/>
-              <a:t>2023/6/9</a:t>
+              <a:t>2023/6/13</a:t>
             </a:fld>
             <a:endParaRPr kumimoji="1" lang="ja-JP" altLang="en-US"/>
           </a:p>
@@ -1581,7 +1583,7 @@
           <a:p>
             <a:fld id="{37162813-C2B5-4E1D-9AEA-2609EB32A968}" type="datetimeFigureOut">
               <a:rPr kumimoji="1" lang="ja-JP" altLang="en-US" smtClean="0"/>
-              <a:t>2023/6/9</a:t>
+              <a:t>2023/6/13</a:t>
             </a:fld>
             <a:endParaRPr kumimoji="1" lang="ja-JP" altLang="en-US"/>
           </a:p>
@@ -2057,7 +2059,7 @@
           <a:p>
             <a:fld id="{37162813-C2B5-4E1D-9AEA-2609EB32A968}" type="datetimeFigureOut">
               <a:rPr kumimoji="1" lang="ja-JP" altLang="en-US" smtClean="0"/>
-              <a:t>2023/6/9</a:t>
+              <a:t>2023/6/13</a:t>
             </a:fld>
             <a:endParaRPr kumimoji="1" lang="ja-JP" altLang="en-US"/>
           </a:p>
@@ -2198,7 +2200,7 @@
           <a:p>
             <a:fld id="{37162813-C2B5-4E1D-9AEA-2609EB32A968}" type="datetimeFigureOut">
               <a:rPr kumimoji="1" lang="ja-JP" altLang="en-US" smtClean="0"/>
-              <a:t>2023/6/9</a:t>
+              <a:t>2023/6/13</a:t>
             </a:fld>
             <a:endParaRPr kumimoji="1" lang="ja-JP" altLang="en-US"/>
           </a:p>
@@ -2311,7 +2313,7 @@
           <a:p>
             <a:fld id="{37162813-C2B5-4E1D-9AEA-2609EB32A968}" type="datetimeFigureOut">
               <a:rPr kumimoji="1" lang="ja-JP" altLang="en-US" smtClean="0"/>
-              <a:t>2023/6/9</a:t>
+              <a:t>2023/6/13</a:t>
             </a:fld>
             <a:endParaRPr kumimoji="1" lang="ja-JP" altLang="en-US"/>
           </a:p>
@@ -2654,7 +2656,7 @@
           <a:p>
             <a:fld id="{37162813-C2B5-4E1D-9AEA-2609EB32A968}" type="datetimeFigureOut">
               <a:rPr kumimoji="1" lang="ja-JP" altLang="en-US" smtClean="0"/>
-              <a:t>2023/6/9</a:t>
+              <a:t>2023/6/13</a:t>
             </a:fld>
             <a:endParaRPr kumimoji="1" lang="ja-JP" altLang="en-US"/>
           </a:p>
@@ -2942,7 +2944,7 @@
           <a:p>
             <a:fld id="{37162813-C2B5-4E1D-9AEA-2609EB32A968}" type="datetimeFigureOut">
               <a:rPr kumimoji="1" lang="ja-JP" altLang="en-US" smtClean="0"/>
-              <a:t>2023/6/9</a:t>
+              <a:t>2023/6/13</a:t>
             </a:fld>
             <a:endParaRPr kumimoji="1" lang="ja-JP" altLang="en-US"/>
           </a:p>
@@ -3215,7 +3217,7 @@
           <a:p>
             <a:fld id="{37162813-C2B5-4E1D-9AEA-2609EB32A968}" type="datetimeFigureOut">
               <a:rPr kumimoji="1" lang="ja-JP" altLang="en-US" smtClean="0"/>
-              <a:t>2023/6/9</a:t>
+              <a:t>2023/6/13</a:t>
             </a:fld>
             <a:endParaRPr kumimoji="1" lang="ja-JP" altLang="en-US"/>
           </a:p>
@@ -9891,7 +9893,9 @@
           <a:prstGeom prst="rect">
             <a:avLst/>
           </a:prstGeom>
-          <a:noFill/>
+          <a:solidFill>
+            <a:schemeClr val="bg1"/>
+          </a:solidFill>
           <a:ln w="28575">
             <a:solidFill>
               <a:schemeClr val="tx1"/>
@@ -10266,6 +10270,624 @@
           </p:txBody>
         </p:sp>
       </p:grpSp>
+      <p:sp>
+        <p:nvSpPr>
+          <p:cNvPr id="2" name="四角形: 角を丸くする 1">
+            <a:extLst>
+              <a:ext uri="{FF2B5EF4-FFF2-40B4-BE49-F238E27FC236}">
+                <a16:creationId xmlns:a16="http://schemas.microsoft.com/office/drawing/2014/main" id="{964470A9-E754-ACAC-BAE4-357F8ED222AA}"/>
+              </a:ext>
+            </a:extLst>
+          </p:cNvPr>
+          <p:cNvSpPr/>
+          <p:nvPr/>
+        </p:nvSpPr>
+        <p:spPr>
+          <a:xfrm>
+            <a:off x="1608842" y="1753686"/>
+            <a:ext cx="9077325" cy="4312668"/>
+          </a:xfrm>
+          <a:prstGeom prst="roundRect">
+            <a:avLst>
+              <a:gd name="adj" fmla="val 4299"/>
+            </a:avLst>
+          </a:prstGeom>
+          <a:noFill/>
+          <a:ln w="38100">
+            <a:solidFill>
+              <a:schemeClr val="tx1"/>
+            </a:solidFill>
+          </a:ln>
+        </p:spPr>
+        <p:style>
+          <a:lnRef idx="2">
+            <a:schemeClr val="accent1">
+              <a:shade val="15000"/>
+            </a:schemeClr>
+          </a:lnRef>
+          <a:fillRef idx="1">
+            <a:schemeClr val="accent1"/>
+          </a:fillRef>
+          <a:effectRef idx="0">
+            <a:schemeClr val="accent1"/>
+          </a:effectRef>
+          <a:fontRef idx="minor">
+            <a:schemeClr val="lt1"/>
+          </a:fontRef>
+        </p:style>
+        <p:txBody>
+          <a:bodyPr rtlCol="0" anchor="ctr"/>
+          <a:lstStyle/>
+          <a:p>
+            <a:pPr algn="ctr"/>
+            <a:endParaRPr kumimoji="1" lang="ja-JP" altLang="en-US" sz="2000" b="1" dirty="0">
+              <a:solidFill>
+                <a:schemeClr val="tx1"/>
+              </a:solidFill>
+              <a:latin typeface="メイリオ" panose="020B0604030504040204" pitchFamily="50" charset="-128"/>
+              <a:ea typeface="メイリオ" panose="020B0604030504040204" pitchFamily="50" charset="-128"/>
+            </a:endParaRPr>
+          </a:p>
+        </p:txBody>
+      </p:sp>
+      <p:grpSp>
+        <p:nvGrpSpPr>
+          <p:cNvPr id="8" name="グループ化 7">
+            <a:extLst>
+              <a:ext uri="{FF2B5EF4-FFF2-40B4-BE49-F238E27FC236}">
+                <a16:creationId xmlns:a16="http://schemas.microsoft.com/office/drawing/2014/main" id="{9FBE4E1C-8D21-F871-F5CF-B8C84D432614}"/>
+              </a:ext>
+            </a:extLst>
+          </p:cNvPr>
+          <p:cNvGrpSpPr/>
+          <p:nvPr/>
+        </p:nvGrpSpPr>
+        <p:grpSpPr>
+          <a:xfrm>
+            <a:off x="2407443" y="5154353"/>
+            <a:ext cx="1766887" cy="511696"/>
+            <a:chOff x="12039599" y="2704734"/>
+            <a:chExt cx="3088775" cy="498234"/>
+          </a:xfrm>
+        </p:grpSpPr>
+        <p:sp>
+          <p:nvSpPr>
+            <p:cNvPr id="10" name="四角形: 角を丸くする 9">
+              <a:extLst>
+                <a:ext uri="{FF2B5EF4-FFF2-40B4-BE49-F238E27FC236}">
+                  <a16:creationId xmlns:a16="http://schemas.microsoft.com/office/drawing/2014/main" id="{6E4D4BA0-EC59-D911-F404-12E6B8BCB3C2}"/>
+                </a:ext>
+              </a:extLst>
+            </p:cNvPr>
+            <p:cNvSpPr/>
+            <p:nvPr/>
+          </p:nvSpPr>
+          <p:spPr>
+            <a:xfrm>
+              <a:off x="12039599" y="2704734"/>
+              <a:ext cx="3088775" cy="498234"/>
+            </a:xfrm>
+            <a:prstGeom prst="roundRect">
+              <a:avLst/>
+            </a:prstGeom>
+            <a:noFill/>
+            <a:ln w="38100">
+              <a:solidFill>
+                <a:schemeClr val="tx1"/>
+              </a:solidFill>
+            </a:ln>
+          </p:spPr>
+          <p:style>
+            <a:lnRef idx="2">
+              <a:schemeClr val="accent1">
+                <a:shade val="15000"/>
+              </a:schemeClr>
+            </a:lnRef>
+            <a:fillRef idx="1">
+              <a:schemeClr val="accent1"/>
+            </a:fillRef>
+            <a:effectRef idx="0">
+              <a:schemeClr val="accent1"/>
+            </a:effectRef>
+            <a:fontRef idx="minor">
+              <a:schemeClr val="lt1"/>
+            </a:fontRef>
+          </p:style>
+          <p:txBody>
+            <a:bodyPr rtlCol="0" anchor="ctr"/>
+            <a:lstStyle/>
+            <a:p>
+              <a:pPr algn="ctr"/>
+              <a:endParaRPr kumimoji="1" lang="ja-JP" altLang="en-US" sz="2000" b="1" dirty="0">
+                <a:solidFill>
+                  <a:schemeClr val="tx1"/>
+                </a:solidFill>
+                <a:latin typeface="メイリオ" panose="020B0604030504040204" pitchFamily="50" charset="-128"/>
+                <a:ea typeface="メイリオ" panose="020B0604030504040204" pitchFamily="50" charset="-128"/>
+              </a:endParaRPr>
+            </a:p>
+          </p:txBody>
+        </p:sp>
+        <p:sp>
+          <p:nvSpPr>
+            <p:cNvPr id="12" name="テキスト ボックス 11">
+              <a:extLst>
+                <a:ext uri="{FF2B5EF4-FFF2-40B4-BE49-F238E27FC236}">
+                  <a16:creationId xmlns:a16="http://schemas.microsoft.com/office/drawing/2014/main" id="{2450E0DF-381E-C98C-F5D0-3B563C5B8196}"/>
+                </a:ext>
+              </a:extLst>
+            </p:cNvPr>
+            <p:cNvSpPr txBox="1"/>
+            <p:nvPr/>
+          </p:nvSpPr>
+          <p:spPr>
+            <a:xfrm>
+              <a:off x="12297963" y="2787795"/>
+              <a:ext cx="2830411" cy="400110"/>
+            </a:xfrm>
+            <a:prstGeom prst="rect">
+              <a:avLst/>
+            </a:prstGeom>
+            <a:noFill/>
+          </p:spPr>
+          <p:txBody>
+            <a:bodyPr wrap="square" rtlCol="0">
+              <a:spAutoFit/>
+            </a:bodyPr>
+            <a:lstStyle/>
+            <a:p>
+              <a:r>
+                <a:rPr lang="ja-JP" altLang="en-US" sz="2000" b="1" dirty="0">
+                  <a:latin typeface="メイリオ" panose="020B0604030504040204" pitchFamily="50" charset="-128"/>
+                  <a:ea typeface="メイリオ" panose="020B0604030504040204" pitchFamily="50" charset="-128"/>
+                </a:rPr>
+                <a:t>足軽ガチャ</a:t>
+              </a:r>
+              <a:endParaRPr kumimoji="1" lang="en-US" altLang="ja-JP" sz="2000" b="1" dirty="0">
+                <a:latin typeface="メイリオ" panose="020B0604030504040204" pitchFamily="50" charset="-128"/>
+                <a:ea typeface="メイリオ" panose="020B0604030504040204" pitchFamily="50" charset="-128"/>
+              </a:endParaRPr>
+            </a:p>
+          </p:txBody>
+        </p:sp>
+      </p:grpSp>
+      <p:sp>
+        <p:nvSpPr>
+          <p:cNvPr id="24" name="テキスト ボックス 23">
+            <a:extLst>
+              <a:ext uri="{FF2B5EF4-FFF2-40B4-BE49-F238E27FC236}">
+                <a16:creationId xmlns:a16="http://schemas.microsoft.com/office/drawing/2014/main" id="{49257613-AA18-EB08-B297-CDEC53F26995}"/>
+              </a:ext>
+            </a:extLst>
+          </p:cNvPr>
+          <p:cNvSpPr txBox="1"/>
+          <p:nvPr/>
+        </p:nvSpPr>
+        <p:spPr>
+          <a:xfrm>
+            <a:off x="8104291" y="1895467"/>
+            <a:ext cx="2830411" cy="923330"/>
+          </a:xfrm>
+          <a:prstGeom prst="rect">
+            <a:avLst/>
+          </a:prstGeom>
+          <a:noFill/>
+        </p:spPr>
+        <p:txBody>
+          <a:bodyPr wrap="square" rtlCol="0">
+            <a:spAutoFit/>
+          </a:bodyPr>
+          <a:lstStyle/>
+          <a:p>
+            <a:r>
+              <a:rPr lang="ja-JP" altLang="en-US" b="1" dirty="0">
+                <a:latin typeface="メイリオ" panose="020B0604030504040204" pitchFamily="50" charset="-128"/>
+                <a:ea typeface="メイリオ" panose="020B0604030504040204" pitchFamily="50" charset="-128"/>
+              </a:rPr>
+              <a:t>足軽チケット　</a:t>
+            </a:r>
+            <a:r>
+              <a:rPr lang="en-US" altLang="ja-JP" b="1" dirty="0">
+                <a:latin typeface="メイリオ" panose="020B0604030504040204" pitchFamily="50" charset="-128"/>
+                <a:ea typeface="メイリオ" panose="020B0604030504040204" pitchFamily="50" charset="-128"/>
+              </a:rPr>
+              <a:t>:10</a:t>
+            </a:r>
+            <a:r>
+              <a:rPr lang="ja-JP" altLang="en-US" b="1" dirty="0">
+                <a:latin typeface="メイリオ" panose="020B0604030504040204" pitchFamily="50" charset="-128"/>
+                <a:ea typeface="メイリオ" panose="020B0604030504040204" pitchFamily="50" charset="-128"/>
+              </a:rPr>
+              <a:t>枚</a:t>
+            </a:r>
+            <a:endParaRPr lang="en-US" altLang="ja-JP" b="1" dirty="0">
+              <a:latin typeface="メイリオ" panose="020B0604030504040204" pitchFamily="50" charset="-128"/>
+              <a:ea typeface="メイリオ" panose="020B0604030504040204" pitchFamily="50" charset="-128"/>
+            </a:endParaRPr>
+          </a:p>
+          <a:p>
+            <a:r>
+              <a:rPr kumimoji="1" lang="ja-JP" altLang="en-US" b="1" dirty="0">
+                <a:latin typeface="メイリオ" panose="020B0604030504040204" pitchFamily="50" charset="-128"/>
+                <a:ea typeface="メイリオ" panose="020B0604030504040204" pitchFamily="50" charset="-128"/>
+              </a:rPr>
+              <a:t>侍チケット　　</a:t>
+            </a:r>
+            <a:r>
+              <a:rPr kumimoji="1" lang="en-US" altLang="ja-JP" b="1" dirty="0">
+                <a:latin typeface="メイリオ" panose="020B0604030504040204" pitchFamily="50" charset="-128"/>
+                <a:ea typeface="メイリオ" panose="020B0604030504040204" pitchFamily="50" charset="-128"/>
+              </a:rPr>
+              <a:t>:2</a:t>
+            </a:r>
+            <a:r>
+              <a:rPr kumimoji="1" lang="ja-JP" altLang="en-US" b="1" dirty="0">
+                <a:latin typeface="メイリオ" panose="020B0604030504040204" pitchFamily="50" charset="-128"/>
+                <a:ea typeface="メイリオ" panose="020B0604030504040204" pitchFamily="50" charset="-128"/>
+              </a:rPr>
+              <a:t>枚</a:t>
+            </a:r>
+            <a:endParaRPr kumimoji="1" lang="en-US" altLang="ja-JP" b="1" dirty="0">
+              <a:latin typeface="メイリオ" panose="020B0604030504040204" pitchFamily="50" charset="-128"/>
+              <a:ea typeface="メイリオ" panose="020B0604030504040204" pitchFamily="50" charset="-128"/>
+            </a:endParaRPr>
+          </a:p>
+          <a:p>
+            <a:r>
+              <a:rPr lang="ja-JP" altLang="en-US" b="1" dirty="0">
+                <a:latin typeface="メイリオ" panose="020B0604030504040204" pitchFamily="50" charset="-128"/>
+                <a:ea typeface="メイリオ" panose="020B0604030504040204" pitchFamily="50" charset="-128"/>
+              </a:rPr>
+              <a:t>総大将チケット</a:t>
+            </a:r>
+            <a:r>
+              <a:rPr lang="en-US" altLang="ja-JP" b="1" dirty="0">
+                <a:latin typeface="メイリオ" panose="020B0604030504040204" pitchFamily="50" charset="-128"/>
+                <a:ea typeface="メイリオ" panose="020B0604030504040204" pitchFamily="50" charset="-128"/>
+              </a:rPr>
+              <a:t>:1</a:t>
+            </a:r>
+            <a:r>
+              <a:rPr lang="ja-JP" altLang="en-US" b="1" dirty="0">
+                <a:latin typeface="メイリオ" panose="020B0604030504040204" pitchFamily="50" charset="-128"/>
+                <a:ea typeface="メイリオ" panose="020B0604030504040204" pitchFamily="50" charset="-128"/>
+              </a:rPr>
+              <a:t>枚</a:t>
+            </a:r>
+            <a:endParaRPr kumimoji="1" lang="en-US" altLang="ja-JP" b="1" dirty="0">
+              <a:latin typeface="メイリオ" panose="020B0604030504040204" pitchFamily="50" charset="-128"/>
+              <a:ea typeface="メイリオ" panose="020B0604030504040204" pitchFamily="50" charset="-128"/>
+            </a:endParaRPr>
+          </a:p>
+        </p:txBody>
+      </p:sp>
+      <p:grpSp>
+        <p:nvGrpSpPr>
+          <p:cNvPr id="3" name="グループ化 2">
+            <a:extLst>
+              <a:ext uri="{FF2B5EF4-FFF2-40B4-BE49-F238E27FC236}">
+                <a16:creationId xmlns:a16="http://schemas.microsoft.com/office/drawing/2014/main" id="{0F103489-4D6C-1AEF-B5FD-11F874800CA3}"/>
+              </a:ext>
+            </a:extLst>
+          </p:cNvPr>
+          <p:cNvGrpSpPr/>
+          <p:nvPr/>
+        </p:nvGrpSpPr>
+        <p:grpSpPr>
+          <a:xfrm>
+            <a:off x="5346141" y="5173403"/>
+            <a:ext cx="1766887" cy="511696"/>
+            <a:chOff x="12039599" y="2704734"/>
+            <a:chExt cx="3088775" cy="498234"/>
+          </a:xfrm>
+        </p:grpSpPr>
+        <p:sp>
+          <p:nvSpPr>
+            <p:cNvPr id="18" name="四角形: 角を丸くする 17">
+              <a:extLst>
+                <a:ext uri="{FF2B5EF4-FFF2-40B4-BE49-F238E27FC236}">
+                  <a16:creationId xmlns:a16="http://schemas.microsoft.com/office/drawing/2014/main" id="{73B92A5A-4097-0688-C8BC-EF8845070AAD}"/>
+                </a:ext>
+              </a:extLst>
+            </p:cNvPr>
+            <p:cNvSpPr/>
+            <p:nvPr/>
+          </p:nvSpPr>
+          <p:spPr>
+            <a:xfrm>
+              <a:off x="12039599" y="2704734"/>
+              <a:ext cx="3088775" cy="498234"/>
+            </a:xfrm>
+            <a:prstGeom prst="roundRect">
+              <a:avLst/>
+            </a:prstGeom>
+            <a:noFill/>
+            <a:ln w="38100">
+              <a:solidFill>
+                <a:schemeClr val="tx1"/>
+              </a:solidFill>
+            </a:ln>
+          </p:spPr>
+          <p:style>
+            <a:lnRef idx="2">
+              <a:schemeClr val="accent1">
+                <a:shade val="15000"/>
+              </a:schemeClr>
+            </a:lnRef>
+            <a:fillRef idx="1">
+              <a:schemeClr val="accent1"/>
+            </a:fillRef>
+            <a:effectRef idx="0">
+              <a:schemeClr val="accent1"/>
+            </a:effectRef>
+            <a:fontRef idx="minor">
+              <a:schemeClr val="lt1"/>
+            </a:fontRef>
+          </p:style>
+          <p:txBody>
+            <a:bodyPr rtlCol="0" anchor="ctr"/>
+            <a:lstStyle/>
+            <a:p>
+              <a:pPr algn="ctr"/>
+              <a:endParaRPr kumimoji="1" lang="ja-JP" altLang="en-US" sz="2000" b="1" dirty="0">
+                <a:solidFill>
+                  <a:schemeClr val="tx1"/>
+                </a:solidFill>
+                <a:latin typeface="メイリオ" panose="020B0604030504040204" pitchFamily="50" charset="-128"/>
+                <a:ea typeface="メイリオ" panose="020B0604030504040204" pitchFamily="50" charset="-128"/>
+              </a:endParaRPr>
+            </a:p>
+          </p:txBody>
+        </p:sp>
+        <p:sp>
+          <p:nvSpPr>
+            <p:cNvPr id="19" name="テキスト ボックス 18">
+              <a:extLst>
+                <a:ext uri="{FF2B5EF4-FFF2-40B4-BE49-F238E27FC236}">
+                  <a16:creationId xmlns:a16="http://schemas.microsoft.com/office/drawing/2014/main" id="{7AA7AFB2-3FAA-9A8D-2E3B-939AEA5B3879}"/>
+                </a:ext>
+              </a:extLst>
+            </p:cNvPr>
+            <p:cNvSpPr txBox="1"/>
+            <p:nvPr/>
+          </p:nvSpPr>
+          <p:spPr>
+            <a:xfrm>
+              <a:off x="12297963" y="2787795"/>
+              <a:ext cx="2830411" cy="389584"/>
+            </a:xfrm>
+            <a:prstGeom prst="rect">
+              <a:avLst/>
+            </a:prstGeom>
+            <a:noFill/>
+          </p:spPr>
+          <p:txBody>
+            <a:bodyPr wrap="square" rtlCol="0">
+              <a:spAutoFit/>
+            </a:bodyPr>
+            <a:lstStyle/>
+            <a:p>
+              <a:pPr algn="ctr"/>
+              <a:r>
+                <a:rPr lang="ja-JP" altLang="en-US" sz="2000" b="1" dirty="0">
+                  <a:latin typeface="メイリオ" panose="020B0604030504040204" pitchFamily="50" charset="-128"/>
+                  <a:ea typeface="メイリオ" panose="020B0604030504040204" pitchFamily="50" charset="-128"/>
+                </a:rPr>
+                <a:t>侍ガチャ</a:t>
+              </a:r>
+              <a:endParaRPr kumimoji="1" lang="en-US" altLang="ja-JP" sz="2000" b="1" dirty="0">
+                <a:latin typeface="メイリオ" panose="020B0604030504040204" pitchFamily="50" charset="-128"/>
+                <a:ea typeface="メイリオ" panose="020B0604030504040204" pitchFamily="50" charset="-128"/>
+              </a:endParaRPr>
+            </a:p>
+          </p:txBody>
+        </p:sp>
+      </p:grpSp>
+      <p:grpSp>
+        <p:nvGrpSpPr>
+          <p:cNvPr id="20" name="グループ化 19">
+            <a:extLst>
+              <a:ext uri="{FF2B5EF4-FFF2-40B4-BE49-F238E27FC236}">
+                <a16:creationId xmlns:a16="http://schemas.microsoft.com/office/drawing/2014/main" id="{4B473E84-42C9-DE91-ED7B-CA1D46FD2CD5}"/>
+              </a:ext>
+            </a:extLst>
+          </p:cNvPr>
+          <p:cNvGrpSpPr/>
+          <p:nvPr/>
+        </p:nvGrpSpPr>
+        <p:grpSpPr>
+          <a:xfrm>
+            <a:off x="8084211" y="5173403"/>
+            <a:ext cx="2097881" cy="793191"/>
+            <a:chOff x="12039599" y="2704734"/>
+            <a:chExt cx="3088775" cy="772323"/>
+          </a:xfrm>
+        </p:grpSpPr>
+        <p:sp>
+          <p:nvSpPr>
+            <p:cNvPr id="21" name="四角形: 角を丸くする 20">
+              <a:extLst>
+                <a:ext uri="{FF2B5EF4-FFF2-40B4-BE49-F238E27FC236}">
+                  <a16:creationId xmlns:a16="http://schemas.microsoft.com/office/drawing/2014/main" id="{0FE2AE73-2CBB-8866-B2D9-2224B0702853}"/>
+                </a:ext>
+              </a:extLst>
+            </p:cNvPr>
+            <p:cNvSpPr/>
+            <p:nvPr/>
+          </p:nvSpPr>
+          <p:spPr>
+            <a:xfrm>
+              <a:off x="12039599" y="2704734"/>
+              <a:ext cx="3088775" cy="498234"/>
+            </a:xfrm>
+            <a:prstGeom prst="roundRect">
+              <a:avLst/>
+            </a:prstGeom>
+            <a:noFill/>
+            <a:ln w="38100">
+              <a:solidFill>
+                <a:schemeClr val="tx1"/>
+              </a:solidFill>
+            </a:ln>
+          </p:spPr>
+          <p:style>
+            <a:lnRef idx="2">
+              <a:schemeClr val="accent1">
+                <a:shade val="15000"/>
+              </a:schemeClr>
+            </a:lnRef>
+            <a:fillRef idx="1">
+              <a:schemeClr val="accent1"/>
+            </a:fillRef>
+            <a:effectRef idx="0">
+              <a:schemeClr val="accent1"/>
+            </a:effectRef>
+            <a:fontRef idx="minor">
+              <a:schemeClr val="lt1"/>
+            </a:fontRef>
+          </p:style>
+          <p:txBody>
+            <a:bodyPr rtlCol="0" anchor="ctr"/>
+            <a:lstStyle/>
+            <a:p>
+              <a:pPr algn="ctr"/>
+              <a:endParaRPr kumimoji="1" lang="ja-JP" altLang="en-US" sz="2000" b="1" dirty="0">
+                <a:solidFill>
+                  <a:schemeClr val="tx1"/>
+                </a:solidFill>
+                <a:latin typeface="メイリオ" panose="020B0604030504040204" pitchFamily="50" charset="-128"/>
+                <a:ea typeface="メイリオ" panose="020B0604030504040204" pitchFamily="50" charset="-128"/>
+              </a:endParaRPr>
+            </a:p>
+          </p:txBody>
+        </p:sp>
+        <p:sp>
+          <p:nvSpPr>
+            <p:cNvPr id="22" name="テキスト ボックス 21">
+              <a:extLst>
+                <a:ext uri="{FF2B5EF4-FFF2-40B4-BE49-F238E27FC236}">
+                  <a16:creationId xmlns:a16="http://schemas.microsoft.com/office/drawing/2014/main" id="{7185570C-231F-5684-E400-DE9345CC6099}"/>
+                </a:ext>
+              </a:extLst>
+            </p:cNvPr>
+            <p:cNvSpPr txBox="1"/>
+            <p:nvPr/>
+          </p:nvSpPr>
+          <p:spPr>
+            <a:xfrm>
+              <a:off x="12297963" y="2787795"/>
+              <a:ext cx="2830411" cy="689262"/>
+            </a:xfrm>
+            <a:prstGeom prst="rect">
+              <a:avLst/>
+            </a:prstGeom>
+            <a:noFill/>
+          </p:spPr>
+          <p:txBody>
+            <a:bodyPr wrap="square" rtlCol="0">
+              <a:spAutoFit/>
+            </a:bodyPr>
+            <a:lstStyle/>
+            <a:p>
+              <a:r>
+                <a:rPr lang="ja-JP" altLang="en-US" sz="2000" b="1" dirty="0">
+                  <a:latin typeface="メイリオ" panose="020B0604030504040204" pitchFamily="50" charset="-128"/>
+                  <a:ea typeface="メイリオ" panose="020B0604030504040204" pitchFamily="50" charset="-128"/>
+                </a:rPr>
+                <a:t>総大将ガチャ</a:t>
+              </a:r>
+              <a:endParaRPr kumimoji="1" lang="en-US" altLang="ja-JP" sz="2000" b="1" dirty="0">
+                <a:latin typeface="メイリオ" panose="020B0604030504040204" pitchFamily="50" charset="-128"/>
+                <a:ea typeface="メイリオ" panose="020B0604030504040204" pitchFamily="50" charset="-128"/>
+              </a:endParaRPr>
+            </a:p>
+          </p:txBody>
+        </p:sp>
+      </p:grpSp>
+      <p:sp>
+        <p:nvSpPr>
+          <p:cNvPr id="23" name="テキスト ボックス 22">
+            <a:extLst>
+              <a:ext uri="{FF2B5EF4-FFF2-40B4-BE49-F238E27FC236}">
+                <a16:creationId xmlns:a16="http://schemas.microsoft.com/office/drawing/2014/main" id="{D47A3A9D-996F-8A8B-F0DD-58168DAB413B}"/>
+              </a:ext>
+            </a:extLst>
+          </p:cNvPr>
+          <p:cNvSpPr txBox="1"/>
+          <p:nvPr/>
+        </p:nvSpPr>
+        <p:spPr>
+          <a:xfrm>
+            <a:off x="4533899" y="3556077"/>
+            <a:ext cx="4064717" cy="707886"/>
+          </a:xfrm>
+          <a:prstGeom prst="rect">
+            <a:avLst/>
+          </a:prstGeom>
+          <a:noFill/>
+        </p:spPr>
+        <p:txBody>
+          <a:bodyPr wrap="square" rtlCol="0">
+            <a:spAutoFit/>
+          </a:bodyPr>
+          <a:lstStyle/>
+          <a:p>
+            <a:r>
+              <a:rPr lang="ja-JP" altLang="en-US" sz="4000" b="1" dirty="0">
+                <a:latin typeface="メイリオ" panose="020B0604030504040204" pitchFamily="50" charset="-128"/>
+                <a:ea typeface="メイリオ" panose="020B0604030504040204" pitchFamily="50" charset="-128"/>
+              </a:rPr>
+              <a:t>ガチャの説明</a:t>
+            </a:r>
+            <a:endParaRPr kumimoji="1" lang="en-US" altLang="ja-JP" sz="4000" b="1" dirty="0">
+              <a:latin typeface="メイリオ" panose="020B0604030504040204" pitchFamily="50" charset="-128"/>
+              <a:ea typeface="メイリオ" panose="020B0604030504040204" pitchFamily="50" charset="-128"/>
+            </a:endParaRPr>
+          </a:p>
+        </p:txBody>
+      </p:sp>
+      <p:sp>
+        <p:nvSpPr>
+          <p:cNvPr id="25" name="テキスト ボックス 24">
+            <a:extLst>
+              <a:ext uri="{FF2B5EF4-FFF2-40B4-BE49-F238E27FC236}">
+                <a16:creationId xmlns:a16="http://schemas.microsoft.com/office/drawing/2014/main" id="{6831646F-9CA6-B8DC-DCB6-13F2D477ED1D}"/>
+              </a:ext>
+            </a:extLst>
+          </p:cNvPr>
+          <p:cNvSpPr txBox="1"/>
+          <p:nvPr/>
+        </p:nvSpPr>
+        <p:spPr>
+          <a:xfrm>
+            <a:off x="5264060" y="1895467"/>
+            <a:ext cx="1766888" cy="707886"/>
+          </a:xfrm>
+          <a:prstGeom prst="rect">
+            <a:avLst/>
+          </a:prstGeom>
+          <a:noFill/>
+        </p:spPr>
+        <p:txBody>
+          <a:bodyPr wrap="square" rtlCol="0">
+            <a:spAutoFit/>
+          </a:bodyPr>
+          <a:lstStyle/>
+          <a:p>
+            <a:r>
+              <a:rPr lang="ja-JP" altLang="en-US" sz="4000" b="1" dirty="0">
+                <a:latin typeface="メイリオ" panose="020B0604030504040204" pitchFamily="50" charset="-128"/>
+                <a:ea typeface="メイリオ" panose="020B0604030504040204" pitchFamily="50" charset="-128"/>
+              </a:rPr>
+              <a:t>ガチャ</a:t>
+            </a:r>
+            <a:endParaRPr kumimoji="1" lang="en-US" altLang="ja-JP" sz="4000" b="1" dirty="0">
+              <a:latin typeface="メイリオ" panose="020B0604030504040204" pitchFamily="50" charset="-128"/>
+              <a:ea typeface="メイリオ" panose="020B0604030504040204" pitchFamily="50" charset="-128"/>
+            </a:endParaRPr>
+          </a:p>
+        </p:txBody>
+      </p:sp>
     </p:spTree>
     <p:extLst>
       <p:ext uri="{BB962C8B-B14F-4D97-AF65-F5344CB8AC3E}">
@@ -10318,7 +10940,9 @@
           <a:prstGeom prst="rect">
             <a:avLst/>
           </a:prstGeom>
-          <a:noFill/>
+          <a:solidFill>
+            <a:schemeClr val="bg1"/>
+          </a:solidFill>
           <a:ln w="28575">
             <a:solidFill>
               <a:schemeClr val="tx1"/>
@@ -10693,10 +11317,377 @@
           </p:txBody>
         </p:sp>
       </p:grpSp>
+      <p:sp>
+        <p:nvSpPr>
+          <p:cNvPr id="2" name="四角形: 角を丸くする 1">
+            <a:extLst>
+              <a:ext uri="{FF2B5EF4-FFF2-40B4-BE49-F238E27FC236}">
+                <a16:creationId xmlns:a16="http://schemas.microsoft.com/office/drawing/2014/main" id="{964470A9-E754-ACAC-BAE4-357F8ED222AA}"/>
+              </a:ext>
+            </a:extLst>
+          </p:cNvPr>
+          <p:cNvSpPr/>
+          <p:nvPr/>
+        </p:nvSpPr>
+        <p:spPr>
+          <a:xfrm>
+            <a:off x="1609724" y="1828810"/>
+            <a:ext cx="9077325" cy="4312668"/>
+          </a:xfrm>
+          <a:prstGeom prst="roundRect">
+            <a:avLst/>
+          </a:prstGeom>
+          <a:noFill/>
+          <a:ln w="38100">
+            <a:solidFill>
+              <a:schemeClr val="tx1"/>
+            </a:solidFill>
+          </a:ln>
+        </p:spPr>
+        <p:style>
+          <a:lnRef idx="2">
+            <a:schemeClr val="accent1">
+              <a:shade val="15000"/>
+            </a:schemeClr>
+          </a:lnRef>
+          <a:fillRef idx="1">
+            <a:schemeClr val="accent1"/>
+          </a:fillRef>
+          <a:effectRef idx="0">
+            <a:schemeClr val="accent1"/>
+          </a:effectRef>
+          <a:fontRef idx="minor">
+            <a:schemeClr val="lt1"/>
+          </a:fontRef>
+        </p:style>
+        <p:txBody>
+          <a:bodyPr rtlCol="0" anchor="ctr"/>
+          <a:lstStyle/>
+          <a:p>
+            <a:pPr algn="ctr"/>
+            <a:endParaRPr kumimoji="1" lang="ja-JP" altLang="en-US" sz="2000" b="1" dirty="0">
+              <a:solidFill>
+                <a:schemeClr val="tx1"/>
+              </a:solidFill>
+              <a:latin typeface="メイリオ" panose="020B0604030504040204" pitchFamily="50" charset="-128"/>
+              <a:ea typeface="メイリオ" panose="020B0604030504040204" pitchFamily="50" charset="-128"/>
+            </a:endParaRPr>
+          </a:p>
+        </p:txBody>
+      </p:sp>
+      <p:sp>
+        <p:nvSpPr>
+          <p:cNvPr id="6" name="テキスト ボックス 5">
+            <a:extLst>
+              <a:ext uri="{FF2B5EF4-FFF2-40B4-BE49-F238E27FC236}">
+                <a16:creationId xmlns:a16="http://schemas.microsoft.com/office/drawing/2014/main" id="{176D8EC6-0C5D-319C-31F5-7F3D7795C5E9}"/>
+              </a:ext>
+            </a:extLst>
+          </p:cNvPr>
+          <p:cNvSpPr txBox="1"/>
+          <p:nvPr/>
+        </p:nvSpPr>
+        <p:spPr>
+          <a:xfrm>
+            <a:off x="3513963" y="4138073"/>
+            <a:ext cx="5944362" cy="461665"/>
+          </a:xfrm>
+          <a:prstGeom prst="rect">
+            <a:avLst/>
+          </a:prstGeom>
+          <a:noFill/>
+        </p:spPr>
+        <p:txBody>
+          <a:bodyPr wrap="square" rtlCol="0">
+            <a:spAutoFit/>
+          </a:bodyPr>
+          <a:lstStyle/>
+          <a:p>
+            <a:r>
+              <a:rPr kumimoji="1" lang="ja-JP" altLang="en-US" sz="2400" b="1" dirty="0">
+                <a:latin typeface="メイリオ" panose="020B0604030504040204" pitchFamily="50" charset="-128"/>
+                <a:ea typeface="メイリオ" panose="020B0604030504040204" pitchFamily="50" charset="-128"/>
+              </a:rPr>
+              <a:t>マーク「どんぐり」が当たりました！</a:t>
+            </a:r>
+            <a:endParaRPr kumimoji="1" lang="en-US" altLang="ja-JP" sz="2400" b="1" dirty="0">
+              <a:latin typeface="メイリオ" panose="020B0604030504040204" pitchFamily="50" charset="-128"/>
+              <a:ea typeface="メイリオ" panose="020B0604030504040204" pitchFamily="50" charset="-128"/>
+            </a:endParaRPr>
+          </a:p>
+        </p:txBody>
+      </p:sp>
+      <p:grpSp>
+        <p:nvGrpSpPr>
+          <p:cNvPr id="8" name="グループ化 7">
+            <a:extLst>
+              <a:ext uri="{FF2B5EF4-FFF2-40B4-BE49-F238E27FC236}">
+                <a16:creationId xmlns:a16="http://schemas.microsoft.com/office/drawing/2014/main" id="{9FBE4E1C-8D21-F871-F5CF-B8C84D432614}"/>
+              </a:ext>
+            </a:extLst>
+          </p:cNvPr>
+          <p:cNvGrpSpPr/>
+          <p:nvPr/>
+        </p:nvGrpSpPr>
+        <p:grpSpPr>
+          <a:xfrm>
+            <a:off x="4428717" y="5272278"/>
+            <a:ext cx="3172232" cy="511696"/>
+            <a:chOff x="12039599" y="2704734"/>
+            <a:chExt cx="3088775" cy="498234"/>
+          </a:xfrm>
+        </p:grpSpPr>
+        <p:sp>
+          <p:nvSpPr>
+            <p:cNvPr id="10" name="四角形: 角を丸くする 9">
+              <a:extLst>
+                <a:ext uri="{FF2B5EF4-FFF2-40B4-BE49-F238E27FC236}">
+                  <a16:creationId xmlns:a16="http://schemas.microsoft.com/office/drawing/2014/main" id="{6E4D4BA0-EC59-D911-F404-12E6B8BCB3C2}"/>
+                </a:ext>
+              </a:extLst>
+            </p:cNvPr>
+            <p:cNvSpPr/>
+            <p:nvPr/>
+          </p:nvSpPr>
+          <p:spPr>
+            <a:xfrm>
+              <a:off x="12039599" y="2704734"/>
+              <a:ext cx="3088775" cy="498234"/>
+            </a:xfrm>
+            <a:prstGeom prst="roundRect">
+              <a:avLst/>
+            </a:prstGeom>
+            <a:noFill/>
+            <a:ln w="38100">
+              <a:solidFill>
+                <a:schemeClr val="tx1"/>
+              </a:solidFill>
+            </a:ln>
+          </p:spPr>
+          <p:style>
+            <a:lnRef idx="2">
+              <a:schemeClr val="accent1">
+                <a:shade val="15000"/>
+              </a:schemeClr>
+            </a:lnRef>
+            <a:fillRef idx="1">
+              <a:schemeClr val="accent1"/>
+            </a:fillRef>
+            <a:effectRef idx="0">
+              <a:schemeClr val="accent1"/>
+            </a:effectRef>
+            <a:fontRef idx="minor">
+              <a:schemeClr val="lt1"/>
+            </a:fontRef>
+          </p:style>
+          <p:txBody>
+            <a:bodyPr rtlCol="0" anchor="ctr"/>
+            <a:lstStyle/>
+            <a:p>
+              <a:pPr algn="ctr"/>
+              <a:endParaRPr kumimoji="1" lang="ja-JP" altLang="en-US" sz="2000" b="1" dirty="0">
+                <a:solidFill>
+                  <a:schemeClr val="tx1"/>
+                </a:solidFill>
+                <a:latin typeface="メイリオ" panose="020B0604030504040204" pitchFamily="50" charset="-128"/>
+                <a:ea typeface="メイリオ" panose="020B0604030504040204" pitchFamily="50" charset="-128"/>
+              </a:endParaRPr>
+            </a:p>
+          </p:txBody>
+        </p:sp>
+        <p:sp>
+          <p:nvSpPr>
+            <p:cNvPr id="12" name="テキスト ボックス 11">
+              <a:extLst>
+                <a:ext uri="{FF2B5EF4-FFF2-40B4-BE49-F238E27FC236}">
+                  <a16:creationId xmlns:a16="http://schemas.microsoft.com/office/drawing/2014/main" id="{2450E0DF-381E-C98C-F5D0-3B563C5B8196}"/>
+                </a:ext>
+              </a:extLst>
+            </p:cNvPr>
+            <p:cNvSpPr txBox="1"/>
+            <p:nvPr/>
+          </p:nvSpPr>
+          <p:spPr>
+            <a:xfrm>
+              <a:off x="12297963" y="2787795"/>
+              <a:ext cx="2830411" cy="400110"/>
+            </a:xfrm>
+            <a:prstGeom prst="rect">
+              <a:avLst/>
+            </a:prstGeom>
+            <a:noFill/>
+          </p:spPr>
+          <p:txBody>
+            <a:bodyPr wrap="square" rtlCol="0">
+              <a:spAutoFit/>
+            </a:bodyPr>
+            <a:lstStyle/>
+            <a:p>
+              <a:r>
+                <a:rPr lang="ja-JP" altLang="en-US" sz="2000" b="1" dirty="0">
+                  <a:latin typeface="メイリオ" panose="020B0604030504040204" pitchFamily="50" charset="-128"/>
+                  <a:ea typeface="メイリオ" panose="020B0604030504040204" pitchFamily="50" charset="-128"/>
+                </a:rPr>
+                <a:t>もう一回ガチャする</a:t>
+              </a:r>
+              <a:endParaRPr kumimoji="1" lang="en-US" altLang="ja-JP" sz="2000" b="1" dirty="0">
+                <a:latin typeface="メイリオ" panose="020B0604030504040204" pitchFamily="50" charset="-128"/>
+                <a:ea typeface="メイリオ" panose="020B0604030504040204" pitchFamily="50" charset="-128"/>
+              </a:endParaRPr>
+            </a:p>
+          </p:txBody>
+        </p:sp>
+      </p:grpSp>
+      <p:sp>
+        <p:nvSpPr>
+          <p:cNvPr id="13" name="乗算記号 12">
+            <a:extLst>
+              <a:ext uri="{FF2B5EF4-FFF2-40B4-BE49-F238E27FC236}">
+                <a16:creationId xmlns:a16="http://schemas.microsoft.com/office/drawing/2014/main" id="{859F90BF-CE1A-9FDA-7D56-94DBC156FAA8}"/>
+              </a:ext>
+            </a:extLst>
+          </p:cNvPr>
+          <p:cNvSpPr/>
+          <p:nvPr/>
+        </p:nvSpPr>
+        <p:spPr>
+          <a:xfrm>
+            <a:off x="9705306" y="2019296"/>
+            <a:ext cx="648367" cy="648367"/>
+          </a:xfrm>
+          <a:prstGeom prst="mathMultiply">
+            <a:avLst>
+              <a:gd name="adj1" fmla="val 8968"/>
+            </a:avLst>
+          </a:prstGeom>
+          <a:solidFill>
+            <a:schemeClr val="tx1"/>
+          </a:solidFill>
+        </p:spPr>
+        <p:style>
+          <a:lnRef idx="2">
+            <a:schemeClr val="accent1">
+              <a:shade val="15000"/>
+            </a:schemeClr>
+          </a:lnRef>
+          <a:fillRef idx="1">
+            <a:schemeClr val="accent1"/>
+          </a:fillRef>
+          <a:effectRef idx="0">
+            <a:schemeClr val="accent1"/>
+          </a:effectRef>
+          <a:fontRef idx="minor">
+            <a:schemeClr val="lt1"/>
+          </a:fontRef>
+        </p:style>
+        <p:txBody>
+          <a:bodyPr rtlCol="0" anchor="ctr"/>
+          <a:lstStyle/>
+          <a:p>
+            <a:pPr algn="ctr"/>
+            <a:endParaRPr kumimoji="1" lang="ja-JP" altLang="en-US"/>
+          </a:p>
+        </p:txBody>
+      </p:sp>
+      <p:pic>
+        <p:nvPicPr>
+          <p:cNvPr id="5" name="グラフィックス 4" descr="ドングリ 単色塗りつぶし">
+            <a:extLst>
+              <a:ext uri="{FF2B5EF4-FFF2-40B4-BE49-F238E27FC236}">
+                <a16:creationId xmlns:a16="http://schemas.microsoft.com/office/drawing/2014/main" id="{C9564E52-F1B0-DE0E-88D5-9514D4A8AC72}"/>
+              </a:ext>
+            </a:extLst>
+          </p:cNvPr>
+          <p:cNvPicPr>
+            <a:picLocks noChangeAspect="1"/>
+          </p:cNvPicPr>
+          <p:nvPr/>
+        </p:nvPicPr>
+        <p:blipFill>
+          <a:blip r:embed="rId4">
+            <a:extLst>
+              <a:ext uri="{28A0092B-C50C-407E-A947-70E740481C1C}">
+                <a14:useLocalDpi xmlns:a14="http://schemas.microsoft.com/office/drawing/2010/main" val="0"/>
+              </a:ext>
+              <a:ext uri="{96DAC541-7B7A-43D3-8B79-37D633B846F1}">
+                <asvg:svgBlip xmlns:asvg="http://schemas.microsoft.com/office/drawing/2016/SVG/main" r:embed="rId5"/>
+              </a:ext>
+            </a:extLst>
+          </a:blip>
+          <a:stretch>
+            <a:fillRect/>
+          </a:stretch>
+        </p:blipFill>
+        <p:spPr>
+          <a:xfrm>
+            <a:off x="5164931" y="2142803"/>
+            <a:ext cx="1862137" cy="1862137"/>
+          </a:xfrm>
+          <a:prstGeom prst="rect">
+            <a:avLst/>
+          </a:prstGeom>
+        </p:spPr>
+      </p:pic>
+      <p:sp>
+        <p:nvSpPr>
+          <p:cNvPr id="24" name="テキスト ボックス 23">
+            <a:extLst>
+              <a:ext uri="{FF2B5EF4-FFF2-40B4-BE49-F238E27FC236}">
+                <a16:creationId xmlns:a16="http://schemas.microsoft.com/office/drawing/2014/main" id="{49257613-AA18-EB08-B297-CDEC53F26995}"/>
+              </a:ext>
+            </a:extLst>
+          </p:cNvPr>
+          <p:cNvSpPr txBox="1"/>
+          <p:nvPr/>
+        </p:nvSpPr>
+        <p:spPr>
+          <a:xfrm>
+            <a:off x="4898382" y="4940651"/>
+            <a:ext cx="2830411" cy="338554"/>
+          </a:xfrm>
+          <a:prstGeom prst="rect">
+            <a:avLst/>
+          </a:prstGeom>
+          <a:noFill/>
+        </p:spPr>
+        <p:txBody>
+          <a:bodyPr wrap="square" rtlCol="0">
+            <a:spAutoFit/>
+          </a:bodyPr>
+          <a:lstStyle/>
+          <a:p>
+            <a:r>
+              <a:rPr lang="ja-JP" altLang="en-US" sz="1600" b="1" dirty="0">
+                <a:latin typeface="メイリオ" panose="020B0604030504040204" pitchFamily="50" charset="-128"/>
+                <a:ea typeface="メイリオ" panose="020B0604030504040204" pitchFamily="50" charset="-128"/>
+              </a:rPr>
+              <a:t>足軽チケット</a:t>
+            </a:r>
+            <a:r>
+              <a:rPr lang="en-US" altLang="ja-JP" sz="1600" b="1" dirty="0">
+                <a:latin typeface="メイリオ" panose="020B0604030504040204" pitchFamily="50" charset="-128"/>
+                <a:ea typeface="メイリオ" panose="020B0604030504040204" pitchFamily="50" charset="-128"/>
+              </a:rPr>
+              <a:t>:10</a:t>
+            </a:r>
+            <a:r>
+              <a:rPr lang="ja-JP" altLang="en-US" sz="1600" b="1" dirty="0">
+                <a:latin typeface="メイリオ" panose="020B0604030504040204" pitchFamily="50" charset="-128"/>
+                <a:ea typeface="メイリオ" panose="020B0604030504040204" pitchFamily="50" charset="-128"/>
+              </a:rPr>
+              <a:t>枚</a:t>
+            </a:r>
+            <a:endParaRPr kumimoji="1" lang="en-US" altLang="ja-JP" sz="1600" b="1" dirty="0">
+              <a:latin typeface="メイリオ" panose="020B0604030504040204" pitchFamily="50" charset="-128"/>
+              <a:ea typeface="メイリオ" panose="020B0604030504040204" pitchFamily="50" charset="-128"/>
+            </a:endParaRPr>
+          </a:p>
+        </p:txBody>
+      </p:sp>
     </p:spTree>
     <p:extLst>
       <p:ext uri="{BB962C8B-B14F-4D97-AF65-F5344CB8AC3E}">
-        <p14:creationId xmlns:p14="http://schemas.microsoft.com/office/powerpoint/2010/main" val="3911197511"/>
+        <p14:creationId xmlns:p14="http://schemas.microsoft.com/office/powerpoint/2010/main" val="2441830599"/>
       </p:ext>
     </p:extLst>
   </p:cSld>
@@ -10745,7 +11736,9 @@
           <a:prstGeom prst="rect">
             <a:avLst/>
           </a:prstGeom>
-          <a:noFill/>
+          <a:solidFill>
+            <a:schemeClr val="bg1"/>
+          </a:solidFill>
           <a:ln w="28575">
             <a:solidFill>
               <a:schemeClr val="tx1"/>
@@ -11120,6 +12113,4283 @@
           </p:txBody>
         </p:sp>
       </p:grpSp>
+      <p:sp>
+        <p:nvSpPr>
+          <p:cNvPr id="2" name="四角形: 角を丸くする 1">
+            <a:extLst>
+              <a:ext uri="{FF2B5EF4-FFF2-40B4-BE49-F238E27FC236}">
+                <a16:creationId xmlns:a16="http://schemas.microsoft.com/office/drawing/2014/main" id="{964470A9-E754-ACAC-BAE4-357F8ED222AA}"/>
+              </a:ext>
+            </a:extLst>
+          </p:cNvPr>
+          <p:cNvSpPr/>
+          <p:nvPr/>
+        </p:nvSpPr>
+        <p:spPr>
+          <a:xfrm>
+            <a:off x="1685927" y="2126234"/>
+            <a:ext cx="9077325" cy="4312668"/>
+          </a:xfrm>
+          <a:prstGeom prst="roundRect">
+            <a:avLst/>
+          </a:prstGeom>
+          <a:noFill/>
+          <a:ln w="38100">
+            <a:solidFill>
+              <a:schemeClr val="tx1"/>
+            </a:solidFill>
+          </a:ln>
+        </p:spPr>
+        <p:style>
+          <a:lnRef idx="2">
+            <a:schemeClr val="accent1">
+              <a:shade val="15000"/>
+            </a:schemeClr>
+          </a:lnRef>
+          <a:fillRef idx="1">
+            <a:schemeClr val="accent1"/>
+          </a:fillRef>
+          <a:effectRef idx="0">
+            <a:schemeClr val="accent1"/>
+          </a:effectRef>
+          <a:fontRef idx="minor">
+            <a:schemeClr val="lt1"/>
+          </a:fontRef>
+        </p:style>
+        <p:txBody>
+          <a:bodyPr rtlCol="0" anchor="ctr"/>
+          <a:lstStyle/>
+          <a:p>
+            <a:pPr algn="ctr"/>
+            <a:endParaRPr kumimoji="1" lang="ja-JP" altLang="en-US" sz="2000" b="1" dirty="0">
+              <a:solidFill>
+                <a:schemeClr val="tx1"/>
+              </a:solidFill>
+              <a:latin typeface="メイリオ" panose="020B0604030504040204" pitchFamily="50" charset="-128"/>
+              <a:ea typeface="メイリオ" panose="020B0604030504040204" pitchFamily="50" charset="-128"/>
+            </a:endParaRPr>
+          </a:p>
+        </p:txBody>
+      </p:sp>
+      <p:sp>
+        <p:nvSpPr>
+          <p:cNvPr id="6" name="テキスト ボックス 5">
+            <a:extLst>
+              <a:ext uri="{FF2B5EF4-FFF2-40B4-BE49-F238E27FC236}">
+                <a16:creationId xmlns:a16="http://schemas.microsoft.com/office/drawing/2014/main" id="{176D8EC6-0C5D-319C-31F5-7F3D7795C5E9}"/>
+              </a:ext>
+            </a:extLst>
+          </p:cNvPr>
+          <p:cNvSpPr txBox="1"/>
+          <p:nvPr/>
+        </p:nvSpPr>
+        <p:spPr>
+          <a:xfrm>
+            <a:off x="3950477" y="4188304"/>
+            <a:ext cx="4691096" cy="461665"/>
+          </a:xfrm>
+          <a:prstGeom prst="rect">
+            <a:avLst/>
+          </a:prstGeom>
+          <a:noFill/>
+        </p:spPr>
+        <p:txBody>
+          <a:bodyPr wrap="square" rtlCol="0">
+            <a:spAutoFit/>
+          </a:bodyPr>
+          <a:lstStyle/>
+          <a:p>
+            <a:r>
+              <a:rPr kumimoji="1" lang="ja-JP" altLang="en-US" sz="2400" b="1" dirty="0">
+                <a:latin typeface="メイリオ" panose="020B0604030504040204" pitchFamily="50" charset="-128"/>
+                <a:ea typeface="メイリオ" panose="020B0604030504040204" pitchFamily="50" charset="-128"/>
+              </a:rPr>
+              <a:t>背景「畳柄」が当たりました！</a:t>
+            </a:r>
+            <a:endParaRPr kumimoji="1" lang="en-US" altLang="ja-JP" sz="2400" b="1" dirty="0">
+              <a:latin typeface="メイリオ" panose="020B0604030504040204" pitchFamily="50" charset="-128"/>
+              <a:ea typeface="メイリオ" panose="020B0604030504040204" pitchFamily="50" charset="-128"/>
+            </a:endParaRPr>
+          </a:p>
+        </p:txBody>
+      </p:sp>
+      <p:grpSp>
+        <p:nvGrpSpPr>
+          <p:cNvPr id="8" name="グループ化 7">
+            <a:extLst>
+              <a:ext uri="{FF2B5EF4-FFF2-40B4-BE49-F238E27FC236}">
+                <a16:creationId xmlns:a16="http://schemas.microsoft.com/office/drawing/2014/main" id="{9FBE4E1C-8D21-F871-F5CF-B8C84D432614}"/>
+              </a:ext>
+            </a:extLst>
+          </p:cNvPr>
+          <p:cNvGrpSpPr/>
+          <p:nvPr/>
+        </p:nvGrpSpPr>
+        <p:grpSpPr>
+          <a:xfrm>
+            <a:off x="4428717" y="5272278"/>
+            <a:ext cx="3172232" cy="511696"/>
+            <a:chOff x="12039599" y="2704734"/>
+            <a:chExt cx="3088775" cy="498234"/>
+          </a:xfrm>
+        </p:grpSpPr>
+        <p:sp>
+          <p:nvSpPr>
+            <p:cNvPr id="10" name="四角形: 角を丸くする 9">
+              <a:extLst>
+                <a:ext uri="{FF2B5EF4-FFF2-40B4-BE49-F238E27FC236}">
+                  <a16:creationId xmlns:a16="http://schemas.microsoft.com/office/drawing/2014/main" id="{6E4D4BA0-EC59-D911-F404-12E6B8BCB3C2}"/>
+                </a:ext>
+              </a:extLst>
+            </p:cNvPr>
+            <p:cNvSpPr/>
+            <p:nvPr/>
+          </p:nvSpPr>
+          <p:spPr>
+            <a:xfrm>
+              <a:off x="12039599" y="2704734"/>
+              <a:ext cx="3088775" cy="498234"/>
+            </a:xfrm>
+            <a:prstGeom prst="roundRect">
+              <a:avLst/>
+            </a:prstGeom>
+            <a:noFill/>
+            <a:ln w="38100">
+              <a:solidFill>
+                <a:schemeClr val="tx1"/>
+              </a:solidFill>
+            </a:ln>
+          </p:spPr>
+          <p:style>
+            <a:lnRef idx="2">
+              <a:schemeClr val="accent1">
+                <a:shade val="15000"/>
+              </a:schemeClr>
+            </a:lnRef>
+            <a:fillRef idx="1">
+              <a:schemeClr val="accent1"/>
+            </a:fillRef>
+            <a:effectRef idx="0">
+              <a:schemeClr val="accent1"/>
+            </a:effectRef>
+            <a:fontRef idx="minor">
+              <a:schemeClr val="lt1"/>
+            </a:fontRef>
+          </p:style>
+          <p:txBody>
+            <a:bodyPr rtlCol="0" anchor="ctr"/>
+            <a:lstStyle/>
+            <a:p>
+              <a:pPr algn="ctr"/>
+              <a:endParaRPr kumimoji="1" lang="ja-JP" altLang="en-US" sz="2000" b="1" dirty="0">
+                <a:solidFill>
+                  <a:schemeClr val="tx1"/>
+                </a:solidFill>
+                <a:latin typeface="メイリオ" panose="020B0604030504040204" pitchFamily="50" charset="-128"/>
+                <a:ea typeface="メイリオ" panose="020B0604030504040204" pitchFamily="50" charset="-128"/>
+              </a:endParaRPr>
+            </a:p>
+          </p:txBody>
+        </p:sp>
+        <p:sp>
+          <p:nvSpPr>
+            <p:cNvPr id="12" name="テキスト ボックス 11">
+              <a:extLst>
+                <a:ext uri="{FF2B5EF4-FFF2-40B4-BE49-F238E27FC236}">
+                  <a16:creationId xmlns:a16="http://schemas.microsoft.com/office/drawing/2014/main" id="{2450E0DF-381E-C98C-F5D0-3B563C5B8196}"/>
+                </a:ext>
+              </a:extLst>
+            </p:cNvPr>
+            <p:cNvSpPr txBox="1"/>
+            <p:nvPr/>
+          </p:nvSpPr>
+          <p:spPr>
+            <a:xfrm>
+              <a:off x="12297963" y="2787795"/>
+              <a:ext cx="2830411" cy="400110"/>
+            </a:xfrm>
+            <a:prstGeom prst="rect">
+              <a:avLst/>
+            </a:prstGeom>
+            <a:noFill/>
+          </p:spPr>
+          <p:txBody>
+            <a:bodyPr wrap="square" rtlCol="0">
+              <a:spAutoFit/>
+            </a:bodyPr>
+            <a:lstStyle/>
+            <a:p>
+              <a:r>
+                <a:rPr lang="ja-JP" altLang="en-US" sz="2000" b="1" dirty="0">
+                  <a:latin typeface="メイリオ" panose="020B0604030504040204" pitchFamily="50" charset="-128"/>
+                  <a:ea typeface="メイリオ" panose="020B0604030504040204" pitchFamily="50" charset="-128"/>
+                </a:rPr>
+                <a:t>もう一回ガチャする</a:t>
+              </a:r>
+              <a:endParaRPr kumimoji="1" lang="en-US" altLang="ja-JP" sz="2000" b="1" dirty="0">
+                <a:latin typeface="メイリオ" panose="020B0604030504040204" pitchFamily="50" charset="-128"/>
+                <a:ea typeface="メイリオ" panose="020B0604030504040204" pitchFamily="50" charset="-128"/>
+              </a:endParaRPr>
+            </a:p>
+          </p:txBody>
+        </p:sp>
+      </p:grpSp>
+      <p:sp>
+        <p:nvSpPr>
+          <p:cNvPr id="13" name="乗算記号 12">
+            <a:extLst>
+              <a:ext uri="{FF2B5EF4-FFF2-40B4-BE49-F238E27FC236}">
+                <a16:creationId xmlns:a16="http://schemas.microsoft.com/office/drawing/2014/main" id="{859F90BF-CE1A-9FDA-7D56-94DBC156FAA8}"/>
+              </a:ext>
+            </a:extLst>
+          </p:cNvPr>
+          <p:cNvSpPr/>
+          <p:nvPr/>
+        </p:nvSpPr>
+        <p:spPr>
+          <a:xfrm>
+            <a:off x="9705306" y="2019296"/>
+            <a:ext cx="648367" cy="648367"/>
+          </a:xfrm>
+          <a:prstGeom prst="mathMultiply">
+            <a:avLst>
+              <a:gd name="adj1" fmla="val 8968"/>
+            </a:avLst>
+          </a:prstGeom>
+          <a:solidFill>
+            <a:schemeClr val="tx1"/>
+          </a:solidFill>
+        </p:spPr>
+        <p:style>
+          <a:lnRef idx="2">
+            <a:schemeClr val="accent1">
+              <a:shade val="15000"/>
+            </a:schemeClr>
+          </a:lnRef>
+          <a:fillRef idx="1">
+            <a:schemeClr val="accent1"/>
+          </a:fillRef>
+          <a:effectRef idx="0">
+            <a:schemeClr val="accent1"/>
+          </a:effectRef>
+          <a:fontRef idx="minor">
+            <a:schemeClr val="lt1"/>
+          </a:fontRef>
+        </p:style>
+        <p:txBody>
+          <a:bodyPr rtlCol="0" anchor="ctr"/>
+          <a:lstStyle/>
+          <a:p>
+            <a:pPr algn="ctr"/>
+            <a:endParaRPr kumimoji="1" lang="ja-JP" altLang="en-US"/>
+          </a:p>
+        </p:txBody>
+      </p:sp>
+      <p:sp>
+        <p:nvSpPr>
+          <p:cNvPr id="24" name="テキスト ボックス 23">
+            <a:extLst>
+              <a:ext uri="{FF2B5EF4-FFF2-40B4-BE49-F238E27FC236}">
+                <a16:creationId xmlns:a16="http://schemas.microsoft.com/office/drawing/2014/main" id="{49257613-AA18-EB08-B297-CDEC53F26995}"/>
+              </a:ext>
+            </a:extLst>
+          </p:cNvPr>
+          <p:cNvSpPr txBox="1"/>
+          <p:nvPr/>
+        </p:nvSpPr>
+        <p:spPr>
+          <a:xfrm>
+            <a:off x="4898382" y="4940651"/>
+            <a:ext cx="2830411" cy="338554"/>
+          </a:xfrm>
+          <a:prstGeom prst="rect">
+            <a:avLst/>
+          </a:prstGeom>
+          <a:noFill/>
+        </p:spPr>
+        <p:txBody>
+          <a:bodyPr wrap="square" rtlCol="0">
+            <a:spAutoFit/>
+          </a:bodyPr>
+          <a:lstStyle/>
+          <a:p>
+            <a:r>
+              <a:rPr lang="ja-JP" altLang="en-US" sz="1600" b="1" dirty="0">
+                <a:latin typeface="メイリオ" panose="020B0604030504040204" pitchFamily="50" charset="-128"/>
+                <a:ea typeface="メイリオ" panose="020B0604030504040204" pitchFamily="50" charset="-128"/>
+              </a:rPr>
+              <a:t>足軽チケット</a:t>
+            </a:r>
+            <a:r>
+              <a:rPr lang="en-US" altLang="ja-JP" sz="1600" b="1" dirty="0">
+                <a:latin typeface="メイリオ" panose="020B0604030504040204" pitchFamily="50" charset="-128"/>
+                <a:ea typeface="メイリオ" panose="020B0604030504040204" pitchFamily="50" charset="-128"/>
+              </a:rPr>
+              <a:t>:10</a:t>
+            </a:r>
+            <a:r>
+              <a:rPr lang="ja-JP" altLang="en-US" sz="1600" b="1" dirty="0">
+                <a:latin typeface="メイリオ" panose="020B0604030504040204" pitchFamily="50" charset="-128"/>
+                <a:ea typeface="メイリオ" panose="020B0604030504040204" pitchFamily="50" charset="-128"/>
+              </a:rPr>
+              <a:t>枚</a:t>
+            </a:r>
+            <a:endParaRPr kumimoji="1" lang="en-US" altLang="ja-JP" sz="1600" b="1" dirty="0">
+              <a:latin typeface="メイリオ" panose="020B0604030504040204" pitchFamily="50" charset="-128"/>
+              <a:ea typeface="メイリオ" panose="020B0604030504040204" pitchFamily="50" charset="-128"/>
+            </a:endParaRPr>
+          </a:p>
+        </p:txBody>
+      </p:sp>
+      <p:pic>
+        <p:nvPicPr>
+          <p:cNvPr id="21" name="グラフィックス 20" descr="モニター 単色塗りつぶし">
+            <a:extLst>
+              <a:ext uri="{FF2B5EF4-FFF2-40B4-BE49-F238E27FC236}">
+                <a16:creationId xmlns:a16="http://schemas.microsoft.com/office/drawing/2014/main" id="{027606A3-0CC7-0D8A-67CE-8FD01A45360B}"/>
+              </a:ext>
+            </a:extLst>
+          </p:cNvPr>
+          <p:cNvPicPr>
+            <a:picLocks noChangeAspect="1"/>
+          </p:cNvPicPr>
+          <p:nvPr/>
+        </p:nvPicPr>
+        <p:blipFill>
+          <a:blip r:embed="rId4">
+            <a:extLst>
+              <a:ext uri="{28A0092B-C50C-407E-A947-70E740481C1C}">
+                <a14:useLocalDpi xmlns:a14="http://schemas.microsoft.com/office/drawing/2010/main" val="0"/>
+              </a:ext>
+              <a:ext uri="{96DAC541-7B7A-43D3-8B79-37D633B846F1}">
+                <asvg:svgBlip xmlns:asvg="http://schemas.microsoft.com/office/drawing/2016/SVG/main" r:embed="rId5"/>
+              </a:ext>
+            </a:extLst>
+          </a:blip>
+          <a:stretch>
+            <a:fillRect/>
+          </a:stretch>
+        </p:blipFill>
+        <p:spPr>
+          <a:xfrm>
+            <a:off x="4872651" y="1916736"/>
+            <a:ext cx="2284364" cy="2284364"/>
+          </a:xfrm>
+          <a:prstGeom prst="rect">
+            <a:avLst/>
+          </a:prstGeom>
+        </p:spPr>
+      </p:pic>
+    </p:spTree>
+    <p:extLst>
+      <p:ext uri="{BB962C8B-B14F-4D97-AF65-F5344CB8AC3E}">
+        <p14:creationId xmlns:p14="http://schemas.microsoft.com/office/powerpoint/2010/main" val="3845125433"/>
+      </p:ext>
+    </p:extLst>
+  </p:cSld>
+  <p:clrMapOvr>
+    <a:masterClrMapping/>
+  </p:clrMapOvr>
+</p:sld>
+</file>
+
+<file path=ppt/slides/slide17.xml><?xml version="1.0" encoding="utf-8"?>
+<p:sld xmlns:a="http://schemas.openxmlformats.org/drawingml/2006/main" xmlns:r="http://schemas.openxmlformats.org/officeDocument/2006/relationships" xmlns:p="http://schemas.openxmlformats.org/presentationml/2006/main">
+  <p:cSld>
+    <p:spTree>
+      <p:nvGrpSpPr>
+        <p:cNvPr id="1" name=""/>
+        <p:cNvGrpSpPr/>
+        <p:nvPr/>
+      </p:nvGrpSpPr>
+      <p:grpSpPr>
+        <a:xfrm>
+          <a:off x="0" y="0"/>
+          <a:ext cx="0" cy="0"/>
+          <a:chOff x="0" y="0"/>
+          <a:chExt cx="0" cy="0"/>
+        </a:xfrm>
+      </p:grpSpPr>
+      <p:sp>
+        <p:nvSpPr>
+          <p:cNvPr id="4" name="正方形/長方形 3">
+            <a:extLst>
+              <a:ext uri="{FF2B5EF4-FFF2-40B4-BE49-F238E27FC236}">
+                <a16:creationId xmlns:a16="http://schemas.microsoft.com/office/drawing/2014/main" id="{CE12CB8E-4860-01BD-294C-EBC30E6659DE}"/>
+              </a:ext>
+            </a:extLst>
+          </p:cNvPr>
+          <p:cNvSpPr>
+            <a:spLocks noGrp="1" noRot="1" noMove="1" noResize="1" noEditPoints="1" noAdjustHandles="1" noChangeArrowheads="1" noChangeShapeType="1"/>
+          </p:cNvSpPr>
+          <p:nvPr/>
+        </p:nvSpPr>
+        <p:spPr>
+          <a:xfrm>
+            <a:off x="704850" y="409575"/>
+            <a:ext cx="10782300" cy="6038850"/>
+          </a:xfrm>
+          <a:prstGeom prst="rect">
+            <a:avLst/>
+          </a:prstGeom>
+          <a:noFill/>
+          <a:ln w="28575">
+            <a:solidFill>
+              <a:schemeClr val="tx1"/>
+            </a:solidFill>
+          </a:ln>
+        </p:spPr>
+        <p:style>
+          <a:lnRef idx="2">
+            <a:schemeClr val="accent1">
+              <a:shade val="15000"/>
+            </a:schemeClr>
+          </a:lnRef>
+          <a:fillRef idx="1">
+            <a:schemeClr val="accent1"/>
+          </a:fillRef>
+          <a:effectRef idx="0">
+            <a:schemeClr val="accent1"/>
+          </a:effectRef>
+          <a:fontRef idx="minor">
+            <a:schemeClr val="lt1"/>
+          </a:fontRef>
+        </p:style>
+        <p:txBody>
+          <a:bodyPr rtlCol="0" anchor="ctr"/>
+          <a:lstStyle/>
+          <a:p>
+            <a:pPr algn="ctr"/>
+            <a:endParaRPr kumimoji="1" lang="ja-JP" altLang="en-US"/>
+          </a:p>
+        </p:txBody>
+      </p:sp>
+      <p:pic>
+        <p:nvPicPr>
+          <p:cNvPr id="7" name="グラフィックス 6" descr="ハンガーガー形のメニュー アイコン 単色塗りつぶし">
+            <a:extLst>
+              <a:ext uri="{FF2B5EF4-FFF2-40B4-BE49-F238E27FC236}">
+                <a16:creationId xmlns:a16="http://schemas.microsoft.com/office/drawing/2014/main" id="{818B76B6-A794-D5F5-4766-5F2777B96659}"/>
+              </a:ext>
+            </a:extLst>
+          </p:cNvPr>
+          <p:cNvPicPr>
+            <a:picLocks noChangeAspect="1"/>
+          </p:cNvPicPr>
+          <p:nvPr/>
+        </p:nvPicPr>
+        <p:blipFill>
+          <a:blip r:embed="rId2">
+            <a:extLst>
+              <a:ext uri="{28A0092B-C50C-407E-A947-70E740481C1C}">
+                <a14:useLocalDpi xmlns:a14="http://schemas.microsoft.com/office/drawing/2010/main" val="0"/>
+              </a:ext>
+              <a:ext uri="{96DAC541-7B7A-43D3-8B79-37D633B846F1}">
+                <asvg:svgBlip xmlns:asvg="http://schemas.microsoft.com/office/drawing/2016/SVG/main" r:embed="rId3"/>
+              </a:ext>
+            </a:extLst>
+          </a:blip>
+          <a:stretch>
+            <a:fillRect/>
+          </a:stretch>
+        </p:blipFill>
+        <p:spPr>
+          <a:xfrm>
+            <a:off x="919163" y="419098"/>
+            <a:ext cx="914400" cy="914400"/>
+          </a:xfrm>
+          <a:prstGeom prst="rect">
+            <a:avLst/>
+          </a:prstGeom>
+        </p:spPr>
+      </p:pic>
+      <p:cxnSp>
+        <p:nvCxnSpPr>
+          <p:cNvPr id="9" name="直線コネクタ 8">
+            <a:extLst>
+              <a:ext uri="{FF2B5EF4-FFF2-40B4-BE49-F238E27FC236}">
+                <a16:creationId xmlns:a16="http://schemas.microsoft.com/office/drawing/2014/main" id="{DCE315C0-27D4-07AB-6952-144CD069DE9C}"/>
+              </a:ext>
+            </a:extLst>
+          </p:cNvPr>
+          <p:cNvCxnSpPr>
+            <a:cxnSpLocks/>
+          </p:cNvCxnSpPr>
+          <p:nvPr/>
+        </p:nvCxnSpPr>
+        <p:spPr>
+          <a:xfrm>
+            <a:off x="704850" y="1333499"/>
+            <a:ext cx="10782300" cy="0"/>
+          </a:xfrm>
+          <a:prstGeom prst="line">
+            <a:avLst/>
+          </a:prstGeom>
+          <a:ln w="28575">
+            <a:solidFill>
+              <a:schemeClr val="tx1"/>
+            </a:solidFill>
+          </a:ln>
+        </p:spPr>
+        <p:style>
+          <a:lnRef idx="1">
+            <a:schemeClr val="accent1"/>
+          </a:lnRef>
+          <a:fillRef idx="0">
+            <a:schemeClr val="accent1"/>
+          </a:fillRef>
+          <a:effectRef idx="0">
+            <a:schemeClr val="accent1"/>
+          </a:effectRef>
+          <a:fontRef idx="minor">
+            <a:schemeClr val="tx1"/>
+          </a:fontRef>
+        </p:style>
+      </p:cxnSp>
+      <p:sp>
+        <p:nvSpPr>
+          <p:cNvPr id="11" name="正方形/長方形 10">
+            <a:extLst>
+              <a:ext uri="{FF2B5EF4-FFF2-40B4-BE49-F238E27FC236}">
+                <a16:creationId xmlns:a16="http://schemas.microsoft.com/office/drawing/2014/main" id="{650D9D88-7635-0987-A25D-9209773AB10C}"/>
+              </a:ext>
+            </a:extLst>
+          </p:cNvPr>
+          <p:cNvSpPr/>
+          <p:nvPr/>
+        </p:nvSpPr>
+        <p:spPr>
+          <a:xfrm>
+            <a:off x="2047875" y="469105"/>
+            <a:ext cx="2486024" cy="814385"/>
+          </a:xfrm>
+          <a:prstGeom prst="rect">
+            <a:avLst/>
+          </a:prstGeom>
+          <a:noFill/>
+          <a:ln w="28575">
+            <a:solidFill>
+              <a:schemeClr val="tx1"/>
+            </a:solidFill>
+          </a:ln>
+        </p:spPr>
+        <p:style>
+          <a:lnRef idx="2">
+            <a:schemeClr val="accent1">
+              <a:shade val="15000"/>
+            </a:schemeClr>
+          </a:lnRef>
+          <a:fillRef idx="1">
+            <a:schemeClr val="accent1"/>
+          </a:fillRef>
+          <a:effectRef idx="0">
+            <a:schemeClr val="accent1"/>
+          </a:effectRef>
+          <a:fontRef idx="minor">
+            <a:schemeClr val="lt1"/>
+          </a:fontRef>
+        </p:style>
+        <p:txBody>
+          <a:bodyPr rtlCol="0" anchor="ctr"/>
+          <a:lstStyle/>
+          <a:p>
+            <a:pPr algn="ctr"/>
+            <a:r>
+              <a:rPr kumimoji="1" lang="ja-JP" altLang="en-US" sz="2400" b="1" dirty="0">
+                <a:solidFill>
+                  <a:schemeClr val="tx1"/>
+                </a:solidFill>
+                <a:latin typeface="メイリオ" panose="020B0604030504040204" pitchFamily="50" charset="-128"/>
+                <a:ea typeface="メイリオ" panose="020B0604030504040204" pitchFamily="50" charset="-128"/>
+              </a:rPr>
+              <a:t>アプリアイコン</a:t>
+            </a:r>
+          </a:p>
+        </p:txBody>
+      </p:sp>
+      <p:grpSp>
+        <p:nvGrpSpPr>
+          <p:cNvPr id="14" name="グループ化 13">
+            <a:extLst>
+              <a:ext uri="{FF2B5EF4-FFF2-40B4-BE49-F238E27FC236}">
+                <a16:creationId xmlns:a16="http://schemas.microsoft.com/office/drawing/2014/main" id="{0546CB03-1703-C113-2F19-3DBE913BD124}"/>
+              </a:ext>
+            </a:extLst>
+          </p:cNvPr>
+          <p:cNvGrpSpPr/>
+          <p:nvPr/>
+        </p:nvGrpSpPr>
+        <p:grpSpPr>
+          <a:xfrm>
+            <a:off x="6296025" y="469106"/>
+            <a:ext cx="5076826" cy="814382"/>
+            <a:chOff x="4762500" y="2764630"/>
+            <a:chExt cx="5076826" cy="814382"/>
+          </a:xfrm>
+        </p:grpSpPr>
+        <p:sp>
+          <p:nvSpPr>
+            <p:cNvPr id="15" name="正方形/長方形 14">
+              <a:extLst>
+                <a:ext uri="{FF2B5EF4-FFF2-40B4-BE49-F238E27FC236}">
+                  <a16:creationId xmlns:a16="http://schemas.microsoft.com/office/drawing/2014/main" id="{0A9FEF09-1B19-6568-6B3E-8E51E14AE9ED}"/>
+                </a:ext>
+              </a:extLst>
+            </p:cNvPr>
+            <p:cNvSpPr/>
+            <p:nvPr/>
+          </p:nvSpPr>
+          <p:spPr>
+            <a:xfrm>
+              <a:off x="4762500" y="2764630"/>
+              <a:ext cx="5076826" cy="814382"/>
+            </a:xfrm>
+            <a:prstGeom prst="rect">
+              <a:avLst/>
+            </a:prstGeom>
+            <a:noFill/>
+            <a:ln w="28575">
+              <a:solidFill>
+                <a:schemeClr val="tx1"/>
+              </a:solidFill>
+            </a:ln>
+          </p:spPr>
+          <p:style>
+            <a:lnRef idx="2">
+              <a:schemeClr val="accent1">
+                <a:shade val="15000"/>
+              </a:schemeClr>
+            </a:lnRef>
+            <a:fillRef idx="1">
+              <a:schemeClr val="accent1"/>
+            </a:fillRef>
+            <a:effectRef idx="0">
+              <a:schemeClr val="accent1"/>
+            </a:effectRef>
+            <a:fontRef idx="minor">
+              <a:schemeClr val="lt1"/>
+            </a:fontRef>
+          </p:style>
+          <p:txBody>
+            <a:bodyPr rtlCol="0" anchor="ctr"/>
+            <a:lstStyle/>
+            <a:p>
+              <a:pPr algn="ctr"/>
+              <a:endParaRPr kumimoji="1" lang="ja-JP" altLang="en-US"/>
+            </a:p>
+          </p:txBody>
+        </p:sp>
+        <p:sp>
+          <p:nvSpPr>
+            <p:cNvPr id="16" name="テキスト ボックス 15">
+              <a:extLst>
+                <a:ext uri="{FF2B5EF4-FFF2-40B4-BE49-F238E27FC236}">
+                  <a16:creationId xmlns:a16="http://schemas.microsoft.com/office/drawing/2014/main" id="{B2163E24-986C-5BE9-A7C7-DA2A4D4E9439}"/>
+                </a:ext>
+              </a:extLst>
+            </p:cNvPr>
+            <p:cNvSpPr txBox="1"/>
+            <p:nvPr/>
+          </p:nvSpPr>
+          <p:spPr>
+            <a:xfrm>
+              <a:off x="4848224" y="3012035"/>
+              <a:ext cx="4191000" cy="369332"/>
+            </a:xfrm>
+            <a:prstGeom prst="rect">
+              <a:avLst/>
+            </a:prstGeom>
+            <a:noFill/>
+          </p:spPr>
+          <p:txBody>
+            <a:bodyPr wrap="square" rtlCol="0">
+              <a:spAutoFit/>
+            </a:bodyPr>
+            <a:lstStyle/>
+            <a:p>
+              <a:r>
+                <a:rPr lang="ja-JP" altLang="en-US" b="1" i="0" dirty="0">
+                  <a:effectLst/>
+                  <a:latin typeface="メイリオ" panose="020B0604030504040204" pitchFamily="50" charset="-128"/>
+                  <a:ea typeface="メイリオ" panose="020B0604030504040204" pitchFamily="50" charset="-128"/>
+                </a:rPr>
+                <a:t>今日の用語：</a:t>
+              </a:r>
+              <a:r>
+                <a:rPr lang="en-US" altLang="ja-JP" b="1" i="0" dirty="0">
+                  <a:effectLst/>
+                  <a:latin typeface="メイリオ" panose="020B0604030504040204" pitchFamily="50" charset="-128"/>
+                  <a:ea typeface="メイリオ" panose="020B0604030504040204" pitchFamily="50" charset="-128"/>
+                </a:rPr>
+                <a:t>SQL</a:t>
+              </a:r>
+              <a:r>
+                <a:rPr lang="ja-JP" altLang="en-US" b="1" i="0" dirty="0">
+                  <a:effectLst/>
+                  <a:latin typeface="メイリオ" panose="020B0604030504040204" pitchFamily="50" charset="-128"/>
+                  <a:ea typeface="メイリオ" panose="020B0604030504040204" pitchFamily="50" charset="-128"/>
+                </a:rPr>
+                <a:t>インジェクション</a:t>
+              </a:r>
+              <a:endParaRPr kumimoji="1" lang="ja-JP" altLang="en-US" dirty="0">
+                <a:latin typeface="メイリオ" panose="020B0604030504040204" pitchFamily="50" charset="-128"/>
+                <a:ea typeface="メイリオ" panose="020B0604030504040204" pitchFamily="50" charset="-128"/>
+              </a:endParaRPr>
+            </a:p>
+          </p:txBody>
+        </p:sp>
+        <p:sp>
+          <p:nvSpPr>
+            <p:cNvPr id="17" name="四角形: 角を丸くする 16">
+              <a:extLst>
+                <a:ext uri="{FF2B5EF4-FFF2-40B4-BE49-F238E27FC236}">
+                  <a16:creationId xmlns:a16="http://schemas.microsoft.com/office/drawing/2014/main" id="{763716C8-81F5-923B-4947-A12DF63FE9C9}"/>
+                </a:ext>
+              </a:extLst>
+            </p:cNvPr>
+            <p:cNvSpPr/>
+            <p:nvPr/>
+          </p:nvSpPr>
+          <p:spPr>
+            <a:xfrm>
+              <a:off x="8724902" y="2952746"/>
+              <a:ext cx="1009650" cy="438150"/>
+            </a:xfrm>
+            <a:prstGeom prst="roundRect">
+              <a:avLst/>
+            </a:prstGeom>
+            <a:noFill/>
+            <a:ln w="28575">
+              <a:solidFill>
+                <a:schemeClr val="tx1"/>
+              </a:solidFill>
+            </a:ln>
+          </p:spPr>
+          <p:style>
+            <a:lnRef idx="2">
+              <a:schemeClr val="accent1">
+                <a:shade val="15000"/>
+              </a:schemeClr>
+            </a:lnRef>
+            <a:fillRef idx="1">
+              <a:schemeClr val="accent1"/>
+            </a:fillRef>
+            <a:effectRef idx="0">
+              <a:schemeClr val="accent1"/>
+            </a:effectRef>
+            <a:fontRef idx="minor">
+              <a:schemeClr val="lt1"/>
+            </a:fontRef>
+          </p:style>
+          <p:txBody>
+            <a:bodyPr rtlCol="0" anchor="ctr"/>
+            <a:lstStyle/>
+            <a:p>
+              <a:pPr algn="ctr"/>
+              <a:r>
+                <a:rPr lang="ja-JP" altLang="en-US" b="1" dirty="0">
+                  <a:solidFill>
+                    <a:schemeClr val="tx1"/>
+                  </a:solidFill>
+                  <a:latin typeface="メイリオ" panose="020B0604030504040204" pitchFamily="50" charset="-128"/>
+                  <a:ea typeface="メイリオ" panose="020B0604030504040204" pitchFamily="50" charset="-128"/>
+                </a:rPr>
+                <a:t>解説</a:t>
+              </a:r>
+              <a:endParaRPr kumimoji="1" lang="ja-JP" altLang="en-US" b="1" dirty="0">
+                <a:solidFill>
+                  <a:schemeClr val="tx1"/>
+                </a:solidFill>
+                <a:latin typeface="メイリオ" panose="020B0604030504040204" pitchFamily="50" charset="-128"/>
+                <a:ea typeface="メイリオ" panose="020B0604030504040204" pitchFamily="50" charset="-128"/>
+              </a:endParaRPr>
+            </a:p>
+          </p:txBody>
+        </p:sp>
+      </p:grpSp>
+      <p:sp>
+        <p:nvSpPr>
+          <p:cNvPr id="2" name="四角形: 角を丸くする 1">
+            <a:extLst>
+              <a:ext uri="{FF2B5EF4-FFF2-40B4-BE49-F238E27FC236}">
+                <a16:creationId xmlns:a16="http://schemas.microsoft.com/office/drawing/2014/main" id="{8E2D95D6-16EE-5D9B-20CA-A5A5A4EDDD55}"/>
+              </a:ext>
+            </a:extLst>
+          </p:cNvPr>
+          <p:cNvSpPr/>
+          <p:nvPr/>
+        </p:nvSpPr>
+        <p:spPr>
+          <a:xfrm>
+            <a:off x="4048125" y="1530893"/>
+            <a:ext cx="4953002" cy="365621"/>
+          </a:xfrm>
+          <a:prstGeom prst="roundRect">
+            <a:avLst/>
+          </a:prstGeom>
+          <a:noFill/>
+          <a:ln w="38100">
+            <a:solidFill>
+              <a:schemeClr val="tx1"/>
+            </a:solidFill>
+          </a:ln>
+        </p:spPr>
+        <p:style>
+          <a:lnRef idx="2">
+            <a:schemeClr val="accent1">
+              <a:shade val="15000"/>
+            </a:schemeClr>
+          </a:lnRef>
+          <a:fillRef idx="1">
+            <a:schemeClr val="accent1"/>
+          </a:fillRef>
+          <a:effectRef idx="0">
+            <a:schemeClr val="accent1"/>
+          </a:effectRef>
+          <a:fontRef idx="minor">
+            <a:schemeClr val="lt1"/>
+          </a:fontRef>
+        </p:style>
+        <p:txBody>
+          <a:bodyPr rtlCol="0" anchor="ctr"/>
+          <a:lstStyle/>
+          <a:p>
+            <a:pPr algn="ctr"/>
+            <a:endParaRPr kumimoji="1" lang="ja-JP" altLang="en-US" sz="2000" b="1" dirty="0">
+              <a:solidFill>
+                <a:schemeClr val="tx1"/>
+              </a:solidFill>
+              <a:latin typeface="メイリオ" panose="020B0604030504040204" pitchFamily="50" charset="-128"/>
+              <a:ea typeface="メイリオ" panose="020B0604030504040204" pitchFamily="50" charset="-128"/>
+            </a:endParaRPr>
+          </a:p>
+        </p:txBody>
+      </p:sp>
+      <p:sp>
+        <p:nvSpPr>
+          <p:cNvPr id="3" name="四角形: 角を丸くする 2">
+            <a:extLst>
+              <a:ext uri="{FF2B5EF4-FFF2-40B4-BE49-F238E27FC236}">
+                <a16:creationId xmlns:a16="http://schemas.microsoft.com/office/drawing/2014/main" id="{413B735B-E717-D7C8-E78B-F711EC3C44E6}"/>
+              </a:ext>
+            </a:extLst>
+          </p:cNvPr>
+          <p:cNvSpPr/>
+          <p:nvPr/>
+        </p:nvSpPr>
+        <p:spPr>
+          <a:xfrm>
+            <a:off x="1376363" y="2183900"/>
+            <a:ext cx="4953002" cy="1278976"/>
+          </a:xfrm>
+          <a:prstGeom prst="roundRect">
+            <a:avLst/>
+          </a:prstGeom>
+          <a:noFill/>
+          <a:ln w="38100">
+            <a:solidFill>
+              <a:schemeClr val="tx1"/>
+            </a:solidFill>
+          </a:ln>
+        </p:spPr>
+        <p:style>
+          <a:lnRef idx="2">
+            <a:schemeClr val="accent1">
+              <a:shade val="15000"/>
+            </a:schemeClr>
+          </a:lnRef>
+          <a:fillRef idx="1">
+            <a:schemeClr val="accent1"/>
+          </a:fillRef>
+          <a:effectRef idx="0">
+            <a:schemeClr val="accent1"/>
+          </a:effectRef>
+          <a:fontRef idx="minor">
+            <a:schemeClr val="lt1"/>
+          </a:fontRef>
+        </p:style>
+        <p:txBody>
+          <a:bodyPr rtlCol="0" anchor="ctr"/>
+          <a:lstStyle/>
+          <a:p>
+            <a:pPr algn="ctr"/>
+            <a:endParaRPr kumimoji="1" lang="ja-JP" altLang="en-US" sz="2000" b="1" dirty="0">
+              <a:solidFill>
+                <a:schemeClr val="tx1"/>
+              </a:solidFill>
+              <a:latin typeface="メイリオ" panose="020B0604030504040204" pitchFamily="50" charset="-128"/>
+              <a:ea typeface="メイリオ" panose="020B0604030504040204" pitchFamily="50" charset="-128"/>
+            </a:endParaRPr>
+          </a:p>
+        </p:txBody>
+      </p:sp>
+      <p:sp>
+        <p:nvSpPr>
+          <p:cNvPr id="5" name="四角形: 角を丸くする 4">
+            <a:extLst>
+              <a:ext uri="{FF2B5EF4-FFF2-40B4-BE49-F238E27FC236}">
+                <a16:creationId xmlns:a16="http://schemas.microsoft.com/office/drawing/2014/main" id="{04962780-FA95-1B10-F1B6-6B6887D8243E}"/>
+              </a:ext>
+            </a:extLst>
+          </p:cNvPr>
+          <p:cNvSpPr/>
+          <p:nvPr/>
+        </p:nvSpPr>
+        <p:spPr>
+          <a:xfrm>
+            <a:off x="6329365" y="3402813"/>
+            <a:ext cx="4953002" cy="1278976"/>
+          </a:xfrm>
+          <a:prstGeom prst="roundRect">
+            <a:avLst/>
+          </a:prstGeom>
+          <a:noFill/>
+          <a:ln w="38100">
+            <a:solidFill>
+              <a:schemeClr val="tx1"/>
+            </a:solidFill>
+          </a:ln>
+        </p:spPr>
+        <p:style>
+          <a:lnRef idx="2">
+            <a:schemeClr val="accent1">
+              <a:shade val="15000"/>
+            </a:schemeClr>
+          </a:lnRef>
+          <a:fillRef idx="1">
+            <a:schemeClr val="accent1"/>
+          </a:fillRef>
+          <a:effectRef idx="0">
+            <a:schemeClr val="accent1"/>
+          </a:effectRef>
+          <a:fontRef idx="minor">
+            <a:schemeClr val="lt1"/>
+          </a:fontRef>
+        </p:style>
+        <p:txBody>
+          <a:bodyPr rtlCol="0" anchor="ctr"/>
+          <a:lstStyle/>
+          <a:p>
+            <a:pPr algn="ctr"/>
+            <a:endParaRPr kumimoji="1" lang="ja-JP" altLang="en-US" sz="2000" b="1" dirty="0">
+              <a:solidFill>
+                <a:schemeClr val="tx1"/>
+              </a:solidFill>
+              <a:latin typeface="メイリオ" panose="020B0604030504040204" pitchFamily="50" charset="-128"/>
+              <a:ea typeface="メイリオ" panose="020B0604030504040204" pitchFamily="50" charset="-128"/>
+            </a:endParaRPr>
+          </a:p>
+        </p:txBody>
+      </p:sp>
+      <p:sp>
+        <p:nvSpPr>
+          <p:cNvPr id="6" name="四角形: 角を丸くする 5">
+            <a:extLst>
+              <a:ext uri="{FF2B5EF4-FFF2-40B4-BE49-F238E27FC236}">
+                <a16:creationId xmlns:a16="http://schemas.microsoft.com/office/drawing/2014/main" id="{C5D65F77-FC08-D456-B94C-8838C6DE6E8A}"/>
+              </a:ext>
+            </a:extLst>
+          </p:cNvPr>
+          <p:cNvSpPr/>
+          <p:nvPr/>
+        </p:nvSpPr>
+        <p:spPr>
+          <a:xfrm>
+            <a:off x="1547813" y="4824554"/>
+            <a:ext cx="9720263" cy="1005105"/>
+          </a:xfrm>
+          <a:prstGeom prst="roundRect">
+            <a:avLst>
+              <a:gd name="adj" fmla="val 12199"/>
+            </a:avLst>
+          </a:prstGeom>
+          <a:noFill/>
+          <a:ln w="38100">
+            <a:solidFill>
+              <a:schemeClr val="tx1"/>
+            </a:solidFill>
+          </a:ln>
+        </p:spPr>
+        <p:style>
+          <a:lnRef idx="2">
+            <a:schemeClr val="accent1">
+              <a:shade val="15000"/>
+            </a:schemeClr>
+          </a:lnRef>
+          <a:fillRef idx="1">
+            <a:schemeClr val="accent1"/>
+          </a:fillRef>
+          <a:effectRef idx="0">
+            <a:schemeClr val="accent1"/>
+          </a:effectRef>
+          <a:fontRef idx="minor">
+            <a:schemeClr val="lt1"/>
+          </a:fontRef>
+        </p:style>
+        <p:txBody>
+          <a:bodyPr rtlCol="0" anchor="ctr"/>
+          <a:lstStyle/>
+          <a:p>
+            <a:pPr algn="ctr"/>
+            <a:endParaRPr kumimoji="1" lang="ja-JP" altLang="en-US" sz="2000" b="1" dirty="0">
+              <a:solidFill>
+                <a:schemeClr val="tx1"/>
+              </a:solidFill>
+              <a:latin typeface="メイリオ" panose="020B0604030504040204" pitchFamily="50" charset="-128"/>
+              <a:ea typeface="メイリオ" panose="020B0604030504040204" pitchFamily="50" charset="-128"/>
+            </a:endParaRPr>
+          </a:p>
+        </p:txBody>
+      </p:sp>
+      <p:graphicFrame>
+        <p:nvGraphicFramePr>
+          <p:cNvPr id="8" name="表 9">
+            <a:extLst>
+              <a:ext uri="{FF2B5EF4-FFF2-40B4-BE49-F238E27FC236}">
+                <a16:creationId xmlns:a16="http://schemas.microsoft.com/office/drawing/2014/main" id="{4746EE2D-7217-8A3D-4BDC-42128FA997BC}"/>
+              </a:ext>
+            </a:extLst>
+          </p:cNvPr>
+          <p:cNvGraphicFramePr>
+            <a:graphicFrameLocks noGrp="1"/>
+          </p:cNvGraphicFramePr>
+          <p:nvPr>
+            <p:extLst>
+              <p:ext uri="{D42A27DB-BD31-4B8C-83A1-F6EECF244321}">
+                <p14:modId xmlns:p14="http://schemas.microsoft.com/office/powerpoint/2010/main" val="459819803"/>
+              </p:ext>
+            </p:extLst>
+          </p:nvPr>
+        </p:nvGraphicFramePr>
+        <p:xfrm>
+          <a:off x="2954335" y="6023134"/>
+          <a:ext cx="6683380" cy="365760"/>
+        </p:xfrm>
+        <a:graphic>
+          <a:graphicData uri="http://schemas.openxmlformats.org/drawingml/2006/table">
+            <a:tbl>
+              <a:tblPr firstRow="1" bandRow="1">
+                <a:tableStyleId>{5C22544A-7EE6-4342-B048-85BDC9FD1C3A}</a:tableStyleId>
+              </a:tblPr>
+              <a:tblGrid>
+                <a:gridCol w="668338">
+                  <a:extLst>
+                    <a:ext uri="{9D8B030D-6E8A-4147-A177-3AD203B41FA5}">
+                      <a16:colId xmlns:a16="http://schemas.microsoft.com/office/drawing/2014/main" val="1243957072"/>
+                    </a:ext>
+                  </a:extLst>
+                </a:gridCol>
+                <a:gridCol w="668338">
+                  <a:extLst>
+                    <a:ext uri="{9D8B030D-6E8A-4147-A177-3AD203B41FA5}">
+                      <a16:colId xmlns:a16="http://schemas.microsoft.com/office/drawing/2014/main" val="730159411"/>
+                    </a:ext>
+                  </a:extLst>
+                </a:gridCol>
+                <a:gridCol w="668338">
+                  <a:extLst>
+                    <a:ext uri="{9D8B030D-6E8A-4147-A177-3AD203B41FA5}">
+                      <a16:colId xmlns:a16="http://schemas.microsoft.com/office/drawing/2014/main" val="3347967468"/>
+                    </a:ext>
+                  </a:extLst>
+                </a:gridCol>
+                <a:gridCol w="668338">
+                  <a:extLst>
+                    <a:ext uri="{9D8B030D-6E8A-4147-A177-3AD203B41FA5}">
+                      <a16:colId xmlns:a16="http://schemas.microsoft.com/office/drawing/2014/main" val="1812433826"/>
+                    </a:ext>
+                  </a:extLst>
+                </a:gridCol>
+                <a:gridCol w="668338">
+                  <a:extLst>
+                    <a:ext uri="{9D8B030D-6E8A-4147-A177-3AD203B41FA5}">
+                      <a16:colId xmlns:a16="http://schemas.microsoft.com/office/drawing/2014/main" val="1052801989"/>
+                    </a:ext>
+                  </a:extLst>
+                </a:gridCol>
+                <a:gridCol w="668338">
+                  <a:extLst>
+                    <a:ext uri="{9D8B030D-6E8A-4147-A177-3AD203B41FA5}">
+                      <a16:colId xmlns:a16="http://schemas.microsoft.com/office/drawing/2014/main" val="3348567704"/>
+                    </a:ext>
+                  </a:extLst>
+                </a:gridCol>
+                <a:gridCol w="668338">
+                  <a:extLst>
+                    <a:ext uri="{9D8B030D-6E8A-4147-A177-3AD203B41FA5}">
+                      <a16:colId xmlns:a16="http://schemas.microsoft.com/office/drawing/2014/main" val="3351308033"/>
+                    </a:ext>
+                  </a:extLst>
+                </a:gridCol>
+                <a:gridCol w="668338">
+                  <a:extLst>
+                    <a:ext uri="{9D8B030D-6E8A-4147-A177-3AD203B41FA5}">
+                      <a16:colId xmlns:a16="http://schemas.microsoft.com/office/drawing/2014/main" val="2440375793"/>
+                    </a:ext>
+                  </a:extLst>
+                </a:gridCol>
+                <a:gridCol w="668338">
+                  <a:extLst>
+                    <a:ext uri="{9D8B030D-6E8A-4147-A177-3AD203B41FA5}">
+                      <a16:colId xmlns:a16="http://schemas.microsoft.com/office/drawing/2014/main" val="3202036629"/>
+                    </a:ext>
+                  </a:extLst>
+                </a:gridCol>
+                <a:gridCol w="668338">
+                  <a:extLst>
+                    <a:ext uri="{9D8B030D-6E8A-4147-A177-3AD203B41FA5}">
+                      <a16:colId xmlns:a16="http://schemas.microsoft.com/office/drawing/2014/main" val="2649273460"/>
+                    </a:ext>
+                  </a:extLst>
+                </a:gridCol>
+              </a:tblGrid>
+              <a:tr h="286237">
+                <a:tc>
+                  <a:txBody>
+                    <a:bodyPr/>
+                    <a:lstStyle/>
+                    <a:p>
+                      <a:r>
+                        <a:rPr kumimoji="1" lang="ja-JP" altLang="en-US" dirty="0">
+                          <a:solidFill>
+                            <a:schemeClr val="tx1"/>
+                          </a:solidFill>
+                        </a:rPr>
+                        <a:t>１</a:t>
+                      </a:r>
+                    </a:p>
+                  </a:txBody>
+                  <a:tcPr>
+                    <a:lnL w="12700" cap="flat" cmpd="sng" algn="ctr">
+                      <a:solidFill>
+                        <a:schemeClr val="tx1"/>
+                      </a:solidFill>
+                      <a:prstDash val="solid"/>
+                      <a:round/>
+                      <a:headEnd type="none" w="med" len="med"/>
+                      <a:tailEnd type="none" w="med" len="med"/>
+                    </a:lnL>
+                    <a:lnR w="12700" cap="flat" cmpd="sng" algn="ctr">
+                      <a:solidFill>
+                        <a:schemeClr val="tx1"/>
+                      </a:solidFill>
+                      <a:prstDash val="solid"/>
+                      <a:round/>
+                      <a:headEnd type="none" w="med" len="med"/>
+                      <a:tailEnd type="none" w="med" len="med"/>
+                    </a:lnR>
+                    <a:lnT w="12700" cap="flat" cmpd="sng" algn="ctr">
+                      <a:solidFill>
+                        <a:schemeClr val="tx1"/>
+                      </a:solidFill>
+                      <a:prstDash val="solid"/>
+                      <a:round/>
+                      <a:headEnd type="none" w="med" len="med"/>
+                      <a:tailEnd type="none" w="med" len="med"/>
+                    </a:lnT>
+                    <a:lnB w="12700" cap="flat" cmpd="sng" algn="ctr">
+                      <a:solidFill>
+                        <a:schemeClr val="tx1"/>
+                      </a:solidFill>
+                      <a:prstDash val="solid"/>
+                      <a:round/>
+                      <a:headEnd type="none" w="med" len="med"/>
+                      <a:tailEnd type="none" w="med" len="med"/>
+                    </a:lnB>
+                    <a:solidFill>
+                      <a:schemeClr val="bg1"/>
+                    </a:solidFill>
+                  </a:tcPr>
+                </a:tc>
+                <a:tc>
+                  <a:txBody>
+                    <a:bodyPr/>
+                    <a:lstStyle/>
+                    <a:p>
+                      <a:r>
+                        <a:rPr kumimoji="1" lang="ja-JP" altLang="en-US" dirty="0">
+                          <a:solidFill>
+                            <a:schemeClr val="tx1"/>
+                          </a:solidFill>
+                        </a:rPr>
+                        <a:t>２</a:t>
+                      </a:r>
+                    </a:p>
+                  </a:txBody>
+                  <a:tcPr>
+                    <a:lnL w="12700" cap="flat" cmpd="sng" algn="ctr">
+                      <a:solidFill>
+                        <a:schemeClr val="tx1"/>
+                      </a:solidFill>
+                      <a:prstDash val="solid"/>
+                      <a:round/>
+                      <a:headEnd type="none" w="med" len="med"/>
+                      <a:tailEnd type="none" w="med" len="med"/>
+                    </a:lnL>
+                    <a:lnR w="12700" cap="flat" cmpd="sng" algn="ctr">
+                      <a:solidFill>
+                        <a:schemeClr val="tx1"/>
+                      </a:solidFill>
+                      <a:prstDash val="solid"/>
+                      <a:round/>
+                      <a:headEnd type="none" w="med" len="med"/>
+                      <a:tailEnd type="none" w="med" len="med"/>
+                    </a:lnR>
+                    <a:lnT w="12700" cap="flat" cmpd="sng" algn="ctr">
+                      <a:solidFill>
+                        <a:schemeClr val="tx1"/>
+                      </a:solidFill>
+                      <a:prstDash val="solid"/>
+                      <a:round/>
+                      <a:headEnd type="none" w="med" len="med"/>
+                      <a:tailEnd type="none" w="med" len="med"/>
+                    </a:lnT>
+                    <a:lnB w="12700" cap="flat" cmpd="sng" algn="ctr">
+                      <a:solidFill>
+                        <a:schemeClr val="tx1"/>
+                      </a:solidFill>
+                      <a:prstDash val="solid"/>
+                      <a:round/>
+                      <a:headEnd type="none" w="med" len="med"/>
+                      <a:tailEnd type="none" w="med" len="med"/>
+                    </a:lnB>
+                    <a:solidFill>
+                      <a:schemeClr val="bg1"/>
+                    </a:solidFill>
+                  </a:tcPr>
+                </a:tc>
+                <a:tc>
+                  <a:txBody>
+                    <a:bodyPr/>
+                    <a:lstStyle/>
+                    <a:p>
+                      <a:r>
+                        <a:rPr kumimoji="1" lang="ja-JP" altLang="en-US" dirty="0">
+                          <a:solidFill>
+                            <a:schemeClr val="tx1"/>
+                          </a:solidFill>
+                        </a:rPr>
+                        <a:t>３</a:t>
+                      </a:r>
+                    </a:p>
+                  </a:txBody>
+                  <a:tcPr>
+                    <a:lnL w="12700" cap="flat" cmpd="sng" algn="ctr">
+                      <a:solidFill>
+                        <a:schemeClr val="tx1"/>
+                      </a:solidFill>
+                      <a:prstDash val="solid"/>
+                      <a:round/>
+                      <a:headEnd type="none" w="med" len="med"/>
+                      <a:tailEnd type="none" w="med" len="med"/>
+                    </a:lnL>
+                    <a:lnR w="12700" cap="flat" cmpd="sng" algn="ctr">
+                      <a:solidFill>
+                        <a:schemeClr val="tx1"/>
+                      </a:solidFill>
+                      <a:prstDash val="solid"/>
+                      <a:round/>
+                      <a:headEnd type="none" w="med" len="med"/>
+                      <a:tailEnd type="none" w="med" len="med"/>
+                    </a:lnR>
+                    <a:lnT w="12700" cap="flat" cmpd="sng" algn="ctr">
+                      <a:solidFill>
+                        <a:schemeClr val="tx1"/>
+                      </a:solidFill>
+                      <a:prstDash val="solid"/>
+                      <a:round/>
+                      <a:headEnd type="none" w="med" len="med"/>
+                      <a:tailEnd type="none" w="med" len="med"/>
+                    </a:lnT>
+                    <a:lnB w="12700" cap="flat" cmpd="sng" algn="ctr">
+                      <a:solidFill>
+                        <a:schemeClr val="tx1"/>
+                      </a:solidFill>
+                      <a:prstDash val="solid"/>
+                      <a:round/>
+                      <a:headEnd type="none" w="med" len="med"/>
+                      <a:tailEnd type="none" w="med" len="med"/>
+                    </a:lnB>
+                    <a:solidFill>
+                      <a:schemeClr val="bg1"/>
+                    </a:solidFill>
+                  </a:tcPr>
+                </a:tc>
+                <a:tc>
+                  <a:txBody>
+                    <a:bodyPr/>
+                    <a:lstStyle/>
+                    <a:p>
+                      <a:r>
+                        <a:rPr kumimoji="1" lang="ja-JP" altLang="en-US" dirty="0">
+                          <a:solidFill>
+                            <a:schemeClr val="tx1"/>
+                          </a:solidFill>
+                        </a:rPr>
+                        <a:t>４</a:t>
+                      </a:r>
+                    </a:p>
+                  </a:txBody>
+                  <a:tcPr>
+                    <a:lnL w="12700" cap="flat" cmpd="sng" algn="ctr">
+                      <a:solidFill>
+                        <a:schemeClr val="tx1"/>
+                      </a:solidFill>
+                      <a:prstDash val="solid"/>
+                      <a:round/>
+                      <a:headEnd type="none" w="med" len="med"/>
+                      <a:tailEnd type="none" w="med" len="med"/>
+                    </a:lnL>
+                    <a:lnR w="12700" cap="flat" cmpd="sng" algn="ctr">
+                      <a:solidFill>
+                        <a:schemeClr val="tx1"/>
+                      </a:solidFill>
+                      <a:prstDash val="solid"/>
+                      <a:round/>
+                      <a:headEnd type="none" w="med" len="med"/>
+                      <a:tailEnd type="none" w="med" len="med"/>
+                    </a:lnR>
+                    <a:lnT w="12700" cap="flat" cmpd="sng" algn="ctr">
+                      <a:solidFill>
+                        <a:schemeClr val="tx1"/>
+                      </a:solidFill>
+                      <a:prstDash val="solid"/>
+                      <a:round/>
+                      <a:headEnd type="none" w="med" len="med"/>
+                      <a:tailEnd type="none" w="med" len="med"/>
+                    </a:lnT>
+                    <a:lnB w="12700" cap="flat" cmpd="sng" algn="ctr">
+                      <a:solidFill>
+                        <a:schemeClr val="tx1"/>
+                      </a:solidFill>
+                      <a:prstDash val="solid"/>
+                      <a:round/>
+                      <a:headEnd type="none" w="med" len="med"/>
+                      <a:tailEnd type="none" w="med" len="med"/>
+                    </a:lnB>
+                    <a:solidFill>
+                      <a:schemeClr val="bg1"/>
+                    </a:solidFill>
+                  </a:tcPr>
+                </a:tc>
+                <a:tc>
+                  <a:txBody>
+                    <a:bodyPr/>
+                    <a:lstStyle/>
+                    <a:p>
+                      <a:r>
+                        <a:rPr kumimoji="1" lang="ja-JP" altLang="en-US" dirty="0">
+                          <a:solidFill>
+                            <a:schemeClr val="tx1"/>
+                          </a:solidFill>
+                        </a:rPr>
+                        <a:t>５</a:t>
+                      </a:r>
+                    </a:p>
+                  </a:txBody>
+                  <a:tcPr>
+                    <a:lnL w="12700" cap="flat" cmpd="sng" algn="ctr">
+                      <a:solidFill>
+                        <a:schemeClr val="tx1"/>
+                      </a:solidFill>
+                      <a:prstDash val="solid"/>
+                      <a:round/>
+                      <a:headEnd type="none" w="med" len="med"/>
+                      <a:tailEnd type="none" w="med" len="med"/>
+                    </a:lnL>
+                    <a:lnR w="12700" cap="flat" cmpd="sng" algn="ctr">
+                      <a:solidFill>
+                        <a:schemeClr val="tx1"/>
+                      </a:solidFill>
+                      <a:prstDash val="solid"/>
+                      <a:round/>
+                      <a:headEnd type="none" w="med" len="med"/>
+                      <a:tailEnd type="none" w="med" len="med"/>
+                    </a:lnR>
+                    <a:lnT w="12700" cap="flat" cmpd="sng" algn="ctr">
+                      <a:solidFill>
+                        <a:schemeClr val="tx1"/>
+                      </a:solidFill>
+                      <a:prstDash val="solid"/>
+                      <a:round/>
+                      <a:headEnd type="none" w="med" len="med"/>
+                      <a:tailEnd type="none" w="med" len="med"/>
+                    </a:lnT>
+                    <a:lnB w="12700" cap="flat" cmpd="sng" algn="ctr">
+                      <a:solidFill>
+                        <a:schemeClr val="tx1"/>
+                      </a:solidFill>
+                      <a:prstDash val="solid"/>
+                      <a:round/>
+                      <a:headEnd type="none" w="med" len="med"/>
+                      <a:tailEnd type="none" w="med" len="med"/>
+                    </a:lnB>
+                    <a:solidFill>
+                      <a:schemeClr val="bg1"/>
+                    </a:solidFill>
+                  </a:tcPr>
+                </a:tc>
+                <a:tc>
+                  <a:txBody>
+                    <a:bodyPr/>
+                    <a:lstStyle/>
+                    <a:p>
+                      <a:r>
+                        <a:rPr kumimoji="1" lang="ja-JP" altLang="en-US" dirty="0">
+                          <a:solidFill>
+                            <a:schemeClr val="tx1"/>
+                          </a:solidFill>
+                        </a:rPr>
+                        <a:t>６</a:t>
+                      </a:r>
+                    </a:p>
+                  </a:txBody>
+                  <a:tcPr>
+                    <a:lnL w="12700" cap="flat" cmpd="sng" algn="ctr">
+                      <a:solidFill>
+                        <a:schemeClr val="tx1"/>
+                      </a:solidFill>
+                      <a:prstDash val="solid"/>
+                      <a:round/>
+                      <a:headEnd type="none" w="med" len="med"/>
+                      <a:tailEnd type="none" w="med" len="med"/>
+                    </a:lnL>
+                    <a:lnR w="12700" cap="flat" cmpd="sng" algn="ctr">
+                      <a:solidFill>
+                        <a:schemeClr val="tx1"/>
+                      </a:solidFill>
+                      <a:prstDash val="solid"/>
+                      <a:round/>
+                      <a:headEnd type="none" w="med" len="med"/>
+                      <a:tailEnd type="none" w="med" len="med"/>
+                    </a:lnR>
+                    <a:lnT w="12700" cap="flat" cmpd="sng" algn="ctr">
+                      <a:solidFill>
+                        <a:schemeClr val="tx1"/>
+                      </a:solidFill>
+                      <a:prstDash val="solid"/>
+                      <a:round/>
+                      <a:headEnd type="none" w="med" len="med"/>
+                      <a:tailEnd type="none" w="med" len="med"/>
+                    </a:lnT>
+                    <a:lnB w="12700" cap="flat" cmpd="sng" algn="ctr">
+                      <a:solidFill>
+                        <a:schemeClr val="tx1"/>
+                      </a:solidFill>
+                      <a:prstDash val="solid"/>
+                      <a:round/>
+                      <a:headEnd type="none" w="med" len="med"/>
+                      <a:tailEnd type="none" w="med" len="med"/>
+                    </a:lnB>
+                    <a:solidFill>
+                      <a:schemeClr val="bg1"/>
+                    </a:solidFill>
+                  </a:tcPr>
+                </a:tc>
+                <a:tc>
+                  <a:txBody>
+                    <a:bodyPr/>
+                    <a:lstStyle/>
+                    <a:p>
+                      <a:r>
+                        <a:rPr kumimoji="1" lang="ja-JP" altLang="en-US" dirty="0">
+                          <a:solidFill>
+                            <a:schemeClr val="tx1"/>
+                          </a:solidFill>
+                        </a:rPr>
+                        <a:t>７</a:t>
+                      </a:r>
+                    </a:p>
+                  </a:txBody>
+                  <a:tcPr>
+                    <a:lnL w="12700" cap="flat" cmpd="sng" algn="ctr">
+                      <a:solidFill>
+                        <a:schemeClr val="tx1"/>
+                      </a:solidFill>
+                      <a:prstDash val="solid"/>
+                      <a:round/>
+                      <a:headEnd type="none" w="med" len="med"/>
+                      <a:tailEnd type="none" w="med" len="med"/>
+                    </a:lnL>
+                    <a:lnR w="12700" cap="flat" cmpd="sng" algn="ctr">
+                      <a:solidFill>
+                        <a:schemeClr val="tx1"/>
+                      </a:solidFill>
+                      <a:prstDash val="solid"/>
+                      <a:round/>
+                      <a:headEnd type="none" w="med" len="med"/>
+                      <a:tailEnd type="none" w="med" len="med"/>
+                    </a:lnR>
+                    <a:lnT w="12700" cap="flat" cmpd="sng" algn="ctr">
+                      <a:solidFill>
+                        <a:schemeClr val="tx1"/>
+                      </a:solidFill>
+                      <a:prstDash val="solid"/>
+                      <a:round/>
+                      <a:headEnd type="none" w="med" len="med"/>
+                      <a:tailEnd type="none" w="med" len="med"/>
+                    </a:lnT>
+                    <a:lnB w="12700" cap="flat" cmpd="sng" algn="ctr">
+                      <a:solidFill>
+                        <a:schemeClr val="tx1"/>
+                      </a:solidFill>
+                      <a:prstDash val="solid"/>
+                      <a:round/>
+                      <a:headEnd type="none" w="med" len="med"/>
+                      <a:tailEnd type="none" w="med" len="med"/>
+                    </a:lnB>
+                    <a:solidFill>
+                      <a:schemeClr val="bg1"/>
+                    </a:solidFill>
+                  </a:tcPr>
+                </a:tc>
+                <a:tc>
+                  <a:txBody>
+                    <a:bodyPr/>
+                    <a:lstStyle/>
+                    <a:p>
+                      <a:r>
+                        <a:rPr kumimoji="1" lang="ja-JP" altLang="en-US" dirty="0">
+                          <a:solidFill>
+                            <a:schemeClr val="tx1"/>
+                          </a:solidFill>
+                        </a:rPr>
+                        <a:t>８</a:t>
+                      </a:r>
+                    </a:p>
+                  </a:txBody>
+                  <a:tcPr>
+                    <a:lnL w="12700" cap="flat" cmpd="sng" algn="ctr">
+                      <a:solidFill>
+                        <a:schemeClr val="tx1"/>
+                      </a:solidFill>
+                      <a:prstDash val="solid"/>
+                      <a:round/>
+                      <a:headEnd type="none" w="med" len="med"/>
+                      <a:tailEnd type="none" w="med" len="med"/>
+                    </a:lnL>
+                    <a:lnR w="12700" cap="flat" cmpd="sng" algn="ctr">
+                      <a:solidFill>
+                        <a:schemeClr val="tx1"/>
+                      </a:solidFill>
+                      <a:prstDash val="solid"/>
+                      <a:round/>
+                      <a:headEnd type="none" w="med" len="med"/>
+                      <a:tailEnd type="none" w="med" len="med"/>
+                    </a:lnR>
+                    <a:lnT w="12700" cap="flat" cmpd="sng" algn="ctr">
+                      <a:solidFill>
+                        <a:schemeClr val="tx1"/>
+                      </a:solidFill>
+                      <a:prstDash val="solid"/>
+                      <a:round/>
+                      <a:headEnd type="none" w="med" len="med"/>
+                      <a:tailEnd type="none" w="med" len="med"/>
+                    </a:lnT>
+                    <a:lnB w="12700" cap="flat" cmpd="sng" algn="ctr">
+                      <a:solidFill>
+                        <a:schemeClr val="tx1"/>
+                      </a:solidFill>
+                      <a:prstDash val="solid"/>
+                      <a:round/>
+                      <a:headEnd type="none" w="med" len="med"/>
+                      <a:tailEnd type="none" w="med" len="med"/>
+                    </a:lnB>
+                    <a:solidFill>
+                      <a:schemeClr val="bg1"/>
+                    </a:solidFill>
+                  </a:tcPr>
+                </a:tc>
+                <a:tc>
+                  <a:txBody>
+                    <a:bodyPr/>
+                    <a:lstStyle/>
+                    <a:p>
+                      <a:r>
+                        <a:rPr kumimoji="1" lang="ja-JP" altLang="en-US" dirty="0">
+                          <a:solidFill>
+                            <a:schemeClr val="tx1"/>
+                          </a:solidFill>
+                        </a:rPr>
+                        <a:t>９</a:t>
+                      </a:r>
+                    </a:p>
+                  </a:txBody>
+                  <a:tcPr>
+                    <a:lnL w="12700" cap="flat" cmpd="sng" algn="ctr">
+                      <a:solidFill>
+                        <a:schemeClr val="tx1"/>
+                      </a:solidFill>
+                      <a:prstDash val="solid"/>
+                      <a:round/>
+                      <a:headEnd type="none" w="med" len="med"/>
+                      <a:tailEnd type="none" w="med" len="med"/>
+                    </a:lnL>
+                    <a:lnR w="12700" cap="flat" cmpd="sng" algn="ctr">
+                      <a:solidFill>
+                        <a:schemeClr val="tx1"/>
+                      </a:solidFill>
+                      <a:prstDash val="solid"/>
+                      <a:round/>
+                      <a:headEnd type="none" w="med" len="med"/>
+                      <a:tailEnd type="none" w="med" len="med"/>
+                    </a:lnR>
+                    <a:lnT w="12700" cap="flat" cmpd="sng" algn="ctr">
+                      <a:solidFill>
+                        <a:schemeClr val="tx1"/>
+                      </a:solidFill>
+                      <a:prstDash val="solid"/>
+                      <a:round/>
+                      <a:headEnd type="none" w="med" len="med"/>
+                      <a:tailEnd type="none" w="med" len="med"/>
+                    </a:lnT>
+                    <a:lnB w="12700" cap="flat" cmpd="sng" algn="ctr">
+                      <a:solidFill>
+                        <a:schemeClr val="tx1"/>
+                      </a:solidFill>
+                      <a:prstDash val="solid"/>
+                      <a:round/>
+                      <a:headEnd type="none" w="med" len="med"/>
+                      <a:tailEnd type="none" w="med" len="med"/>
+                    </a:lnB>
+                    <a:solidFill>
+                      <a:schemeClr val="bg1"/>
+                    </a:solidFill>
+                  </a:tcPr>
+                </a:tc>
+                <a:tc>
+                  <a:txBody>
+                    <a:bodyPr/>
+                    <a:lstStyle/>
+                    <a:p>
+                      <a:r>
+                        <a:rPr kumimoji="1" lang="ja-JP" altLang="en-US" dirty="0">
+                          <a:solidFill>
+                            <a:schemeClr val="tx1"/>
+                          </a:solidFill>
+                        </a:rPr>
+                        <a:t>１０</a:t>
+                      </a:r>
+                    </a:p>
+                  </a:txBody>
+                  <a:tcPr>
+                    <a:lnL w="12700" cap="flat" cmpd="sng" algn="ctr">
+                      <a:solidFill>
+                        <a:schemeClr val="tx1"/>
+                      </a:solidFill>
+                      <a:prstDash val="solid"/>
+                      <a:round/>
+                      <a:headEnd type="none" w="med" len="med"/>
+                      <a:tailEnd type="none" w="med" len="med"/>
+                    </a:lnL>
+                    <a:lnR w="12700" cap="flat" cmpd="sng" algn="ctr">
+                      <a:solidFill>
+                        <a:schemeClr val="tx1"/>
+                      </a:solidFill>
+                      <a:prstDash val="solid"/>
+                      <a:round/>
+                      <a:headEnd type="none" w="med" len="med"/>
+                      <a:tailEnd type="none" w="med" len="med"/>
+                    </a:lnR>
+                    <a:lnT w="12700" cap="flat" cmpd="sng" algn="ctr">
+                      <a:solidFill>
+                        <a:schemeClr val="tx1"/>
+                      </a:solidFill>
+                      <a:prstDash val="solid"/>
+                      <a:round/>
+                      <a:headEnd type="none" w="med" len="med"/>
+                      <a:tailEnd type="none" w="med" len="med"/>
+                    </a:lnT>
+                    <a:lnB w="12700" cap="flat" cmpd="sng" algn="ctr">
+                      <a:solidFill>
+                        <a:schemeClr val="tx1"/>
+                      </a:solidFill>
+                      <a:prstDash val="solid"/>
+                      <a:round/>
+                      <a:headEnd type="none" w="med" len="med"/>
+                      <a:tailEnd type="none" w="med" len="med"/>
+                    </a:lnB>
+                    <a:solidFill>
+                      <a:schemeClr val="bg1"/>
+                    </a:solidFill>
+                  </a:tcPr>
+                </a:tc>
+                <a:extLst>
+                  <a:ext uri="{0D108BD9-81ED-4DB2-BD59-A6C34878D82A}">
+                    <a16:rowId xmlns:a16="http://schemas.microsoft.com/office/drawing/2014/main" val="3735291507"/>
+                  </a:ext>
+                </a:extLst>
+              </a:tr>
+            </a:tbl>
+          </a:graphicData>
+        </a:graphic>
+      </p:graphicFrame>
+    </p:spTree>
+    <p:extLst>
+      <p:ext uri="{BB962C8B-B14F-4D97-AF65-F5344CB8AC3E}">
+        <p14:creationId xmlns:p14="http://schemas.microsoft.com/office/powerpoint/2010/main" val="3911197511"/>
+      </p:ext>
+    </p:extLst>
+  </p:cSld>
+  <p:clrMapOvr>
+    <a:masterClrMapping/>
+  </p:clrMapOvr>
+</p:sld>
+</file>
+
+<file path=ppt/slides/slide18.xml><?xml version="1.0" encoding="utf-8"?>
+<p:sld xmlns:a="http://schemas.openxmlformats.org/drawingml/2006/main" xmlns:r="http://schemas.openxmlformats.org/officeDocument/2006/relationships" xmlns:p="http://schemas.openxmlformats.org/presentationml/2006/main">
+  <p:cSld>
+    <p:spTree>
+      <p:nvGrpSpPr>
+        <p:cNvPr id="1" name=""/>
+        <p:cNvGrpSpPr/>
+        <p:nvPr/>
+      </p:nvGrpSpPr>
+      <p:grpSpPr>
+        <a:xfrm>
+          <a:off x="0" y="0"/>
+          <a:ext cx="0" cy="0"/>
+          <a:chOff x="0" y="0"/>
+          <a:chExt cx="0" cy="0"/>
+        </a:xfrm>
+      </p:grpSpPr>
+      <p:sp>
+        <p:nvSpPr>
+          <p:cNvPr id="4" name="正方形/長方形 3">
+            <a:extLst>
+              <a:ext uri="{FF2B5EF4-FFF2-40B4-BE49-F238E27FC236}">
+                <a16:creationId xmlns:a16="http://schemas.microsoft.com/office/drawing/2014/main" id="{CE12CB8E-4860-01BD-294C-EBC30E6659DE}"/>
+              </a:ext>
+            </a:extLst>
+          </p:cNvPr>
+          <p:cNvSpPr>
+            <a:spLocks noGrp="1" noRot="1" noMove="1" noResize="1" noEditPoints="1" noAdjustHandles="1" noChangeArrowheads="1" noChangeShapeType="1"/>
+          </p:cNvSpPr>
+          <p:nvPr/>
+        </p:nvSpPr>
+        <p:spPr>
+          <a:xfrm>
+            <a:off x="704850" y="409575"/>
+            <a:ext cx="10782300" cy="6038850"/>
+          </a:xfrm>
+          <a:prstGeom prst="rect">
+            <a:avLst/>
+          </a:prstGeom>
+          <a:solidFill>
+            <a:schemeClr val="bg1"/>
+          </a:solidFill>
+          <a:ln w="28575">
+            <a:solidFill>
+              <a:schemeClr val="tx1"/>
+            </a:solidFill>
+          </a:ln>
+        </p:spPr>
+        <p:style>
+          <a:lnRef idx="2">
+            <a:schemeClr val="accent1">
+              <a:shade val="15000"/>
+            </a:schemeClr>
+          </a:lnRef>
+          <a:fillRef idx="1">
+            <a:schemeClr val="accent1"/>
+          </a:fillRef>
+          <a:effectRef idx="0">
+            <a:schemeClr val="accent1"/>
+          </a:effectRef>
+          <a:fontRef idx="minor">
+            <a:schemeClr val="lt1"/>
+          </a:fontRef>
+        </p:style>
+        <p:txBody>
+          <a:bodyPr rtlCol="0" anchor="ctr"/>
+          <a:lstStyle/>
+          <a:p>
+            <a:pPr algn="ctr"/>
+            <a:endParaRPr kumimoji="1" lang="ja-JP" altLang="en-US"/>
+          </a:p>
+        </p:txBody>
+      </p:sp>
+      <p:pic>
+        <p:nvPicPr>
+          <p:cNvPr id="7" name="グラフィックス 6" descr="ハンガーガー形のメニュー アイコン 単色塗りつぶし">
+            <a:extLst>
+              <a:ext uri="{FF2B5EF4-FFF2-40B4-BE49-F238E27FC236}">
+                <a16:creationId xmlns:a16="http://schemas.microsoft.com/office/drawing/2014/main" id="{818B76B6-A794-D5F5-4766-5F2777B96659}"/>
+              </a:ext>
+            </a:extLst>
+          </p:cNvPr>
+          <p:cNvPicPr>
+            <a:picLocks noChangeAspect="1"/>
+          </p:cNvPicPr>
+          <p:nvPr/>
+        </p:nvPicPr>
+        <p:blipFill>
+          <a:blip r:embed="rId2">
+            <a:extLst>
+              <a:ext uri="{28A0092B-C50C-407E-A947-70E740481C1C}">
+                <a14:useLocalDpi xmlns:a14="http://schemas.microsoft.com/office/drawing/2010/main" val="0"/>
+              </a:ext>
+              <a:ext uri="{96DAC541-7B7A-43D3-8B79-37D633B846F1}">
+                <asvg:svgBlip xmlns:asvg="http://schemas.microsoft.com/office/drawing/2016/SVG/main" r:embed="rId3"/>
+              </a:ext>
+            </a:extLst>
+          </a:blip>
+          <a:stretch>
+            <a:fillRect/>
+          </a:stretch>
+        </p:blipFill>
+        <p:spPr>
+          <a:xfrm>
+            <a:off x="919163" y="419098"/>
+            <a:ext cx="914400" cy="914400"/>
+          </a:xfrm>
+          <a:prstGeom prst="rect">
+            <a:avLst/>
+          </a:prstGeom>
+        </p:spPr>
+      </p:pic>
+      <p:cxnSp>
+        <p:nvCxnSpPr>
+          <p:cNvPr id="9" name="直線コネクタ 8">
+            <a:extLst>
+              <a:ext uri="{FF2B5EF4-FFF2-40B4-BE49-F238E27FC236}">
+                <a16:creationId xmlns:a16="http://schemas.microsoft.com/office/drawing/2014/main" id="{DCE315C0-27D4-07AB-6952-144CD069DE9C}"/>
+              </a:ext>
+            </a:extLst>
+          </p:cNvPr>
+          <p:cNvCxnSpPr>
+            <a:cxnSpLocks/>
+          </p:cNvCxnSpPr>
+          <p:nvPr/>
+        </p:nvCxnSpPr>
+        <p:spPr>
+          <a:xfrm>
+            <a:off x="704850" y="1333499"/>
+            <a:ext cx="10782300" cy="0"/>
+          </a:xfrm>
+          <a:prstGeom prst="line">
+            <a:avLst/>
+          </a:prstGeom>
+          <a:ln w="28575">
+            <a:solidFill>
+              <a:schemeClr val="tx1"/>
+            </a:solidFill>
+          </a:ln>
+        </p:spPr>
+        <p:style>
+          <a:lnRef idx="1">
+            <a:schemeClr val="accent1"/>
+          </a:lnRef>
+          <a:fillRef idx="0">
+            <a:schemeClr val="accent1"/>
+          </a:fillRef>
+          <a:effectRef idx="0">
+            <a:schemeClr val="accent1"/>
+          </a:effectRef>
+          <a:fontRef idx="minor">
+            <a:schemeClr val="tx1"/>
+          </a:fontRef>
+        </p:style>
+      </p:cxnSp>
+      <p:sp>
+        <p:nvSpPr>
+          <p:cNvPr id="11" name="正方形/長方形 10">
+            <a:extLst>
+              <a:ext uri="{FF2B5EF4-FFF2-40B4-BE49-F238E27FC236}">
+                <a16:creationId xmlns:a16="http://schemas.microsoft.com/office/drawing/2014/main" id="{650D9D88-7635-0987-A25D-9209773AB10C}"/>
+              </a:ext>
+            </a:extLst>
+          </p:cNvPr>
+          <p:cNvSpPr/>
+          <p:nvPr/>
+        </p:nvSpPr>
+        <p:spPr>
+          <a:xfrm>
+            <a:off x="2047875" y="469105"/>
+            <a:ext cx="2486024" cy="814385"/>
+          </a:xfrm>
+          <a:prstGeom prst="rect">
+            <a:avLst/>
+          </a:prstGeom>
+          <a:noFill/>
+          <a:ln w="28575">
+            <a:solidFill>
+              <a:schemeClr val="tx1"/>
+            </a:solidFill>
+          </a:ln>
+        </p:spPr>
+        <p:style>
+          <a:lnRef idx="2">
+            <a:schemeClr val="accent1">
+              <a:shade val="15000"/>
+            </a:schemeClr>
+          </a:lnRef>
+          <a:fillRef idx="1">
+            <a:schemeClr val="accent1"/>
+          </a:fillRef>
+          <a:effectRef idx="0">
+            <a:schemeClr val="accent1"/>
+          </a:effectRef>
+          <a:fontRef idx="minor">
+            <a:schemeClr val="lt1"/>
+          </a:fontRef>
+        </p:style>
+        <p:txBody>
+          <a:bodyPr rtlCol="0" anchor="ctr"/>
+          <a:lstStyle/>
+          <a:p>
+            <a:pPr algn="ctr"/>
+            <a:r>
+              <a:rPr kumimoji="1" lang="ja-JP" altLang="en-US" sz="2400" b="1" dirty="0">
+                <a:solidFill>
+                  <a:schemeClr val="tx1"/>
+                </a:solidFill>
+                <a:latin typeface="メイリオ" panose="020B0604030504040204" pitchFamily="50" charset="-128"/>
+                <a:ea typeface="メイリオ" panose="020B0604030504040204" pitchFamily="50" charset="-128"/>
+              </a:rPr>
+              <a:t>アプリアイコン</a:t>
+            </a:r>
+          </a:p>
+        </p:txBody>
+      </p:sp>
+      <p:grpSp>
+        <p:nvGrpSpPr>
+          <p:cNvPr id="14" name="グループ化 13">
+            <a:extLst>
+              <a:ext uri="{FF2B5EF4-FFF2-40B4-BE49-F238E27FC236}">
+                <a16:creationId xmlns:a16="http://schemas.microsoft.com/office/drawing/2014/main" id="{0546CB03-1703-C113-2F19-3DBE913BD124}"/>
+              </a:ext>
+            </a:extLst>
+          </p:cNvPr>
+          <p:cNvGrpSpPr/>
+          <p:nvPr/>
+        </p:nvGrpSpPr>
+        <p:grpSpPr>
+          <a:xfrm>
+            <a:off x="6296025" y="469106"/>
+            <a:ext cx="5076826" cy="814382"/>
+            <a:chOff x="4762500" y="2764630"/>
+            <a:chExt cx="5076826" cy="814382"/>
+          </a:xfrm>
+        </p:grpSpPr>
+        <p:sp>
+          <p:nvSpPr>
+            <p:cNvPr id="15" name="正方形/長方形 14">
+              <a:extLst>
+                <a:ext uri="{FF2B5EF4-FFF2-40B4-BE49-F238E27FC236}">
+                  <a16:creationId xmlns:a16="http://schemas.microsoft.com/office/drawing/2014/main" id="{0A9FEF09-1B19-6568-6B3E-8E51E14AE9ED}"/>
+                </a:ext>
+              </a:extLst>
+            </p:cNvPr>
+            <p:cNvSpPr/>
+            <p:nvPr/>
+          </p:nvSpPr>
+          <p:spPr>
+            <a:xfrm>
+              <a:off x="4762500" y="2764630"/>
+              <a:ext cx="5076826" cy="814382"/>
+            </a:xfrm>
+            <a:prstGeom prst="rect">
+              <a:avLst/>
+            </a:prstGeom>
+            <a:noFill/>
+            <a:ln w="28575">
+              <a:solidFill>
+                <a:schemeClr val="tx1"/>
+              </a:solidFill>
+            </a:ln>
+          </p:spPr>
+          <p:style>
+            <a:lnRef idx="2">
+              <a:schemeClr val="accent1">
+                <a:shade val="15000"/>
+              </a:schemeClr>
+            </a:lnRef>
+            <a:fillRef idx="1">
+              <a:schemeClr val="accent1"/>
+            </a:fillRef>
+            <a:effectRef idx="0">
+              <a:schemeClr val="accent1"/>
+            </a:effectRef>
+            <a:fontRef idx="minor">
+              <a:schemeClr val="lt1"/>
+            </a:fontRef>
+          </p:style>
+          <p:txBody>
+            <a:bodyPr rtlCol="0" anchor="ctr"/>
+            <a:lstStyle/>
+            <a:p>
+              <a:pPr algn="ctr"/>
+              <a:endParaRPr kumimoji="1" lang="ja-JP" altLang="en-US"/>
+            </a:p>
+          </p:txBody>
+        </p:sp>
+        <p:sp>
+          <p:nvSpPr>
+            <p:cNvPr id="16" name="テキスト ボックス 15">
+              <a:extLst>
+                <a:ext uri="{FF2B5EF4-FFF2-40B4-BE49-F238E27FC236}">
+                  <a16:creationId xmlns:a16="http://schemas.microsoft.com/office/drawing/2014/main" id="{B2163E24-986C-5BE9-A7C7-DA2A4D4E9439}"/>
+                </a:ext>
+              </a:extLst>
+            </p:cNvPr>
+            <p:cNvSpPr txBox="1"/>
+            <p:nvPr/>
+          </p:nvSpPr>
+          <p:spPr>
+            <a:xfrm>
+              <a:off x="4848224" y="3012035"/>
+              <a:ext cx="4191000" cy="369332"/>
+            </a:xfrm>
+            <a:prstGeom prst="rect">
+              <a:avLst/>
+            </a:prstGeom>
+            <a:noFill/>
+          </p:spPr>
+          <p:txBody>
+            <a:bodyPr wrap="square" rtlCol="0">
+              <a:spAutoFit/>
+            </a:bodyPr>
+            <a:lstStyle/>
+            <a:p>
+              <a:r>
+                <a:rPr lang="ja-JP" altLang="en-US" b="1" i="0" dirty="0">
+                  <a:effectLst/>
+                  <a:latin typeface="メイリオ" panose="020B0604030504040204" pitchFamily="50" charset="-128"/>
+                  <a:ea typeface="メイリオ" panose="020B0604030504040204" pitchFamily="50" charset="-128"/>
+                </a:rPr>
+                <a:t>今日の用語：</a:t>
+              </a:r>
+              <a:r>
+                <a:rPr lang="en-US" altLang="ja-JP" b="1" i="0" dirty="0">
+                  <a:effectLst/>
+                  <a:latin typeface="メイリオ" panose="020B0604030504040204" pitchFamily="50" charset="-128"/>
+                  <a:ea typeface="メイリオ" panose="020B0604030504040204" pitchFamily="50" charset="-128"/>
+                </a:rPr>
+                <a:t>SQL</a:t>
+              </a:r>
+              <a:r>
+                <a:rPr lang="ja-JP" altLang="en-US" b="1" i="0" dirty="0">
+                  <a:effectLst/>
+                  <a:latin typeface="メイリオ" panose="020B0604030504040204" pitchFamily="50" charset="-128"/>
+                  <a:ea typeface="メイリオ" panose="020B0604030504040204" pitchFamily="50" charset="-128"/>
+                </a:rPr>
+                <a:t>インジェクション</a:t>
+              </a:r>
+              <a:endParaRPr kumimoji="1" lang="ja-JP" altLang="en-US" dirty="0">
+                <a:latin typeface="メイリオ" panose="020B0604030504040204" pitchFamily="50" charset="-128"/>
+                <a:ea typeface="メイリオ" panose="020B0604030504040204" pitchFamily="50" charset="-128"/>
+              </a:endParaRPr>
+            </a:p>
+          </p:txBody>
+        </p:sp>
+        <p:sp>
+          <p:nvSpPr>
+            <p:cNvPr id="17" name="四角形: 角を丸くする 16">
+              <a:extLst>
+                <a:ext uri="{FF2B5EF4-FFF2-40B4-BE49-F238E27FC236}">
+                  <a16:creationId xmlns:a16="http://schemas.microsoft.com/office/drawing/2014/main" id="{763716C8-81F5-923B-4947-A12DF63FE9C9}"/>
+                </a:ext>
+              </a:extLst>
+            </p:cNvPr>
+            <p:cNvSpPr/>
+            <p:nvPr/>
+          </p:nvSpPr>
+          <p:spPr>
+            <a:xfrm>
+              <a:off x="8724902" y="2952746"/>
+              <a:ext cx="1009650" cy="438150"/>
+            </a:xfrm>
+            <a:prstGeom prst="roundRect">
+              <a:avLst/>
+            </a:prstGeom>
+            <a:noFill/>
+            <a:ln w="28575">
+              <a:solidFill>
+                <a:schemeClr val="tx1"/>
+              </a:solidFill>
+            </a:ln>
+          </p:spPr>
+          <p:style>
+            <a:lnRef idx="2">
+              <a:schemeClr val="accent1">
+                <a:shade val="15000"/>
+              </a:schemeClr>
+            </a:lnRef>
+            <a:fillRef idx="1">
+              <a:schemeClr val="accent1"/>
+            </a:fillRef>
+            <a:effectRef idx="0">
+              <a:schemeClr val="accent1"/>
+            </a:effectRef>
+            <a:fontRef idx="minor">
+              <a:schemeClr val="lt1"/>
+            </a:fontRef>
+          </p:style>
+          <p:txBody>
+            <a:bodyPr rtlCol="0" anchor="ctr"/>
+            <a:lstStyle/>
+            <a:p>
+              <a:pPr algn="ctr"/>
+              <a:r>
+                <a:rPr lang="ja-JP" altLang="en-US" b="1" dirty="0">
+                  <a:solidFill>
+                    <a:schemeClr val="tx1"/>
+                  </a:solidFill>
+                  <a:latin typeface="メイリオ" panose="020B0604030504040204" pitchFamily="50" charset="-128"/>
+                  <a:ea typeface="メイリオ" panose="020B0604030504040204" pitchFamily="50" charset="-128"/>
+                </a:rPr>
+                <a:t>解説</a:t>
+              </a:r>
+              <a:endParaRPr kumimoji="1" lang="ja-JP" altLang="en-US" b="1" dirty="0">
+                <a:solidFill>
+                  <a:schemeClr val="tx1"/>
+                </a:solidFill>
+                <a:latin typeface="メイリオ" panose="020B0604030504040204" pitchFamily="50" charset="-128"/>
+                <a:ea typeface="メイリオ" panose="020B0604030504040204" pitchFamily="50" charset="-128"/>
+              </a:endParaRPr>
+            </a:p>
+          </p:txBody>
+        </p:sp>
+      </p:grpSp>
+      <p:graphicFrame>
+        <p:nvGraphicFramePr>
+          <p:cNvPr id="2" name="表 30">
+            <a:extLst>
+              <a:ext uri="{FF2B5EF4-FFF2-40B4-BE49-F238E27FC236}">
+                <a16:creationId xmlns:a16="http://schemas.microsoft.com/office/drawing/2014/main" id="{659F3F9A-9AB5-9E6C-EC10-C4A0CE673AB0}"/>
+              </a:ext>
+            </a:extLst>
+          </p:cNvPr>
+          <p:cNvGraphicFramePr>
+            <a:graphicFrameLocks noGrp="1"/>
+          </p:cNvGraphicFramePr>
+          <p:nvPr>
+            <p:extLst>
+              <p:ext uri="{D42A27DB-BD31-4B8C-83A1-F6EECF244321}">
+                <p14:modId xmlns:p14="http://schemas.microsoft.com/office/powerpoint/2010/main" val="3089993949"/>
+              </p:ext>
+            </p:extLst>
+          </p:nvPr>
+        </p:nvGraphicFramePr>
+        <p:xfrm>
+          <a:off x="1833563" y="3478145"/>
+          <a:ext cx="6854830" cy="1483360"/>
+        </p:xfrm>
+        <a:graphic>
+          <a:graphicData uri="http://schemas.openxmlformats.org/drawingml/2006/table">
+            <a:tbl>
+              <a:tblPr firstRow="1" bandRow="1">
+                <a:tableStyleId>{5C22544A-7EE6-4342-B048-85BDC9FD1C3A}</a:tableStyleId>
+              </a:tblPr>
+              <a:tblGrid>
+                <a:gridCol w="1370966">
+                  <a:extLst>
+                    <a:ext uri="{9D8B030D-6E8A-4147-A177-3AD203B41FA5}">
+                      <a16:colId xmlns:a16="http://schemas.microsoft.com/office/drawing/2014/main" val="1266461779"/>
+                    </a:ext>
+                  </a:extLst>
+                </a:gridCol>
+                <a:gridCol w="1370966">
+                  <a:extLst>
+                    <a:ext uri="{9D8B030D-6E8A-4147-A177-3AD203B41FA5}">
+                      <a16:colId xmlns:a16="http://schemas.microsoft.com/office/drawing/2014/main" val="31553107"/>
+                    </a:ext>
+                  </a:extLst>
+                </a:gridCol>
+                <a:gridCol w="1370966">
+                  <a:extLst>
+                    <a:ext uri="{9D8B030D-6E8A-4147-A177-3AD203B41FA5}">
+                      <a16:colId xmlns:a16="http://schemas.microsoft.com/office/drawing/2014/main" val="677083113"/>
+                    </a:ext>
+                  </a:extLst>
+                </a:gridCol>
+                <a:gridCol w="1370966">
+                  <a:extLst>
+                    <a:ext uri="{9D8B030D-6E8A-4147-A177-3AD203B41FA5}">
+                      <a16:colId xmlns:a16="http://schemas.microsoft.com/office/drawing/2014/main" val="2635646014"/>
+                    </a:ext>
+                  </a:extLst>
+                </a:gridCol>
+                <a:gridCol w="1370966">
+                  <a:extLst>
+                    <a:ext uri="{9D8B030D-6E8A-4147-A177-3AD203B41FA5}">
+                      <a16:colId xmlns:a16="http://schemas.microsoft.com/office/drawing/2014/main" val="1303556297"/>
+                    </a:ext>
+                  </a:extLst>
+                </a:gridCol>
+              </a:tblGrid>
+              <a:tr h="370840">
+                <a:tc>
+                  <a:txBody>
+                    <a:bodyPr/>
+                    <a:lstStyle/>
+                    <a:p>
+                      <a:r>
+                        <a:rPr kumimoji="1" lang="ja-JP" altLang="en-US" b="1" dirty="0">
+                          <a:solidFill>
+                            <a:schemeClr val="tx1"/>
+                          </a:solidFill>
+                          <a:latin typeface="メイリオ" panose="020B0604030504040204" pitchFamily="50" charset="-128"/>
+                          <a:ea typeface="メイリオ" panose="020B0604030504040204" pitchFamily="50" charset="-128"/>
+                        </a:rPr>
+                        <a:t>日付</a:t>
+                      </a:r>
+                    </a:p>
+                  </a:txBody>
+                  <a:tcPr>
+                    <a:lnL w="12700" cap="flat" cmpd="sng" algn="ctr">
+                      <a:solidFill>
+                        <a:schemeClr val="tx1"/>
+                      </a:solidFill>
+                      <a:prstDash val="solid"/>
+                      <a:round/>
+                      <a:headEnd type="none" w="med" len="med"/>
+                      <a:tailEnd type="none" w="med" len="med"/>
+                    </a:lnL>
+                    <a:lnR w="12700" cap="flat" cmpd="sng" algn="ctr">
+                      <a:solidFill>
+                        <a:schemeClr val="tx1"/>
+                      </a:solidFill>
+                      <a:prstDash val="solid"/>
+                      <a:round/>
+                      <a:headEnd type="none" w="med" len="med"/>
+                      <a:tailEnd type="none" w="med" len="med"/>
+                    </a:lnR>
+                    <a:lnT w="12700" cap="flat" cmpd="sng" algn="ctr">
+                      <a:solidFill>
+                        <a:schemeClr val="tx1"/>
+                      </a:solidFill>
+                      <a:prstDash val="solid"/>
+                      <a:round/>
+                      <a:headEnd type="none" w="med" len="med"/>
+                      <a:tailEnd type="none" w="med" len="med"/>
+                    </a:lnT>
+                    <a:lnB w="12700" cap="flat" cmpd="sng" algn="ctr">
+                      <a:solidFill>
+                        <a:schemeClr val="tx1"/>
+                      </a:solidFill>
+                      <a:prstDash val="solid"/>
+                      <a:round/>
+                      <a:headEnd type="none" w="med" len="med"/>
+                      <a:tailEnd type="none" w="med" len="med"/>
+                    </a:lnB>
+                    <a:noFill/>
+                  </a:tcPr>
+                </a:tc>
+                <a:tc>
+                  <a:txBody>
+                    <a:bodyPr/>
+                    <a:lstStyle/>
+                    <a:p>
+                      <a:r>
+                        <a:rPr kumimoji="1" lang="ja-JP" altLang="en-US" b="1" dirty="0">
+                          <a:solidFill>
+                            <a:schemeClr val="tx1"/>
+                          </a:solidFill>
+                          <a:latin typeface="メイリオ" panose="020B0604030504040204" pitchFamily="50" charset="-128"/>
+                          <a:ea typeface="メイリオ" panose="020B0604030504040204" pitchFamily="50" charset="-128"/>
+                        </a:rPr>
+                        <a:t>出勤時間</a:t>
+                      </a:r>
+                      <a:endParaRPr kumimoji="1" lang="en-US" altLang="ja-JP" b="1" dirty="0">
+                        <a:solidFill>
+                          <a:schemeClr val="tx1"/>
+                        </a:solidFill>
+                        <a:latin typeface="メイリオ" panose="020B0604030504040204" pitchFamily="50" charset="-128"/>
+                        <a:ea typeface="メイリオ" panose="020B0604030504040204" pitchFamily="50" charset="-128"/>
+                      </a:endParaRPr>
+                    </a:p>
+                  </a:txBody>
+                  <a:tcPr>
+                    <a:lnL w="12700" cap="flat" cmpd="sng" algn="ctr">
+                      <a:solidFill>
+                        <a:schemeClr val="tx1"/>
+                      </a:solidFill>
+                      <a:prstDash val="solid"/>
+                      <a:round/>
+                      <a:headEnd type="none" w="med" len="med"/>
+                      <a:tailEnd type="none" w="med" len="med"/>
+                    </a:lnL>
+                    <a:lnR w="12700" cap="flat" cmpd="sng" algn="ctr">
+                      <a:solidFill>
+                        <a:schemeClr val="tx1"/>
+                      </a:solidFill>
+                      <a:prstDash val="solid"/>
+                      <a:round/>
+                      <a:headEnd type="none" w="med" len="med"/>
+                      <a:tailEnd type="none" w="med" len="med"/>
+                    </a:lnR>
+                    <a:lnT w="12700" cap="flat" cmpd="sng" algn="ctr">
+                      <a:solidFill>
+                        <a:schemeClr val="tx1"/>
+                      </a:solidFill>
+                      <a:prstDash val="solid"/>
+                      <a:round/>
+                      <a:headEnd type="none" w="med" len="med"/>
+                      <a:tailEnd type="none" w="med" len="med"/>
+                    </a:lnT>
+                    <a:lnB w="12700" cap="flat" cmpd="sng" algn="ctr">
+                      <a:solidFill>
+                        <a:schemeClr val="tx1"/>
+                      </a:solidFill>
+                      <a:prstDash val="solid"/>
+                      <a:round/>
+                      <a:headEnd type="none" w="med" len="med"/>
+                      <a:tailEnd type="none" w="med" len="med"/>
+                    </a:lnB>
+                    <a:noFill/>
+                  </a:tcPr>
+                </a:tc>
+                <a:tc>
+                  <a:txBody>
+                    <a:bodyPr/>
+                    <a:lstStyle/>
+                    <a:p>
+                      <a:r>
+                        <a:rPr kumimoji="1" lang="ja-JP" altLang="en-US" b="1" dirty="0">
+                          <a:solidFill>
+                            <a:schemeClr val="tx1"/>
+                          </a:solidFill>
+                          <a:latin typeface="メイリオ" panose="020B0604030504040204" pitchFamily="50" charset="-128"/>
+                          <a:ea typeface="メイリオ" panose="020B0604030504040204" pitchFamily="50" charset="-128"/>
+                        </a:rPr>
+                        <a:t>退勤時間</a:t>
+                      </a:r>
+                    </a:p>
+                  </a:txBody>
+                  <a:tcPr>
+                    <a:lnL w="12700" cap="flat" cmpd="sng" algn="ctr">
+                      <a:solidFill>
+                        <a:schemeClr val="tx1"/>
+                      </a:solidFill>
+                      <a:prstDash val="solid"/>
+                      <a:round/>
+                      <a:headEnd type="none" w="med" len="med"/>
+                      <a:tailEnd type="none" w="med" len="med"/>
+                    </a:lnL>
+                    <a:lnR w="12700" cap="flat" cmpd="sng" algn="ctr">
+                      <a:solidFill>
+                        <a:schemeClr val="tx1"/>
+                      </a:solidFill>
+                      <a:prstDash val="solid"/>
+                      <a:round/>
+                      <a:headEnd type="none" w="med" len="med"/>
+                      <a:tailEnd type="none" w="med" len="med"/>
+                    </a:lnR>
+                    <a:lnT w="12700" cap="flat" cmpd="sng" algn="ctr">
+                      <a:solidFill>
+                        <a:schemeClr val="tx1"/>
+                      </a:solidFill>
+                      <a:prstDash val="solid"/>
+                      <a:round/>
+                      <a:headEnd type="none" w="med" len="med"/>
+                      <a:tailEnd type="none" w="med" len="med"/>
+                    </a:lnT>
+                    <a:lnB w="12700" cap="flat" cmpd="sng" algn="ctr">
+                      <a:solidFill>
+                        <a:schemeClr val="tx1"/>
+                      </a:solidFill>
+                      <a:prstDash val="solid"/>
+                      <a:round/>
+                      <a:headEnd type="none" w="med" len="med"/>
+                      <a:tailEnd type="none" w="med" len="med"/>
+                    </a:lnB>
+                    <a:noFill/>
+                  </a:tcPr>
+                </a:tc>
+                <a:tc>
+                  <a:txBody>
+                    <a:bodyPr/>
+                    <a:lstStyle/>
+                    <a:p>
+                      <a:r>
+                        <a:rPr kumimoji="1" lang="ja-JP" altLang="en-US" b="1" dirty="0">
+                          <a:solidFill>
+                            <a:schemeClr val="tx1"/>
+                          </a:solidFill>
+                          <a:latin typeface="メイリオ" panose="020B0604030504040204" pitchFamily="50" charset="-128"/>
+                          <a:ea typeface="メイリオ" panose="020B0604030504040204" pitchFamily="50" charset="-128"/>
+                        </a:rPr>
+                        <a:t>勤務形態</a:t>
+                      </a:r>
+                    </a:p>
+                  </a:txBody>
+                  <a:tcPr>
+                    <a:lnL w="12700" cap="flat" cmpd="sng" algn="ctr">
+                      <a:solidFill>
+                        <a:schemeClr val="tx1"/>
+                      </a:solidFill>
+                      <a:prstDash val="solid"/>
+                      <a:round/>
+                      <a:headEnd type="none" w="med" len="med"/>
+                      <a:tailEnd type="none" w="med" len="med"/>
+                    </a:lnL>
+                    <a:lnR w="12700" cap="flat" cmpd="sng" algn="ctr">
+                      <a:solidFill>
+                        <a:schemeClr val="tx1"/>
+                      </a:solidFill>
+                      <a:prstDash val="solid"/>
+                      <a:round/>
+                      <a:headEnd type="none" w="med" len="med"/>
+                      <a:tailEnd type="none" w="med" len="med"/>
+                    </a:lnR>
+                    <a:lnT w="12700" cap="flat" cmpd="sng" algn="ctr">
+                      <a:solidFill>
+                        <a:schemeClr val="tx1"/>
+                      </a:solidFill>
+                      <a:prstDash val="solid"/>
+                      <a:round/>
+                      <a:headEnd type="none" w="med" len="med"/>
+                      <a:tailEnd type="none" w="med" len="med"/>
+                    </a:lnT>
+                    <a:lnB w="12700" cap="flat" cmpd="sng" algn="ctr">
+                      <a:solidFill>
+                        <a:schemeClr val="tx1"/>
+                      </a:solidFill>
+                      <a:prstDash val="solid"/>
+                      <a:round/>
+                      <a:headEnd type="none" w="med" len="med"/>
+                      <a:tailEnd type="none" w="med" len="med"/>
+                    </a:lnB>
+                    <a:noFill/>
+                  </a:tcPr>
+                </a:tc>
+                <a:tc>
+                  <a:txBody>
+                    <a:bodyPr/>
+                    <a:lstStyle/>
+                    <a:p>
+                      <a:r>
+                        <a:rPr kumimoji="1" lang="ja-JP" altLang="en-US" b="1" dirty="0">
+                          <a:solidFill>
+                            <a:schemeClr val="tx1"/>
+                          </a:solidFill>
+                          <a:latin typeface="メイリオ" panose="020B0604030504040204" pitchFamily="50" charset="-128"/>
+                          <a:ea typeface="メイリオ" panose="020B0604030504040204" pitchFamily="50" charset="-128"/>
+                        </a:rPr>
+                        <a:t>実働時間</a:t>
+                      </a:r>
+                    </a:p>
+                  </a:txBody>
+                  <a:tcPr>
+                    <a:lnL w="12700" cap="flat" cmpd="sng" algn="ctr">
+                      <a:solidFill>
+                        <a:schemeClr val="tx1"/>
+                      </a:solidFill>
+                      <a:prstDash val="solid"/>
+                      <a:round/>
+                      <a:headEnd type="none" w="med" len="med"/>
+                      <a:tailEnd type="none" w="med" len="med"/>
+                    </a:lnL>
+                    <a:lnR w="12700" cap="flat" cmpd="sng" algn="ctr">
+                      <a:solidFill>
+                        <a:schemeClr val="tx1"/>
+                      </a:solidFill>
+                      <a:prstDash val="solid"/>
+                      <a:round/>
+                      <a:headEnd type="none" w="med" len="med"/>
+                      <a:tailEnd type="none" w="med" len="med"/>
+                    </a:lnR>
+                    <a:lnT w="12700" cap="flat" cmpd="sng" algn="ctr">
+                      <a:solidFill>
+                        <a:schemeClr val="tx1"/>
+                      </a:solidFill>
+                      <a:prstDash val="solid"/>
+                      <a:round/>
+                      <a:headEnd type="none" w="med" len="med"/>
+                      <a:tailEnd type="none" w="med" len="med"/>
+                    </a:lnT>
+                    <a:lnB w="12700" cap="flat" cmpd="sng" algn="ctr">
+                      <a:solidFill>
+                        <a:schemeClr val="tx1"/>
+                      </a:solidFill>
+                      <a:prstDash val="solid"/>
+                      <a:round/>
+                      <a:headEnd type="none" w="med" len="med"/>
+                      <a:tailEnd type="none" w="med" len="med"/>
+                    </a:lnB>
+                    <a:noFill/>
+                  </a:tcPr>
+                </a:tc>
+                <a:extLst>
+                  <a:ext uri="{0D108BD9-81ED-4DB2-BD59-A6C34878D82A}">
+                    <a16:rowId xmlns:a16="http://schemas.microsoft.com/office/drawing/2014/main" val="3755119731"/>
+                  </a:ext>
+                </a:extLst>
+              </a:tr>
+              <a:tr h="370840">
+                <a:tc>
+                  <a:txBody>
+                    <a:bodyPr/>
+                    <a:lstStyle/>
+                    <a:p>
+                      <a:r>
+                        <a:rPr kumimoji="1" lang="en-US" altLang="ja-JP" b="1" dirty="0">
+                          <a:solidFill>
+                            <a:schemeClr val="tx1"/>
+                          </a:solidFill>
+                          <a:latin typeface="メイリオ" panose="020B0604030504040204" pitchFamily="50" charset="-128"/>
+                          <a:ea typeface="メイリオ" panose="020B0604030504040204" pitchFamily="50" charset="-128"/>
+                        </a:rPr>
+                        <a:t>6</a:t>
+                      </a:r>
+                      <a:r>
+                        <a:rPr kumimoji="1" lang="ja-JP" altLang="en-US" b="1" dirty="0">
+                          <a:solidFill>
+                            <a:schemeClr val="tx1"/>
+                          </a:solidFill>
+                          <a:latin typeface="メイリオ" panose="020B0604030504040204" pitchFamily="50" charset="-128"/>
+                          <a:ea typeface="メイリオ" panose="020B0604030504040204" pitchFamily="50" charset="-128"/>
+                        </a:rPr>
+                        <a:t>月</a:t>
+                      </a:r>
+                      <a:r>
+                        <a:rPr kumimoji="1" lang="en-US" altLang="ja-JP" b="1" dirty="0">
+                          <a:solidFill>
+                            <a:schemeClr val="tx1"/>
+                          </a:solidFill>
+                          <a:latin typeface="メイリオ" panose="020B0604030504040204" pitchFamily="50" charset="-128"/>
+                          <a:ea typeface="メイリオ" panose="020B0604030504040204" pitchFamily="50" charset="-128"/>
+                        </a:rPr>
+                        <a:t>1</a:t>
+                      </a:r>
+                      <a:r>
+                        <a:rPr kumimoji="1" lang="ja-JP" altLang="en-US" b="1" dirty="0">
+                          <a:solidFill>
+                            <a:schemeClr val="tx1"/>
+                          </a:solidFill>
+                          <a:latin typeface="メイリオ" panose="020B0604030504040204" pitchFamily="50" charset="-128"/>
+                          <a:ea typeface="メイリオ" panose="020B0604030504040204" pitchFamily="50" charset="-128"/>
+                        </a:rPr>
+                        <a:t>日</a:t>
+                      </a:r>
+                    </a:p>
+                  </a:txBody>
+                  <a:tcPr>
+                    <a:lnL w="12700" cap="flat" cmpd="sng" algn="ctr">
+                      <a:solidFill>
+                        <a:schemeClr val="tx1"/>
+                      </a:solidFill>
+                      <a:prstDash val="solid"/>
+                      <a:round/>
+                      <a:headEnd type="none" w="med" len="med"/>
+                      <a:tailEnd type="none" w="med" len="med"/>
+                    </a:lnL>
+                    <a:lnR w="12700" cap="flat" cmpd="sng" algn="ctr">
+                      <a:solidFill>
+                        <a:schemeClr val="tx1"/>
+                      </a:solidFill>
+                      <a:prstDash val="solid"/>
+                      <a:round/>
+                      <a:headEnd type="none" w="med" len="med"/>
+                      <a:tailEnd type="none" w="med" len="med"/>
+                    </a:lnR>
+                    <a:lnT w="12700" cap="flat" cmpd="sng" algn="ctr">
+                      <a:solidFill>
+                        <a:schemeClr val="tx1"/>
+                      </a:solidFill>
+                      <a:prstDash val="solid"/>
+                      <a:round/>
+                      <a:headEnd type="none" w="med" len="med"/>
+                      <a:tailEnd type="none" w="med" len="med"/>
+                    </a:lnT>
+                    <a:lnB w="12700" cap="flat" cmpd="sng" algn="ctr">
+                      <a:solidFill>
+                        <a:schemeClr val="tx1"/>
+                      </a:solidFill>
+                      <a:prstDash val="solid"/>
+                      <a:round/>
+                      <a:headEnd type="none" w="med" len="med"/>
+                      <a:tailEnd type="none" w="med" len="med"/>
+                    </a:lnB>
+                    <a:noFill/>
+                  </a:tcPr>
+                </a:tc>
+                <a:tc>
+                  <a:txBody>
+                    <a:bodyPr/>
+                    <a:lstStyle/>
+                    <a:p>
+                      <a:r>
+                        <a:rPr kumimoji="1" lang="en-US" altLang="ja-JP" b="1" dirty="0">
+                          <a:solidFill>
+                            <a:schemeClr val="tx1"/>
+                          </a:solidFill>
+                          <a:latin typeface="メイリオ" panose="020B0604030504040204" pitchFamily="50" charset="-128"/>
+                          <a:ea typeface="メイリオ" panose="020B0604030504040204" pitchFamily="50" charset="-128"/>
+                        </a:rPr>
+                        <a:t>9:00</a:t>
+                      </a:r>
+                    </a:p>
+                  </a:txBody>
+                  <a:tcPr>
+                    <a:lnL w="12700" cap="flat" cmpd="sng" algn="ctr">
+                      <a:solidFill>
+                        <a:schemeClr val="tx1"/>
+                      </a:solidFill>
+                      <a:prstDash val="solid"/>
+                      <a:round/>
+                      <a:headEnd type="none" w="med" len="med"/>
+                      <a:tailEnd type="none" w="med" len="med"/>
+                    </a:lnL>
+                    <a:lnR w="12700" cap="flat" cmpd="sng" algn="ctr">
+                      <a:solidFill>
+                        <a:schemeClr val="tx1"/>
+                      </a:solidFill>
+                      <a:prstDash val="solid"/>
+                      <a:round/>
+                      <a:headEnd type="none" w="med" len="med"/>
+                      <a:tailEnd type="none" w="med" len="med"/>
+                    </a:lnR>
+                    <a:lnT w="12700" cap="flat" cmpd="sng" algn="ctr">
+                      <a:solidFill>
+                        <a:schemeClr val="tx1"/>
+                      </a:solidFill>
+                      <a:prstDash val="solid"/>
+                      <a:round/>
+                      <a:headEnd type="none" w="med" len="med"/>
+                      <a:tailEnd type="none" w="med" len="med"/>
+                    </a:lnT>
+                    <a:lnB w="12700" cap="flat" cmpd="sng" algn="ctr">
+                      <a:solidFill>
+                        <a:schemeClr val="tx1"/>
+                      </a:solidFill>
+                      <a:prstDash val="solid"/>
+                      <a:round/>
+                      <a:headEnd type="none" w="med" len="med"/>
+                      <a:tailEnd type="none" w="med" len="med"/>
+                    </a:lnB>
+                    <a:noFill/>
+                  </a:tcPr>
+                </a:tc>
+                <a:tc>
+                  <a:txBody>
+                    <a:bodyPr/>
+                    <a:lstStyle/>
+                    <a:p>
+                      <a:r>
+                        <a:rPr kumimoji="1" lang="en-US" altLang="ja-JP" b="1" dirty="0">
+                          <a:solidFill>
+                            <a:schemeClr val="tx1"/>
+                          </a:solidFill>
+                          <a:latin typeface="メイリオ" panose="020B0604030504040204" pitchFamily="50" charset="-128"/>
+                          <a:ea typeface="メイリオ" panose="020B0604030504040204" pitchFamily="50" charset="-128"/>
+                        </a:rPr>
+                        <a:t>18:00</a:t>
+                      </a:r>
+                      <a:endParaRPr kumimoji="1" lang="ja-JP" altLang="en-US" b="1" dirty="0">
+                        <a:solidFill>
+                          <a:schemeClr val="tx1"/>
+                        </a:solidFill>
+                        <a:latin typeface="メイリオ" panose="020B0604030504040204" pitchFamily="50" charset="-128"/>
+                        <a:ea typeface="メイリオ" panose="020B0604030504040204" pitchFamily="50" charset="-128"/>
+                      </a:endParaRPr>
+                    </a:p>
+                  </a:txBody>
+                  <a:tcPr>
+                    <a:lnL w="12700" cap="flat" cmpd="sng" algn="ctr">
+                      <a:solidFill>
+                        <a:schemeClr val="tx1"/>
+                      </a:solidFill>
+                      <a:prstDash val="solid"/>
+                      <a:round/>
+                      <a:headEnd type="none" w="med" len="med"/>
+                      <a:tailEnd type="none" w="med" len="med"/>
+                    </a:lnL>
+                    <a:lnR w="12700" cap="flat" cmpd="sng" algn="ctr">
+                      <a:solidFill>
+                        <a:schemeClr val="tx1"/>
+                      </a:solidFill>
+                      <a:prstDash val="solid"/>
+                      <a:round/>
+                      <a:headEnd type="none" w="med" len="med"/>
+                      <a:tailEnd type="none" w="med" len="med"/>
+                    </a:lnR>
+                    <a:lnT w="12700" cap="flat" cmpd="sng" algn="ctr">
+                      <a:solidFill>
+                        <a:schemeClr val="tx1"/>
+                      </a:solidFill>
+                      <a:prstDash val="solid"/>
+                      <a:round/>
+                      <a:headEnd type="none" w="med" len="med"/>
+                      <a:tailEnd type="none" w="med" len="med"/>
+                    </a:lnT>
+                    <a:lnB w="12700" cap="flat" cmpd="sng" algn="ctr">
+                      <a:solidFill>
+                        <a:schemeClr val="tx1"/>
+                      </a:solidFill>
+                      <a:prstDash val="solid"/>
+                      <a:round/>
+                      <a:headEnd type="none" w="med" len="med"/>
+                      <a:tailEnd type="none" w="med" len="med"/>
+                    </a:lnB>
+                    <a:noFill/>
+                  </a:tcPr>
+                </a:tc>
+                <a:tc>
+                  <a:txBody>
+                    <a:bodyPr/>
+                    <a:lstStyle/>
+                    <a:p>
+                      <a:r>
+                        <a:rPr kumimoji="1" lang="ja-JP" altLang="en-US" b="1" dirty="0">
+                          <a:solidFill>
+                            <a:schemeClr val="tx1"/>
+                          </a:solidFill>
+                          <a:latin typeface="メイリオ" panose="020B0604030504040204" pitchFamily="50" charset="-128"/>
+                          <a:ea typeface="メイリオ" panose="020B0604030504040204" pitchFamily="50" charset="-128"/>
+                        </a:rPr>
+                        <a:t>出社</a:t>
+                      </a:r>
+                    </a:p>
+                  </a:txBody>
+                  <a:tcPr>
+                    <a:lnL w="12700" cap="flat" cmpd="sng" algn="ctr">
+                      <a:solidFill>
+                        <a:schemeClr val="tx1"/>
+                      </a:solidFill>
+                      <a:prstDash val="solid"/>
+                      <a:round/>
+                      <a:headEnd type="none" w="med" len="med"/>
+                      <a:tailEnd type="none" w="med" len="med"/>
+                    </a:lnL>
+                    <a:lnR w="12700" cap="flat" cmpd="sng" algn="ctr">
+                      <a:solidFill>
+                        <a:schemeClr val="tx1"/>
+                      </a:solidFill>
+                      <a:prstDash val="solid"/>
+                      <a:round/>
+                      <a:headEnd type="none" w="med" len="med"/>
+                      <a:tailEnd type="none" w="med" len="med"/>
+                    </a:lnR>
+                    <a:lnT w="12700" cap="flat" cmpd="sng" algn="ctr">
+                      <a:solidFill>
+                        <a:schemeClr val="tx1"/>
+                      </a:solidFill>
+                      <a:prstDash val="solid"/>
+                      <a:round/>
+                      <a:headEnd type="none" w="med" len="med"/>
+                      <a:tailEnd type="none" w="med" len="med"/>
+                    </a:lnT>
+                    <a:lnB w="12700" cap="flat" cmpd="sng" algn="ctr">
+                      <a:solidFill>
+                        <a:schemeClr val="tx1"/>
+                      </a:solidFill>
+                      <a:prstDash val="solid"/>
+                      <a:round/>
+                      <a:headEnd type="none" w="med" len="med"/>
+                      <a:tailEnd type="none" w="med" len="med"/>
+                    </a:lnB>
+                    <a:noFill/>
+                  </a:tcPr>
+                </a:tc>
+                <a:tc>
+                  <a:txBody>
+                    <a:bodyPr/>
+                    <a:lstStyle/>
+                    <a:p>
+                      <a:r>
+                        <a:rPr kumimoji="1" lang="en-US" altLang="ja-JP" b="1" dirty="0">
+                          <a:solidFill>
+                            <a:schemeClr val="tx1"/>
+                          </a:solidFill>
+                          <a:latin typeface="メイリオ" panose="020B0604030504040204" pitchFamily="50" charset="-128"/>
+                          <a:ea typeface="メイリオ" panose="020B0604030504040204" pitchFamily="50" charset="-128"/>
+                        </a:rPr>
+                        <a:t>9</a:t>
+                      </a:r>
+                      <a:r>
+                        <a:rPr kumimoji="1" lang="ja-JP" altLang="en-US" b="1" dirty="0">
+                          <a:solidFill>
+                            <a:schemeClr val="tx1"/>
+                          </a:solidFill>
+                          <a:latin typeface="メイリオ" panose="020B0604030504040204" pitchFamily="50" charset="-128"/>
+                          <a:ea typeface="メイリオ" panose="020B0604030504040204" pitchFamily="50" charset="-128"/>
+                        </a:rPr>
+                        <a:t>時間</a:t>
+                      </a:r>
+                    </a:p>
+                  </a:txBody>
+                  <a:tcPr>
+                    <a:lnL w="12700" cap="flat" cmpd="sng" algn="ctr">
+                      <a:solidFill>
+                        <a:schemeClr val="tx1"/>
+                      </a:solidFill>
+                      <a:prstDash val="solid"/>
+                      <a:round/>
+                      <a:headEnd type="none" w="med" len="med"/>
+                      <a:tailEnd type="none" w="med" len="med"/>
+                    </a:lnL>
+                    <a:lnR w="12700" cap="flat" cmpd="sng" algn="ctr">
+                      <a:solidFill>
+                        <a:schemeClr val="tx1"/>
+                      </a:solidFill>
+                      <a:prstDash val="solid"/>
+                      <a:round/>
+                      <a:headEnd type="none" w="med" len="med"/>
+                      <a:tailEnd type="none" w="med" len="med"/>
+                    </a:lnR>
+                    <a:lnT w="12700" cap="flat" cmpd="sng" algn="ctr">
+                      <a:solidFill>
+                        <a:schemeClr val="tx1"/>
+                      </a:solidFill>
+                      <a:prstDash val="solid"/>
+                      <a:round/>
+                      <a:headEnd type="none" w="med" len="med"/>
+                      <a:tailEnd type="none" w="med" len="med"/>
+                    </a:lnT>
+                    <a:lnB w="12700" cap="flat" cmpd="sng" algn="ctr">
+                      <a:solidFill>
+                        <a:schemeClr val="tx1"/>
+                      </a:solidFill>
+                      <a:prstDash val="solid"/>
+                      <a:round/>
+                      <a:headEnd type="none" w="med" len="med"/>
+                      <a:tailEnd type="none" w="med" len="med"/>
+                    </a:lnB>
+                    <a:noFill/>
+                  </a:tcPr>
+                </a:tc>
+                <a:extLst>
+                  <a:ext uri="{0D108BD9-81ED-4DB2-BD59-A6C34878D82A}">
+                    <a16:rowId xmlns:a16="http://schemas.microsoft.com/office/drawing/2014/main" val="443626436"/>
+                  </a:ext>
+                </a:extLst>
+              </a:tr>
+              <a:tr h="370840">
+                <a:tc>
+                  <a:txBody>
+                    <a:bodyPr/>
+                    <a:lstStyle/>
+                    <a:p>
+                      <a:pPr marL="0" marR="0" lvl="0" indent="0" algn="l" defTabSz="914400" rtl="0" eaLnBrk="1" fontAlgn="auto" latinLnBrk="0" hangingPunct="1">
+                        <a:lnSpc>
+                          <a:spcPct val="100000"/>
+                        </a:lnSpc>
+                        <a:spcBef>
+                          <a:spcPts val="0"/>
+                        </a:spcBef>
+                        <a:spcAft>
+                          <a:spcPts val="0"/>
+                        </a:spcAft>
+                        <a:buClrTx/>
+                        <a:buSzTx/>
+                        <a:buFontTx/>
+                        <a:buNone/>
+                        <a:tabLst/>
+                        <a:defRPr/>
+                      </a:pPr>
+                      <a:r>
+                        <a:rPr kumimoji="1" lang="en-US" altLang="ja-JP" b="1" dirty="0">
+                          <a:solidFill>
+                            <a:schemeClr val="tx1"/>
+                          </a:solidFill>
+                          <a:latin typeface="メイリオ" panose="020B0604030504040204" pitchFamily="50" charset="-128"/>
+                          <a:ea typeface="メイリオ" panose="020B0604030504040204" pitchFamily="50" charset="-128"/>
+                        </a:rPr>
+                        <a:t>6</a:t>
+                      </a:r>
+                      <a:r>
+                        <a:rPr kumimoji="1" lang="ja-JP" altLang="en-US" b="1" dirty="0">
+                          <a:solidFill>
+                            <a:schemeClr val="tx1"/>
+                          </a:solidFill>
+                          <a:latin typeface="メイリオ" panose="020B0604030504040204" pitchFamily="50" charset="-128"/>
+                          <a:ea typeface="メイリオ" panose="020B0604030504040204" pitchFamily="50" charset="-128"/>
+                        </a:rPr>
+                        <a:t>月</a:t>
+                      </a:r>
+                      <a:r>
+                        <a:rPr kumimoji="1" lang="en-US" altLang="ja-JP" b="1" dirty="0">
+                          <a:solidFill>
+                            <a:schemeClr val="tx1"/>
+                          </a:solidFill>
+                          <a:latin typeface="メイリオ" panose="020B0604030504040204" pitchFamily="50" charset="-128"/>
+                          <a:ea typeface="メイリオ" panose="020B0604030504040204" pitchFamily="50" charset="-128"/>
+                        </a:rPr>
+                        <a:t>2</a:t>
+                      </a:r>
+                      <a:r>
+                        <a:rPr kumimoji="1" lang="ja-JP" altLang="en-US" b="1" dirty="0">
+                          <a:solidFill>
+                            <a:schemeClr val="tx1"/>
+                          </a:solidFill>
+                          <a:latin typeface="メイリオ" panose="020B0604030504040204" pitchFamily="50" charset="-128"/>
+                          <a:ea typeface="メイリオ" panose="020B0604030504040204" pitchFamily="50" charset="-128"/>
+                        </a:rPr>
+                        <a:t>日</a:t>
+                      </a:r>
+                    </a:p>
+                  </a:txBody>
+                  <a:tcPr>
+                    <a:lnL w="12700" cap="flat" cmpd="sng" algn="ctr">
+                      <a:solidFill>
+                        <a:schemeClr val="tx1"/>
+                      </a:solidFill>
+                      <a:prstDash val="solid"/>
+                      <a:round/>
+                      <a:headEnd type="none" w="med" len="med"/>
+                      <a:tailEnd type="none" w="med" len="med"/>
+                    </a:lnL>
+                    <a:lnR w="12700" cap="flat" cmpd="sng" algn="ctr">
+                      <a:solidFill>
+                        <a:schemeClr val="tx1"/>
+                      </a:solidFill>
+                      <a:prstDash val="solid"/>
+                      <a:round/>
+                      <a:headEnd type="none" w="med" len="med"/>
+                      <a:tailEnd type="none" w="med" len="med"/>
+                    </a:lnR>
+                    <a:lnT w="12700" cap="flat" cmpd="sng" algn="ctr">
+                      <a:solidFill>
+                        <a:schemeClr val="tx1"/>
+                      </a:solidFill>
+                      <a:prstDash val="solid"/>
+                      <a:round/>
+                      <a:headEnd type="none" w="med" len="med"/>
+                      <a:tailEnd type="none" w="med" len="med"/>
+                    </a:lnT>
+                    <a:lnB w="12700" cap="flat" cmpd="sng" algn="ctr">
+                      <a:solidFill>
+                        <a:schemeClr val="tx1"/>
+                      </a:solidFill>
+                      <a:prstDash val="solid"/>
+                      <a:round/>
+                      <a:headEnd type="none" w="med" len="med"/>
+                      <a:tailEnd type="none" w="med" len="med"/>
+                    </a:lnB>
+                    <a:noFill/>
+                  </a:tcPr>
+                </a:tc>
+                <a:tc>
+                  <a:txBody>
+                    <a:bodyPr/>
+                    <a:lstStyle/>
+                    <a:p>
+                      <a:r>
+                        <a:rPr kumimoji="1" lang="en-US" altLang="ja-JP" b="1" dirty="0">
+                          <a:solidFill>
+                            <a:schemeClr val="tx1"/>
+                          </a:solidFill>
+                          <a:latin typeface="メイリオ" panose="020B0604030504040204" pitchFamily="50" charset="-128"/>
+                          <a:ea typeface="メイリオ" panose="020B0604030504040204" pitchFamily="50" charset="-128"/>
+                        </a:rPr>
+                        <a:t>9:00</a:t>
+                      </a:r>
+                    </a:p>
+                  </a:txBody>
+                  <a:tcPr>
+                    <a:lnL w="12700" cap="flat" cmpd="sng" algn="ctr">
+                      <a:solidFill>
+                        <a:schemeClr val="tx1"/>
+                      </a:solidFill>
+                      <a:prstDash val="solid"/>
+                      <a:round/>
+                      <a:headEnd type="none" w="med" len="med"/>
+                      <a:tailEnd type="none" w="med" len="med"/>
+                    </a:lnL>
+                    <a:lnR w="12700" cap="flat" cmpd="sng" algn="ctr">
+                      <a:solidFill>
+                        <a:schemeClr val="tx1"/>
+                      </a:solidFill>
+                      <a:prstDash val="solid"/>
+                      <a:round/>
+                      <a:headEnd type="none" w="med" len="med"/>
+                      <a:tailEnd type="none" w="med" len="med"/>
+                    </a:lnR>
+                    <a:lnT w="12700" cap="flat" cmpd="sng" algn="ctr">
+                      <a:solidFill>
+                        <a:schemeClr val="tx1"/>
+                      </a:solidFill>
+                      <a:prstDash val="solid"/>
+                      <a:round/>
+                      <a:headEnd type="none" w="med" len="med"/>
+                      <a:tailEnd type="none" w="med" len="med"/>
+                    </a:lnT>
+                    <a:lnB w="12700" cap="flat" cmpd="sng" algn="ctr">
+                      <a:solidFill>
+                        <a:schemeClr val="tx1"/>
+                      </a:solidFill>
+                      <a:prstDash val="solid"/>
+                      <a:round/>
+                      <a:headEnd type="none" w="med" len="med"/>
+                      <a:tailEnd type="none" w="med" len="med"/>
+                    </a:lnB>
+                    <a:noFill/>
+                  </a:tcPr>
+                </a:tc>
+                <a:tc>
+                  <a:txBody>
+                    <a:bodyPr/>
+                    <a:lstStyle/>
+                    <a:p>
+                      <a:r>
+                        <a:rPr kumimoji="1" lang="en-US" altLang="ja-JP" b="1" dirty="0">
+                          <a:solidFill>
+                            <a:schemeClr val="tx1"/>
+                          </a:solidFill>
+                          <a:latin typeface="メイリオ" panose="020B0604030504040204" pitchFamily="50" charset="-128"/>
+                          <a:ea typeface="メイリオ" panose="020B0604030504040204" pitchFamily="50" charset="-128"/>
+                        </a:rPr>
+                        <a:t>18:00</a:t>
+                      </a:r>
+                      <a:endParaRPr kumimoji="1" lang="ja-JP" altLang="en-US" b="1" dirty="0">
+                        <a:solidFill>
+                          <a:schemeClr val="tx1"/>
+                        </a:solidFill>
+                        <a:latin typeface="メイリオ" panose="020B0604030504040204" pitchFamily="50" charset="-128"/>
+                        <a:ea typeface="メイリオ" panose="020B0604030504040204" pitchFamily="50" charset="-128"/>
+                      </a:endParaRPr>
+                    </a:p>
+                  </a:txBody>
+                  <a:tcPr>
+                    <a:lnL w="12700" cap="flat" cmpd="sng" algn="ctr">
+                      <a:solidFill>
+                        <a:schemeClr val="tx1"/>
+                      </a:solidFill>
+                      <a:prstDash val="solid"/>
+                      <a:round/>
+                      <a:headEnd type="none" w="med" len="med"/>
+                      <a:tailEnd type="none" w="med" len="med"/>
+                    </a:lnL>
+                    <a:lnR w="12700" cap="flat" cmpd="sng" algn="ctr">
+                      <a:solidFill>
+                        <a:schemeClr val="tx1"/>
+                      </a:solidFill>
+                      <a:prstDash val="solid"/>
+                      <a:round/>
+                      <a:headEnd type="none" w="med" len="med"/>
+                      <a:tailEnd type="none" w="med" len="med"/>
+                    </a:lnR>
+                    <a:lnT w="12700" cap="flat" cmpd="sng" algn="ctr">
+                      <a:solidFill>
+                        <a:schemeClr val="tx1"/>
+                      </a:solidFill>
+                      <a:prstDash val="solid"/>
+                      <a:round/>
+                      <a:headEnd type="none" w="med" len="med"/>
+                      <a:tailEnd type="none" w="med" len="med"/>
+                    </a:lnT>
+                    <a:lnB w="12700" cap="flat" cmpd="sng" algn="ctr">
+                      <a:solidFill>
+                        <a:schemeClr val="tx1"/>
+                      </a:solidFill>
+                      <a:prstDash val="solid"/>
+                      <a:round/>
+                      <a:headEnd type="none" w="med" len="med"/>
+                      <a:tailEnd type="none" w="med" len="med"/>
+                    </a:lnB>
+                    <a:noFill/>
+                  </a:tcPr>
+                </a:tc>
+                <a:tc>
+                  <a:txBody>
+                    <a:bodyPr/>
+                    <a:lstStyle/>
+                    <a:p>
+                      <a:r>
+                        <a:rPr kumimoji="1" lang="ja-JP" altLang="en-US" b="1" dirty="0">
+                          <a:solidFill>
+                            <a:schemeClr val="tx1"/>
+                          </a:solidFill>
+                          <a:latin typeface="メイリオ" panose="020B0604030504040204" pitchFamily="50" charset="-128"/>
+                          <a:ea typeface="メイリオ" panose="020B0604030504040204" pitchFamily="50" charset="-128"/>
+                        </a:rPr>
+                        <a:t>在学</a:t>
+                      </a:r>
+                    </a:p>
+                  </a:txBody>
+                  <a:tcPr>
+                    <a:lnL w="12700" cap="flat" cmpd="sng" algn="ctr">
+                      <a:solidFill>
+                        <a:schemeClr val="tx1"/>
+                      </a:solidFill>
+                      <a:prstDash val="solid"/>
+                      <a:round/>
+                      <a:headEnd type="none" w="med" len="med"/>
+                      <a:tailEnd type="none" w="med" len="med"/>
+                    </a:lnL>
+                    <a:lnR w="12700" cap="flat" cmpd="sng" algn="ctr">
+                      <a:solidFill>
+                        <a:schemeClr val="tx1"/>
+                      </a:solidFill>
+                      <a:prstDash val="solid"/>
+                      <a:round/>
+                      <a:headEnd type="none" w="med" len="med"/>
+                      <a:tailEnd type="none" w="med" len="med"/>
+                    </a:lnR>
+                    <a:lnT w="12700" cap="flat" cmpd="sng" algn="ctr">
+                      <a:solidFill>
+                        <a:schemeClr val="tx1"/>
+                      </a:solidFill>
+                      <a:prstDash val="solid"/>
+                      <a:round/>
+                      <a:headEnd type="none" w="med" len="med"/>
+                      <a:tailEnd type="none" w="med" len="med"/>
+                    </a:lnT>
+                    <a:lnB w="12700" cap="flat" cmpd="sng" algn="ctr">
+                      <a:solidFill>
+                        <a:schemeClr val="tx1"/>
+                      </a:solidFill>
+                      <a:prstDash val="solid"/>
+                      <a:round/>
+                      <a:headEnd type="none" w="med" len="med"/>
+                      <a:tailEnd type="none" w="med" len="med"/>
+                    </a:lnB>
+                    <a:noFill/>
+                  </a:tcPr>
+                </a:tc>
+                <a:tc>
+                  <a:txBody>
+                    <a:bodyPr/>
+                    <a:lstStyle/>
+                    <a:p>
+                      <a:pPr marL="0" marR="0" lvl="0" indent="0" algn="l" defTabSz="914400" rtl="0" eaLnBrk="1" fontAlgn="auto" latinLnBrk="0" hangingPunct="1">
+                        <a:lnSpc>
+                          <a:spcPct val="100000"/>
+                        </a:lnSpc>
+                        <a:spcBef>
+                          <a:spcPts val="0"/>
+                        </a:spcBef>
+                        <a:spcAft>
+                          <a:spcPts val="0"/>
+                        </a:spcAft>
+                        <a:buClrTx/>
+                        <a:buSzTx/>
+                        <a:buFontTx/>
+                        <a:buNone/>
+                        <a:tabLst/>
+                        <a:defRPr/>
+                      </a:pPr>
+                      <a:r>
+                        <a:rPr kumimoji="1" lang="en-US" altLang="ja-JP" b="1" dirty="0">
+                          <a:solidFill>
+                            <a:schemeClr val="tx1"/>
+                          </a:solidFill>
+                          <a:latin typeface="メイリオ" panose="020B0604030504040204" pitchFamily="50" charset="-128"/>
+                          <a:ea typeface="メイリオ" panose="020B0604030504040204" pitchFamily="50" charset="-128"/>
+                        </a:rPr>
+                        <a:t>9</a:t>
+                      </a:r>
+                      <a:r>
+                        <a:rPr kumimoji="1" lang="ja-JP" altLang="en-US" b="1" dirty="0">
+                          <a:solidFill>
+                            <a:schemeClr val="tx1"/>
+                          </a:solidFill>
+                          <a:latin typeface="メイリオ" panose="020B0604030504040204" pitchFamily="50" charset="-128"/>
+                          <a:ea typeface="メイリオ" panose="020B0604030504040204" pitchFamily="50" charset="-128"/>
+                        </a:rPr>
+                        <a:t>時間</a:t>
+                      </a:r>
+                    </a:p>
+                  </a:txBody>
+                  <a:tcPr>
+                    <a:lnL w="12700" cap="flat" cmpd="sng" algn="ctr">
+                      <a:solidFill>
+                        <a:schemeClr val="tx1"/>
+                      </a:solidFill>
+                      <a:prstDash val="solid"/>
+                      <a:round/>
+                      <a:headEnd type="none" w="med" len="med"/>
+                      <a:tailEnd type="none" w="med" len="med"/>
+                    </a:lnL>
+                    <a:lnR w="12700" cap="flat" cmpd="sng" algn="ctr">
+                      <a:solidFill>
+                        <a:schemeClr val="tx1"/>
+                      </a:solidFill>
+                      <a:prstDash val="solid"/>
+                      <a:round/>
+                      <a:headEnd type="none" w="med" len="med"/>
+                      <a:tailEnd type="none" w="med" len="med"/>
+                    </a:lnR>
+                    <a:lnT w="12700" cap="flat" cmpd="sng" algn="ctr">
+                      <a:solidFill>
+                        <a:schemeClr val="tx1"/>
+                      </a:solidFill>
+                      <a:prstDash val="solid"/>
+                      <a:round/>
+                      <a:headEnd type="none" w="med" len="med"/>
+                      <a:tailEnd type="none" w="med" len="med"/>
+                    </a:lnT>
+                    <a:lnB w="12700" cap="flat" cmpd="sng" algn="ctr">
+                      <a:solidFill>
+                        <a:schemeClr val="tx1"/>
+                      </a:solidFill>
+                      <a:prstDash val="solid"/>
+                      <a:round/>
+                      <a:headEnd type="none" w="med" len="med"/>
+                      <a:tailEnd type="none" w="med" len="med"/>
+                    </a:lnB>
+                    <a:noFill/>
+                  </a:tcPr>
+                </a:tc>
+                <a:extLst>
+                  <a:ext uri="{0D108BD9-81ED-4DB2-BD59-A6C34878D82A}">
+                    <a16:rowId xmlns:a16="http://schemas.microsoft.com/office/drawing/2014/main" val="3468546982"/>
+                  </a:ext>
+                </a:extLst>
+              </a:tr>
+              <a:tr h="370840">
+                <a:tc>
+                  <a:txBody>
+                    <a:bodyPr/>
+                    <a:lstStyle/>
+                    <a:p>
+                      <a:pPr marL="0" marR="0" lvl="0" indent="0" algn="l" defTabSz="914400" rtl="0" eaLnBrk="1" fontAlgn="auto" latinLnBrk="0" hangingPunct="1">
+                        <a:lnSpc>
+                          <a:spcPct val="100000"/>
+                        </a:lnSpc>
+                        <a:spcBef>
+                          <a:spcPts val="0"/>
+                        </a:spcBef>
+                        <a:spcAft>
+                          <a:spcPts val="0"/>
+                        </a:spcAft>
+                        <a:buClrTx/>
+                        <a:buSzTx/>
+                        <a:buFontTx/>
+                        <a:buNone/>
+                        <a:tabLst/>
+                        <a:defRPr/>
+                      </a:pPr>
+                      <a:r>
+                        <a:rPr kumimoji="1" lang="en-US" altLang="ja-JP" b="1" dirty="0">
+                          <a:solidFill>
+                            <a:schemeClr val="tx1"/>
+                          </a:solidFill>
+                          <a:latin typeface="メイリオ" panose="020B0604030504040204" pitchFamily="50" charset="-128"/>
+                          <a:ea typeface="メイリオ" panose="020B0604030504040204" pitchFamily="50" charset="-128"/>
+                        </a:rPr>
+                        <a:t>6</a:t>
+                      </a:r>
+                      <a:r>
+                        <a:rPr kumimoji="1" lang="ja-JP" altLang="en-US" b="1" dirty="0">
+                          <a:solidFill>
+                            <a:schemeClr val="tx1"/>
+                          </a:solidFill>
+                          <a:latin typeface="メイリオ" panose="020B0604030504040204" pitchFamily="50" charset="-128"/>
+                          <a:ea typeface="メイリオ" panose="020B0604030504040204" pitchFamily="50" charset="-128"/>
+                        </a:rPr>
+                        <a:t>月</a:t>
+                      </a:r>
+                      <a:r>
+                        <a:rPr kumimoji="1" lang="en-US" altLang="ja-JP" b="1" dirty="0">
+                          <a:solidFill>
+                            <a:schemeClr val="tx1"/>
+                          </a:solidFill>
+                          <a:latin typeface="メイリオ" panose="020B0604030504040204" pitchFamily="50" charset="-128"/>
+                          <a:ea typeface="メイリオ" panose="020B0604030504040204" pitchFamily="50" charset="-128"/>
+                        </a:rPr>
+                        <a:t>3</a:t>
+                      </a:r>
+                      <a:r>
+                        <a:rPr kumimoji="1" lang="ja-JP" altLang="en-US" b="1" dirty="0">
+                          <a:solidFill>
+                            <a:schemeClr val="tx1"/>
+                          </a:solidFill>
+                          <a:latin typeface="メイリオ" panose="020B0604030504040204" pitchFamily="50" charset="-128"/>
+                          <a:ea typeface="メイリオ" panose="020B0604030504040204" pitchFamily="50" charset="-128"/>
+                        </a:rPr>
+                        <a:t>日</a:t>
+                      </a:r>
+                    </a:p>
+                  </a:txBody>
+                  <a:tcPr>
+                    <a:lnL w="12700" cap="flat" cmpd="sng" algn="ctr">
+                      <a:solidFill>
+                        <a:schemeClr val="tx1"/>
+                      </a:solidFill>
+                      <a:prstDash val="solid"/>
+                      <a:round/>
+                      <a:headEnd type="none" w="med" len="med"/>
+                      <a:tailEnd type="none" w="med" len="med"/>
+                    </a:lnL>
+                    <a:lnR w="12700" cap="flat" cmpd="sng" algn="ctr">
+                      <a:solidFill>
+                        <a:schemeClr val="tx1"/>
+                      </a:solidFill>
+                      <a:prstDash val="solid"/>
+                      <a:round/>
+                      <a:headEnd type="none" w="med" len="med"/>
+                      <a:tailEnd type="none" w="med" len="med"/>
+                    </a:lnR>
+                    <a:lnT w="12700" cap="flat" cmpd="sng" algn="ctr">
+                      <a:solidFill>
+                        <a:schemeClr val="tx1"/>
+                      </a:solidFill>
+                      <a:prstDash val="solid"/>
+                      <a:round/>
+                      <a:headEnd type="none" w="med" len="med"/>
+                      <a:tailEnd type="none" w="med" len="med"/>
+                    </a:lnT>
+                    <a:lnB w="12700" cap="flat" cmpd="sng" algn="ctr">
+                      <a:solidFill>
+                        <a:schemeClr val="tx1"/>
+                      </a:solidFill>
+                      <a:prstDash val="solid"/>
+                      <a:round/>
+                      <a:headEnd type="none" w="med" len="med"/>
+                      <a:tailEnd type="none" w="med" len="med"/>
+                    </a:lnB>
+                    <a:noFill/>
+                  </a:tcPr>
+                </a:tc>
+                <a:tc>
+                  <a:txBody>
+                    <a:bodyPr/>
+                    <a:lstStyle/>
+                    <a:p>
+                      <a:pPr marL="0" marR="0" lvl="0" indent="0" algn="l" defTabSz="914400" rtl="0" eaLnBrk="1" fontAlgn="auto" latinLnBrk="0" hangingPunct="1">
+                        <a:lnSpc>
+                          <a:spcPct val="100000"/>
+                        </a:lnSpc>
+                        <a:spcBef>
+                          <a:spcPts val="0"/>
+                        </a:spcBef>
+                        <a:spcAft>
+                          <a:spcPts val="0"/>
+                        </a:spcAft>
+                        <a:buClrTx/>
+                        <a:buSzTx/>
+                        <a:buFontTx/>
+                        <a:buNone/>
+                        <a:tabLst/>
+                        <a:defRPr/>
+                      </a:pPr>
+                      <a:r>
+                        <a:rPr kumimoji="1" lang="en-US" altLang="ja-JP" b="1" dirty="0">
+                          <a:solidFill>
+                            <a:schemeClr val="tx1"/>
+                          </a:solidFill>
+                          <a:latin typeface="メイリオ" panose="020B0604030504040204" pitchFamily="50" charset="-128"/>
+                          <a:ea typeface="メイリオ" panose="020B0604030504040204" pitchFamily="50" charset="-128"/>
+                        </a:rPr>
+                        <a:t>9:00</a:t>
+                      </a:r>
+                    </a:p>
+                  </a:txBody>
+                  <a:tcPr>
+                    <a:lnL w="12700" cap="flat" cmpd="sng" algn="ctr">
+                      <a:solidFill>
+                        <a:schemeClr val="tx1"/>
+                      </a:solidFill>
+                      <a:prstDash val="solid"/>
+                      <a:round/>
+                      <a:headEnd type="none" w="med" len="med"/>
+                      <a:tailEnd type="none" w="med" len="med"/>
+                    </a:lnL>
+                    <a:lnR w="12700" cap="flat" cmpd="sng" algn="ctr">
+                      <a:solidFill>
+                        <a:schemeClr val="tx1"/>
+                      </a:solidFill>
+                      <a:prstDash val="solid"/>
+                      <a:round/>
+                      <a:headEnd type="none" w="med" len="med"/>
+                      <a:tailEnd type="none" w="med" len="med"/>
+                    </a:lnR>
+                    <a:lnT w="12700" cap="flat" cmpd="sng" algn="ctr">
+                      <a:solidFill>
+                        <a:schemeClr val="tx1"/>
+                      </a:solidFill>
+                      <a:prstDash val="solid"/>
+                      <a:round/>
+                      <a:headEnd type="none" w="med" len="med"/>
+                      <a:tailEnd type="none" w="med" len="med"/>
+                    </a:lnT>
+                    <a:lnB w="12700" cap="flat" cmpd="sng" algn="ctr">
+                      <a:solidFill>
+                        <a:schemeClr val="tx1"/>
+                      </a:solidFill>
+                      <a:prstDash val="solid"/>
+                      <a:round/>
+                      <a:headEnd type="none" w="med" len="med"/>
+                      <a:tailEnd type="none" w="med" len="med"/>
+                    </a:lnB>
+                    <a:noFill/>
+                  </a:tcPr>
+                </a:tc>
+                <a:tc>
+                  <a:txBody>
+                    <a:bodyPr/>
+                    <a:lstStyle/>
+                    <a:p>
+                      <a:r>
+                        <a:rPr kumimoji="1" lang="en-US" altLang="ja-JP" b="1" dirty="0">
+                          <a:solidFill>
+                            <a:schemeClr val="tx1"/>
+                          </a:solidFill>
+                          <a:latin typeface="メイリオ" panose="020B0604030504040204" pitchFamily="50" charset="-128"/>
+                          <a:ea typeface="メイリオ" panose="020B0604030504040204" pitchFamily="50" charset="-128"/>
+                        </a:rPr>
+                        <a:t>18:00</a:t>
+                      </a:r>
+                      <a:endParaRPr kumimoji="1" lang="ja-JP" altLang="en-US" b="1" dirty="0">
+                        <a:solidFill>
+                          <a:schemeClr val="tx1"/>
+                        </a:solidFill>
+                        <a:latin typeface="メイリオ" panose="020B0604030504040204" pitchFamily="50" charset="-128"/>
+                        <a:ea typeface="メイリオ" panose="020B0604030504040204" pitchFamily="50" charset="-128"/>
+                      </a:endParaRPr>
+                    </a:p>
+                  </a:txBody>
+                  <a:tcPr>
+                    <a:lnL w="12700" cap="flat" cmpd="sng" algn="ctr">
+                      <a:solidFill>
+                        <a:schemeClr val="tx1"/>
+                      </a:solidFill>
+                      <a:prstDash val="solid"/>
+                      <a:round/>
+                      <a:headEnd type="none" w="med" len="med"/>
+                      <a:tailEnd type="none" w="med" len="med"/>
+                    </a:lnL>
+                    <a:lnR w="12700" cap="flat" cmpd="sng" algn="ctr">
+                      <a:solidFill>
+                        <a:schemeClr val="tx1"/>
+                      </a:solidFill>
+                      <a:prstDash val="solid"/>
+                      <a:round/>
+                      <a:headEnd type="none" w="med" len="med"/>
+                      <a:tailEnd type="none" w="med" len="med"/>
+                    </a:lnR>
+                    <a:lnT w="12700" cap="flat" cmpd="sng" algn="ctr">
+                      <a:solidFill>
+                        <a:schemeClr val="tx1"/>
+                      </a:solidFill>
+                      <a:prstDash val="solid"/>
+                      <a:round/>
+                      <a:headEnd type="none" w="med" len="med"/>
+                      <a:tailEnd type="none" w="med" len="med"/>
+                    </a:lnT>
+                    <a:lnB w="12700" cap="flat" cmpd="sng" algn="ctr">
+                      <a:solidFill>
+                        <a:schemeClr val="tx1"/>
+                      </a:solidFill>
+                      <a:prstDash val="solid"/>
+                      <a:round/>
+                      <a:headEnd type="none" w="med" len="med"/>
+                      <a:tailEnd type="none" w="med" len="med"/>
+                    </a:lnB>
+                    <a:noFill/>
+                  </a:tcPr>
+                </a:tc>
+                <a:tc>
+                  <a:txBody>
+                    <a:bodyPr/>
+                    <a:lstStyle/>
+                    <a:p>
+                      <a:r>
+                        <a:rPr kumimoji="1" lang="ja-JP" altLang="en-US" b="1" dirty="0">
+                          <a:solidFill>
+                            <a:schemeClr val="tx1"/>
+                          </a:solidFill>
+                          <a:latin typeface="メイリオ" panose="020B0604030504040204" pitchFamily="50" charset="-128"/>
+                          <a:ea typeface="メイリオ" panose="020B0604030504040204" pitchFamily="50" charset="-128"/>
+                        </a:rPr>
+                        <a:t>在宅</a:t>
+                      </a:r>
+                    </a:p>
+                  </a:txBody>
+                  <a:tcPr>
+                    <a:lnL w="12700" cap="flat" cmpd="sng" algn="ctr">
+                      <a:solidFill>
+                        <a:schemeClr val="tx1"/>
+                      </a:solidFill>
+                      <a:prstDash val="solid"/>
+                      <a:round/>
+                      <a:headEnd type="none" w="med" len="med"/>
+                      <a:tailEnd type="none" w="med" len="med"/>
+                    </a:lnL>
+                    <a:lnR w="12700" cap="flat" cmpd="sng" algn="ctr">
+                      <a:solidFill>
+                        <a:schemeClr val="tx1"/>
+                      </a:solidFill>
+                      <a:prstDash val="solid"/>
+                      <a:round/>
+                      <a:headEnd type="none" w="med" len="med"/>
+                      <a:tailEnd type="none" w="med" len="med"/>
+                    </a:lnR>
+                    <a:lnT w="12700" cap="flat" cmpd="sng" algn="ctr">
+                      <a:solidFill>
+                        <a:schemeClr val="tx1"/>
+                      </a:solidFill>
+                      <a:prstDash val="solid"/>
+                      <a:round/>
+                      <a:headEnd type="none" w="med" len="med"/>
+                      <a:tailEnd type="none" w="med" len="med"/>
+                    </a:lnT>
+                    <a:lnB w="12700" cap="flat" cmpd="sng" algn="ctr">
+                      <a:solidFill>
+                        <a:schemeClr val="tx1"/>
+                      </a:solidFill>
+                      <a:prstDash val="solid"/>
+                      <a:round/>
+                      <a:headEnd type="none" w="med" len="med"/>
+                      <a:tailEnd type="none" w="med" len="med"/>
+                    </a:lnB>
+                    <a:noFill/>
+                  </a:tcPr>
+                </a:tc>
+                <a:tc>
+                  <a:txBody>
+                    <a:bodyPr/>
+                    <a:lstStyle/>
+                    <a:p>
+                      <a:pPr marL="0" marR="0" lvl="0" indent="0" algn="l" defTabSz="914400" rtl="0" eaLnBrk="1" fontAlgn="auto" latinLnBrk="0" hangingPunct="1">
+                        <a:lnSpc>
+                          <a:spcPct val="100000"/>
+                        </a:lnSpc>
+                        <a:spcBef>
+                          <a:spcPts val="0"/>
+                        </a:spcBef>
+                        <a:spcAft>
+                          <a:spcPts val="0"/>
+                        </a:spcAft>
+                        <a:buClrTx/>
+                        <a:buSzTx/>
+                        <a:buFontTx/>
+                        <a:buNone/>
+                        <a:tabLst/>
+                        <a:defRPr/>
+                      </a:pPr>
+                      <a:r>
+                        <a:rPr kumimoji="1" lang="en-US" altLang="ja-JP" b="1" dirty="0">
+                          <a:solidFill>
+                            <a:schemeClr val="tx1"/>
+                          </a:solidFill>
+                          <a:latin typeface="メイリオ" panose="020B0604030504040204" pitchFamily="50" charset="-128"/>
+                          <a:ea typeface="メイリオ" panose="020B0604030504040204" pitchFamily="50" charset="-128"/>
+                        </a:rPr>
+                        <a:t>9</a:t>
+                      </a:r>
+                      <a:r>
+                        <a:rPr kumimoji="1" lang="ja-JP" altLang="en-US" b="1" dirty="0">
+                          <a:solidFill>
+                            <a:schemeClr val="tx1"/>
+                          </a:solidFill>
+                          <a:latin typeface="メイリオ" panose="020B0604030504040204" pitchFamily="50" charset="-128"/>
+                          <a:ea typeface="メイリオ" panose="020B0604030504040204" pitchFamily="50" charset="-128"/>
+                        </a:rPr>
+                        <a:t>時間</a:t>
+                      </a:r>
+                    </a:p>
+                  </a:txBody>
+                  <a:tcPr>
+                    <a:lnL w="12700" cap="flat" cmpd="sng" algn="ctr">
+                      <a:solidFill>
+                        <a:schemeClr val="tx1"/>
+                      </a:solidFill>
+                      <a:prstDash val="solid"/>
+                      <a:round/>
+                      <a:headEnd type="none" w="med" len="med"/>
+                      <a:tailEnd type="none" w="med" len="med"/>
+                    </a:lnL>
+                    <a:lnR w="12700" cap="flat" cmpd="sng" algn="ctr">
+                      <a:solidFill>
+                        <a:schemeClr val="tx1"/>
+                      </a:solidFill>
+                      <a:prstDash val="solid"/>
+                      <a:round/>
+                      <a:headEnd type="none" w="med" len="med"/>
+                      <a:tailEnd type="none" w="med" len="med"/>
+                    </a:lnR>
+                    <a:lnT w="12700" cap="flat" cmpd="sng" algn="ctr">
+                      <a:solidFill>
+                        <a:schemeClr val="tx1"/>
+                      </a:solidFill>
+                      <a:prstDash val="solid"/>
+                      <a:round/>
+                      <a:headEnd type="none" w="med" len="med"/>
+                      <a:tailEnd type="none" w="med" len="med"/>
+                    </a:lnT>
+                    <a:lnB w="12700" cap="flat" cmpd="sng" algn="ctr">
+                      <a:solidFill>
+                        <a:schemeClr val="tx1"/>
+                      </a:solidFill>
+                      <a:prstDash val="solid"/>
+                      <a:round/>
+                      <a:headEnd type="none" w="med" len="med"/>
+                      <a:tailEnd type="none" w="med" len="med"/>
+                    </a:lnB>
+                    <a:noFill/>
+                  </a:tcPr>
+                </a:tc>
+                <a:extLst>
+                  <a:ext uri="{0D108BD9-81ED-4DB2-BD59-A6C34878D82A}">
+                    <a16:rowId xmlns:a16="http://schemas.microsoft.com/office/drawing/2014/main" val="3389651691"/>
+                  </a:ext>
+                </a:extLst>
+              </a:tr>
+            </a:tbl>
+          </a:graphicData>
+        </a:graphic>
+      </p:graphicFrame>
+      <p:sp>
+        <p:nvSpPr>
+          <p:cNvPr id="3" name="四角形: 角を丸くする 2">
+            <a:extLst>
+              <a:ext uri="{FF2B5EF4-FFF2-40B4-BE49-F238E27FC236}">
+                <a16:creationId xmlns:a16="http://schemas.microsoft.com/office/drawing/2014/main" id="{1EAB6ADE-7B89-5A65-497F-0BE202AAB93A}"/>
+              </a:ext>
+            </a:extLst>
+          </p:cNvPr>
+          <p:cNvSpPr/>
+          <p:nvPr/>
+        </p:nvSpPr>
+        <p:spPr>
+          <a:xfrm>
+            <a:off x="1833563" y="2299733"/>
+            <a:ext cx="2381250" cy="467850"/>
+          </a:xfrm>
+          <a:prstGeom prst="roundRect">
+            <a:avLst/>
+          </a:prstGeom>
+          <a:noFill/>
+          <a:ln w="38100">
+            <a:solidFill>
+              <a:schemeClr val="tx1"/>
+            </a:solidFill>
+          </a:ln>
+        </p:spPr>
+        <p:style>
+          <a:lnRef idx="2">
+            <a:schemeClr val="accent1">
+              <a:shade val="15000"/>
+            </a:schemeClr>
+          </a:lnRef>
+          <a:fillRef idx="1">
+            <a:schemeClr val="accent1"/>
+          </a:fillRef>
+          <a:effectRef idx="0">
+            <a:schemeClr val="accent1"/>
+          </a:effectRef>
+          <a:fontRef idx="minor">
+            <a:schemeClr val="lt1"/>
+          </a:fontRef>
+        </p:style>
+        <p:txBody>
+          <a:bodyPr rtlCol="0" anchor="ctr"/>
+          <a:lstStyle/>
+          <a:p>
+            <a:pPr algn="ctr"/>
+            <a:endParaRPr kumimoji="1" lang="ja-JP" altLang="en-US" sz="2000" b="1" dirty="0">
+              <a:solidFill>
+                <a:schemeClr val="tx1"/>
+              </a:solidFill>
+              <a:latin typeface="メイリオ" panose="020B0604030504040204" pitchFamily="50" charset="-128"/>
+              <a:ea typeface="メイリオ" panose="020B0604030504040204" pitchFamily="50" charset="-128"/>
+            </a:endParaRPr>
+          </a:p>
+        </p:txBody>
+      </p:sp>
+      <p:sp>
+        <p:nvSpPr>
+          <p:cNvPr id="5" name="四角形: 角を丸くする 4">
+            <a:extLst>
+              <a:ext uri="{FF2B5EF4-FFF2-40B4-BE49-F238E27FC236}">
+                <a16:creationId xmlns:a16="http://schemas.microsoft.com/office/drawing/2014/main" id="{729BE379-CF6B-BE39-CCDE-970C4D3A143A}"/>
+              </a:ext>
+            </a:extLst>
+          </p:cNvPr>
+          <p:cNvSpPr/>
+          <p:nvPr/>
+        </p:nvSpPr>
+        <p:spPr>
+          <a:xfrm>
+            <a:off x="4905375" y="2283050"/>
+            <a:ext cx="2381250" cy="467850"/>
+          </a:xfrm>
+          <a:prstGeom prst="roundRect">
+            <a:avLst/>
+          </a:prstGeom>
+          <a:noFill/>
+          <a:ln w="38100">
+            <a:solidFill>
+              <a:schemeClr val="tx1"/>
+            </a:solidFill>
+          </a:ln>
+        </p:spPr>
+        <p:style>
+          <a:lnRef idx="2">
+            <a:schemeClr val="accent1">
+              <a:shade val="15000"/>
+            </a:schemeClr>
+          </a:lnRef>
+          <a:fillRef idx="1">
+            <a:schemeClr val="accent1"/>
+          </a:fillRef>
+          <a:effectRef idx="0">
+            <a:schemeClr val="accent1"/>
+          </a:effectRef>
+          <a:fontRef idx="minor">
+            <a:schemeClr val="lt1"/>
+          </a:fontRef>
+        </p:style>
+        <p:txBody>
+          <a:bodyPr rtlCol="0" anchor="ctr"/>
+          <a:lstStyle/>
+          <a:p>
+            <a:pPr algn="ctr"/>
+            <a:endParaRPr kumimoji="1" lang="ja-JP" altLang="en-US" sz="2000" b="1" dirty="0">
+              <a:solidFill>
+                <a:schemeClr val="tx1"/>
+              </a:solidFill>
+              <a:latin typeface="メイリオ" panose="020B0604030504040204" pitchFamily="50" charset="-128"/>
+              <a:ea typeface="メイリオ" panose="020B0604030504040204" pitchFamily="50" charset="-128"/>
+            </a:endParaRPr>
+          </a:p>
+        </p:txBody>
+      </p:sp>
+      <p:sp>
+        <p:nvSpPr>
+          <p:cNvPr id="6" name="四角形: 角を丸くする 5">
+            <a:extLst>
+              <a:ext uri="{FF2B5EF4-FFF2-40B4-BE49-F238E27FC236}">
+                <a16:creationId xmlns:a16="http://schemas.microsoft.com/office/drawing/2014/main" id="{49CA2C54-C18C-5B96-9A5E-3F728EDAFD97}"/>
+              </a:ext>
+            </a:extLst>
+          </p:cNvPr>
+          <p:cNvSpPr/>
+          <p:nvPr/>
+        </p:nvSpPr>
+        <p:spPr>
+          <a:xfrm>
+            <a:off x="7977187" y="2259229"/>
+            <a:ext cx="2381250" cy="467850"/>
+          </a:xfrm>
+          <a:prstGeom prst="roundRect">
+            <a:avLst/>
+          </a:prstGeom>
+          <a:noFill/>
+          <a:ln w="38100">
+            <a:solidFill>
+              <a:schemeClr val="tx1"/>
+            </a:solidFill>
+          </a:ln>
+        </p:spPr>
+        <p:style>
+          <a:lnRef idx="2">
+            <a:schemeClr val="accent1">
+              <a:shade val="15000"/>
+            </a:schemeClr>
+          </a:lnRef>
+          <a:fillRef idx="1">
+            <a:schemeClr val="accent1"/>
+          </a:fillRef>
+          <a:effectRef idx="0">
+            <a:schemeClr val="accent1"/>
+          </a:effectRef>
+          <a:fontRef idx="minor">
+            <a:schemeClr val="lt1"/>
+          </a:fontRef>
+        </p:style>
+        <p:txBody>
+          <a:bodyPr rtlCol="0" anchor="ctr"/>
+          <a:lstStyle/>
+          <a:p>
+            <a:pPr algn="ctr"/>
+            <a:endParaRPr kumimoji="1" lang="ja-JP" altLang="en-US" sz="2000" b="1" dirty="0">
+              <a:solidFill>
+                <a:schemeClr val="tx1"/>
+              </a:solidFill>
+              <a:latin typeface="メイリオ" panose="020B0604030504040204" pitchFamily="50" charset="-128"/>
+              <a:ea typeface="メイリオ" panose="020B0604030504040204" pitchFamily="50" charset="-128"/>
+            </a:endParaRPr>
+          </a:p>
+        </p:txBody>
+      </p:sp>
+      <p:sp>
+        <p:nvSpPr>
+          <p:cNvPr id="8" name="テキスト ボックス 7">
+            <a:extLst>
+              <a:ext uri="{FF2B5EF4-FFF2-40B4-BE49-F238E27FC236}">
+                <a16:creationId xmlns:a16="http://schemas.microsoft.com/office/drawing/2014/main" id="{08E192B3-4BC3-E83F-1691-365ED2B1291B}"/>
+              </a:ext>
+            </a:extLst>
+          </p:cNvPr>
+          <p:cNvSpPr txBox="1"/>
+          <p:nvPr/>
+        </p:nvSpPr>
+        <p:spPr>
+          <a:xfrm>
+            <a:off x="1833563" y="1803746"/>
+            <a:ext cx="1785937" cy="461665"/>
+          </a:xfrm>
+          <a:prstGeom prst="rect">
+            <a:avLst/>
+          </a:prstGeom>
+          <a:noFill/>
+        </p:spPr>
+        <p:txBody>
+          <a:bodyPr wrap="square" rtlCol="0">
+            <a:spAutoFit/>
+          </a:bodyPr>
+          <a:lstStyle/>
+          <a:p>
+            <a:r>
+              <a:rPr kumimoji="1" lang="ja-JP" altLang="en-US" sz="2400" b="1" dirty="0">
+                <a:latin typeface="メイリオ" panose="020B0604030504040204" pitchFamily="50" charset="-128"/>
+                <a:ea typeface="メイリオ" panose="020B0604030504040204" pitchFamily="50" charset="-128"/>
+              </a:rPr>
+              <a:t>社員を選択</a:t>
+            </a:r>
+            <a:endParaRPr kumimoji="1" lang="en-US" altLang="ja-JP" sz="2400" b="1" dirty="0">
+              <a:latin typeface="メイリオ" panose="020B0604030504040204" pitchFamily="50" charset="-128"/>
+              <a:ea typeface="メイリオ" panose="020B0604030504040204" pitchFamily="50" charset="-128"/>
+            </a:endParaRPr>
+          </a:p>
+        </p:txBody>
+      </p:sp>
+      <p:sp>
+        <p:nvSpPr>
+          <p:cNvPr id="10" name="テキスト ボックス 9">
+            <a:extLst>
+              <a:ext uri="{FF2B5EF4-FFF2-40B4-BE49-F238E27FC236}">
+                <a16:creationId xmlns:a16="http://schemas.microsoft.com/office/drawing/2014/main" id="{1899DF31-591A-5F0E-A68B-D2281B8A5E9D}"/>
+              </a:ext>
+            </a:extLst>
+          </p:cNvPr>
+          <p:cNvSpPr txBox="1"/>
+          <p:nvPr/>
+        </p:nvSpPr>
+        <p:spPr>
+          <a:xfrm>
+            <a:off x="4826794" y="1821385"/>
+            <a:ext cx="1785937" cy="461665"/>
+          </a:xfrm>
+          <a:prstGeom prst="rect">
+            <a:avLst/>
+          </a:prstGeom>
+          <a:noFill/>
+        </p:spPr>
+        <p:txBody>
+          <a:bodyPr wrap="square" rtlCol="0">
+            <a:spAutoFit/>
+          </a:bodyPr>
+          <a:lstStyle/>
+          <a:p>
+            <a:r>
+              <a:rPr kumimoji="1" lang="ja-JP" altLang="en-US" sz="2400" b="1" dirty="0">
+                <a:latin typeface="メイリオ" panose="020B0604030504040204" pitchFamily="50" charset="-128"/>
+                <a:ea typeface="メイリオ" panose="020B0604030504040204" pitchFamily="50" charset="-128"/>
+              </a:rPr>
+              <a:t>年を選択</a:t>
+            </a:r>
+            <a:endParaRPr kumimoji="1" lang="en-US" altLang="ja-JP" sz="2400" b="1" dirty="0">
+              <a:latin typeface="メイリオ" panose="020B0604030504040204" pitchFamily="50" charset="-128"/>
+              <a:ea typeface="メイリオ" panose="020B0604030504040204" pitchFamily="50" charset="-128"/>
+            </a:endParaRPr>
+          </a:p>
+        </p:txBody>
+      </p:sp>
+      <p:sp>
+        <p:nvSpPr>
+          <p:cNvPr id="12" name="テキスト ボックス 11">
+            <a:extLst>
+              <a:ext uri="{FF2B5EF4-FFF2-40B4-BE49-F238E27FC236}">
+                <a16:creationId xmlns:a16="http://schemas.microsoft.com/office/drawing/2014/main" id="{5DC7D01A-9DEC-4F0E-7817-07C4526B9023}"/>
+              </a:ext>
+            </a:extLst>
+          </p:cNvPr>
+          <p:cNvSpPr txBox="1"/>
+          <p:nvPr/>
+        </p:nvSpPr>
+        <p:spPr>
+          <a:xfrm>
+            <a:off x="7941469" y="1778934"/>
+            <a:ext cx="1785937" cy="461665"/>
+          </a:xfrm>
+          <a:prstGeom prst="rect">
+            <a:avLst/>
+          </a:prstGeom>
+          <a:noFill/>
+        </p:spPr>
+        <p:txBody>
+          <a:bodyPr wrap="square" rtlCol="0">
+            <a:spAutoFit/>
+          </a:bodyPr>
+          <a:lstStyle/>
+          <a:p>
+            <a:r>
+              <a:rPr lang="ja-JP" altLang="en-US" sz="2400" b="1" dirty="0">
+                <a:latin typeface="メイリオ" panose="020B0604030504040204" pitchFamily="50" charset="-128"/>
+                <a:ea typeface="メイリオ" panose="020B0604030504040204" pitchFamily="50" charset="-128"/>
+              </a:rPr>
+              <a:t>月</a:t>
+            </a:r>
+            <a:r>
+              <a:rPr kumimoji="1" lang="ja-JP" altLang="en-US" sz="2400" b="1" dirty="0">
+                <a:latin typeface="メイリオ" panose="020B0604030504040204" pitchFamily="50" charset="-128"/>
+                <a:ea typeface="メイリオ" panose="020B0604030504040204" pitchFamily="50" charset="-128"/>
+              </a:rPr>
+              <a:t>を選択</a:t>
+            </a:r>
+            <a:endParaRPr kumimoji="1" lang="en-US" altLang="ja-JP" sz="2400" b="1" dirty="0">
+              <a:latin typeface="メイリオ" panose="020B0604030504040204" pitchFamily="50" charset="-128"/>
+              <a:ea typeface="メイリオ" panose="020B0604030504040204" pitchFamily="50" charset="-128"/>
+            </a:endParaRPr>
+          </a:p>
+        </p:txBody>
+      </p:sp>
+      <p:sp>
+        <p:nvSpPr>
+          <p:cNvPr id="20" name="テキスト ボックス 19">
+            <a:extLst>
+              <a:ext uri="{FF2B5EF4-FFF2-40B4-BE49-F238E27FC236}">
+                <a16:creationId xmlns:a16="http://schemas.microsoft.com/office/drawing/2014/main" id="{FD7BD705-8253-12FC-DE43-F9B706F91474}"/>
+              </a:ext>
+            </a:extLst>
+          </p:cNvPr>
+          <p:cNvSpPr txBox="1"/>
+          <p:nvPr/>
+        </p:nvSpPr>
+        <p:spPr>
+          <a:xfrm>
+            <a:off x="8824912" y="3804326"/>
+            <a:ext cx="2662238" cy="830997"/>
+          </a:xfrm>
+          <a:prstGeom prst="rect">
+            <a:avLst/>
+          </a:prstGeom>
+          <a:noFill/>
+        </p:spPr>
+        <p:txBody>
+          <a:bodyPr wrap="square" rtlCol="0">
+            <a:spAutoFit/>
+          </a:bodyPr>
+          <a:lstStyle/>
+          <a:p>
+            <a:pPr algn="ctr"/>
+            <a:r>
+              <a:rPr kumimoji="1" lang="ja-JP" altLang="en-US" sz="2400" b="1" dirty="0">
+                <a:solidFill>
+                  <a:schemeClr val="tx1"/>
+                </a:solidFill>
+                <a:latin typeface="メイリオ" panose="020B0604030504040204" pitchFamily="50" charset="-128"/>
+                <a:ea typeface="メイリオ" panose="020B0604030504040204" pitchFamily="50" charset="-128"/>
+              </a:rPr>
+              <a:t>合計実働時間</a:t>
+            </a:r>
+            <a:endParaRPr kumimoji="1" lang="en-US" altLang="ja-JP" sz="2400" b="1" dirty="0">
+              <a:solidFill>
+                <a:schemeClr val="tx1"/>
+              </a:solidFill>
+              <a:latin typeface="メイリオ" panose="020B0604030504040204" pitchFamily="50" charset="-128"/>
+              <a:ea typeface="メイリオ" panose="020B0604030504040204" pitchFamily="50" charset="-128"/>
+            </a:endParaRPr>
+          </a:p>
+          <a:p>
+            <a:pPr algn="ctr"/>
+            <a:r>
+              <a:rPr lang="en-US" altLang="ja-JP" sz="2400" b="1" dirty="0">
+                <a:solidFill>
+                  <a:schemeClr val="tx1"/>
+                </a:solidFill>
+                <a:latin typeface="メイリオ" panose="020B0604030504040204" pitchFamily="50" charset="-128"/>
+                <a:ea typeface="メイリオ" panose="020B0604030504040204" pitchFamily="50" charset="-128"/>
+              </a:rPr>
+              <a:t>27</a:t>
+            </a:r>
+            <a:r>
+              <a:rPr lang="ja-JP" altLang="en-US" sz="2400" b="1" dirty="0">
+                <a:solidFill>
+                  <a:schemeClr val="tx1"/>
+                </a:solidFill>
+                <a:latin typeface="メイリオ" panose="020B0604030504040204" pitchFamily="50" charset="-128"/>
+                <a:ea typeface="メイリオ" panose="020B0604030504040204" pitchFamily="50" charset="-128"/>
+              </a:rPr>
+              <a:t>時間</a:t>
+            </a:r>
+            <a:endParaRPr lang="en-US" altLang="ja-JP" sz="2400" b="1" dirty="0">
+              <a:solidFill>
+                <a:schemeClr val="tx1"/>
+              </a:solidFill>
+              <a:latin typeface="メイリオ" panose="020B0604030504040204" pitchFamily="50" charset="-128"/>
+              <a:ea typeface="メイリオ" panose="020B0604030504040204" pitchFamily="50" charset="-128"/>
+            </a:endParaRPr>
+          </a:p>
+        </p:txBody>
+      </p:sp>
+      <p:sp>
+        <p:nvSpPr>
+          <p:cNvPr id="22" name="正方形/長方形 21">
+            <a:extLst>
+              <a:ext uri="{FF2B5EF4-FFF2-40B4-BE49-F238E27FC236}">
+                <a16:creationId xmlns:a16="http://schemas.microsoft.com/office/drawing/2014/main" id="{60F68CF4-C837-1BC3-D4A7-63E2CD46F23E}"/>
+              </a:ext>
+            </a:extLst>
+          </p:cNvPr>
+          <p:cNvSpPr/>
+          <p:nvPr/>
+        </p:nvSpPr>
+        <p:spPr>
+          <a:xfrm>
+            <a:off x="1049701" y="2107246"/>
+            <a:ext cx="877163" cy="923330"/>
+          </a:xfrm>
+          <a:prstGeom prst="rect">
+            <a:avLst/>
+          </a:prstGeom>
+          <a:noFill/>
+        </p:spPr>
+        <p:txBody>
+          <a:bodyPr wrap="none" lIns="91440" tIns="45720" rIns="91440" bIns="45720">
+            <a:spAutoFit/>
+          </a:bodyPr>
+          <a:lstStyle/>
+          <a:p>
+            <a:pPr algn="ctr"/>
+            <a:r>
+              <a:rPr lang="ja-JP" altLang="en-US" sz="5400" b="1" cap="none" spc="0" dirty="0">
+                <a:ln w="0"/>
+                <a:solidFill>
+                  <a:srgbClr val="FF0000"/>
+                </a:solidFill>
+                <a:effectLst>
+                  <a:outerShdw blurRad="38100" dist="19050" dir="2700000" algn="tl" rotWithShape="0">
+                    <a:schemeClr val="dk1">
+                      <a:alpha val="40000"/>
+                    </a:schemeClr>
+                  </a:outerShdw>
+                </a:effectLst>
+              </a:rPr>
+              <a:t>１</a:t>
+            </a:r>
+          </a:p>
+        </p:txBody>
+      </p:sp>
+      <p:sp>
+        <p:nvSpPr>
+          <p:cNvPr id="23" name="正方形/長方形 22">
+            <a:extLst>
+              <a:ext uri="{FF2B5EF4-FFF2-40B4-BE49-F238E27FC236}">
+                <a16:creationId xmlns:a16="http://schemas.microsoft.com/office/drawing/2014/main" id="{2A4630F7-76DC-B6C9-4AB2-509A8F71F83A}"/>
+              </a:ext>
+            </a:extLst>
+          </p:cNvPr>
+          <p:cNvSpPr/>
+          <p:nvPr/>
+        </p:nvSpPr>
+        <p:spPr>
+          <a:xfrm>
+            <a:off x="4260655" y="2060845"/>
+            <a:ext cx="582212" cy="923330"/>
+          </a:xfrm>
+          <a:prstGeom prst="rect">
+            <a:avLst/>
+          </a:prstGeom>
+          <a:noFill/>
+        </p:spPr>
+        <p:txBody>
+          <a:bodyPr wrap="none" lIns="91440" tIns="45720" rIns="91440" bIns="45720">
+            <a:spAutoFit/>
+          </a:bodyPr>
+          <a:lstStyle/>
+          <a:p>
+            <a:pPr algn="ctr"/>
+            <a:r>
+              <a:rPr lang="en-US" altLang="ja-JP" sz="5400" b="1" cap="none" spc="0" dirty="0">
+                <a:ln w="0"/>
+                <a:solidFill>
+                  <a:srgbClr val="FF0000"/>
+                </a:solidFill>
+                <a:effectLst>
+                  <a:outerShdw blurRad="38100" dist="19050" dir="2700000" algn="tl" rotWithShape="0">
+                    <a:schemeClr val="dk1">
+                      <a:alpha val="40000"/>
+                    </a:schemeClr>
+                  </a:outerShdw>
+                </a:effectLst>
+              </a:rPr>
+              <a:t>2</a:t>
+            </a:r>
+            <a:endParaRPr lang="ja-JP" altLang="en-US" sz="5400" b="1" cap="none" spc="0" dirty="0">
+              <a:ln w="0"/>
+              <a:solidFill>
+                <a:srgbClr val="FF0000"/>
+              </a:solidFill>
+              <a:effectLst>
+                <a:outerShdw blurRad="38100" dist="19050" dir="2700000" algn="tl" rotWithShape="0">
+                  <a:schemeClr val="dk1">
+                    <a:alpha val="40000"/>
+                  </a:schemeClr>
+                </a:outerShdw>
+              </a:effectLst>
+            </a:endParaRPr>
+          </a:p>
+        </p:txBody>
+      </p:sp>
+      <p:sp>
+        <p:nvSpPr>
+          <p:cNvPr id="24" name="正方形/長方形 23">
+            <a:extLst>
+              <a:ext uri="{FF2B5EF4-FFF2-40B4-BE49-F238E27FC236}">
+                <a16:creationId xmlns:a16="http://schemas.microsoft.com/office/drawing/2014/main" id="{B9E64118-5949-DEB7-C217-97CDF1775E74}"/>
+              </a:ext>
+            </a:extLst>
+          </p:cNvPr>
+          <p:cNvSpPr/>
+          <p:nvPr/>
+        </p:nvSpPr>
+        <p:spPr>
+          <a:xfrm>
+            <a:off x="7422954" y="2031489"/>
+            <a:ext cx="582212" cy="923330"/>
+          </a:xfrm>
+          <a:prstGeom prst="rect">
+            <a:avLst/>
+          </a:prstGeom>
+          <a:noFill/>
+        </p:spPr>
+        <p:txBody>
+          <a:bodyPr wrap="none" lIns="91440" tIns="45720" rIns="91440" bIns="45720">
+            <a:spAutoFit/>
+          </a:bodyPr>
+          <a:lstStyle/>
+          <a:p>
+            <a:pPr algn="ctr"/>
+            <a:r>
+              <a:rPr lang="en-US" altLang="ja-JP" sz="5400" b="1" dirty="0">
+                <a:ln w="0"/>
+                <a:solidFill>
+                  <a:srgbClr val="FF0000"/>
+                </a:solidFill>
+                <a:effectLst>
+                  <a:outerShdw blurRad="38100" dist="19050" dir="2700000" algn="tl" rotWithShape="0">
+                    <a:schemeClr val="dk1">
+                      <a:alpha val="40000"/>
+                    </a:schemeClr>
+                  </a:outerShdw>
+                </a:effectLst>
+              </a:rPr>
+              <a:t>3</a:t>
+            </a:r>
+            <a:endParaRPr lang="ja-JP" altLang="en-US" sz="5400" b="1" cap="none" spc="0" dirty="0">
+              <a:ln w="0"/>
+              <a:solidFill>
+                <a:srgbClr val="FF0000"/>
+              </a:solidFill>
+              <a:effectLst>
+                <a:outerShdw blurRad="38100" dist="19050" dir="2700000" algn="tl" rotWithShape="0">
+                  <a:schemeClr val="dk1">
+                    <a:alpha val="40000"/>
+                  </a:schemeClr>
+                </a:outerShdw>
+              </a:effectLst>
+            </a:endParaRPr>
+          </a:p>
+        </p:txBody>
+      </p:sp>
+      <p:sp>
+        <p:nvSpPr>
+          <p:cNvPr id="25" name="正方形/長方形 24">
+            <a:extLst>
+              <a:ext uri="{FF2B5EF4-FFF2-40B4-BE49-F238E27FC236}">
+                <a16:creationId xmlns:a16="http://schemas.microsoft.com/office/drawing/2014/main" id="{FA7E65A7-B451-F403-BF68-619071C58CB5}"/>
+              </a:ext>
+            </a:extLst>
+          </p:cNvPr>
+          <p:cNvSpPr/>
+          <p:nvPr/>
+        </p:nvSpPr>
+        <p:spPr>
+          <a:xfrm>
+            <a:off x="1197177" y="3365760"/>
+            <a:ext cx="582212" cy="923330"/>
+          </a:xfrm>
+          <a:prstGeom prst="rect">
+            <a:avLst/>
+          </a:prstGeom>
+          <a:noFill/>
+        </p:spPr>
+        <p:txBody>
+          <a:bodyPr wrap="none" lIns="91440" tIns="45720" rIns="91440" bIns="45720">
+            <a:spAutoFit/>
+          </a:bodyPr>
+          <a:lstStyle/>
+          <a:p>
+            <a:pPr algn="ctr"/>
+            <a:r>
+              <a:rPr lang="en-US" altLang="ja-JP" sz="5400" b="1" dirty="0">
+                <a:ln w="0"/>
+                <a:solidFill>
+                  <a:srgbClr val="FF0000"/>
+                </a:solidFill>
+                <a:effectLst>
+                  <a:outerShdw blurRad="38100" dist="19050" dir="2700000" algn="tl" rotWithShape="0">
+                    <a:schemeClr val="dk1">
+                      <a:alpha val="40000"/>
+                    </a:schemeClr>
+                  </a:outerShdw>
+                </a:effectLst>
+              </a:rPr>
+              <a:t>4</a:t>
+            </a:r>
+            <a:endParaRPr lang="ja-JP" altLang="en-US" sz="5400" b="1" cap="none" spc="0" dirty="0">
+              <a:ln w="0"/>
+              <a:solidFill>
+                <a:srgbClr val="FF0000"/>
+              </a:solidFill>
+              <a:effectLst>
+                <a:outerShdw blurRad="38100" dist="19050" dir="2700000" algn="tl" rotWithShape="0">
+                  <a:schemeClr val="dk1">
+                    <a:alpha val="40000"/>
+                  </a:schemeClr>
+                </a:outerShdw>
+              </a:effectLst>
+            </a:endParaRPr>
+          </a:p>
+        </p:txBody>
+      </p:sp>
+      <p:sp>
+        <p:nvSpPr>
+          <p:cNvPr id="26" name="正方形/長方形 25">
+            <a:extLst>
+              <a:ext uri="{FF2B5EF4-FFF2-40B4-BE49-F238E27FC236}">
+                <a16:creationId xmlns:a16="http://schemas.microsoft.com/office/drawing/2014/main" id="{EA9320F6-7A96-30EA-301D-28800E79D275}"/>
+              </a:ext>
+            </a:extLst>
+          </p:cNvPr>
+          <p:cNvSpPr/>
+          <p:nvPr/>
+        </p:nvSpPr>
+        <p:spPr>
+          <a:xfrm>
+            <a:off x="8834437" y="3956310"/>
+            <a:ext cx="582211" cy="923330"/>
+          </a:xfrm>
+          <a:prstGeom prst="rect">
+            <a:avLst/>
+          </a:prstGeom>
+          <a:noFill/>
+        </p:spPr>
+        <p:txBody>
+          <a:bodyPr wrap="none" lIns="91440" tIns="45720" rIns="91440" bIns="45720">
+            <a:spAutoFit/>
+          </a:bodyPr>
+          <a:lstStyle/>
+          <a:p>
+            <a:pPr algn="ctr"/>
+            <a:r>
+              <a:rPr lang="en-US" altLang="ja-JP" sz="5400" b="1" cap="none" spc="0" dirty="0">
+                <a:ln w="0"/>
+                <a:solidFill>
+                  <a:srgbClr val="FF0000"/>
+                </a:solidFill>
+                <a:effectLst>
+                  <a:outerShdw blurRad="38100" dist="19050" dir="2700000" algn="tl" rotWithShape="0">
+                    <a:schemeClr val="dk1">
+                      <a:alpha val="40000"/>
+                    </a:schemeClr>
+                  </a:outerShdw>
+                </a:effectLst>
+              </a:rPr>
+              <a:t>5</a:t>
+            </a:r>
+          </a:p>
+        </p:txBody>
+      </p:sp>
     </p:spTree>
     <p:extLst>
       <p:ext uri="{BB962C8B-B14F-4D97-AF65-F5344CB8AC3E}">
@@ -11133,7 +16403,7 @@
 </p:sld>
 </file>
 
-<file path=ppt/slides/slide17.xml><?xml version="1.0" encoding="utf-8"?>
+<file path=ppt/slides/slide19.xml><?xml version="1.0" encoding="utf-8"?>
 <p:sld xmlns:a="http://schemas.openxmlformats.org/drawingml/2006/main" xmlns:r="http://schemas.openxmlformats.org/officeDocument/2006/relationships" xmlns:p="http://schemas.openxmlformats.org/presentationml/2006/main">
   <p:cSld>
     <p:spTree>
@@ -11560,7 +16830,1031 @@
 </p:sld>
 </file>
 
-<file path=ppt/slides/slide18.xml><?xml version="1.0" encoding="utf-8"?>
+<file path=ppt/slides/slide2.xml><?xml version="1.0" encoding="utf-8"?>
+<p:sld xmlns:a="http://schemas.openxmlformats.org/drawingml/2006/main" xmlns:r="http://schemas.openxmlformats.org/officeDocument/2006/relationships" xmlns:p="http://schemas.openxmlformats.org/presentationml/2006/main">
+  <p:cSld>
+    <p:spTree>
+      <p:nvGrpSpPr>
+        <p:cNvPr id="1" name=""/>
+        <p:cNvGrpSpPr/>
+        <p:nvPr/>
+      </p:nvGrpSpPr>
+      <p:grpSpPr>
+        <a:xfrm>
+          <a:off x="0" y="0"/>
+          <a:ext cx="0" cy="0"/>
+          <a:chOff x="0" y="0"/>
+          <a:chExt cx="0" cy="0"/>
+        </a:xfrm>
+      </p:grpSpPr>
+      <p:sp>
+        <p:nvSpPr>
+          <p:cNvPr id="4" name="正方形/長方形 3">
+            <a:extLst>
+              <a:ext uri="{FF2B5EF4-FFF2-40B4-BE49-F238E27FC236}">
+                <a16:creationId xmlns:a16="http://schemas.microsoft.com/office/drawing/2014/main" id="{CE12CB8E-4860-01BD-294C-EBC30E6659DE}"/>
+              </a:ext>
+            </a:extLst>
+          </p:cNvPr>
+          <p:cNvSpPr>
+            <a:spLocks noGrp="1" noRot="1" noMove="1" noResize="1" noEditPoints="1" noAdjustHandles="1" noChangeArrowheads="1" noChangeShapeType="1"/>
+          </p:cNvSpPr>
+          <p:nvPr/>
+        </p:nvSpPr>
+        <p:spPr>
+          <a:xfrm>
+            <a:off x="704850" y="409575"/>
+            <a:ext cx="10782300" cy="6038850"/>
+          </a:xfrm>
+          <a:prstGeom prst="rect">
+            <a:avLst/>
+          </a:prstGeom>
+          <a:noFill/>
+          <a:ln w="28575">
+            <a:solidFill>
+              <a:schemeClr val="tx1"/>
+            </a:solidFill>
+          </a:ln>
+        </p:spPr>
+        <p:style>
+          <a:lnRef idx="2">
+            <a:schemeClr val="accent1">
+              <a:shade val="15000"/>
+            </a:schemeClr>
+          </a:lnRef>
+          <a:fillRef idx="1">
+            <a:schemeClr val="accent1"/>
+          </a:fillRef>
+          <a:effectRef idx="0">
+            <a:schemeClr val="accent1"/>
+          </a:effectRef>
+          <a:fontRef idx="minor">
+            <a:schemeClr val="lt1"/>
+          </a:fontRef>
+        </p:style>
+        <p:txBody>
+          <a:bodyPr rtlCol="0" anchor="ctr"/>
+          <a:lstStyle/>
+          <a:p>
+            <a:pPr algn="ctr"/>
+            <a:endParaRPr kumimoji="1" lang="ja-JP" altLang="en-US"/>
+          </a:p>
+        </p:txBody>
+      </p:sp>
+      <p:sp>
+        <p:nvSpPr>
+          <p:cNvPr id="5" name="正方形/長方形 4">
+            <a:extLst>
+              <a:ext uri="{FF2B5EF4-FFF2-40B4-BE49-F238E27FC236}">
+                <a16:creationId xmlns:a16="http://schemas.microsoft.com/office/drawing/2014/main" id="{B3D3FD9C-388C-3434-226D-0D954EFAF395}"/>
+              </a:ext>
+            </a:extLst>
+          </p:cNvPr>
+          <p:cNvSpPr/>
+          <p:nvPr/>
+        </p:nvSpPr>
+        <p:spPr>
+          <a:xfrm>
+            <a:off x="704851" y="1333499"/>
+            <a:ext cx="1343024" cy="5114925"/>
+          </a:xfrm>
+          <a:prstGeom prst="rect">
+            <a:avLst/>
+          </a:prstGeom>
+          <a:noFill/>
+          <a:ln w="28575">
+            <a:solidFill>
+              <a:schemeClr val="tx1"/>
+            </a:solidFill>
+          </a:ln>
+        </p:spPr>
+        <p:style>
+          <a:lnRef idx="2">
+            <a:schemeClr val="accent1">
+              <a:shade val="15000"/>
+            </a:schemeClr>
+          </a:lnRef>
+          <a:fillRef idx="1">
+            <a:schemeClr val="accent1"/>
+          </a:fillRef>
+          <a:effectRef idx="0">
+            <a:schemeClr val="accent1"/>
+          </a:effectRef>
+          <a:fontRef idx="minor">
+            <a:schemeClr val="lt1"/>
+          </a:fontRef>
+        </p:style>
+        <p:txBody>
+          <a:bodyPr rtlCol="0" anchor="ctr"/>
+          <a:lstStyle/>
+          <a:p>
+            <a:pPr algn="ctr"/>
+            <a:endParaRPr kumimoji="1" lang="ja-JP" altLang="en-US"/>
+          </a:p>
+        </p:txBody>
+      </p:sp>
+      <p:pic>
+        <p:nvPicPr>
+          <p:cNvPr id="7" name="グラフィックス 6" descr="ハンガーガー形のメニュー アイコン 単色塗りつぶし">
+            <a:extLst>
+              <a:ext uri="{FF2B5EF4-FFF2-40B4-BE49-F238E27FC236}">
+                <a16:creationId xmlns:a16="http://schemas.microsoft.com/office/drawing/2014/main" id="{818B76B6-A794-D5F5-4766-5F2777B96659}"/>
+              </a:ext>
+            </a:extLst>
+          </p:cNvPr>
+          <p:cNvPicPr>
+            <a:picLocks noChangeAspect="1"/>
+          </p:cNvPicPr>
+          <p:nvPr/>
+        </p:nvPicPr>
+        <p:blipFill>
+          <a:blip r:embed="rId2">
+            <a:extLst>
+              <a:ext uri="{28A0092B-C50C-407E-A947-70E740481C1C}">
+                <a14:useLocalDpi xmlns:a14="http://schemas.microsoft.com/office/drawing/2010/main" val="0"/>
+              </a:ext>
+              <a:ext uri="{96DAC541-7B7A-43D3-8B79-37D633B846F1}">
+                <asvg:svgBlip xmlns:asvg="http://schemas.microsoft.com/office/drawing/2016/SVG/main" r:embed="rId3"/>
+              </a:ext>
+            </a:extLst>
+          </a:blip>
+          <a:stretch>
+            <a:fillRect/>
+          </a:stretch>
+        </p:blipFill>
+        <p:spPr>
+          <a:xfrm>
+            <a:off x="919163" y="419098"/>
+            <a:ext cx="914400" cy="914400"/>
+          </a:xfrm>
+          <a:prstGeom prst="rect">
+            <a:avLst/>
+          </a:prstGeom>
+        </p:spPr>
+      </p:pic>
+      <p:cxnSp>
+        <p:nvCxnSpPr>
+          <p:cNvPr id="9" name="直線コネクタ 8">
+            <a:extLst>
+              <a:ext uri="{FF2B5EF4-FFF2-40B4-BE49-F238E27FC236}">
+                <a16:creationId xmlns:a16="http://schemas.microsoft.com/office/drawing/2014/main" id="{DCE315C0-27D4-07AB-6952-144CD069DE9C}"/>
+              </a:ext>
+            </a:extLst>
+          </p:cNvPr>
+          <p:cNvCxnSpPr>
+            <a:cxnSpLocks/>
+          </p:cNvCxnSpPr>
+          <p:nvPr/>
+        </p:nvCxnSpPr>
+        <p:spPr>
+          <a:xfrm>
+            <a:off x="704850" y="1333499"/>
+            <a:ext cx="10782300" cy="0"/>
+          </a:xfrm>
+          <a:prstGeom prst="line">
+            <a:avLst/>
+          </a:prstGeom>
+          <a:ln w="28575">
+            <a:solidFill>
+              <a:schemeClr val="tx1"/>
+            </a:solidFill>
+          </a:ln>
+        </p:spPr>
+        <p:style>
+          <a:lnRef idx="1">
+            <a:schemeClr val="accent1"/>
+          </a:lnRef>
+          <a:fillRef idx="0">
+            <a:schemeClr val="accent1"/>
+          </a:fillRef>
+          <a:effectRef idx="0">
+            <a:schemeClr val="accent1"/>
+          </a:effectRef>
+          <a:fontRef idx="minor">
+            <a:schemeClr val="tx1"/>
+          </a:fontRef>
+        </p:style>
+      </p:cxnSp>
+      <p:sp>
+        <p:nvSpPr>
+          <p:cNvPr id="11" name="正方形/長方形 10">
+            <a:extLst>
+              <a:ext uri="{FF2B5EF4-FFF2-40B4-BE49-F238E27FC236}">
+                <a16:creationId xmlns:a16="http://schemas.microsoft.com/office/drawing/2014/main" id="{650D9D88-7635-0987-A25D-9209773AB10C}"/>
+              </a:ext>
+            </a:extLst>
+          </p:cNvPr>
+          <p:cNvSpPr/>
+          <p:nvPr/>
+        </p:nvSpPr>
+        <p:spPr>
+          <a:xfrm>
+            <a:off x="2047875" y="469105"/>
+            <a:ext cx="2486024" cy="814385"/>
+          </a:xfrm>
+          <a:prstGeom prst="rect">
+            <a:avLst/>
+          </a:prstGeom>
+          <a:noFill/>
+          <a:ln w="28575">
+            <a:solidFill>
+              <a:schemeClr val="tx1"/>
+            </a:solidFill>
+          </a:ln>
+        </p:spPr>
+        <p:style>
+          <a:lnRef idx="2">
+            <a:schemeClr val="accent1">
+              <a:shade val="15000"/>
+            </a:schemeClr>
+          </a:lnRef>
+          <a:fillRef idx="1">
+            <a:schemeClr val="accent1"/>
+          </a:fillRef>
+          <a:effectRef idx="0">
+            <a:schemeClr val="accent1"/>
+          </a:effectRef>
+          <a:fontRef idx="minor">
+            <a:schemeClr val="lt1"/>
+          </a:fontRef>
+        </p:style>
+        <p:txBody>
+          <a:bodyPr rtlCol="0" anchor="ctr"/>
+          <a:lstStyle/>
+          <a:p>
+            <a:pPr algn="ctr"/>
+            <a:r>
+              <a:rPr kumimoji="1" lang="ja-JP" altLang="en-US" sz="2400" b="1" dirty="0">
+                <a:solidFill>
+                  <a:schemeClr val="tx1"/>
+                </a:solidFill>
+                <a:latin typeface="メイリオ" panose="020B0604030504040204" pitchFamily="50" charset="-128"/>
+                <a:ea typeface="メイリオ" panose="020B0604030504040204" pitchFamily="50" charset="-128"/>
+              </a:rPr>
+              <a:t>アプリアイコン</a:t>
+            </a:r>
+          </a:p>
+        </p:txBody>
+      </p:sp>
+      <p:grpSp>
+        <p:nvGrpSpPr>
+          <p:cNvPr id="8" name="グループ化 7">
+            <a:extLst>
+              <a:ext uri="{FF2B5EF4-FFF2-40B4-BE49-F238E27FC236}">
+                <a16:creationId xmlns:a16="http://schemas.microsoft.com/office/drawing/2014/main" id="{F537A4F5-0CE1-C603-02CD-2F541DB681BF}"/>
+              </a:ext>
+            </a:extLst>
+          </p:cNvPr>
+          <p:cNvGrpSpPr/>
+          <p:nvPr/>
+        </p:nvGrpSpPr>
+        <p:grpSpPr>
+          <a:xfrm>
+            <a:off x="6296025" y="469106"/>
+            <a:ext cx="5076826" cy="814382"/>
+            <a:chOff x="4762500" y="2764630"/>
+            <a:chExt cx="5076826" cy="814382"/>
+          </a:xfrm>
+        </p:grpSpPr>
+        <p:sp>
+          <p:nvSpPr>
+            <p:cNvPr id="13" name="正方形/長方形 12">
+              <a:extLst>
+                <a:ext uri="{FF2B5EF4-FFF2-40B4-BE49-F238E27FC236}">
+                  <a16:creationId xmlns:a16="http://schemas.microsoft.com/office/drawing/2014/main" id="{E4C4D304-AFD1-E585-0782-EE291AE17E1D}"/>
+                </a:ext>
+              </a:extLst>
+            </p:cNvPr>
+            <p:cNvSpPr/>
+            <p:nvPr/>
+          </p:nvSpPr>
+          <p:spPr>
+            <a:xfrm>
+              <a:off x="4762500" y="2764630"/>
+              <a:ext cx="5076826" cy="814382"/>
+            </a:xfrm>
+            <a:prstGeom prst="rect">
+              <a:avLst/>
+            </a:prstGeom>
+            <a:noFill/>
+            <a:ln w="28575">
+              <a:solidFill>
+                <a:schemeClr val="tx1"/>
+              </a:solidFill>
+            </a:ln>
+          </p:spPr>
+          <p:style>
+            <a:lnRef idx="2">
+              <a:schemeClr val="accent1">
+                <a:shade val="15000"/>
+              </a:schemeClr>
+            </a:lnRef>
+            <a:fillRef idx="1">
+              <a:schemeClr val="accent1"/>
+            </a:fillRef>
+            <a:effectRef idx="0">
+              <a:schemeClr val="accent1"/>
+            </a:effectRef>
+            <a:fontRef idx="minor">
+              <a:schemeClr val="lt1"/>
+            </a:fontRef>
+          </p:style>
+          <p:txBody>
+            <a:bodyPr rtlCol="0" anchor="ctr"/>
+            <a:lstStyle/>
+            <a:p>
+              <a:pPr algn="ctr"/>
+              <a:endParaRPr kumimoji="1" lang="ja-JP" altLang="en-US"/>
+            </a:p>
+          </p:txBody>
+        </p:sp>
+        <p:sp>
+          <p:nvSpPr>
+            <p:cNvPr id="2" name="テキスト ボックス 1">
+              <a:extLst>
+                <a:ext uri="{FF2B5EF4-FFF2-40B4-BE49-F238E27FC236}">
+                  <a16:creationId xmlns:a16="http://schemas.microsoft.com/office/drawing/2014/main" id="{4F91359F-073E-634E-2377-D8B3E9DCC26E}"/>
+                </a:ext>
+              </a:extLst>
+            </p:cNvPr>
+            <p:cNvSpPr txBox="1"/>
+            <p:nvPr/>
+          </p:nvSpPr>
+          <p:spPr>
+            <a:xfrm>
+              <a:off x="4848224" y="3012035"/>
+              <a:ext cx="4191000" cy="369332"/>
+            </a:xfrm>
+            <a:prstGeom prst="rect">
+              <a:avLst/>
+            </a:prstGeom>
+            <a:noFill/>
+          </p:spPr>
+          <p:txBody>
+            <a:bodyPr wrap="square" rtlCol="0">
+              <a:spAutoFit/>
+            </a:bodyPr>
+            <a:lstStyle/>
+            <a:p>
+              <a:r>
+                <a:rPr lang="ja-JP" altLang="en-US" b="1" i="0" dirty="0">
+                  <a:effectLst/>
+                  <a:latin typeface="メイリオ" panose="020B0604030504040204" pitchFamily="50" charset="-128"/>
+                  <a:ea typeface="メイリオ" panose="020B0604030504040204" pitchFamily="50" charset="-128"/>
+                </a:rPr>
+                <a:t>今日の用語：</a:t>
+              </a:r>
+              <a:r>
+                <a:rPr lang="en-US" altLang="ja-JP" b="1" i="0" dirty="0">
+                  <a:effectLst/>
+                  <a:latin typeface="メイリオ" panose="020B0604030504040204" pitchFamily="50" charset="-128"/>
+                  <a:ea typeface="メイリオ" panose="020B0604030504040204" pitchFamily="50" charset="-128"/>
+                </a:rPr>
+                <a:t>SQL</a:t>
+              </a:r>
+              <a:r>
+                <a:rPr lang="ja-JP" altLang="en-US" b="1" i="0" dirty="0">
+                  <a:effectLst/>
+                  <a:latin typeface="メイリオ" panose="020B0604030504040204" pitchFamily="50" charset="-128"/>
+                  <a:ea typeface="メイリオ" panose="020B0604030504040204" pitchFamily="50" charset="-128"/>
+                </a:rPr>
+                <a:t>インジェクション</a:t>
+              </a:r>
+              <a:endParaRPr kumimoji="1" lang="ja-JP" altLang="en-US" dirty="0">
+                <a:latin typeface="メイリオ" panose="020B0604030504040204" pitchFamily="50" charset="-128"/>
+                <a:ea typeface="メイリオ" panose="020B0604030504040204" pitchFamily="50" charset="-128"/>
+              </a:endParaRPr>
+            </a:p>
+          </p:txBody>
+        </p:sp>
+        <p:sp>
+          <p:nvSpPr>
+            <p:cNvPr id="6" name="四角形: 角を丸くする 5">
+              <a:extLst>
+                <a:ext uri="{FF2B5EF4-FFF2-40B4-BE49-F238E27FC236}">
+                  <a16:creationId xmlns:a16="http://schemas.microsoft.com/office/drawing/2014/main" id="{10C1F249-F177-3ED6-17B4-019E6CE97C7E}"/>
+                </a:ext>
+              </a:extLst>
+            </p:cNvPr>
+            <p:cNvSpPr/>
+            <p:nvPr/>
+          </p:nvSpPr>
+          <p:spPr>
+            <a:xfrm>
+              <a:off x="8724902" y="2952746"/>
+              <a:ext cx="1009650" cy="438150"/>
+            </a:xfrm>
+            <a:prstGeom prst="roundRect">
+              <a:avLst/>
+            </a:prstGeom>
+            <a:noFill/>
+            <a:ln w="28575">
+              <a:solidFill>
+                <a:schemeClr val="tx1"/>
+              </a:solidFill>
+            </a:ln>
+          </p:spPr>
+          <p:style>
+            <a:lnRef idx="2">
+              <a:schemeClr val="accent1">
+                <a:shade val="15000"/>
+              </a:schemeClr>
+            </a:lnRef>
+            <a:fillRef idx="1">
+              <a:schemeClr val="accent1"/>
+            </a:fillRef>
+            <a:effectRef idx="0">
+              <a:schemeClr val="accent1"/>
+            </a:effectRef>
+            <a:fontRef idx="minor">
+              <a:schemeClr val="lt1"/>
+            </a:fontRef>
+          </p:style>
+          <p:txBody>
+            <a:bodyPr rtlCol="0" anchor="ctr"/>
+            <a:lstStyle/>
+            <a:p>
+              <a:pPr algn="ctr"/>
+              <a:r>
+                <a:rPr lang="ja-JP" altLang="en-US" b="1" dirty="0">
+                  <a:solidFill>
+                    <a:schemeClr val="tx1"/>
+                  </a:solidFill>
+                  <a:latin typeface="メイリオ" panose="020B0604030504040204" pitchFamily="50" charset="-128"/>
+                  <a:ea typeface="メイリオ" panose="020B0604030504040204" pitchFamily="50" charset="-128"/>
+                </a:rPr>
+                <a:t>解説</a:t>
+              </a:r>
+              <a:endParaRPr kumimoji="1" lang="ja-JP" altLang="en-US" b="1" dirty="0">
+                <a:solidFill>
+                  <a:schemeClr val="tx1"/>
+                </a:solidFill>
+                <a:latin typeface="メイリオ" panose="020B0604030504040204" pitchFamily="50" charset="-128"/>
+                <a:ea typeface="メイリオ" panose="020B0604030504040204" pitchFamily="50" charset="-128"/>
+              </a:endParaRPr>
+            </a:p>
+          </p:txBody>
+        </p:sp>
+      </p:grpSp>
+      <p:grpSp>
+        <p:nvGrpSpPr>
+          <p:cNvPr id="15" name="グループ化 14">
+            <a:extLst>
+              <a:ext uri="{FF2B5EF4-FFF2-40B4-BE49-F238E27FC236}">
+                <a16:creationId xmlns:a16="http://schemas.microsoft.com/office/drawing/2014/main" id="{34EB958E-FFE3-A0D0-4407-F139AF89F011}"/>
+              </a:ext>
+            </a:extLst>
+          </p:cNvPr>
+          <p:cNvGrpSpPr/>
+          <p:nvPr/>
+        </p:nvGrpSpPr>
+        <p:grpSpPr>
+          <a:xfrm>
+            <a:off x="704850" y="1698556"/>
+            <a:ext cx="1343023" cy="712594"/>
+            <a:chOff x="3500436" y="3221221"/>
+            <a:chExt cx="1343023" cy="712594"/>
+          </a:xfrm>
+        </p:grpSpPr>
+        <p:sp>
+          <p:nvSpPr>
+            <p:cNvPr id="10" name="四角形: 角を丸くする 9">
+              <a:extLst>
+                <a:ext uri="{FF2B5EF4-FFF2-40B4-BE49-F238E27FC236}">
+                  <a16:creationId xmlns:a16="http://schemas.microsoft.com/office/drawing/2014/main" id="{91C31B07-A9C0-91EA-E014-038D9326548F}"/>
+                </a:ext>
+              </a:extLst>
+            </p:cNvPr>
+            <p:cNvSpPr/>
+            <p:nvPr/>
+          </p:nvSpPr>
+          <p:spPr>
+            <a:xfrm>
+              <a:off x="3500436" y="3221221"/>
+              <a:ext cx="1343023" cy="712594"/>
+            </a:xfrm>
+            <a:prstGeom prst="roundRect">
+              <a:avLst/>
+            </a:prstGeom>
+            <a:noFill/>
+            <a:ln w="38100">
+              <a:solidFill>
+                <a:schemeClr val="tx1"/>
+              </a:solidFill>
+            </a:ln>
+          </p:spPr>
+          <p:style>
+            <a:lnRef idx="2">
+              <a:schemeClr val="accent1">
+                <a:shade val="15000"/>
+              </a:schemeClr>
+            </a:lnRef>
+            <a:fillRef idx="1">
+              <a:schemeClr val="accent1"/>
+            </a:fillRef>
+            <a:effectRef idx="0">
+              <a:schemeClr val="accent1"/>
+            </a:effectRef>
+            <a:fontRef idx="minor">
+              <a:schemeClr val="lt1"/>
+            </a:fontRef>
+          </p:style>
+          <p:txBody>
+            <a:bodyPr rtlCol="0" anchor="ctr"/>
+            <a:lstStyle/>
+            <a:p>
+              <a:pPr algn="r"/>
+              <a:r>
+                <a:rPr kumimoji="1" lang="ja-JP" altLang="en-US" sz="2400" b="1" dirty="0">
+                  <a:solidFill>
+                    <a:schemeClr val="tx1"/>
+                  </a:solidFill>
+                  <a:latin typeface="メイリオ" panose="020B0604030504040204" pitchFamily="50" charset="-128"/>
+                  <a:ea typeface="メイリオ" panose="020B0604030504040204" pitchFamily="50" charset="-128"/>
+                </a:rPr>
+                <a:t>拙者</a:t>
+              </a:r>
+            </a:p>
+          </p:txBody>
+        </p:sp>
+        <p:pic>
+          <p:nvPicPr>
+            <p:cNvPr id="14" name="グラフィックス 13" descr="ユーザー 枠線">
+              <a:extLst>
+                <a:ext uri="{FF2B5EF4-FFF2-40B4-BE49-F238E27FC236}">
+                  <a16:creationId xmlns:a16="http://schemas.microsoft.com/office/drawing/2014/main" id="{3D019C4B-497F-5BA8-E94F-71755D16CA27}"/>
+                </a:ext>
+              </a:extLst>
+            </p:cNvPr>
+            <p:cNvPicPr>
+              <a:picLocks noChangeAspect="1"/>
+            </p:cNvPicPr>
+            <p:nvPr/>
+          </p:nvPicPr>
+          <p:blipFill>
+            <a:blip r:embed="rId4">
+              <a:extLst>
+                <a:ext uri="{28A0092B-C50C-407E-A947-70E740481C1C}">
+                  <a14:useLocalDpi xmlns:a14="http://schemas.microsoft.com/office/drawing/2010/main" val="0"/>
+                </a:ext>
+                <a:ext uri="{96DAC541-7B7A-43D3-8B79-37D633B846F1}">
+                  <asvg:svgBlip xmlns:asvg="http://schemas.microsoft.com/office/drawing/2016/SVG/main" r:embed="rId5"/>
+                </a:ext>
+              </a:extLst>
+            </a:blip>
+            <a:stretch>
+              <a:fillRect/>
+            </a:stretch>
+          </p:blipFill>
+          <p:spPr>
+            <a:xfrm>
+              <a:off x="3500436" y="3243266"/>
+              <a:ext cx="647695" cy="647695"/>
+            </a:xfrm>
+            <a:prstGeom prst="rect">
+              <a:avLst/>
+            </a:prstGeom>
+          </p:spPr>
+        </p:pic>
+      </p:grpSp>
+      <p:grpSp>
+        <p:nvGrpSpPr>
+          <p:cNvPr id="16" name="グループ化 15">
+            <a:extLst>
+              <a:ext uri="{FF2B5EF4-FFF2-40B4-BE49-F238E27FC236}">
+                <a16:creationId xmlns:a16="http://schemas.microsoft.com/office/drawing/2014/main" id="{FB3A6267-873F-A126-86ED-AEEBE2F3A1F4}"/>
+              </a:ext>
+            </a:extLst>
+          </p:cNvPr>
+          <p:cNvGrpSpPr/>
+          <p:nvPr/>
+        </p:nvGrpSpPr>
+        <p:grpSpPr>
+          <a:xfrm>
+            <a:off x="704849" y="2623717"/>
+            <a:ext cx="1343023" cy="733402"/>
+            <a:chOff x="3500436" y="3200413"/>
+            <a:chExt cx="1343023" cy="733402"/>
+          </a:xfrm>
+        </p:grpSpPr>
+        <p:sp>
+          <p:nvSpPr>
+            <p:cNvPr id="17" name="四角形: 角を丸くする 16">
+              <a:extLst>
+                <a:ext uri="{FF2B5EF4-FFF2-40B4-BE49-F238E27FC236}">
+                  <a16:creationId xmlns:a16="http://schemas.microsoft.com/office/drawing/2014/main" id="{AF3928A3-3840-9B08-3166-C3665F034FD1}"/>
+                </a:ext>
+              </a:extLst>
+            </p:cNvPr>
+            <p:cNvSpPr/>
+            <p:nvPr/>
+          </p:nvSpPr>
+          <p:spPr>
+            <a:xfrm>
+              <a:off x="3500436" y="3200413"/>
+              <a:ext cx="1343023" cy="733402"/>
+            </a:xfrm>
+            <a:prstGeom prst="roundRect">
+              <a:avLst/>
+            </a:prstGeom>
+            <a:noFill/>
+            <a:ln w="38100">
+              <a:solidFill>
+                <a:schemeClr val="tx1"/>
+              </a:solidFill>
+            </a:ln>
+          </p:spPr>
+          <p:style>
+            <a:lnRef idx="2">
+              <a:schemeClr val="accent1">
+                <a:shade val="15000"/>
+              </a:schemeClr>
+            </a:lnRef>
+            <a:fillRef idx="1">
+              <a:schemeClr val="accent1"/>
+            </a:fillRef>
+            <a:effectRef idx="0">
+              <a:schemeClr val="accent1"/>
+            </a:effectRef>
+            <a:fontRef idx="minor">
+              <a:schemeClr val="lt1"/>
+            </a:fontRef>
+          </p:style>
+          <p:txBody>
+            <a:bodyPr rtlCol="0" anchor="ctr"/>
+            <a:lstStyle/>
+            <a:p>
+              <a:pPr algn="r"/>
+              <a:r>
+                <a:rPr lang="ja-JP" altLang="en-US" sz="2400" b="1" dirty="0">
+                  <a:solidFill>
+                    <a:schemeClr val="tx1"/>
+                  </a:solidFill>
+                  <a:latin typeface="メイリオ" panose="020B0604030504040204" pitchFamily="50" charset="-128"/>
+                  <a:ea typeface="メイリオ" panose="020B0604030504040204" pitchFamily="50" charset="-128"/>
+                </a:rPr>
+                <a:t>勤怠</a:t>
+              </a:r>
+              <a:endParaRPr kumimoji="1" lang="en-US" altLang="ja-JP" sz="2400" b="1" dirty="0">
+                <a:solidFill>
+                  <a:schemeClr val="tx1"/>
+                </a:solidFill>
+                <a:latin typeface="メイリオ" panose="020B0604030504040204" pitchFamily="50" charset="-128"/>
+                <a:ea typeface="メイリオ" panose="020B0604030504040204" pitchFamily="50" charset="-128"/>
+              </a:endParaRPr>
+            </a:p>
+          </p:txBody>
+        </p:sp>
+        <p:pic>
+          <p:nvPicPr>
+            <p:cNvPr id="18" name="グラフィックス 17" descr="ユーザー 枠線">
+              <a:extLst>
+                <a:ext uri="{FF2B5EF4-FFF2-40B4-BE49-F238E27FC236}">
+                  <a16:creationId xmlns:a16="http://schemas.microsoft.com/office/drawing/2014/main" id="{ED8F5D2C-002B-9679-3C76-90878E2C6608}"/>
+                </a:ext>
+              </a:extLst>
+            </p:cNvPr>
+            <p:cNvPicPr>
+              <a:picLocks noChangeAspect="1"/>
+            </p:cNvPicPr>
+            <p:nvPr/>
+          </p:nvPicPr>
+          <p:blipFill>
+            <a:blip r:embed="rId4">
+              <a:extLst>
+                <a:ext uri="{28A0092B-C50C-407E-A947-70E740481C1C}">
+                  <a14:useLocalDpi xmlns:a14="http://schemas.microsoft.com/office/drawing/2010/main" val="0"/>
+                </a:ext>
+                <a:ext uri="{96DAC541-7B7A-43D3-8B79-37D633B846F1}">
+                  <asvg:svgBlip xmlns:asvg="http://schemas.microsoft.com/office/drawing/2016/SVG/main" r:embed="rId5"/>
+                </a:ext>
+              </a:extLst>
+            </a:blip>
+            <a:stretch>
+              <a:fillRect/>
+            </a:stretch>
+          </p:blipFill>
+          <p:spPr>
+            <a:xfrm>
+              <a:off x="3500436" y="3243266"/>
+              <a:ext cx="647695" cy="647695"/>
+            </a:xfrm>
+            <a:prstGeom prst="rect">
+              <a:avLst/>
+            </a:prstGeom>
+          </p:spPr>
+        </p:pic>
+      </p:grpSp>
+      <p:sp>
+        <p:nvSpPr>
+          <p:cNvPr id="20" name="四角形: 角を丸くする 19">
+            <a:extLst>
+              <a:ext uri="{FF2B5EF4-FFF2-40B4-BE49-F238E27FC236}">
+                <a16:creationId xmlns:a16="http://schemas.microsoft.com/office/drawing/2014/main" id="{2110EC78-B7EE-7394-D6E3-9E192D4E1F30}"/>
+              </a:ext>
+            </a:extLst>
+          </p:cNvPr>
+          <p:cNvSpPr/>
+          <p:nvPr/>
+        </p:nvSpPr>
+        <p:spPr>
+          <a:xfrm>
+            <a:off x="704849" y="4536463"/>
+            <a:ext cx="1343023" cy="786165"/>
+          </a:xfrm>
+          <a:prstGeom prst="roundRect">
+            <a:avLst/>
+          </a:prstGeom>
+          <a:noFill/>
+          <a:ln w="38100">
+            <a:solidFill>
+              <a:schemeClr val="tx1"/>
+            </a:solidFill>
+          </a:ln>
+        </p:spPr>
+        <p:style>
+          <a:lnRef idx="2">
+            <a:schemeClr val="accent1">
+              <a:shade val="15000"/>
+            </a:schemeClr>
+          </a:lnRef>
+          <a:fillRef idx="1">
+            <a:schemeClr val="accent1"/>
+          </a:fillRef>
+          <a:effectRef idx="0">
+            <a:schemeClr val="accent1"/>
+          </a:effectRef>
+          <a:fontRef idx="minor">
+            <a:schemeClr val="lt1"/>
+          </a:fontRef>
+        </p:style>
+        <p:txBody>
+          <a:bodyPr rtlCol="0" anchor="ctr"/>
+          <a:lstStyle/>
+          <a:p>
+            <a:pPr algn="ctr"/>
+            <a:r>
+              <a:rPr kumimoji="1" lang="ja-JP" altLang="en-US" sz="1100" b="1" dirty="0">
+                <a:solidFill>
+                  <a:schemeClr val="tx1"/>
+                </a:solidFill>
+                <a:latin typeface="メイリオ" panose="020B0604030504040204" pitchFamily="50" charset="-128"/>
+                <a:ea typeface="メイリオ" panose="020B0604030504040204" pitchFamily="50" charset="-128"/>
+              </a:rPr>
+              <a:t>　コミュニティ</a:t>
+            </a:r>
+          </a:p>
+        </p:txBody>
+      </p:sp>
+      <p:grpSp>
+        <p:nvGrpSpPr>
+          <p:cNvPr id="22" name="グループ化 21">
+            <a:extLst>
+              <a:ext uri="{FF2B5EF4-FFF2-40B4-BE49-F238E27FC236}">
+                <a16:creationId xmlns:a16="http://schemas.microsoft.com/office/drawing/2014/main" id="{49255530-1D43-605C-AA07-7BCD5F29915D}"/>
+              </a:ext>
+            </a:extLst>
+          </p:cNvPr>
+          <p:cNvGrpSpPr/>
+          <p:nvPr/>
+        </p:nvGrpSpPr>
+        <p:grpSpPr>
+          <a:xfrm>
+            <a:off x="704849" y="3590494"/>
+            <a:ext cx="1343023" cy="712594"/>
+            <a:chOff x="3500436" y="3221221"/>
+            <a:chExt cx="1343023" cy="712594"/>
+          </a:xfrm>
+        </p:grpSpPr>
+        <p:sp>
+          <p:nvSpPr>
+            <p:cNvPr id="23" name="四角形: 角を丸くする 22">
+              <a:extLst>
+                <a:ext uri="{FF2B5EF4-FFF2-40B4-BE49-F238E27FC236}">
+                  <a16:creationId xmlns:a16="http://schemas.microsoft.com/office/drawing/2014/main" id="{02E60698-3D80-50BE-702F-2F000488B16E}"/>
+                </a:ext>
+              </a:extLst>
+            </p:cNvPr>
+            <p:cNvSpPr/>
+            <p:nvPr/>
+          </p:nvSpPr>
+          <p:spPr>
+            <a:xfrm>
+              <a:off x="3500436" y="3221221"/>
+              <a:ext cx="1343023" cy="712594"/>
+            </a:xfrm>
+            <a:prstGeom prst="roundRect">
+              <a:avLst/>
+            </a:prstGeom>
+            <a:noFill/>
+            <a:ln w="38100">
+              <a:solidFill>
+                <a:schemeClr val="tx1"/>
+              </a:solidFill>
+            </a:ln>
+          </p:spPr>
+          <p:style>
+            <a:lnRef idx="2">
+              <a:schemeClr val="accent1">
+                <a:shade val="15000"/>
+              </a:schemeClr>
+            </a:lnRef>
+            <a:fillRef idx="1">
+              <a:schemeClr val="accent1"/>
+            </a:fillRef>
+            <a:effectRef idx="0">
+              <a:schemeClr val="accent1"/>
+            </a:effectRef>
+            <a:fontRef idx="minor">
+              <a:schemeClr val="lt1"/>
+            </a:fontRef>
+          </p:style>
+          <p:txBody>
+            <a:bodyPr rtlCol="0" anchor="ctr"/>
+            <a:lstStyle/>
+            <a:p>
+              <a:pPr algn="r"/>
+              <a:r>
+                <a:rPr lang="ja-JP" altLang="en-US" sz="2400" b="1" dirty="0">
+                  <a:solidFill>
+                    <a:schemeClr val="tx1"/>
+                  </a:solidFill>
+                  <a:latin typeface="メイリオ" panose="020B0604030504040204" pitchFamily="50" charset="-128"/>
+                  <a:ea typeface="メイリオ" panose="020B0604030504040204" pitchFamily="50" charset="-128"/>
+                </a:rPr>
+                <a:t>勉強</a:t>
+              </a:r>
+              <a:endParaRPr kumimoji="1" lang="ja-JP" altLang="en-US" sz="2400" b="1" dirty="0">
+                <a:solidFill>
+                  <a:schemeClr val="tx1"/>
+                </a:solidFill>
+                <a:latin typeface="メイリオ" panose="020B0604030504040204" pitchFamily="50" charset="-128"/>
+                <a:ea typeface="メイリオ" panose="020B0604030504040204" pitchFamily="50" charset="-128"/>
+              </a:endParaRPr>
+            </a:p>
+          </p:txBody>
+        </p:sp>
+        <p:pic>
+          <p:nvPicPr>
+            <p:cNvPr id="24" name="グラフィックス 23" descr="ユーザー 枠線">
+              <a:extLst>
+                <a:ext uri="{FF2B5EF4-FFF2-40B4-BE49-F238E27FC236}">
+                  <a16:creationId xmlns:a16="http://schemas.microsoft.com/office/drawing/2014/main" id="{18638EAC-E229-EE41-8F35-6CB6F2CF5072}"/>
+                </a:ext>
+              </a:extLst>
+            </p:cNvPr>
+            <p:cNvPicPr>
+              <a:picLocks noChangeAspect="1"/>
+            </p:cNvPicPr>
+            <p:nvPr/>
+          </p:nvPicPr>
+          <p:blipFill>
+            <a:blip r:embed="rId4">
+              <a:extLst>
+                <a:ext uri="{28A0092B-C50C-407E-A947-70E740481C1C}">
+                  <a14:useLocalDpi xmlns:a14="http://schemas.microsoft.com/office/drawing/2010/main" val="0"/>
+                </a:ext>
+                <a:ext uri="{96DAC541-7B7A-43D3-8B79-37D633B846F1}">
+                  <asvg:svgBlip xmlns:asvg="http://schemas.microsoft.com/office/drawing/2016/SVG/main" r:embed="rId5"/>
+                </a:ext>
+              </a:extLst>
+            </a:blip>
+            <a:stretch>
+              <a:fillRect/>
+            </a:stretch>
+          </p:blipFill>
+          <p:spPr>
+            <a:xfrm>
+              <a:off x="3500436" y="3243266"/>
+              <a:ext cx="647695" cy="647695"/>
+            </a:xfrm>
+            <a:prstGeom prst="rect">
+              <a:avLst/>
+            </a:prstGeom>
+          </p:spPr>
+        </p:pic>
+      </p:grpSp>
+      <p:sp>
+        <p:nvSpPr>
+          <p:cNvPr id="26" name="四角形: 角を丸くする 25">
+            <a:extLst>
+              <a:ext uri="{FF2B5EF4-FFF2-40B4-BE49-F238E27FC236}">
+                <a16:creationId xmlns:a16="http://schemas.microsoft.com/office/drawing/2014/main" id="{FBDFE172-D1E7-E24B-228E-3B3CDD31D885}"/>
+              </a:ext>
+            </a:extLst>
+          </p:cNvPr>
+          <p:cNvSpPr/>
+          <p:nvPr/>
+        </p:nvSpPr>
+        <p:spPr>
+          <a:xfrm>
+            <a:off x="704849" y="5717453"/>
+            <a:ext cx="1343024" cy="519093"/>
+          </a:xfrm>
+          <a:prstGeom prst="roundRect">
+            <a:avLst/>
+          </a:prstGeom>
+          <a:noFill/>
+          <a:ln w="38100">
+            <a:solidFill>
+              <a:schemeClr val="tx1"/>
+            </a:solidFill>
+          </a:ln>
+        </p:spPr>
+        <p:style>
+          <a:lnRef idx="2">
+            <a:schemeClr val="accent1">
+              <a:shade val="15000"/>
+            </a:schemeClr>
+          </a:lnRef>
+          <a:fillRef idx="1">
+            <a:schemeClr val="accent1"/>
+          </a:fillRef>
+          <a:effectRef idx="0">
+            <a:schemeClr val="accent1"/>
+          </a:effectRef>
+          <a:fontRef idx="minor">
+            <a:schemeClr val="lt1"/>
+          </a:fontRef>
+        </p:style>
+        <p:txBody>
+          <a:bodyPr rtlCol="0" anchor="ctr"/>
+          <a:lstStyle/>
+          <a:p>
+            <a:pPr algn="ctr"/>
+            <a:r>
+              <a:rPr lang="ja-JP" altLang="en-US" sz="1600" b="1" dirty="0">
+                <a:solidFill>
+                  <a:schemeClr val="tx1"/>
+                </a:solidFill>
+                <a:latin typeface="メイリオ" panose="020B0604030504040204" pitchFamily="50" charset="-128"/>
+                <a:ea typeface="メイリオ" panose="020B0604030504040204" pitchFamily="50" charset="-128"/>
+              </a:rPr>
+              <a:t>ログアウト</a:t>
+            </a:r>
+            <a:endParaRPr kumimoji="1" lang="ja-JP" altLang="en-US" sz="1600" b="1" dirty="0">
+              <a:solidFill>
+                <a:schemeClr val="tx1"/>
+              </a:solidFill>
+              <a:latin typeface="メイリオ" panose="020B0604030504040204" pitchFamily="50" charset="-128"/>
+              <a:ea typeface="メイリオ" panose="020B0604030504040204" pitchFamily="50" charset="-128"/>
+            </a:endParaRPr>
+          </a:p>
+        </p:txBody>
+      </p:sp>
+      <p:pic>
+        <p:nvPicPr>
+          <p:cNvPr id="28" name="グラフィックス 27" descr="ユーザー 枠線">
+            <a:extLst>
+              <a:ext uri="{FF2B5EF4-FFF2-40B4-BE49-F238E27FC236}">
+                <a16:creationId xmlns:a16="http://schemas.microsoft.com/office/drawing/2014/main" id="{2DFDBE20-E461-550C-08A4-93CD572BF1F0}"/>
+              </a:ext>
+            </a:extLst>
+          </p:cNvPr>
+          <p:cNvPicPr>
+            <a:picLocks noChangeAspect="1"/>
+          </p:cNvPicPr>
+          <p:nvPr/>
+        </p:nvPicPr>
+        <p:blipFill>
+          <a:blip r:embed="rId4">
+            <a:extLst>
+              <a:ext uri="{28A0092B-C50C-407E-A947-70E740481C1C}">
+                <a14:useLocalDpi xmlns:a14="http://schemas.microsoft.com/office/drawing/2010/main" val="0"/>
+              </a:ext>
+              <a:ext uri="{96DAC541-7B7A-43D3-8B79-37D633B846F1}">
+                <asvg:svgBlip xmlns:asvg="http://schemas.microsoft.com/office/drawing/2016/SVG/main" r:embed="rId5"/>
+              </a:ext>
+            </a:extLst>
+          </a:blip>
+          <a:stretch>
+            <a:fillRect/>
+          </a:stretch>
+        </p:blipFill>
+        <p:spPr>
+          <a:xfrm>
+            <a:off x="595315" y="4780148"/>
+            <a:ext cx="566735" cy="566735"/>
+          </a:xfrm>
+          <a:prstGeom prst="rect">
+            <a:avLst/>
+          </a:prstGeom>
+        </p:spPr>
+      </p:pic>
+    </p:spTree>
+    <p:extLst>
+      <p:ext uri="{BB962C8B-B14F-4D97-AF65-F5344CB8AC3E}">
+        <p14:creationId xmlns:p14="http://schemas.microsoft.com/office/powerpoint/2010/main" val="526486251"/>
+      </p:ext>
+    </p:extLst>
+  </p:cSld>
+  <p:clrMapOvr>
+    <a:masterClrMapping/>
+  </p:clrMapOvr>
+</p:sld>
+</file>
+
+<file path=ppt/slides/slide20.xml><?xml version="1.0" encoding="utf-8"?>
 <p:sld xmlns:a="http://schemas.openxmlformats.org/drawingml/2006/main" xmlns:r="http://schemas.openxmlformats.org/officeDocument/2006/relationships" xmlns:p="http://schemas.openxmlformats.org/presentationml/2006/main">
   <p:cSld>
     <p:spTree>
@@ -11987,7 +18281,7 @@
 </p:sld>
 </file>
 
-<file path=ppt/slides/slide19.xml><?xml version="1.0" encoding="utf-8"?>
+<file path=ppt/slides/slide21.xml><?xml version="1.0" encoding="utf-8"?>
 <p:sld xmlns:a="http://schemas.openxmlformats.org/drawingml/2006/main" xmlns:r="http://schemas.openxmlformats.org/officeDocument/2006/relationships" xmlns:p="http://schemas.openxmlformats.org/presentationml/2006/main">
   <p:cSld>
     <p:spTree>
@@ -12405,1030 +18699,6 @@
     <p:extLst>
       <p:ext uri="{BB962C8B-B14F-4D97-AF65-F5344CB8AC3E}">
         <p14:creationId xmlns:p14="http://schemas.microsoft.com/office/powerpoint/2010/main" val="1209382476"/>
-      </p:ext>
-    </p:extLst>
-  </p:cSld>
-  <p:clrMapOvr>
-    <a:masterClrMapping/>
-  </p:clrMapOvr>
-</p:sld>
-</file>
-
-<file path=ppt/slides/slide2.xml><?xml version="1.0" encoding="utf-8"?>
-<p:sld xmlns:a="http://schemas.openxmlformats.org/drawingml/2006/main" xmlns:r="http://schemas.openxmlformats.org/officeDocument/2006/relationships" xmlns:p="http://schemas.openxmlformats.org/presentationml/2006/main">
-  <p:cSld>
-    <p:spTree>
-      <p:nvGrpSpPr>
-        <p:cNvPr id="1" name=""/>
-        <p:cNvGrpSpPr/>
-        <p:nvPr/>
-      </p:nvGrpSpPr>
-      <p:grpSpPr>
-        <a:xfrm>
-          <a:off x="0" y="0"/>
-          <a:ext cx="0" cy="0"/>
-          <a:chOff x="0" y="0"/>
-          <a:chExt cx="0" cy="0"/>
-        </a:xfrm>
-      </p:grpSpPr>
-      <p:sp>
-        <p:nvSpPr>
-          <p:cNvPr id="4" name="正方形/長方形 3">
-            <a:extLst>
-              <a:ext uri="{FF2B5EF4-FFF2-40B4-BE49-F238E27FC236}">
-                <a16:creationId xmlns:a16="http://schemas.microsoft.com/office/drawing/2014/main" id="{CE12CB8E-4860-01BD-294C-EBC30E6659DE}"/>
-              </a:ext>
-            </a:extLst>
-          </p:cNvPr>
-          <p:cNvSpPr>
-            <a:spLocks noGrp="1" noRot="1" noMove="1" noResize="1" noEditPoints="1" noAdjustHandles="1" noChangeArrowheads="1" noChangeShapeType="1"/>
-          </p:cNvSpPr>
-          <p:nvPr/>
-        </p:nvSpPr>
-        <p:spPr>
-          <a:xfrm>
-            <a:off x="704850" y="409575"/>
-            <a:ext cx="10782300" cy="6038850"/>
-          </a:xfrm>
-          <a:prstGeom prst="rect">
-            <a:avLst/>
-          </a:prstGeom>
-          <a:noFill/>
-          <a:ln w="28575">
-            <a:solidFill>
-              <a:schemeClr val="tx1"/>
-            </a:solidFill>
-          </a:ln>
-        </p:spPr>
-        <p:style>
-          <a:lnRef idx="2">
-            <a:schemeClr val="accent1">
-              <a:shade val="15000"/>
-            </a:schemeClr>
-          </a:lnRef>
-          <a:fillRef idx="1">
-            <a:schemeClr val="accent1"/>
-          </a:fillRef>
-          <a:effectRef idx="0">
-            <a:schemeClr val="accent1"/>
-          </a:effectRef>
-          <a:fontRef idx="minor">
-            <a:schemeClr val="lt1"/>
-          </a:fontRef>
-        </p:style>
-        <p:txBody>
-          <a:bodyPr rtlCol="0" anchor="ctr"/>
-          <a:lstStyle/>
-          <a:p>
-            <a:pPr algn="ctr"/>
-            <a:endParaRPr kumimoji="1" lang="ja-JP" altLang="en-US"/>
-          </a:p>
-        </p:txBody>
-      </p:sp>
-      <p:sp>
-        <p:nvSpPr>
-          <p:cNvPr id="5" name="正方形/長方形 4">
-            <a:extLst>
-              <a:ext uri="{FF2B5EF4-FFF2-40B4-BE49-F238E27FC236}">
-                <a16:creationId xmlns:a16="http://schemas.microsoft.com/office/drawing/2014/main" id="{B3D3FD9C-388C-3434-226D-0D954EFAF395}"/>
-              </a:ext>
-            </a:extLst>
-          </p:cNvPr>
-          <p:cNvSpPr/>
-          <p:nvPr/>
-        </p:nvSpPr>
-        <p:spPr>
-          <a:xfrm>
-            <a:off x="704851" y="1333499"/>
-            <a:ext cx="1343024" cy="5114925"/>
-          </a:xfrm>
-          <a:prstGeom prst="rect">
-            <a:avLst/>
-          </a:prstGeom>
-          <a:noFill/>
-          <a:ln w="28575">
-            <a:solidFill>
-              <a:schemeClr val="tx1"/>
-            </a:solidFill>
-          </a:ln>
-        </p:spPr>
-        <p:style>
-          <a:lnRef idx="2">
-            <a:schemeClr val="accent1">
-              <a:shade val="15000"/>
-            </a:schemeClr>
-          </a:lnRef>
-          <a:fillRef idx="1">
-            <a:schemeClr val="accent1"/>
-          </a:fillRef>
-          <a:effectRef idx="0">
-            <a:schemeClr val="accent1"/>
-          </a:effectRef>
-          <a:fontRef idx="minor">
-            <a:schemeClr val="lt1"/>
-          </a:fontRef>
-        </p:style>
-        <p:txBody>
-          <a:bodyPr rtlCol="0" anchor="ctr"/>
-          <a:lstStyle/>
-          <a:p>
-            <a:pPr algn="ctr"/>
-            <a:endParaRPr kumimoji="1" lang="ja-JP" altLang="en-US"/>
-          </a:p>
-        </p:txBody>
-      </p:sp>
-      <p:pic>
-        <p:nvPicPr>
-          <p:cNvPr id="7" name="グラフィックス 6" descr="ハンガーガー形のメニュー アイコン 単色塗りつぶし">
-            <a:extLst>
-              <a:ext uri="{FF2B5EF4-FFF2-40B4-BE49-F238E27FC236}">
-                <a16:creationId xmlns:a16="http://schemas.microsoft.com/office/drawing/2014/main" id="{818B76B6-A794-D5F5-4766-5F2777B96659}"/>
-              </a:ext>
-            </a:extLst>
-          </p:cNvPr>
-          <p:cNvPicPr>
-            <a:picLocks noChangeAspect="1"/>
-          </p:cNvPicPr>
-          <p:nvPr/>
-        </p:nvPicPr>
-        <p:blipFill>
-          <a:blip r:embed="rId2">
-            <a:extLst>
-              <a:ext uri="{28A0092B-C50C-407E-A947-70E740481C1C}">
-                <a14:useLocalDpi xmlns:a14="http://schemas.microsoft.com/office/drawing/2010/main" val="0"/>
-              </a:ext>
-              <a:ext uri="{96DAC541-7B7A-43D3-8B79-37D633B846F1}">
-                <asvg:svgBlip xmlns:asvg="http://schemas.microsoft.com/office/drawing/2016/SVG/main" r:embed="rId3"/>
-              </a:ext>
-            </a:extLst>
-          </a:blip>
-          <a:stretch>
-            <a:fillRect/>
-          </a:stretch>
-        </p:blipFill>
-        <p:spPr>
-          <a:xfrm>
-            <a:off x="919163" y="419098"/>
-            <a:ext cx="914400" cy="914400"/>
-          </a:xfrm>
-          <a:prstGeom prst="rect">
-            <a:avLst/>
-          </a:prstGeom>
-        </p:spPr>
-      </p:pic>
-      <p:cxnSp>
-        <p:nvCxnSpPr>
-          <p:cNvPr id="9" name="直線コネクタ 8">
-            <a:extLst>
-              <a:ext uri="{FF2B5EF4-FFF2-40B4-BE49-F238E27FC236}">
-                <a16:creationId xmlns:a16="http://schemas.microsoft.com/office/drawing/2014/main" id="{DCE315C0-27D4-07AB-6952-144CD069DE9C}"/>
-              </a:ext>
-            </a:extLst>
-          </p:cNvPr>
-          <p:cNvCxnSpPr>
-            <a:cxnSpLocks/>
-          </p:cNvCxnSpPr>
-          <p:nvPr/>
-        </p:nvCxnSpPr>
-        <p:spPr>
-          <a:xfrm>
-            <a:off x="704850" y="1333499"/>
-            <a:ext cx="10782300" cy="0"/>
-          </a:xfrm>
-          <a:prstGeom prst="line">
-            <a:avLst/>
-          </a:prstGeom>
-          <a:ln w="28575">
-            <a:solidFill>
-              <a:schemeClr val="tx1"/>
-            </a:solidFill>
-          </a:ln>
-        </p:spPr>
-        <p:style>
-          <a:lnRef idx="1">
-            <a:schemeClr val="accent1"/>
-          </a:lnRef>
-          <a:fillRef idx="0">
-            <a:schemeClr val="accent1"/>
-          </a:fillRef>
-          <a:effectRef idx="0">
-            <a:schemeClr val="accent1"/>
-          </a:effectRef>
-          <a:fontRef idx="minor">
-            <a:schemeClr val="tx1"/>
-          </a:fontRef>
-        </p:style>
-      </p:cxnSp>
-      <p:sp>
-        <p:nvSpPr>
-          <p:cNvPr id="11" name="正方形/長方形 10">
-            <a:extLst>
-              <a:ext uri="{FF2B5EF4-FFF2-40B4-BE49-F238E27FC236}">
-                <a16:creationId xmlns:a16="http://schemas.microsoft.com/office/drawing/2014/main" id="{650D9D88-7635-0987-A25D-9209773AB10C}"/>
-              </a:ext>
-            </a:extLst>
-          </p:cNvPr>
-          <p:cNvSpPr/>
-          <p:nvPr/>
-        </p:nvSpPr>
-        <p:spPr>
-          <a:xfrm>
-            <a:off x="2047875" y="469105"/>
-            <a:ext cx="2486024" cy="814385"/>
-          </a:xfrm>
-          <a:prstGeom prst="rect">
-            <a:avLst/>
-          </a:prstGeom>
-          <a:noFill/>
-          <a:ln w="28575">
-            <a:solidFill>
-              <a:schemeClr val="tx1"/>
-            </a:solidFill>
-          </a:ln>
-        </p:spPr>
-        <p:style>
-          <a:lnRef idx="2">
-            <a:schemeClr val="accent1">
-              <a:shade val="15000"/>
-            </a:schemeClr>
-          </a:lnRef>
-          <a:fillRef idx="1">
-            <a:schemeClr val="accent1"/>
-          </a:fillRef>
-          <a:effectRef idx="0">
-            <a:schemeClr val="accent1"/>
-          </a:effectRef>
-          <a:fontRef idx="minor">
-            <a:schemeClr val="lt1"/>
-          </a:fontRef>
-        </p:style>
-        <p:txBody>
-          <a:bodyPr rtlCol="0" anchor="ctr"/>
-          <a:lstStyle/>
-          <a:p>
-            <a:pPr algn="ctr"/>
-            <a:r>
-              <a:rPr kumimoji="1" lang="ja-JP" altLang="en-US" sz="2400" b="1" dirty="0">
-                <a:solidFill>
-                  <a:schemeClr val="tx1"/>
-                </a:solidFill>
-                <a:latin typeface="メイリオ" panose="020B0604030504040204" pitchFamily="50" charset="-128"/>
-                <a:ea typeface="メイリオ" panose="020B0604030504040204" pitchFamily="50" charset="-128"/>
-              </a:rPr>
-              <a:t>アプリアイコン</a:t>
-            </a:r>
-          </a:p>
-        </p:txBody>
-      </p:sp>
-      <p:grpSp>
-        <p:nvGrpSpPr>
-          <p:cNvPr id="8" name="グループ化 7">
-            <a:extLst>
-              <a:ext uri="{FF2B5EF4-FFF2-40B4-BE49-F238E27FC236}">
-                <a16:creationId xmlns:a16="http://schemas.microsoft.com/office/drawing/2014/main" id="{F537A4F5-0CE1-C603-02CD-2F541DB681BF}"/>
-              </a:ext>
-            </a:extLst>
-          </p:cNvPr>
-          <p:cNvGrpSpPr/>
-          <p:nvPr/>
-        </p:nvGrpSpPr>
-        <p:grpSpPr>
-          <a:xfrm>
-            <a:off x="6296025" y="469106"/>
-            <a:ext cx="5076826" cy="814382"/>
-            <a:chOff x="4762500" y="2764630"/>
-            <a:chExt cx="5076826" cy="814382"/>
-          </a:xfrm>
-        </p:grpSpPr>
-        <p:sp>
-          <p:nvSpPr>
-            <p:cNvPr id="13" name="正方形/長方形 12">
-              <a:extLst>
-                <a:ext uri="{FF2B5EF4-FFF2-40B4-BE49-F238E27FC236}">
-                  <a16:creationId xmlns:a16="http://schemas.microsoft.com/office/drawing/2014/main" id="{E4C4D304-AFD1-E585-0782-EE291AE17E1D}"/>
-                </a:ext>
-              </a:extLst>
-            </p:cNvPr>
-            <p:cNvSpPr/>
-            <p:nvPr/>
-          </p:nvSpPr>
-          <p:spPr>
-            <a:xfrm>
-              <a:off x="4762500" y="2764630"/>
-              <a:ext cx="5076826" cy="814382"/>
-            </a:xfrm>
-            <a:prstGeom prst="rect">
-              <a:avLst/>
-            </a:prstGeom>
-            <a:noFill/>
-            <a:ln w="28575">
-              <a:solidFill>
-                <a:schemeClr val="tx1"/>
-              </a:solidFill>
-            </a:ln>
-          </p:spPr>
-          <p:style>
-            <a:lnRef idx="2">
-              <a:schemeClr val="accent1">
-                <a:shade val="15000"/>
-              </a:schemeClr>
-            </a:lnRef>
-            <a:fillRef idx="1">
-              <a:schemeClr val="accent1"/>
-            </a:fillRef>
-            <a:effectRef idx="0">
-              <a:schemeClr val="accent1"/>
-            </a:effectRef>
-            <a:fontRef idx="minor">
-              <a:schemeClr val="lt1"/>
-            </a:fontRef>
-          </p:style>
-          <p:txBody>
-            <a:bodyPr rtlCol="0" anchor="ctr"/>
-            <a:lstStyle/>
-            <a:p>
-              <a:pPr algn="ctr"/>
-              <a:endParaRPr kumimoji="1" lang="ja-JP" altLang="en-US"/>
-            </a:p>
-          </p:txBody>
-        </p:sp>
-        <p:sp>
-          <p:nvSpPr>
-            <p:cNvPr id="2" name="テキスト ボックス 1">
-              <a:extLst>
-                <a:ext uri="{FF2B5EF4-FFF2-40B4-BE49-F238E27FC236}">
-                  <a16:creationId xmlns:a16="http://schemas.microsoft.com/office/drawing/2014/main" id="{4F91359F-073E-634E-2377-D8B3E9DCC26E}"/>
-                </a:ext>
-              </a:extLst>
-            </p:cNvPr>
-            <p:cNvSpPr txBox="1"/>
-            <p:nvPr/>
-          </p:nvSpPr>
-          <p:spPr>
-            <a:xfrm>
-              <a:off x="4848224" y="3012035"/>
-              <a:ext cx="4191000" cy="369332"/>
-            </a:xfrm>
-            <a:prstGeom prst="rect">
-              <a:avLst/>
-            </a:prstGeom>
-            <a:noFill/>
-          </p:spPr>
-          <p:txBody>
-            <a:bodyPr wrap="square" rtlCol="0">
-              <a:spAutoFit/>
-            </a:bodyPr>
-            <a:lstStyle/>
-            <a:p>
-              <a:r>
-                <a:rPr lang="ja-JP" altLang="en-US" b="1" i="0" dirty="0">
-                  <a:effectLst/>
-                  <a:latin typeface="メイリオ" panose="020B0604030504040204" pitchFamily="50" charset="-128"/>
-                  <a:ea typeface="メイリオ" panose="020B0604030504040204" pitchFamily="50" charset="-128"/>
-                </a:rPr>
-                <a:t>今日の用語：</a:t>
-              </a:r>
-              <a:r>
-                <a:rPr lang="en-US" altLang="ja-JP" b="1" i="0" dirty="0">
-                  <a:effectLst/>
-                  <a:latin typeface="メイリオ" panose="020B0604030504040204" pitchFamily="50" charset="-128"/>
-                  <a:ea typeface="メイリオ" panose="020B0604030504040204" pitchFamily="50" charset="-128"/>
-                </a:rPr>
-                <a:t>SQL</a:t>
-              </a:r>
-              <a:r>
-                <a:rPr lang="ja-JP" altLang="en-US" b="1" i="0" dirty="0">
-                  <a:effectLst/>
-                  <a:latin typeface="メイリオ" panose="020B0604030504040204" pitchFamily="50" charset="-128"/>
-                  <a:ea typeface="メイリオ" panose="020B0604030504040204" pitchFamily="50" charset="-128"/>
-                </a:rPr>
-                <a:t>インジェクション</a:t>
-              </a:r>
-              <a:endParaRPr kumimoji="1" lang="ja-JP" altLang="en-US" dirty="0">
-                <a:latin typeface="メイリオ" panose="020B0604030504040204" pitchFamily="50" charset="-128"/>
-                <a:ea typeface="メイリオ" panose="020B0604030504040204" pitchFamily="50" charset="-128"/>
-              </a:endParaRPr>
-            </a:p>
-          </p:txBody>
-        </p:sp>
-        <p:sp>
-          <p:nvSpPr>
-            <p:cNvPr id="6" name="四角形: 角を丸くする 5">
-              <a:extLst>
-                <a:ext uri="{FF2B5EF4-FFF2-40B4-BE49-F238E27FC236}">
-                  <a16:creationId xmlns:a16="http://schemas.microsoft.com/office/drawing/2014/main" id="{10C1F249-F177-3ED6-17B4-019E6CE97C7E}"/>
-                </a:ext>
-              </a:extLst>
-            </p:cNvPr>
-            <p:cNvSpPr/>
-            <p:nvPr/>
-          </p:nvSpPr>
-          <p:spPr>
-            <a:xfrm>
-              <a:off x="8724902" y="2952746"/>
-              <a:ext cx="1009650" cy="438150"/>
-            </a:xfrm>
-            <a:prstGeom prst="roundRect">
-              <a:avLst/>
-            </a:prstGeom>
-            <a:noFill/>
-            <a:ln w="28575">
-              <a:solidFill>
-                <a:schemeClr val="tx1"/>
-              </a:solidFill>
-            </a:ln>
-          </p:spPr>
-          <p:style>
-            <a:lnRef idx="2">
-              <a:schemeClr val="accent1">
-                <a:shade val="15000"/>
-              </a:schemeClr>
-            </a:lnRef>
-            <a:fillRef idx="1">
-              <a:schemeClr val="accent1"/>
-            </a:fillRef>
-            <a:effectRef idx="0">
-              <a:schemeClr val="accent1"/>
-            </a:effectRef>
-            <a:fontRef idx="minor">
-              <a:schemeClr val="lt1"/>
-            </a:fontRef>
-          </p:style>
-          <p:txBody>
-            <a:bodyPr rtlCol="0" anchor="ctr"/>
-            <a:lstStyle/>
-            <a:p>
-              <a:pPr algn="ctr"/>
-              <a:r>
-                <a:rPr lang="ja-JP" altLang="en-US" b="1" dirty="0">
-                  <a:solidFill>
-                    <a:schemeClr val="tx1"/>
-                  </a:solidFill>
-                  <a:latin typeface="メイリオ" panose="020B0604030504040204" pitchFamily="50" charset="-128"/>
-                  <a:ea typeface="メイリオ" panose="020B0604030504040204" pitchFamily="50" charset="-128"/>
-                </a:rPr>
-                <a:t>解説</a:t>
-              </a:r>
-              <a:endParaRPr kumimoji="1" lang="ja-JP" altLang="en-US" b="1" dirty="0">
-                <a:solidFill>
-                  <a:schemeClr val="tx1"/>
-                </a:solidFill>
-                <a:latin typeface="メイリオ" panose="020B0604030504040204" pitchFamily="50" charset="-128"/>
-                <a:ea typeface="メイリオ" panose="020B0604030504040204" pitchFamily="50" charset="-128"/>
-              </a:endParaRPr>
-            </a:p>
-          </p:txBody>
-        </p:sp>
-      </p:grpSp>
-      <p:grpSp>
-        <p:nvGrpSpPr>
-          <p:cNvPr id="15" name="グループ化 14">
-            <a:extLst>
-              <a:ext uri="{FF2B5EF4-FFF2-40B4-BE49-F238E27FC236}">
-                <a16:creationId xmlns:a16="http://schemas.microsoft.com/office/drawing/2014/main" id="{34EB958E-FFE3-A0D0-4407-F139AF89F011}"/>
-              </a:ext>
-            </a:extLst>
-          </p:cNvPr>
-          <p:cNvGrpSpPr/>
-          <p:nvPr/>
-        </p:nvGrpSpPr>
-        <p:grpSpPr>
-          <a:xfrm>
-            <a:off x="704850" y="1698556"/>
-            <a:ext cx="1343023" cy="712594"/>
-            <a:chOff x="3500436" y="3221221"/>
-            <a:chExt cx="1343023" cy="712594"/>
-          </a:xfrm>
-        </p:grpSpPr>
-        <p:sp>
-          <p:nvSpPr>
-            <p:cNvPr id="10" name="四角形: 角を丸くする 9">
-              <a:extLst>
-                <a:ext uri="{FF2B5EF4-FFF2-40B4-BE49-F238E27FC236}">
-                  <a16:creationId xmlns:a16="http://schemas.microsoft.com/office/drawing/2014/main" id="{91C31B07-A9C0-91EA-E014-038D9326548F}"/>
-                </a:ext>
-              </a:extLst>
-            </p:cNvPr>
-            <p:cNvSpPr/>
-            <p:nvPr/>
-          </p:nvSpPr>
-          <p:spPr>
-            <a:xfrm>
-              <a:off x="3500436" y="3221221"/>
-              <a:ext cx="1343023" cy="712594"/>
-            </a:xfrm>
-            <a:prstGeom prst="roundRect">
-              <a:avLst/>
-            </a:prstGeom>
-            <a:noFill/>
-            <a:ln w="38100">
-              <a:solidFill>
-                <a:schemeClr val="tx1"/>
-              </a:solidFill>
-            </a:ln>
-          </p:spPr>
-          <p:style>
-            <a:lnRef idx="2">
-              <a:schemeClr val="accent1">
-                <a:shade val="15000"/>
-              </a:schemeClr>
-            </a:lnRef>
-            <a:fillRef idx="1">
-              <a:schemeClr val="accent1"/>
-            </a:fillRef>
-            <a:effectRef idx="0">
-              <a:schemeClr val="accent1"/>
-            </a:effectRef>
-            <a:fontRef idx="minor">
-              <a:schemeClr val="lt1"/>
-            </a:fontRef>
-          </p:style>
-          <p:txBody>
-            <a:bodyPr rtlCol="0" anchor="ctr"/>
-            <a:lstStyle/>
-            <a:p>
-              <a:pPr algn="r"/>
-              <a:r>
-                <a:rPr kumimoji="1" lang="ja-JP" altLang="en-US" sz="2400" b="1" dirty="0">
-                  <a:solidFill>
-                    <a:schemeClr val="tx1"/>
-                  </a:solidFill>
-                  <a:latin typeface="メイリオ" panose="020B0604030504040204" pitchFamily="50" charset="-128"/>
-                  <a:ea typeface="メイリオ" panose="020B0604030504040204" pitchFamily="50" charset="-128"/>
-                </a:rPr>
-                <a:t>拙者</a:t>
-              </a:r>
-            </a:p>
-          </p:txBody>
-        </p:sp>
-        <p:pic>
-          <p:nvPicPr>
-            <p:cNvPr id="14" name="グラフィックス 13" descr="ユーザー 枠線">
-              <a:extLst>
-                <a:ext uri="{FF2B5EF4-FFF2-40B4-BE49-F238E27FC236}">
-                  <a16:creationId xmlns:a16="http://schemas.microsoft.com/office/drawing/2014/main" id="{3D019C4B-497F-5BA8-E94F-71755D16CA27}"/>
-                </a:ext>
-              </a:extLst>
-            </p:cNvPr>
-            <p:cNvPicPr>
-              <a:picLocks noChangeAspect="1"/>
-            </p:cNvPicPr>
-            <p:nvPr/>
-          </p:nvPicPr>
-          <p:blipFill>
-            <a:blip r:embed="rId4">
-              <a:extLst>
-                <a:ext uri="{28A0092B-C50C-407E-A947-70E740481C1C}">
-                  <a14:useLocalDpi xmlns:a14="http://schemas.microsoft.com/office/drawing/2010/main" val="0"/>
-                </a:ext>
-                <a:ext uri="{96DAC541-7B7A-43D3-8B79-37D633B846F1}">
-                  <asvg:svgBlip xmlns:asvg="http://schemas.microsoft.com/office/drawing/2016/SVG/main" r:embed="rId5"/>
-                </a:ext>
-              </a:extLst>
-            </a:blip>
-            <a:stretch>
-              <a:fillRect/>
-            </a:stretch>
-          </p:blipFill>
-          <p:spPr>
-            <a:xfrm>
-              <a:off x="3500436" y="3243266"/>
-              <a:ext cx="647695" cy="647695"/>
-            </a:xfrm>
-            <a:prstGeom prst="rect">
-              <a:avLst/>
-            </a:prstGeom>
-          </p:spPr>
-        </p:pic>
-      </p:grpSp>
-      <p:grpSp>
-        <p:nvGrpSpPr>
-          <p:cNvPr id="16" name="グループ化 15">
-            <a:extLst>
-              <a:ext uri="{FF2B5EF4-FFF2-40B4-BE49-F238E27FC236}">
-                <a16:creationId xmlns:a16="http://schemas.microsoft.com/office/drawing/2014/main" id="{FB3A6267-873F-A126-86ED-AEEBE2F3A1F4}"/>
-              </a:ext>
-            </a:extLst>
-          </p:cNvPr>
-          <p:cNvGrpSpPr/>
-          <p:nvPr/>
-        </p:nvGrpSpPr>
-        <p:grpSpPr>
-          <a:xfrm>
-            <a:off x="704849" y="2623717"/>
-            <a:ext cx="1343023" cy="733402"/>
-            <a:chOff x="3500436" y="3200413"/>
-            <a:chExt cx="1343023" cy="733402"/>
-          </a:xfrm>
-        </p:grpSpPr>
-        <p:sp>
-          <p:nvSpPr>
-            <p:cNvPr id="17" name="四角形: 角を丸くする 16">
-              <a:extLst>
-                <a:ext uri="{FF2B5EF4-FFF2-40B4-BE49-F238E27FC236}">
-                  <a16:creationId xmlns:a16="http://schemas.microsoft.com/office/drawing/2014/main" id="{AF3928A3-3840-9B08-3166-C3665F034FD1}"/>
-                </a:ext>
-              </a:extLst>
-            </p:cNvPr>
-            <p:cNvSpPr/>
-            <p:nvPr/>
-          </p:nvSpPr>
-          <p:spPr>
-            <a:xfrm>
-              <a:off x="3500436" y="3200413"/>
-              <a:ext cx="1343023" cy="733402"/>
-            </a:xfrm>
-            <a:prstGeom prst="roundRect">
-              <a:avLst/>
-            </a:prstGeom>
-            <a:noFill/>
-            <a:ln w="38100">
-              <a:solidFill>
-                <a:schemeClr val="tx1"/>
-              </a:solidFill>
-            </a:ln>
-          </p:spPr>
-          <p:style>
-            <a:lnRef idx="2">
-              <a:schemeClr val="accent1">
-                <a:shade val="15000"/>
-              </a:schemeClr>
-            </a:lnRef>
-            <a:fillRef idx="1">
-              <a:schemeClr val="accent1"/>
-            </a:fillRef>
-            <a:effectRef idx="0">
-              <a:schemeClr val="accent1"/>
-            </a:effectRef>
-            <a:fontRef idx="minor">
-              <a:schemeClr val="lt1"/>
-            </a:fontRef>
-          </p:style>
-          <p:txBody>
-            <a:bodyPr rtlCol="0" anchor="ctr"/>
-            <a:lstStyle/>
-            <a:p>
-              <a:pPr algn="r"/>
-              <a:r>
-                <a:rPr lang="ja-JP" altLang="en-US" sz="2400" b="1" dirty="0">
-                  <a:solidFill>
-                    <a:schemeClr val="tx1"/>
-                  </a:solidFill>
-                  <a:latin typeface="メイリオ" panose="020B0604030504040204" pitchFamily="50" charset="-128"/>
-                  <a:ea typeface="メイリオ" panose="020B0604030504040204" pitchFamily="50" charset="-128"/>
-                </a:rPr>
-                <a:t>勤怠</a:t>
-              </a:r>
-              <a:endParaRPr kumimoji="1" lang="en-US" altLang="ja-JP" sz="2400" b="1" dirty="0">
-                <a:solidFill>
-                  <a:schemeClr val="tx1"/>
-                </a:solidFill>
-                <a:latin typeface="メイリオ" panose="020B0604030504040204" pitchFamily="50" charset="-128"/>
-                <a:ea typeface="メイリオ" panose="020B0604030504040204" pitchFamily="50" charset="-128"/>
-              </a:endParaRPr>
-            </a:p>
-          </p:txBody>
-        </p:sp>
-        <p:pic>
-          <p:nvPicPr>
-            <p:cNvPr id="18" name="グラフィックス 17" descr="ユーザー 枠線">
-              <a:extLst>
-                <a:ext uri="{FF2B5EF4-FFF2-40B4-BE49-F238E27FC236}">
-                  <a16:creationId xmlns:a16="http://schemas.microsoft.com/office/drawing/2014/main" id="{ED8F5D2C-002B-9679-3C76-90878E2C6608}"/>
-                </a:ext>
-              </a:extLst>
-            </p:cNvPr>
-            <p:cNvPicPr>
-              <a:picLocks noChangeAspect="1"/>
-            </p:cNvPicPr>
-            <p:nvPr/>
-          </p:nvPicPr>
-          <p:blipFill>
-            <a:blip r:embed="rId4">
-              <a:extLst>
-                <a:ext uri="{28A0092B-C50C-407E-A947-70E740481C1C}">
-                  <a14:useLocalDpi xmlns:a14="http://schemas.microsoft.com/office/drawing/2010/main" val="0"/>
-                </a:ext>
-                <a:ext uri="{96DAC541-7B7A-43D3-8B79-37D633B846F1}">
-                  <asvg:svgBlip xmlns:asvg="http://schemas.microsoft.com/office/drawing/2016/SVG/main" r:embed="rId5"/>
-                </a:ext>
-              </a:extLst>
-            </a:blip>
-            <a:stretch>
-              <a:fillRect/>
-            </a:stretch>
-          </p:blipFill>
-          <p:spPr>
-            <a:xfrm>
-              <a:off x="3500436" y="3243266"/>
-              <a:ext cx="647695" cy="647695"/>
-            </a:xfrm>
-            <a:prstGeom prst="rect">
-              <a:avLst/>
-            </a:prstGeom>
-          </p:spPr>
-        </p:pic>
-      </p:grpSp>
-      <p:sp>
-        <p:nvSpPr>
-          <p:cNvPr id="20" name="四角形: 角を丸くする 19">
-            <a:extLst>
-              <a:ext uri="{FF2B5EF4-FFF2-40B4-BE49-F238E27FC236}">
-                <a16:creationId xmlns:a16="http://schemas.microsoft.com/office/drawing/2014/main" id="{2110EC78-B7EE-7394-D6E3-9E192D4E1F30}"/>
-              </a:ext>
-            </a:extLst>
-          </p:cNvPr>
-          <p:cNvSpPr/>
-          <p:nvPr/>
-        </p:nvSpPr>
-        <p:spPr>
-          <a:xfrm>
-            <a:off x="704849" y="4536463"/>
-            <a:ext cx="1343023" cy="786165"/>
-          </a:xfrm>
-          <a:prstGeom prst="roundRect">
-            <a:avLst/>
-          </a:prstGeom>
-          <a:noFill/>
-          <a:ln w="38100">
-            <a:solidFill>
-              <a:schemeClr val="tx1"/>
-            </a:solidFill>
-          </a:ln>
-        </p:spPr>
-        <p:style>
-          <a:lnRef idx="2">
-            <a:schemeClr val="accent1">
-              <a:shade val="15000"/>
-            </a:schemeClr>
-          </a:lnRef>
-          <a:fillRef idx="1">
-            <a:schemeClr val="accent1"/>
-          </a:fillRef>
-          <a:effectRef idx="0">
-            <a:schemeClr val="accent1"/>
-          </a:effectRef>
-          <a:fontRef idx="minor">
-            <a:schemeClr val="lt1"/>
-          </a:fontRef>
-        </p:style>
-        <p:txBody>
-          <a:bodyPr rtlCol="0" anchor="ctr"/>
-          <a:lstStyle/>
-          <a:p>
-            <a:pPr algn="ctr"/>
-            <a:r>
-              <a:rPr kumimoji="1" lang="ja-JP" altLang="en-US" sz="1100" b="1" dirty="0">
-                <a:solidFill>
-                  <a:schemeClr val="tx1"/>
-                </a:solidFill>
-                <a:latin typeface="メイリオ" panose="020B0604030504040204" pitchFamily="50" charset="-128"/>
-                <a:ea typeface="メイリオ" panose="020B0604030504040204" pitchFamily="50" charset="-128"/>
-              </a:rPr>
-              <a:t>　コミュニティ</a:t>
-            </a:r>
-          </a:p>
-        </p:txBody>
-      </p:sp>
-      <p:grpSp>
-        <p:nvGrpSpPr>
-          <p:cNvPr id="22" name="グループ化 21">
-            <a:extLst>
-              <a:ext uri="{FF2B5EF4-FFF2-40B4-BE49-F238E27FC236}">
-                <a16:creationId xmlns:a16="http://schemas.microsoft.com/office/drawing/2014/main" id="{49255530-1D43-605C-AA07-7BCD5F29915D}"/>
-              </a:ext>
-            </a:extLst>
-          </p:cNvPr>
-          <p:cNvGrpSpPr/>
-          <p:nvPr/>
-        </p:nvGrpSpPr>
-        <p:grpSpPr>
-          <a:xfrm>
-            <a:off x="704849" y="3590494"/>
-            <a:ext cx="1343023" cy="712594"/>
-            <a:chOff x="3500436" y="3221221"/>
-            <a:chExt cx="1343023" cy="712594"/>
-          </a:xfrm>
-        </p:grpSpPr>
-        <p:sp>
-          <p:nvSpPr>
-            <p:cNvPr id="23" name="四角形: 角を丸くする 22">
-              <a:extLst>
-                <a:ext uri="{FF2B5EF4-FFF2-40B4-BE49-F238E27FC236}">
-                  <a16:creationId xmlns:a16="http://schemas.microsoft.com/office/drawing/2014/main" id="{02E60698-3D80-50BE-702F-2F000488B16E}"/>
-                </a:ext>
-              </a:extLst>
-            </p:cNvPr>
-            <p:cNvSpPr/>
-            <p:nvPr/>
-          </p:nvSpPr>
-          <p:spPr>
-            <a:xfrm>
-              <a:off x="3500436" y="3221221"/>
-              <a:ext cx="1343023" cy="712594"/>
-            </a:xfrm>
-            <a:prstGeom prst="roundRect">
-              <a:avLst/>
-            </a:prstGeom>
-            <a:noFill/>
-            <a:ln w="38100">
-              <a:solidFill>
-                <a:schemeClr val="tx1"/>
-              </a:solidFill>
-            </a:ln>
-          </p:spPr>
-          <p:style>
-            <a:lnRef idx="2">
-              <a:schemeClr val="accent1">
-                <a:shade val="15000"/>
-              </a:schemeClr>
-            </a:lnRef>
-            <a:fillRef idx="1">
-              <a:schemeClr val="accent1"/>
-            </a:fillRef>
-            <a:effectRef idx="0">
-              <a:schemeClr val="accent1"/>
-            </a:effectRef>
-            <a:fontRef idx="minor">
-              <a:schemeClr val="lt1"/>
-            </a:fontRef>
-          </p:style>
-          <p:txBody>
-            <a:bodyPr rtlCol="0" anchor="ctr"/>
-            <a:lstStyle/>
-            <a:p>
-              <a:pPr algn="r"/>
-              <a:r>
-                <a:rPr lang="ja-JP" altLang="en-US" sz="2400" b="1" dirty="0">
-                  <a:solidFill>
-                    <a:schemeClr val="tx1"/>
-                  </a:solidFill>
-                  <a:latin typeface="メイリオ" panose="020B0604030504040204" pitchFamily="50" charset="-128"/>
-                  <a:ea typeface="メイリオ" panose="020B0604030504040204" pitchFamily="50" charset="-128"/>
-                </a:rPr>
-                <a:t>勉強</a:t>
-              </a:r>
-              <a:endParaRPr kumimoji="1" lang="ja-JP" altLang="en-US" sz="2400" b="1" dirty="0">
-                <a:solidFill>
-                  <a:schemeClr val="tx1"/>
-                </a:solidFill>
-                <a:latin typeface="メイリオ" panose="020B0604030504040204" pitchFamily="50" charset="-128"/>
-                <a:ea typeface="メイリオ" panose="020B0604030504040204" pitchFamily="50" charset="-128"/>
-              </a:endParaRPr>
-            </a:p>
-          </p:txBody>
-        </p:sp>
-        <p:pic>
-          <p:nvPicPr>
-            <p:cNvPr id="24" name="グラフィックス 23" descr="ユーザー 枠線">
-              <a:extLst>
-                <a:ext uri="{FF2B5EF4-FFF2-40B4-BE49-F238E27FC236}">
-                  <a16:creationId xmlns:a16="http://schemas.microsoft.com/office/drawing/2014/main" id="{18638EAC-E229-EE41-8F35-6CB6F2CF5072}"/>
-                </a:ext>
-              </a:extLst>
-            </p:cNvPr>
-            <p:cNvPicPr>
-              <a:picLocks noChangeAspect="1"/>
-            </p:cNvPicPr>
-            <p:nvPr/>
-          </p:nvPicPr>
-          <p:blipFill>
-            <a:blip r:embed="rId4">
-              <a:extLst>
-                <a:ext uri="{28A0092B-C50C-407E-A947-70E740481C1C}">
-                  <a14:useLocalDpi xmlns:a14="http://schemas.microsoft.com/office/drawing/2010/main" val="0"/>
-                </a:ext>
-                <a:ext uri="{96DAC541-7B7A-43D3-8B79-37D633B846F1}">
-                  <asvg:svgBlip xmlns:asvg="http://schemas.microsoft.com/office/drawing/2016/SVG/main" r:embed="rId5"/>
-                </a:ext>
-              </a:extLst>
-            </a:blip>
-            <a:stretch>
-              <a:fillRect/>
-            </a:stretch>
-          </p:blipFill>
-          <p:spPr>
-            <a:xfrm>
-              <a:off x="3500436" y="3243266"/>
-              <a:ext cx="647695" cy="647695"/>
-            </a:xfrm>
-            <a:prstGeom prst="rect">
-              <a:avLst/>
-            </a:prstGeom>
-          </p:spPr>
-        </p:pic>
-      </p:grpSp>
-      <p:sp>
-        <p:nvSpPr>
-          <p:cNvPr id="26" name="四角形: 角を丸くする 25">
-            <a:extLst>
-              <a:ext uri="{FF2B5EF4-FFF2-40B4-BE49-F238E27FC236}">
-                <a16:creationId xmlns:a16="http://schemas.microsoft.com/office/drawing/2014/main" id="{FBDFE172-D1E7-E24B-228E-3B3CDD31D885}"/>
-              </a:ext>
-            </a:extLst>
-          </p:cNvPr>
-          <p:cNvSpPr/>
-          <p:nvPr/>
-        </p:nvSpPr>
-        <p:spPr>
-          <a:xfrm>
-            <a:off x="704849" y="5717453"/>
-            <a:ext cx="1343024" cy="519093"/>
-          </a:xfrm>
-          <a:prstGeom prst="roundRect">
-            <a:avLst/>
-          </a:prstGeom>
-          <a:noFill/>
-          <a:ln w="38100">
-            <a:solidFill>
-              <a:schemeClr val="tx1"/>
-            </a:solidFill>
-          </a:ln>
-        </p:spPr>
-        <p:style>
-          <a:lnRef idx="2">
-            <a:schemeClr val="accent1">
-              <a:shade val="15000"/>
-            </a:schemeClr>
-          </a:lnRef>
-          <a:fillRef idx="1">
-            <a:schemeClr val="accent1"/>
-          </a:fillRef>
-          <a:effectRef idx="0">
-            <a:schemeClr val="accent1"/>
-          </a:effectRef>
-          <a:fontRef idx="minor">
-            <a:schemeClr val="lt1"/>
-          </a:fontRef>
-        </p:style>
-        <p:txBody>
-          <a:bodyPr rtlCol="0" anchor="ctr"/>
-          <a:lstStyle/>
-          <a:p>
-            <a:pPr algn="ctr"/>
-            <a:r>
-              <a:rPr lang="ja-JP" altLang="en-US" sz="1600" b="1" dirty="0">
-                <a:solidFill>
-                  <a:schemeClr val="tx1"/>
-                </a:solidFill>
-                <a:latin typeface="メイリオ" panose="020B0604030504040204" pitchFamily="50" charset="-128"/>
-                <a:ea typeface="メイリオ" panose="020B0604030504040204" pitchFamily="50" charset="-128"/>
-              </a:rPr>
-              <a:t>ログアウト</a:t>
-            </a:r>
-            <a:endParaRPr kumimoji="1" lang="ja-JP" altLang="en-US" sz="1600" b="1" dirty="0">
-              <a:solidFill>
-                <a:schemeClr val="tx1"/>
-              </a:solidFill>
-              <a:latin typeface="メイリオ" panose="020B0604030504040204" pitchFamily="50" charset="-128"/>
-              <a:ea typeface="メイリオ" panose="020B0604030504040204" pitchFamily="50" charset="-128"/>
-            </a:endParaRPr>
-          </a:p>
-        </p:txBody>
-      </p:sp>
-      <p:pic>
-        <p:nvPicPr>
-          <p:cNvPr id="28" name="グラフィックス 27" descr="ユーザー 枠線">
-            <a:extLst>
-              <a:ext uri="{FF2B5EF4-FFF2-40B4-BE49-F238E27FC236}">
-                <a16:creationId xmlns:a16="http://schemas.microsoft.com/office/drawing/2014/main" id="{2DFDBE20-E461-550C-08A4-93CD572BF1F0}"/>
-              </a:ext>
-            </a:extLst>
-          </p:cNvPr>
-          <p:cNvPicPr>
-            <a:picLocks noChangeAspect="1"/>
-          </p:cNvPicPr>
-          <p:nvPr/>
-        </p:nvPicPr>
-        <p:blipFill>
-          <a:blip r:embed="rId4">
-            <a:extLst>
-              <a:ext uri="{28A0092B-C50C-407E-A947-70E740481C1C}">
-                <a14:useLocalDpi xmlns:a14="http://schemas.microsoft.com/office/drawing/2010/main" val="0"/>
-              </a:ext>
-              <a:ext uri="{96DAC541-7B7A-43D3-8B79-37D633B846F1}">
-                <asvg:svgBlip xmlns:asvg="http://schemas.microsoft.com/office/drawing/2016/SVG/main" r:embed="rId5"/>
-              </a:ext>
-            </a:extLst>
-          </a:blip>
-          <a:stretch>
-            <a:fillRect/>
-          </a:stretch>
-        </p:blipFill>
-        <p:spPr>
-          <a:xfrm>
-            <a:off x="595315" y="4780148"/>
-            <a:ext cx="566735" cy="566735"/>
-          </a:xfrm>
-          <a:prstGeom prst="rect">
-            <a:avLst/>
-          </a:prstGeom>
-        </p:spPr>
-      </p:pic>
-    </p:spTree>
-    <p:extLst>
-      <p:ext uri="{BB962C8B-B14F-4D97-AF65-F5344CB8AC3E}">
-        <p14:creationId xmlns:p14="http://schemas.microsoft.com/office/powerpoint/2010/main" val="526486251"/>
       </p:ext>
     </p:extLst>
   </p:cSld>
@@ -22105,13 +27375,13 @@
           <p:nvPr>
             <p:extLst>
               <p:ext uri="{D42A27DB-BD31-4B8C-83A1-F6EECF244321}">
-                <p14:modId xmlns:p14="http://schemas.microsoft.com/office/powerpoint/2010/main" val="1267012605"/>
+                <p14:modId xmlns:p14="http://schemas.microsoft.com/office/powerpoint/2010/main" val="3837113234"/>
               </p:ext>
             </p:extLst>
           </p:nvPr>
         </p:nvGraphicFramePr>
         <p:xfrm>
-          <a:off x="1771333" y="2844392"/>
+          <a:off x="1771333" y="3102845"/>
           <a:ext cx="9601518" cy="3088803"/>
         </p:xfrm>
         <a:graphic>
@@ -22136,7 +27406,7 @@
                   </a:extLst>
                 </a:gridCol>
               </a:tblGrid>
-              <a:tr h="450481">
+              <a:tr h="320667">
                 <a:tc>
                   <a:txBody>
                     <a:bodyPr/>
